--- a/profiling.pptx
+++ b/profiling.pptx
@@ -5,32 +5,33 @@
     <p:sldMasterId id="2147483660" r:id="rId1"/>
   </p:sldMasterIdLst>
   <p:notesMasterIdLst>
-    <p:notesMasterId r:id="rId22"/>
+    <p:notesMasterId r:id="rId23"/>
   </p:notesMasterIdLst>
   <p:handoutMasterIdLst>
-    <p:handoutMasterId r:id="rId23"/>
+    <p:handoutMasterId r:id="rId24"/>
   </p:handoutMasterIdLst>
   <p:sldIdLst>
     <p:sldId id="273" r:id="rId2"/>
-    <p:sldId id="501" r:id="rId3"/>
-    <p:sldId id="430" r:id="rId4"/>
-    <p:sldId id="419" r:id="rId5"/>
-    <p:sldId id="464" r:id="rId6"/>
-    <p:sldId id="358" r:id="rId7"/>
-    <p:sldId id="275" r:id="rId8"/>
-    <p:sldId id="397" r:id="rId9"/>
-    <p:sldId id="453" r:id="rId10"/>
-    <p:sldId id="452" r:id="rId11"/>
-    <p:sldId id="284" r:id="rId12"/>
-    <p:sldId id="454" r:id="rId13"/>
-    <p:sldId id="390" r:id="rId14"/>
-    <p:sldId id="465" r:id="rId15"/>
-    <p:sldId id="493" r:id="rId16"/>
-    <p:sldId id="391" r:id="rId17"/>
-    <p:sldId id="468" r:id="rId18"/>
-    <p:sldId id="355" r:id="rId19"/>
-    <p:sldId id="288" r:id="rId20"/>
-    <p:sldId id="298" r:id="rId21"/>
+    <p:sldId id="399" r:id="rId3"/>
+    <p:sldId id="501" r:id="rId4"/>
+    <p:sldId id="430" r:id="rId5"/>
+    <p:sldId id="419" r:id="rId6"/>
+    <p:sldId id="464" r:id="rId7"/>
+    <p:sldId id="358" r:id="rId8"/>
+    <p:sldId id="275" r:id="rId9"/>
+    <p:sldId id="397" r:id="rId10"/>
+    <p:sldId id="453" r:id="rId11"/>
+    <p:sldId id="452" r:id="rId12"/>
+    <p:sldId id="284" r:id="rId13"/>
+    <p:sldId id="454" r:id="rId14"/>
+    <p:sldId id="390" r:id="rId15"/>
+    <p:sldId id="465" r:id="rId16"/>
+    <p:sldId id="493" r:id="rId17"/>
+    <p:sldId id="391" r:id="rId18"/>
+    <p:sldId id="468" r:id="rId19"/>
+    <p:sldId id="355" r:id="rId20"/>
+    <p:sldId id="288" r:id="rId21"/>
+    <p:sldId id="298" r:id="rId22"/>
   </p:sldIdLst>
   <p:sldSz cx="9144000" cy="6858000" type="screen4x3"/>
   <p:notesSz cx="6858000" cy="9144000"/>
@@ -165,6 +166,7 @@
         <p14:section name="Untitled Section" id="{BAA15BF6-FE96-3445-86D7-BE737DCC358B}">
           <p14:sldIdLst>
             <p14:sldId id="273"/>
+            <p14:sldId id="399"/>
             <p14:sldId id="501"/>
             <p14:sldId id="430"/>
             <p14:sldId id="419"/>
@@ -1125,7 +1127,1432 @@
 </dgm:colorsDef>
 </file>
 
+<file path=ppt/diagrams/colors2.xml><?xml version="1.0" encoding="utf-8"?>
+<dgm:colorsDef xmlns:dgm="http://schemas.openxmlformats.org/drawingml/2006/diagram" xmlns:a="http://schemas.openxmlformats.org/drawingml/2006/main" uniqueId="urn:microsoft.com/office/officeart/2005/8/colors/colorful1#2">
+  <dgm:title val=""/>
+  <dgm:desc val=""/>
+  <dgm:catLst>
+    <dgm:cat type="colorful" pri="10100"/>
+  </dgm:catLst>
+  <dgm:styleLbl name="node0">
+    <dgm:fillClrLst meth="repeat">
+      <a:schemeClr val="accent1"/>
+    </dgm:fillClrLst>
+    <dgm:linClrLst meth="repeat">
+      <a:schemeClr val="lt1"/>
+    </dgm:linClrLst>
+    <dgm:effectClrLst/>
+    <dgm:txLinClrLst/>
+    <dgm:txFillClrLst/>
+    <dgm:txEffectClrLst/>
+  </dgm:styleLbl>
+  <dgm:styleLbl name="node1">
+    <dgm:fillClrLst meth="repeat">
+      <a:schemeClr val="accent2"/>
+      <a:schemeClr val="accent3"/>
+      <a:schemeClr val="accent4"/>
+      <a:schemeClr val="accent5"/>
+      <a:schemeClr val="accent6"/>
+    </dgm:fillClrLst>
+    <dgm:linClrLst meth="repeat">
+      <a:schemeClr val="lt1"/>
+    </dgm:linClrLst>
+    <dgm:effectClrLst/>
+    <dgm:txLinClrLst/>
+    <dgm:txFillClrLst/>
+    <dgm:txEffectClrLst/>
+  </dgm:styleLbl>
+  <dgm:styleLbl name="alignNode1">
+    <dgm:fillClrLst meth="repeat">
+      <a:schemeClr val="accent2"/>
+      <a:schemeClr val="accent3"/>
+      <a:schemeClr val="accent4"/>
+      <a:schemeClr val="accent5"/>
+      <a:schemeClr val="accent6"/>
+    </dgm:fillClrLst>
+    <dgm:linClrLst meth="repeat">
+      <a:schemeClr val="accent2"/>
+      <a:schemeClr val="accent3"/>
+      <a:schemeClr val="accent4"/>
+      <a:schemeClr val="accent5"/>
+      <a:schemeClr val="accent6"/>
+    </dgm:linClrLst>
+    <dgm:effectClrLst/>
+    <dgm:txLinClrLst/>
+    <dgm:txFillClrLst/>
+    <dgm:txEffectClrLst/>
+  </dgm:styleLbl>
+  <dgm:styleLbl name="lnNode1">
+    <dgm:fillClrLst meth="repeat">
+      <a:schemeClr val="accent2"/>
+      <a:schemeClr val="accent3"/>
+      <a:schemeClr val="accent4"/>
+      <a:schemeClr val="accent5"/>
+      <a:schemeClr val="accent6"/>
+    </dgm:fillClrLst>
+    <dgm:linClrLst meth="repeat">
+      <a:schemeClr val="lt1"/>
+    </dgm:linClrLst>
+    <dgm:effectClrLst/>
+    <dgm:txLinClrLst/>
+    <dgm:txFillClrLst/>
+    <dgm:txEffectClrLst/>
+  </dgm:styleLbl>
+  <dgm:styleLbl name="vennNode1">
+    <dgm:fillClrLst meth="repeat">
+      <a:schemeClr val="accent2">
+        <a:alpha val="50000"/>
+      </a:schemeClr>
+      <a:schemeClr val="accent3">
+        <a:alpha val="50000"/>
+      </a:schemeClr>
+      <a:schemeClr val="accent4">
+        <a:alpha val="50000"/>
+      </a:schemeClr>
+      <a:schemeClr val="accent5">
+        <a:alpha val="50000"/>
+      </a:schemeClr>
+      <a:schemeClr val="accent6">
+        <a:alpha val="50000"/>
+      </a:schemeClr>
+    </dgm:fillClrLst>
+    <dgm:linClrLst meth="repeat">
+      <a:schemeClr val="lt1"/>
+    </dgm:linClrLst>
+    <dgm:effectClrLst/>
+    <dgm:txLinClrLst/>
+    <dgm:txFillClrLst/>
+    <dgm:txEffectClrLst/>
+  </dgm:styleLbl>
+  <dgm:styleLbl name="node2">
+    <dgm:fillClrLst>
+      <a:schemeClr val="accent2"/>
+    </dgm:fillClrLst>
+    <dgm:linClrLst meth="repeat">
+      <a:schemeClr val="lt1"/>
+    </dgm:linClrLst>
+    <dgm:effectClrLst/>
+    <dgm:txLinClrLst/>
+    <dgm:txFillClrLst/>
+    <dgm:txEffectClrLst/>
+  </dgm:styleLbl>
+  <dgm:styleLbl name="node3">
+    <dgm:fillClrLst>
+      <a:schemeClr val="accent3"/>
+    </dgm:fillClrLst>
+    <dgm:linClrLst meth="repeat">
+      <a:schemeClr val="lt1"/>
+    </dgm:linClrLst>
+    <dgm:effectClrLst/>
+    <dgm:txLinClrLst/>
+    <dgm:txFillClrLst/>
+    <dgm:txEffectClrLst/>
+  </dgm:styleLbl>
+  <dgm:styleLbl name="node4">
+    <dgm:fillClrLst>
+      <a:schemeClr val="accent4"/>
+    </dgm:fillClrLst>
+    <dgm:linClrLst meth="repeat">
+      <a:schemeClr val="lt1"/>
+    </dgm:linClrLst>
+    <dgm:effectClrLst/>
+    <dgm:txLinClrLst/>
+    <dgm:txFillClrLst/>
+    <dgm:txEffectClrLst/>
+  </dgm:styleLbl>
+  <dgm:styleLbl name="fgImgPlace1">
+    <dgm:fillClrLst meth="repeat">
+      <a:schemeClr val="accent2">
+        <a:tint val="50000"/>
+      </a:schemeClr>
+      <a:schemeClr val="accent3">
+        <a:tint val="50000"/>
+      </a:schemeClr>
+      <a:schemeClr val="accent4">
+        <a:tint val="50000"/>
+      </a:schemeClr>
+      <a:schemeClr val="accent5">
+        <a:tint val="50000"/>
+      </a:schemeClr>
+      <a:schemeClr val="accent6">
+        <a:tint val="50000"/>
+      </a:schemeClr>
+    </dgm:fillClrLst>
+    <dgm:linClrLst meth="repeat">
+      <a:schemeClr val="lt1"/>
+    </dgm:linClrLst>
+    <dgm:effectClrLst/>
+    <dgm:txLinClrLst/>
+    <dgm:txFillClrLst meth="repeat">
+      <a:schemeClr val="lt1"/>
+    </dgm:txFillClrLst>
+    <dgm:txEffectClrLst/>
+  </dgm:styleLbl>
+  <dgm:styleLbl name="alignImgPlace1">
+    <dgm:fillClrLst>
+      <a:schemeClr val="accent1">
+        <a:tint val="50000"/>
+      </a:schemeClr>
+      <a:schemeClr val="accent1">
+        <a:tint val="20000"/>
+      </a:schemeClr>
+    </dgm:fillClrLst>
+    <dgm:linClrLst meth="repeat">
+      <a:schemeClr val="lt1"/>
+    </dgm:linClrLst>
+    <dgm:effectClrLst/>
+    <dgm:txLinClrLst/>
+    <dgm:txFillClrLst meth="repeat">
+      <a:schemeClr val="lt1"/>
+    </dgm:txFillClrLst>
+    <dgm:txEffectClrLst/>
+  </dgm:styleLbl>
+  <dgm:styleLbl name="bgImgPlace1">
+    <dgm:fillClrLst>
+      <a:schemeClr val="accent1">
+        <a:tint val="50000"/>
+      </a:schemeClr>
+      <a:schemeClr val="accent1">
+        <a:tint val="20000"/>
+      </a:schemeClr>
+    </dgm:fillClrLst>
+    <dgm:linClrLst meth="repeat">
+      <a:schemeClr val="lt1"/>
+    </dgm:linClrLst>
+    <dgm:effectClrLst/>
+    <dgm:txLinClrLst/>
+    <dgm:txFillClrLst meth="repeat">
+      <a:schemeClr val="lt1"/>
+    </dgm:txFillClrLst>
+    <dgm:txEffectClrLst/>
+  </dgm:styleLbl>
+  <dgm:styleLbl name="sibTrans2D1">
+    <dgm:fillClrLst meth="repeat">
+      <a:schemeClr val="accent2"/>
+      <a:schemeClr val="accent3"/>
+      <a:schemeClr val="accent4"/>
+      <a:schemeClr val="accent5"/>
+      <a:schemeClr val="accent6"/>
+    </dgm:fillClrLst>
+    <dgm:linClrLst meth="cycle">
+      <a:schemeClr val="lt1"/>
+    </dgm:linClrLst>
+    <dgm:effectClrLst/>
+    <dgm:txLinClrLst/>
+    <dgm:txFillClrLst/>
+    <dgm:txEffectClrLst/>
+  </dgm:styleLbl>
+  <dgm:styleLbl name="fgSibTrans2D1">
+    <dgm:fillClrLst meth="repeat">
+      <a:schemeClr val="accent2"/>
+      <a:schemeClr val="accent3"/>
+      <a:schemeClr val="accent4"/>
+      <a:schemeClr val="accent5"/>
+      <a:schemeClr val="accent6"/>
+    </dgm:fillClrLst>
+    <dgm:linClrLst meth="cycle">
+      <a:schemeClr val="lt1"/>
+    </dgm:linClrLst>
+    <dgm:effectClrLst/>
+    <dgm:txLinClrLst/>
+    <dgm:txFillClrLst meth="repeat">
+      <a:schemeClr val="lt1"/>
+    </dgm:txFillClrLst>
+    <dgm:txEffectClrLst/>
+  </dgm:styleLbl>
+  <dgm:styleLbl name="bgSibTrans2D1">
+    <dgm:fillClrLst meth="repeat">
+      <a:schemeClr val="accent2"/>
+      <a:schemeClr val="accent3"/>
+      <a:schemeClr val="accent4"/>
+      <a:schemeClr val="accent5"/>
+      <a:schemeClr val="accent6"/>
+    </dgm:fillClrLst>
+    <dgm:linClrLst meth="cycle">
+      <a:schemeClr val="lt1"/>
+    </dgm:linClrLst>
+    <dgm:effectClrLst/>
+    <dgm:txLinClrLst/>
+    <dgm:txFillClrLst meth="repeat">
+      <a:schemeClr val="lt1"/>
+    </dgm:txFillClrLst>
+    <dgm:txEffectClrLst/>
+  </dgm:styleLbl>
+  <dgm:styleLbl name="sibTrans1D1">
+    <dgm:fillClrLst meth="repeat">
+      <a:schemeClr val="accent2"/>
+      <a:schemeClr val="accent3"/>
+      <a:schemeClr val="accent4"/>
+      <a:schemeClr val="accent5"/>
+      <a:schemeClr val="accent6"/>
+    </dgm:fillClrLst>
+    <dgm:linClrLst meth="repeat">
+      <a:schemeClr val="accent2"/>
+      <a:schemeClr val="accent3"/>
+      <a:schemeClr val="accent4"/>
+      <a:schemeClr val="accent5"/>
+      <a:schemeClr val="accent6"/>
+    </dgm:linClrLst>
+    <dgm:effectClrLst/>
+    <dgm:txLinClrLst/>
+    <dgm:txFillClrLst meth="repeat">
+      <a:schemeClr val="tx1"/>
+    </dgm:txFillClrLst>
+    <dgm:txEffectClrLst/>
+  </dgm:styleLbl>
+  <dgm:styleLbl name="callout">
+    <dgm:fillClrLst meth="repeat">
+      <a:schemeClr val="accent2"/>
+    </dgm:fillClrLst>
+    <dgm:linClrLst meth="repeat">
+      <a:schemeClr val="accent2">
+        <a:tint val="50000"/>
+      </a:schemeClr>
+    </dgm:linClrLst>
+    <dgm:effectClrLst/>
+    <dgm:txLinClrLst/>
+    <dgm:txFillClrLst meth="repeat">
+      <a:schemeClr val="tx1"/>
+    </dgm:txFillClrLst>
+    <dgm:txEffectClrLst/>
+  </dgm:styleLbl>
+  <dgm:styleLbl name="asst0">
+    <dgm:fillClrLst meth="repeat">
+      <a:schemeClr val="accent1"/>
+    </dgm:fillClrLst>
+    <dgm:linClrLst meth="repeat">
+      <a:schemeClr val="lt1"/>
+    </dgm:linClrLst>
+    <dgm:effectClrLst/>
+    <dgm:txLinClrLst/>
+    <dgm:txFillClrLst/>
+    <dgm:txEffectClrLst/>
+  </dgm:styleLbl>
+  <dgm:styleLbl name="asst1">
+    <dgm:fillClrLst meth="repeat">
+      <a:schemeClr val="accent2"/>
+    </dgm:fillClrLst>
+    <dgm:linClrLst meth="repeat">
+      <a:schemeClr val="lt1"/>
+    </dgm:linClrLst>
+    <dgm:effectClrLst/>
+    <dgm:txLinClrLst/>
+    <dgm:txFillClrLst/>
+    <dgm:txEffectClrLst/>
+  </dgm:styleLbl>
+  <dgm:styleLbl name="asst2">
+    <dgm:fillClrLst>
+      <a:schemeClr val="accent3"/>
+    </dgm:fillClrLst>
+    <dgm:linClrLst meth="repeat">
+      <a:schemeClr val="lt1"/>
+    </dgm:linClrLst>
+    <dgm:effectClrLst/>
+    <dgm:txLinClrLst/>
+    <dgm:txFillClrLst/>
+    <dgm:txEffectClrLst/>
+  </dgm:styleLbl>
+  <dgm:styleLbl name="asst3">
+    <dgm:fillClrLst>
+      <a:schemeClr val="accent4"/>
+    </dgm:fillClrLst>
+    <dgm:linClrLst meth="repeat">
+      <a:schemeClr val="lt1"/>
+    </dgm:linClrLst>
+    <dgm:effectClrLst/>
+    <dgm:txLinClrLst/>
+    <dgm:txFillClrLst/>
+    <dgm:txEffectClrLst/>
+  </dgm:styleLbl>
+  <dgm:styleLbl name="asst4">
+    <dgm:fillClrLst>
+      <a:schemeClr val="accent5"/>
+    </dgm:fillClrLst>
+    <dgm:linClrLst meth="repeat">
+      <a:schemeClr val="lt1"/>
+    </dgm:linClrLst>
+    <dgm:effectClrLst/>
+    <dgm:txLinClrLst/>
+    <dgm:txFillClrLst/>
+    <dgm:txEffectClrLst/>
+  </dgm:styleLbl>
+  <dgm:styleLbl name="parChTrans2D1">
+    <dgm:fillClrLst meth="repeat">
+      <a:schemeClr val="accent2"/>
+    </dgm:fillClrLst>
+    <dgm:linClrLst meth="repeat">
+      <a:schemeClr val="lt1"/>
+    </dgm:linClrLst>
+    <dgm:effectClrLst/>
+    <dgm:txLinClrLst/>
+    <dgm:txFillClrLst meth="repeat">
+      <a:schemeClr val="lt1"/>
+    </dgm:txFillClrLst>
+    <dgm:txEffectClrLst/>
+  </dgm:styleLbl>
+  <dgm:styleLbl name="parChTrans2D2">
+    <dgm:fillClrLst meth="repeat">
+      <a:schemeClr val="accent3"/>
+    </dgm:fillClrLst>
+    <dgm:linClrLst meth="repeat">
+      <a:schemeClr val="lt1"/>
+    </dgm:linClrLst>
+    <dgm:effectClrLst/>
+    <dgm:txLinClrLst/>
+    <dgm:txFillClrLst/>
+    <dgm:txEffectClrLst/>
+  </dgm:styleLbl>
+  <dgm:styleLbl name="parChTrans2D3">
+    <dgm:fillClrLst meth="repeat">
+      <a:schemeClr val="accent4"/>
+    </dgm:fillClrLst>
+    <dgm:linClrLst meth="repeat">
+      <a:schemeClr val="lt1"/>
+    </dgm:linClrLst>
+    <dgm:effectClrLst/>
+    <dgm:txLinClrLst/>
+    <dgm:txFillClrLst/>
+    <dgm:txEffectClrLst/>
+  </dgm:styleLbl>
+  <dgm:styleLbl name="parChTrans2D4">
+    <dgm:fillClrLst meth="repeat">
+      <a:schemeClr val="accent5"/>
+    </dgm:fillClrLst>
+    <dgm:linClrLst meth="repeat">
+      <a:schemeClr val="lt1"/>
+    </dgm:linClrLst>
+    <dgm:effectClrLst/>
+    <dgm:txLinClrLst/>
+    <dgm:txFillClrLst meth="repeat">
+      <a:schemeClr val="lt1"/>
+    </dgm:txFillClrLst>
+    <dgm:txEffectClrLst/>
+  </dgm:styleLbl>
+  <dgm:styleLbl name="parChTrans1D1">
+    <dgm:fillClrLst meth="repeat">
+      <a:schemeClr val="accent2"/>
+    </dgm:fillClrLst>
+    <dgm:linClrLst meth="repeat">
+      <a:schemeClr val="accent1"/>
+    </dgm:linClrLst>
+    <dgm:effectClrLst/>
+    <dgm:txLinClrLst/>
+    <dgm:txFillClrLst meth="repeat">
+      <a:schemeClr val="tx1"/>
+    </dgm:txFillClrLst>
+    <dgm:txEffectClrLst/>
+  </dgm:styleLbl>
+  <dgm:styleLbl name="parChTrans1D2">
+    <dgm:fillClrLst meth="repeat">
+      <a:schemeClr val="accent3">
+        <a:tint val="90000"/>
+      </a:schemeClr>
+    </dgm:fillClrLst>
+    <dgm:linClrLst meth="repeat">
+      <a:schemeClr val="accent2"/>
+    </dgm:linClrLst>
+    <dgm:effectClrLst/>
+    <dgm:txLinClrLst/>
+    <dgm:txFillClrLst meth="repeat">
+      <a:schemeClr val="tx1"/>
+    </dgm:txFillClrLst>
+    <dgm:txEffectClrLst/>
+  </dgm:styleLbl>
+  <dgm:styleLbl name="parChTrans1D3">
+    <dgm:fillClrLst meth="repeat">
+      <a:schemeClr val="accent4">
+        <a:tint val="70000"/>
+      </a:schemeClr>
+    </dgm:fillClrLst>
+    <dgm:linClrLst meth="repeat">
+      <a:schemeClr val="accent3"/>
+    </dgm:linClrLst>
+    <dgm:effectClrLst/>
+    <dgm:txLinClrLst/>
+    <dgm:txFillClrLst meth="repeat">
+      <a:schemeClr val="tx1"/>
+    </dgm:txFillClrLst>
+    <dgm:txEffectClrLst/>
+  </dgm:styleLbl>
+  <dgm:styleLbl name="parChTrans1D4">
+    <dgm:fillClrLst meth="repeat">
+      <a:schemeClr val="accent5">
+        <a:tint val="50000"/>
+      </a:schemeClr>
+    </dgm:fillClrLst>
+    <dgm:linClrLst meth="repeat">
+      <a:schemeClr val="accent4"/>
+    </dgm:linClrLst>
+    <dgm:effectClrLst/>
+    <dgm:txLinClrLst/>
+    <dgm:txFillClrLst meth="repeat">
+      <a:schemeClr val="tx1"/>
+    </dgm:txFillClrLst>
+    <dgm:txEffectClrLst/>
+  </dgm:styleLbl>
+  <dgm:styleLbl name="fgAcc1">
+    <dgm:fillClrLst meth="repeat">
+      <a:schemeClr val="lt1">
+        <a:alpha val="90000"/>
+      </a:schemeClr>
+    </dgm:fillClrLst>
+    <dgm:linClrLst meth="repeat">
+      <a:schemeClr val="accent2"/>
+      <a:schemeClr val="accent3"/>
+      <a:schemeClr val="accent4"/>
+      <a:schemeClr val="accent5"/>
+      <a:schemeClr val="accent6"/>
+    </dgm:linClrLst>
+    <dgm:effectClrLst/>
+    <dgm:txLinClrLst/>
+    <dgm:txFillClrLst meth="repeat">
+      <a:schemeClr val="dk1"/>
+    </dgm:txFillClrLst>
+    <dgm:txEffectClrLst/>
+  </dgm:styleLbl>
+  <dgm:styleLbl name="conFgAcc1">
+    <dgm:fillClrLst meth="repeat">
+      <a:schemeClr val="lt1">
+        <a:alpha val="90000"/>
+      </a:schemeClr>
+    </dgm:fillClrLst>
+    <dgm:linClrLst meth="repeat">
+      <a:schemeClr val="accent2"/>
+      <a:schemeClr val="accent3"/>
+      <a:schemeClr val="accent4"/>
+      <a:schemeClr val="accent5"/>
+      <a:schemeClr val="accent6"/>
+    </dgm:linClrLst>
+    <dgm:effectClrLst/>
+    <dgm:txLinClrLst/>
+    <dgm:txFillClrLst meth="repeat">
+      <a:schemeClr val="dk1"/>
+    </dgm:txFillClrLst>
+    <dgm:txEffectClrLst/>
+  </dgm:styleLbl>
+  <dgm:styleLbl name="alignAcc1">
+    <dgm:fillClrLst meth="repeat">
+      <a:schemeClr val="lt1">
+        <a:alpha val="90000"/>
+      </a:schemeClr>
+    </dgm:fillClrLst>
+    <dgm:linClrLst meth="repeat">
+      <a:schemeClr val="accent2"/>
+      <a:schemeClr val="accent3"/>
+      <a:schemeClr val="accent4"/>
+      <a:schemeClr val="accent5"/>
+      <a:schemeClr val="accent6"/>
+    </dgm:linClrLst>
+    <dgm:effectClrLst/>
+    <dgm:txLinClrLst/>
+    <dgm:txFillClrLst meth="repeat">
+      <a:schemeClr val="dk1"/>
+    </dgm:txFillClrLst>
+    <dgm:txEffectClrLst/>
+  </dgm:styleLbl>
+  <dgm:styleLbl name="trAlignAcc1">
+    <dgm:fillClrLst meth="repeat">
+      <a:schemeClr val="lt1">
+        <a:alpha val="40000"/>
+      </a:schemeClr>
+    </dgm:fillClrLst>
+    <dgm:linClrLst meth="repeat">
+      <a:schemeClr val="accent1"/>
+    </dgm:linClrLst>
+    <dgm:effectClrLst/>
+    <dgm:txLinClrLst/>
+    <dgm:txFillClrLst meth="repeat">
+      <a:schemeClr val="dk1"/>
+    </dgm:txFillClrLst>
+    <dgm:txEffectClrLst/>
+  </dgm:styleLbl>
+  <dgm:styleLbl name="bgAcc1">
+    <dgm:fillClrLst meth="repeat">
+      <a:schemeClr val="lt1">
+        <a:alpha val="90000"/>
+      </a:schemeClr>
+    </dgm:fillClrLst>
+    <dgm:linClrLst meth="repeat">
+      <a:schemeClr val="accent2"/>
+      <a:schemeClr val="accent3"/>
+      <a:schemeClr val="accent4"/>
+      <a:schemeClr val="accent5"/>
+      <a:schemeClr val="accent6"/>
+    </dgm:linClrLst>
+    <dgm:effectClrLst/>
+    <dgm:txLinClrLst/>
+    <dgm:txFillClrLst meth="repeat">
+      <a:schemeClr val="dk1"/>
+    </dgm:txFillClrLst>
+    <dgm:txEffectClrLst/>
+  </dgm:styleLbl>
+  <dgm:styleLbl name="solidFgAcc1">
+    <dgm:fillClrLst meth="repeat">
+      <a:schemeClr val="lt1"/>
+    </dgm:fillClrLst>
+    <dgm:linClrLst meth="repeat">
+      <a:schemeClr val="accent2"/>
+      <a:schemeClr val="accent3"/>
+      <a:schemeClr val="accent4"/>
+      <a:schemeClr val="accent5"/>
+      <a:schemeClr val="accent6"/>
+    </dgm:linClrLst>
+    <dgm:effectClrLst/>
+    <dgm:txLinClrLst/>
+    <dgm:txFillClrLst meth="repeat">
+      <a:schemeClr val="dk1"/>
+    </dgm:txFillClrLst>
+    <dgm:txEffectClrLst/>
+  </dgm:styleLbl>
+  <dgm:styleLbl name="solidAlignAcc1">
+    <dgm:fillClrLst meth="repeat">
+      <a:schemeClr val="lt1"/>
+    </dgm:fillClrLst>
+    <dgm:linClrLst meth="repeat">
+      <a:schemeClr val="accent2"/>
+      <a:schemeClr val="accent3"/>
+      <a:schemeClr val="accent4"/>
+      <a:schemeClr val="accent5"/>
+      <a:schemeClr val="accent6"/>
+    </dgm:linClrLst>
+    <dgm:effectClrLst/>
+    <dgm:txLinClrLst/>
+    <dgm:txFillClrLst meth="repeat">
+      <a:schemeClr val="dk1"/>
+    </dgm:txFillClrLst>
+    <dgm:txEffectClrLst/>
+  </dgm:styleLbl>
+  <dgm:styleLbl name="solidBgAcc1">
+    <dgm:fillClrLst meth="repeat">
+      <a:schemeClr val="lt1"/>
+    </dgm:fillClrLst>
+    <dgm:linClrLst meth="repeat">
+      <a:schemeClr val="accent2"/>
+      <a:schemeClr val="accent3"/>
+      <a:schemeClr val="accent4"/>
+      <a:schemeClr val="accent5"/>
+      <a:schemeClr val="accent6"/>
+    </dgm:linClrLst>
+    <dgm:effectClrLst/>
+    <dgm:txLinClrLst/>
+    <dgm:txFillClrLst meth="repeat">
+      <a:schemeClr val="dk1"/>
+    </dgm:txFillClrLst>
+    <dgm:txEffectClrLst/>
+  </dgm:styleLbl>
+  <dgm:styleLbl name="fgAccFollowNode1">
+    <dgm:fillClrLst meth="repeat">
+      <a:schemeClr val="accent2">
+        <a:tint val="40000"/>
+        <a:alpha val="90000"/>
+      </a:schemeClr>
+      <a:schemeClr val="accent3">
+        <a:tint val="40000"/>
+        <a:alpha val="90000"/>
+      </a:schemeClr>
+      <a:schemeClr val="accent4">
+        <a:tint val="40000"/>
+        <a:alpha val="90000"/>
+      </a:schemeClr>
+      <a:schemeClr val="accent5">
+        <a:tint val="40000"/>
+        <a:alpha val="90000"/>
+      </a:schemeClr>
+      <a:schemeClr val="accent6">
+        <a:tint val="40000"/>
+        <a:alpha val="90000"/>
+      </a:schemeClr>
+    </dgm:fillClrLst>
+    <dgm:linClrLst meth="repeat">
+      <a:schemeClr val="accent2">
+        <a:tint val="40000"/>
+        <a:alpha val="90000"/>
+      </a:schemeClr>
+      <a:schemeClr val="accent3">
+        <a:tint val="40000"/>
+        <a:alpha val="90000"/>
+      </a:schemeClr>
+      <a:schemeClr val="accent4">
+        <a:tint val="40000"/>
+        <a:alpha val="90000"/>
+      </a:schemeClr>
+      <a:schemeClr val="accent5">
+        <a:tint val="40000"/>
+        <a:alpha val="90000"/>
+      </a:schemeClr>
+      <a:schemeClr val="accent6">
+        <a:tint val="40000"/>
+        <a:alpha val="90000"/>
+      </a:schemeClr>
+    </dgm:linClrLst>
+    <dgm:effectClrLst/>
+    <dgm:txLinClrLst/>
+    <dgm:txFillClrLst meth="repeat">
+      <a:schemeClr val="dk1"/>
+    </dgm:txFillClrLst>
+    <dgm:txEffectClrLst/>
+  </dgm:styleLbl>
+  <dgm:styleLbl name="alignAccFollowNode1">
+    <dgm:fillClrLst meth="repeat">
+      <a:schemeClr val="accent2">
+        <a:tint val="40000"/>
+        <a:alpha val="90000"/>
+      </a:schemeClr>
+      <a:schemeClr val="accent3">
+        <a:tint val="40000"/>
+        <a:alpha val="90000"/>
+      </a:schemeClr>
+      <a:schemeClr val="accent4">
+        <a:tint val="40000"/>
+        <a:alpha val="90000"/>
+      </a:schemeClr>
+      <a:schemeClr val="accent5">
+        <a:tint val="40000"/>
+        <a:alpha val="90000"/>
+      </a:schemeClr>
+      <a:schemeClr val="accent6">
+        <a:tint val="40000"/>
+        <a:alpha val="90000"/>
+      </a:schemeClr>
+    </dgm:fillClrLst>
+    <dgm:linClrLst meth="repeat">
+      <a:schemeClr val="accent2">
+        <a:tint val="40000"/>
+        <a:alpha val="90000"/>
+      </a:schemeClr>
+      <a:schemeClr val="accent3">
+        <a:tint val="40000"/>
+        <a:alpha val="90000"/>
+      </a:schemeClr>
+      <a:schemeClr val="accent4">
+        <a:tint val="40000"/>
+        <a:alpha val="90000"/>
+      </a:schemeClr>
+      <a:schemeClr val="accent5">
+        <a:tint val="40000"/>
+        <a:alpha val="90000"/>
+      </a:schemeClr>
+      <a:schemeClr val="accent6">
+        <a:tint val="40000"/>
+        <a:alpha val="90000"/>
+      </a:schemeClr>
+    </dgm:linClrLst>
+    <dgm:effectClrLst/>
+    <dgm:txLinClrLst/>
+    <dgm:txFillClrLst meth="repeat">
+      <a:schemeClr val="dk1"/>
+    </dgm:txFillClrLst>
+    <dgm:txEffectClrLst/>
+  </dgm:styleLbl>
+  <dgm:styleLbl name="bgAccFollowNode1">
+    <dgm:fillClrLst meth="repeat">
+      <a:schemeClr val="accent2">
+        <a:tint val="40000"/>
+        <a:alpha val="90000"/>
+      </a:schemeClr>
+      <a:schemeClr val="accent3">
+        <a:tint val="40000"/>
+        <a:alpha val="90000"/>
+      </a:schemeClr>
+      <a:schemeClr val="accent4">
+        <a:tint val="40000"/>
+        <a:alpha val="90000"/>
+      </a:schemeClr>
+      <a:schemeClr val="accent5">
+        <a:tint val="40000"/>
+        <a:alpha val="90000"/>
+      </a:schemeClr>
+      <a:schemeClr val="accent6">
+        <a:tint val="40000"/>
+        <a:alpha val="90000"/>
+      </a:schemeClr>
+    </dgm:fillClrLst>
+    <dgm:linClrLst meth="repeat">
+      <a:schemeClr val="accent2">
+        <a:tint val="40000"/>
+        <a:alpha val="90000"/>
+      </a:schemeClr>
+      <a:schemeClr val="accent3">
+        <a:tint val="40000"/>
+        <a:alpha val="90000"/>
+      </a:schemeClr>
+      <a:schemeClr val="accent4">
+        <a:tint val="40000"/>
+        <a:alpha val="90000"/>
+      </a:schemeClr>
+      <a:schemeClr val="accent5">
+        <a:tint val="40000"/>
+        <a:alpha val="90000"/>
+      </a:schemeClr>
+      <a:schemeClr val="accent6">
+        <a:tint val="40000"/>
+        <a:alpha val="90000"/>
+      </a:schemeClr>
+    </dgm:linClrLst>
+    <dgm:effectClrLst/>
+    <dgm:txLinClrLst/>
+    <dgm:txFillClrLst meth="repeat">
+      <a:schemeClr val="dk1"/>
+    </dgm:txFillClrLst>
+    <dgm:txEffectClrLst/>
+  </dgm:styleLbl>
+  <dgm:styleLbl name="fgAcc0">
+    <dgm:fillClrLst meth="repeat">
+      <a:schemeClr val="lt1">
+        <a:alpha val="90000"/>
+      </a:schemeClr>
+    </dgm:fillClrLst>
+    <dgm:linClrLst>
+      <a:schemeClr val="accent1"/>
+    </dgm:linClrLst>
+    <dgm:effectClrLst/>
+    <dgm:txLinClrLst/>
+    <dgm:txFillClrLst meth="repeat">
+      <a:schemeClr val="dk1"/>
+    </dgm:txFillClrLst>
+    <dgm:txEffectClrLst/>
+  </dgm:styleLbl>
+  <dgm:styleLbl name="fgAcc2">
+    <dgm:fillClrLst meth="repeat">
+      <a:schemeClr val="lt1">
+        <a:alpha val="90000"/>
+      </a:schemeClr>
+    </dgm:fillClrLst>
+    <dgm:linClrLst>
+      <a:schemeClr val="accent2"/>
+    </dgm:linClrLst>
+    <dgm:effectClrLst/>
+    <dgm:txLinClrLst/>
+    <dgm:txFillClrLst meth="repeat">
+      <a:schemeClr val="dk1"/>
+    </dgm:txFillClrLst>
+    <dgm:txEffectClrLst/>
+  </dgm:styleLbl>
+  <dgm:styleLbl name="fgAcc3">
+    <dgm:fillClrLst meth="repeat">
+      <a:schemeClr val="lt1">
+        <a:alpha val="90000"/>
+      </a:schemeClr>
+    </dgm:fillClrLst>
+    <dgm:linClrLst>
+      <a:schemeClr val="accent3"/>
+    </dgm:linClrLst>
+    <dgm:effectClrLst/>
+    <dgm:txLinClrLst/>
+    <dgm:txFillClrLst meth="repeat">
+      <a:schemeClr val="dk1"/>
+    </dgm:txFillClrLst>
+    <dgm:txEffectClrLst/>
+  </dgm:styleLbl>
+  <dgm:styleLbl name="fgAcc4">
+    <dgm:fillClrLst meth="repeat">
+      <a:schemeClr val="lt1">
+        <a:alpha val="90000"/>
+      </a:schemeClr>
+    </dgm:fillClrLst>
+    <dgm:linClrLst>
+      <a:schemeClr val="accent4"/>
+    </dgm:linClrLst>
+    <dgm:effectClrLst/>
+    <dgm:txLinClrLst/>
+    <dgm:txFillClrLst meth="repeat">
+      <a:schemeClr val="dk1"/>
+    </dgm:txFillClrLst>
+    <dgm:txEffectClrLst/>
+  </dgm:styleLbl>
+  <dgm:styleLbl name="bgShp">
+    <dgm:fillClrLst meth="repeat">
+      <a:schemeClr val="accent2">
+        <a:tint val="40000"/>
+      </a:schemeClr>
+    </dgm:fillClrLst>
+    <dgm:linClrLst meth="repeat">
+      <a:schemeClr val="dk1"/>
+    </dgm:linClrLst>
+    <dgm:effectClrLst/>
+    <dgm:txLinClrLst/>
+    <dgm:txFillClrLst meth="repeat">
+      <a:schemeClr val="dk1"/>
+    </dgm:txFillClrLst>
+    <dgm:txEffectClrLst/>
+  </dgm:styleLbl>
+  <dgm:styleLbl name="dkBgShp">
+    <dgm:fillClrLst meth="repeat">
+      <a:schemeClr val="accent2">
+        <a:shade val="90000"/>
+      </a:schemeClr>
+    </dgm:fillClrLst>
+    <dgm:linClrLst meth="repeat">
+      <a:schemeClr val="dk1"/>
+    </dgm:linClrLst>
+    <dgm:effectClrLst/>
+    <dgm:txLinClrLst/>
+    <dgm:txFillClrLst meth="repeat">
+      <a:schemeClr val="lt1"/>
+    </dgm:txFillClrLst>
+    <dgm:txEffectClrLst/>
+  </dgm:styleLbl>
+  <dgm:styleLbl name="trBgShp">
+    <dgm:fillClrLst meth="repeat">
+      <a:schemeClr val="accent1">
+        <a:tint val="50000"/>
+        <a:alpha val="40000"/>
+      </a:schemeClr>
+    </dgm:fillClrLst>
+    <dgm:linClrLst meth="repeat">
+      <a:schemeClr val="accent2"/>
+    </dgm:linClrLst>
+    <dgm:effectClrLst/>
+    <dgm:txLinClrLst/>
+    <dgm:txFillClrLst meth="repeat">
+      <a:schemeClr val="lt1"/>
+    </dgm:txFillClrLst>
+    <dgm:txEffectClrLst/>
+  </dgm:styleLbl>
+  <dgm:styleLbl name="fgShp">
+    <dgm:fillClrLst meth="repeat">
+      <a:schemeClr val="accent2">
+        <a:tint val="40000"/>
+      </a:schemeClr>
+    </dgm:fillClrLst>
+    <dgm:linClrLst meth="repeat">
+      <a:schemeClr val="lt1"/>
+    </dgm:linClrLst>
+    <dgm:effectClrLst/>
+    <dgm:txLinClrLst/>
+    <dgm:txFillClrLst meth="repeat">
+      <a:schemeClr val="dk1"/>
+    </dgm:txFillClrLst>
+    <dgm:txEffectClrLst/>
+  </dgm:styleLbl>
+  <dgm:styleLbl name="revTx">
+    <dgm:fillClrLst meth="repeat">
+      <a:schemeClr val="lt1">
+        <a:alpha val="0"/>
+      </a:schemeClr>
+    </dgm:fillClrLst>
+    <dgm:linClrLst meth="repeat">
+      <a:schemeClr val="dk1">
+        <a:alpha val="0"/>
+      </a:schemeClr>
+    </dgm:linClrLst>
+    <dgm:effectClrLst/>
+    <dgm:txLinClrLst/>
+    <dgm:txFillClrLst meth="repeat">
+      <a:schemeClr val="tx1"/>
+    </dgm:txFillClrLst>
+    <dgm:txEffectClrLst/>
+  </dgm:styleLbl>
+</dgm:colorsDef>
+</file>
+
 <file path=ppt/diagrams/data1.xml><?xml version="1.0" encoding="utf-8"?>
+<dgm:dataModel xmlns:dgm="http://schemas.openxmlformats.org/drawingml/2006/diagram" xmlns:a="http://schemas.openxmlformats.org/drawingml/2006/main">
+  <dgm:ptLst>
+    <dgm:pt modelId="{47AA4630-B738-4650-913F-7378CC40D312}" type="doc">
+      <dgm:prSet loTypeId="urn:microsoft.com/office/officeart/2005/8/layout/process2" loCatId="process" qsTypeId="urn:microsoft.com/office/officeart/2005/8/quickstyle/simple4" qsCatId="simple" csTypeId="urn:microsoft.com/office/officeart/2005/8/colors/colorful1#2" csCatId="colorful" phldr="1"/>
+      <dgm:spPr/>
+    </dgm:pt>
+    <dgm:pt modelId="{97DB59AD-8506-4A74-BB78-BA533F4FB10F}">
+      <dgm:prSet phldrT="[Text]" custT="1"/>
+      <dgm:spPr>
+        <a:solidFill>
+          <a:srgbClr val="FFFFFF"/>
+        </a:solidFill>
+        <a:ln w="38100" cmpd="sng">
+          <a:solidFill>
+            <a:srgbClr val="0ECC00"/>
+          </a:solidFill>
+        </a:ln>
+        <a:effectLst/>
+      </dgm:spPr>
+      <dgm:t>
+        <a:bodyPr/>
+        <a:lstStyle/>
+        <a:p>
+          <a:r>
+            <a:rPr lang="en-US" sz="2400" dirty="0">
+              <a:solidFill>
+                <a:srgbClr val="000000"/>
+              </a:solidFill>
+            </a:rPr>
+            <a:t>Write tests </a:t>
+          </a:r>
+          <a:br>
+            <a:rPr lang="en-US" sz="2400" dirty="0">
+              <a:solidFill>
+                <a:srgbClr val="000000"/>
+              </a:solidFill>
+            </a:rPr>
+          </a:br>
+          <a:r>
+            <a:rPr lang="en-US" sz="2000" dirty="0">
+              <a:solidFill>
+                <a:srgbClr val="000000"/>
+              </a:solidFill>
+            </a:rPr>
+            <a:t>to check that feature works </a:t>
+          </a:r>
+          <a:endParaRPr lang="en-GB" sz="2400" dirty="0">
+            <a:solidFill>
+              <a:srgbClr val="000000"/>
+            </a:solidFill>
+          </a:endParaRPr>
+        </a:p>
+      </dgm:t>
+    </dgm:pt>
+    <dgm:pt modelId="{E5F038C7-DBC4-490A-AAFB-6D151F9C0538}" type="parTrans" cxnId="{F91E15A7-C24F-4D74-8B1A-D7C0021B8888}">
+      <dgm:prSet/>
+      <dgm:spPr/>
+      <dgm:t>
+        <a:bodyPr/>
+        <a:lstStyle/>
+        <a:p>
+          <a:endParaRPr lang="en-GB" sz="2000"/>
+        </a:p>
+      </dgm:t>
+    </dgm:pt>
+    <dgm:pt modelId="{EFB1699C-C280-416C-B6B3-B9CB2E52EAA1}" type="sibTrans" cxnId="{F91E15A7-C24F-4D74-8B1A-D7C0021B8888}">
+      <dgm:prSet custT="1"/>
+      <dgm:spPr>
+        <a:solidFill>
+          <a:srgbClr val="FFFFFF"/>
+        </a:solidFill>
+        <a:ln w="38100" cmpd="sng">
+          <a:solidFill>
+            <a:srgbClr val="0ECC00"/>
+          </a:solidFill>
+        </a:ln>
+        <a:effectLst/>
+      </dgm:spPr>
+      <dgm:t>
+        <a:bodyPr/>
+        <a:lstStyle/>
+        <a:p>
+          <a:endParaRPr lang="en-GB" sz="2000"/>
+        </a:p>
+      </dgm:t>
+    </dgm:pt>
+    <dgm:pt modelId="{6CD60870-D228-4E7C-AB37-75604251742A}">
+      <dgm:prSet custT="1"/>
+      <dgm:spPr>
+        <a:solidFill>
+          <a:srgbClr val="FFFFFF"/>
+        </a:solidFill>
+        <a:ln w="38100" cmpd="sng">
+          <a:solidFill>
+            <a:srgbClr val="0ECC00"/>
+          </a:solidFill>
+        </a:ln>
+        <a:effectLst/>
+      </dgm:spPr>
+      <dgm:t>
+        <a:bodyPr/>
+        <a:lstStyle/>
+        <a:p>
+          <a:r>
+            <a:rPr lang="en-US" sz="2400" dirty="0">
+              <a:solidFill>
+                <a:srgbClr val="000000"/>
+              </a:solidFill>
+            </a:rPr>
+            <a:t>Write simplest code </a:t>
+          </a:r>
+          <a:br>
+            <a:rPr lang="en-US" sz="2400" dirty="0">
+              <a:solidFill>
+                <a:srgbClr val="000000"/>
+              </a:solidFill>
+            </a:rPr>
+          </a:br>
+          <a:r>
+            <a:rPr lang="en-US" sz="2000" dirty="0">
+              <a:solidFill>
+                <a:srgbClr val="000000"/>
+              </a:solidFill>
+            </a:rPr>
+            <a:t>that makes tests pass</a:t>
+          </a:r>
+        </a:p>
+      </dgm:t>
+    </dgm:pt>
+    <dgm:pt modelId="{75E4D45F-C716-48A2-8E57-584BA67C4566}" type="parTrans" cxnId="{8747F884-7CA4-413D-AFAC-DD5CAE19DDA5}">
+      <dgm:prSet/>
+      <dgm:spPr/>
+      <dgm:t>
+        <a:bodyPr/>
+        <a:lstStyle/>
+        <a:p>
+          <a:endParaRPr lang="en-GB" sz="2000"/>
+        </a:p>
+      </dgm:t>
+    </dgm:pt>
+    <dgm:pt modelId="{04BB66AA-DBE2-4BFD-A94E-A31165187E75}" type="sibTrans" cxnId="{8747F884-7CA4-413D-AFAC-DD5CAE19DDA5}">
+      <dgm:prSet custT="1"/>
+      <dgm:spPr>
+        <a:solidFill>
+          <a:srgbClr val="FFFFFF"/>
+        </a:solidFill>
+        <a:ln w="38100" cmpd="sng">
+          <a:solidFill>
+            <a:srgbClr val="0ECC00"/>
+          </a:solidFill>
+        </a:ln>
+        <a:effectLst/>
+      </dgm:spPr>
+      <dgm:t>
+        <a:bodyPr/>
+        <a:lstStyle/>
+        <a:p>
+          <a:endParaRPr lang="en-GB" sz="2000"/>
+        </a:p>
+      </dgm:t>
+    </dgm:pt>
+    <dgm:pt modelId="{D8FC48C4-469B-40DC-950F-ABA168836D34}">
+      <dgm:prSet custT="1"/>
+      <dgm:spPr>
+        <a:solidFill>
+          <a:srgbClr val="FFFFFF"/>
+        </a:solidFill>
+        <a:ln w="38100" cmpd="sng">
+          <a:solidFill>
+            <a:srgbClr val="0ECC00"/>
+          </a:solidFill>
+        </a:ln>
+        <a:effectLst/>
+      </dgm:spPr>
+      <dgm:t>
+        <a:bodyPr/>
+        <a:lstStyle/>
+        <a:p>
+          <a:r>
+            <a:rPr lang="en-US" sz="2400" dirty="0">
+              <a:solidFill>
+                <a:srgbClr val="000000"/>
+              </a:solidFill>
+            </a:rPr>
+            <a:t>Run tests and debug </a:t>
+          </a:r>
+          <a:br>
+            <a:rPr lang="en-US" sz="2400" dirty="0">
+              <a:solidFill>
+                <a:srgbClr val="000000"/>
+              </a:solidFill>
+            </a:rPr>
+          </a:br>
+          <a:r>
+            <a:rPr lang="en-US" sz="2000" dirty="0">
+              <a:solidFill>
+                <a:srgbClr val="000000"/>
+              </a:solidFill>
+            </a:rPr>
+            <a:t>until </a:t>
+          </a:r>
+          <a:r>
+            <a:rPr lang="en-US" sz="2000" i="1" dirty="0">
+              <a:solidFill>
+                <a:srgbClr val="000000"/>
+              </a:solidFill>
+            </a:rPr>
+            <a:t>all</a:t>
+          </a:r>
+          <a:r>
+            <a:rPr lang="en-US" sz="2000" dirty="0">
+              <a:solidFill>
+                <a:srgbClr val="000000"/>
+              </a:solidFill>
+            </a:rPr>
+            <a:t> tests pass</a:t>
+          </a:r>
+        </a:p>
+      </dgm:t>
+    </dgm:pt>
+    <dgm:pt modelId="{3B29C759-9861-4F5A-9C39-84993FBBD849}" type="parTrans" cxnId="{165AE32A-34E6-4032-86AF-87A045F8F59C}">
+      <dgm:prSet/>
+      <dgm:spPr/>
+      <dgm:t>
+        <a:bodyPr/>
+        <a:lstStyle/>
+        <a:p>
+          <a:endParaRPr lang="en-GB" sz="2000"/>
+        </a:p>
+      </dgm:t>
+    </dgm:pt>
+    <dgm:pt modelId="{CB49FD0C-9B39-4860-B781-669D9FC3FB40}" type="sibTrans" cxnId="{165AE32A-34E6-4032-86AF-87A045F8F59C}">
+      <dgm:prSet custT="1"/>
+      <dgm:spPr>
+        <a:solidFill>
+          <a:srgbClr val="FFFFFF"/>
+        </a:solidFill>
+        <a:ln w="38100" cmpd="sng">
+          <a:solidFill>
+            <a:srgbClr val="0ECC00"/>
+          </a:solidFill>
+        </a:ln>
+        <a:effectLst/>
+      </dgm:spPr>
+      <dgm:t>
+        <a:bodyPr/>
+        <a:lstStyle/>
+        <a:p>
+          <a:endParaRPr lang="en-GB" sz="2000"/>
+        </a:p>
+      </dgm:t>
+    </dgm:pt>
+    <dgm:pt modelId="{96BC0EEB-57F0-4267-86F0-4EA98B40D230}">
+      <dgm:prSet custT="1"/>
+      <dgm:spPr>
+        <a:solidFill>
+          <a:srgbClr val="FFFFFF"/>
+        </a:solidFill>
+        <a:ln w="38100" cmpd="sng">
+          <a:solidFill>
+            <a:srgbClr val="0ECC00"/>
+          </a:solidFill>
+        </a:ln>
+        <a:effectLst/>
+      </dgm:spPr>
+      <dgm:t>
+        <a:bodyPr/>
+        <a:lstStyle/>
+        <a:p>
+          <a:r>
+            <a:rPr lang="en-US" sz="2400" dirty="0">
+              <a:solidFill>
+                <a:srgbClr val="000000"/>
+              </a:solidFill>
+            </a:rPr>
+            <a:t>Refactor and optimize </a:t>
+          </a:r>
+          <a:br>
+            <a:rPr lang="en-US" sz="2400" dirty="0">
+              <a:solidFill>
+                <a:srgbClr val="000000"/>
+              </a:solidFill>
+            </a:rPr>
+          </a:br>
+          <a:r>
+            <a:rPr lang="en-US" sz="2000" dirty="0">
+              <a:solidFill>
+                <a:srgbClr val="000000"/>
+              </a:solidFill>
+            </a:rPr>
+            <a:t>only if necessary</a:t>
+          </a:r>
+        </a:p>
+      </dgm:t>
+    </dgm:pt>
+    <dgm:pt modelId="{A57BE1BC-E807-47AE-8640-A3F276768BED}" type="parTrans" cxnId="{B9FDB916-0E3A-45DF-B817-B4FF0DF0DD0F}">
+      <dgm:prSet/>
+      <dgm:spPr/>
+      <dgm:t>
+        <a:bodyPr/>
+        <a:lstStyle/>
+        <a:p>
+          <a:endParaRPr lang="en-GB" sz="2000"/>
+        </a:p>
+      </dgm:t>
+    </dgm:pt>
+    <dgm:pt modelId="{062036D4-7094-47BF-9BE9-A58B2E6A4D41}" type="sibTrans" cxnId="{B9FDB916-0E3A-45DF-B817-B4FF0DF0DD0F}">
+      <dgm:prSet/>
+      <dgm:spPr/>
+      <dgm:t>
+        <a:bodyPr/>
+        <a:lstStyle/>
+        <a:p>
+          <a:endParaRPr lang="en-GB" sz="2000"/>
+        </a:p>
+      </dgm:t>
+    </dgm:pt>
+    <dgm:pt modelId="{E188BD28-8BF3-DF4E-89B0-D0D9BDDAD858}">
+      <dgm:prSet phldrT="[Text]" custT="1"/>
+      <dgm:spPr>
+        <a:solidFill>
+          <a:schemeClr val="bg1"/>
+        </a:solidFill>
+        <a:ln w="38100" cmpd="sng">
+          <a:solidFill>
+            <a:srgbClr val="FF0000"/>
+          </a:solidFill>
+        </a:ln>
+        <a:effectLst/>
+      </dgm:spPr>
+      <dgm:t>
+        <a:bodyPr/>
+        <a:lstStyle/>
+        <a:p>
+          <a:r>
+            <a:rPr lang="en-GB" sz="2400" dirty="0">
+              <a:solidFill>
+                <a:schemeClr val="tx1"/>
+              </a:solidFill>
+            </a:rPr>
+            <a:t>Pick your next feature</a:t>
+          </a:r>
+        </a:p>
+      </dgm:t>
+    </dgm:pt>
+    <dgm:pt modelId="{36E39B49-FFE1-4141-AC7D-DEC0690E85F8}" type="parTrans" cxnId="{0F95B477-3571-3442-BE80-0888F825957B}">
+      <dgm:prSet/>
+      <dgm:spPr/>
+      <dgm:t>
+        <a:bodyPr/>
+        <a:lstStyle/>
+        <a:p>
+          <a:endParaRPr lang="en-US" sz="1600"/>
+        </a:p>
+      </dgm:t>
+    </dgm:pt>
+    <dgm:pt modelId="{7764EA43-B182-BC4F-BCDA-333200F918B8}" type="sibTrans" cxnId="{0F95B477-3571-3442-BE80-0888F825957B}">
+      <dgm:prSet custT="1"/>
+      <dgm:spPr>
+        <a:solidFill>
+          <a:srgbClr val="FFFFFF"/>
+        </a:solidFill>
+        <a:ln w="38100" cmpd="sng">
+          <a:solidFill>
+            <a:srgbClr val="FF0000"/>
+          </a:solidFill>
+        </a:ln>
+        <a:effectLst/>
+      </dgm:spPr>
+      <dgm:t>
+        <a:bodyPr/>
+        <a:lstStyle/>
+        <a:p>
+          <a:endParaRPr lang="en-US" sz="1100"/>
+        </a:p>
+      </dgm:t>
+    </dgm:pt>
+    <dgm:pt modelId="{7A234B30-A436-41B7-96D9-05CCC2F7ADDC}" type="pres">
+      <dgm:prSet presAssocID="{47AA4630-B738-4650-913F-7378CC40D312}" presName="linearFlow" presStyleCnt="0">
+        <dgm:presLayoutVars>
+          <dgm:resizeHandles val="exact"/>
+        </dgm:presLayoutVars>
+      </dgm:prSet>
+      <dgm:spPr/>
+    </dgm:pt>
+    <dgm:pt modelId="{8B185A30-22C7-6840-8D3E-58B36EE38549}" type="pres">
+      <dgm:prSet presAssocID="{E188BD28-8BF3-DF4E-89B0-D0D9BDDAD858}" presName="node" presStyleLbl="node1" presStyleIdx="0" presStyleCnt="5" custScaleX="138432">
+        <dgm:presLayoutVars>
+          <dgm:bulletEnabled val="1"/>
+        </dgm:presLayoutVars>
+      </dgm:prSet>
+      <dgm:spPr/>
+    </dgm:pt>
+    <dgm:pt modelId="{66533B70-8731-2345-9B98-5A7A7F80153B}" type="pres">
+      <dgm:prSet presAssocID="{7764EA43-B182-BC4F-BCDA-333200F918B8}" presName="sibTrans" presStyleLbl="sibTrans2D1" presStyleIdx="0" presStyleCnt="4"/>
+      <dgm:spPr/>
+    </dgm:pt>
+    <dgm:pt modelId="{5EB7E61C-215B-AD45-8738-514EF8F5F4E5}" type="pres">
+      <dgm:prSet presAssocID="{7764EA43-B182-BC4F-BCDA-333200F918B8}" presName="connectorText" presStyleLbl="sibTrans2D1" presStyleIdx="0" presStyleCnt="4"/>
+      <dgm:spPr/>
+    </dgm:pt>
+    <dgm:pt modelId="{87C32DCB-D7CA-425A-A14D-DC1B34BAA990}" type="pres">
+      <dgm:prSet presAssocID="{97DB59AD-8506-4A74-BB78-BA533F4FB10F}" presName="node" presStyleLbl="node1" presStyleIdx="1" presStyleCnt="5" custScaleX="140984">
+        <dgm:presLayoutVars>
+          <dgm:bulletEnabled val="1"/>
+        </dgm:presLayoutVars>
+      </dgm:prSet>
+      <dgm:spPr/>
+    </dgm:pt>
+    <dgm:pt modelId="{143F6140-E7F1-4CCF-A9B1-524762512517}" type="pres">
+      <dgm:prSet presAssocID="{EFB1699C-C280-416C-B6B3-B9CB2E52EAA1}" presName="sibTrans" presStyleLbl="sibTrans2D1" presStyleIdx="1" presStyleCnt="4"/>
+      <dgm:spPr/>
+    </dgm:pt>
+    <dgm:pt modelId="{B2BEE0C4-D8B2-432A-8CB1-C2162205DCA3}" type="pres">
+      <dgm:prSet presAssocID="{EFB1699C-C280-416C-B6B3-B9CB2E52EAA1}" presName="connectorText" presStyleLbl="sibTrans2D1" presStyleIdx="1" presStyleCnt="4"/>
+      <dgm:spPr/>
+    </dgm:pt>
+    <dgm:pt modelId="{3FA6B472-D1F3-409B-BF18-F1310278CB78}" type="pres">
+      <dgm:prSet presAssocID="{6CD60870-D228-4E7C-AB37-75604251742A}" presName="node" presStyleLbl="node1" presStyleIdx="2" presStyleCnt="5" custScaleX="139871">
+        <dgm:presLayoutVars>
+          <dgm:bulletEnabled val="1"/>
+        </dgm:presLayoutVars>
+      </dgm:prSet>
+      <dgm:spPr/>
+    </dgm:pt>
+    <dgm:pt modelId="{E202264D-36A3-408A-9050-7FBD30D2645C}" type="pres">
+      <dgm:prSet presAssocID="{04BB66AA-DBE2-4BFD-A94E-A31165187E75}" presName="sibTrans" presStyleLbl="sibTrans2D1" presStyleIdx="2" presStyleCnt="4"/>
+      <dgm:spPr/>
+    </dgm:pt>
+    <dgm:pt modelId="{E3B3E849-56D6-49C5-932E-7B5B0F9F195C}" type="pres">
+      <dgm:prSet presAssocID="{04BB66AA-DBE2-4BFD-A94E-A31165187E75}" presName="connectorText" presStyleLbl="sibTrans2D1" presStyleIdx="2" presStyleCnt="4"/>
+      <dgm:spPr/>
+    </dgm:pt>
+    <dgm:pt modelId="{3725F2C1-AA1D-49A3-9D73-9D444D08CE71}" type="pres">
+      <dgm:prSet presAssocID="{D8FC48C4-469B-40DC-950F-ABA168836D34}" presName="node" presStyleLbl="node1" presStyleIdx="3" presStyleCnt="5" custScaleX="139871">
+        <dgm:presLayoutVars>
+          <dgm:bulletEnabled val="1"/>
+        </dgm:presLayoutVars>
+      </dgm:prSet>
+      <dgm:spPr/>
+    </dgm:pt>
+    <dgm:pt modelId="{B4CC5E68-BD20-49EE-86FA-E08541A3FE12}" type="pres">
+      <dgm:prSet presAssocID="{CB49FD0C-9B39-4860-B781-669D9FC3FB40}" presName="sibTrans" presStyleLbl="sibTrans2D1" presStyleIdx="3" presStyleCnt="4"/>
+      <dgm:spPr/>
+    </dgm:pt>
+    <dgm:pt modelId="{BD1FA95E-C45B-4671-BBAB-95DCE436E052}" type="pres">
+      <dgm:prSet presAssocID="{CB49FD0C-9B39-4860-B781-669D9FC3FB40}" presName="connectorText" presStyleLbl="sibTrans2D1" presStyleIdx="3" presStyleCnt="4"/>
+      <dgm:spPr/>
+    </dgm:pt>
+    <dgm:pt modelId="{C45FEE31-6BF1-4E83-9497-1224D8F07991}" type="pres">
+      <dgm:prSet presAssocID="{96BC0EEB-57F0-4267-86F0-4EA98B40D230}" presName="node" presStyleLbl="node1" presStyleIdx="4" presStyleCnt="5" custScaleX="139871">
+        <dgm:presLayoutVars>
+          <dgm:bulletEnabled val="1"/>
+        </dgm:presLayoutVars>
+      </dgm:prSet>
+      <dgm:spPr/>
+    </dgm:pt>
+  </dgm:ptLst>
+  <dgm:cxnLst>
+    <dgm:cxn modelId="{0A22D10B-D71A-5B4D-BEC1-7C41DC85EEB6}" type="presOf" srcId="{97DB59AD-8506-4A74-BB78-BA533F4FB10F}" destId="{87C32DCB-D7CA-425A-A14D-DC1B34BAA990}" srcOrd="0" destOrd="0" presId="urn:microsoft.com/office/officeart/2005/8/layout/process2"/>
+    <dgm:cxn modelId="{E66AB70D-B419-8F42-AB07-6CEF773FFD8D}" type="presOf" srcId="{6CD60870-D228-4E7C-AB37-75604251742A}" destId="{3FA6B472-D1F3-409B-BF18-F1310278CB78}" srcOrd="0" destOrd="0" presId="urn:microsoft.com/office/officeart/2005/8/layout/process2"/>
+    <dgm:cxn modelId="{55C62713-44FB-4A48-834F-6EE7002CC122}" type="presOf" srcId="{7764EA43-B182-BC4F-BCDA-333200F918B8}" destId="{66533B70-8731-2345-9B98-5A7A7F80153B}" srcOrd="0" destOrd="0" presId="urn:microsoft.com/office/officeart/2005/8/layout/process2"/>
+    <dgm:cxn modelId="{B9FDB916-0E3A-45DF-B817-B4FF0DF0DD0F}" srcId="{47AA4630-B738-4650-913F-7378CC40D312}" destId="{96BC0EEB-57F0-4267-86F0-4EA98B40D230}" srcOrd="4" destOrd="0" parTransId="{A57BE1BC-E807-47AE-8640-A3F276768BED}" sibTransId="{062036D4-7094-47BF-9BE9-A58B2E6A4D41}"/>
+    <dgm:cxn modelId="{1247801C-BAB9-274C-B7C8-2824B008DED7}" type="presOf" srcId="{D8FC48C4-469B-40DC-950F-ABA168836D34}" destId="{3725F2C1-AA1D-49A3-9D73-9D444D08CE71}" srcOrd="0" destOrd="0" presId="urn:microsoft.com/office/officeart/2005/8/layout/process2"/>
+    <dgm:cxn modelId="{E66DC529-1FE0-154A-8673-E77A451680BA}" type="presOf" srcId="{CB49FD0C-9B39-4860-B781-669D9FC3FB40}" destId="{B4CC5E68-BD20-49EE-86FA-E08541A3FE12}" srcOrd="0" destOrd="0" presId="urn:microsoft.com/office/officeart/2005/8/layout/process2"/>
+    <dgm:cxn modelId="{165AE32A-34E6-4032-86AF-87A045F8F59C}" srcId="{47AA4630-B738-4650-913F-7378CC40D312}" destId="{D8FC48C4-469B-40DC-950F-ABA168836D34}" srcOrd="3" destOrd="0" parTransId="{3B29C759-9861-4F5A-9C39-84993FBBD849}" sibTransId="{CB49FD0C-9B39-4860-B781-669D9FC3FB40}"/>
+    <dgm:cxn modelId="{9DA36E3B-2919-1C46-B2E5-C0B732315014}" type="presOf" srcId="{EFB1699C-C280-416C-B6B3-B9CB2E52EAA1}" destId="{143F6140-E7F1-4CCF-A9B1-524762512517}" srcOrd="0" destOrd="0" presId="urn:microsoft.com/office/officeart/2005/8/layout/process2"/>
+    <dgm:cxn modelId="{5C9E335E-5F74-724C-BFB1-DCB6E65EC219}" type="presOf" srcId="{E188BD28-8BF3-DF4E-89B0-D0D9BDDAD858}" destId="{8B185A30-22C7-6840-8D3E-58B36EE38549}" srcOrd="0" destOrd="0" presId="urn:microsoft.com/office/officeart/2005/8/layout/process2"/>
+    <dgm:cxn modelId="{8F9C2B67-9886-7441-80DD-429CF8C84185}" type="presOf" srcId="{47AA4630-B738-4650-913F-7378CC40D312}" destId="{7A234B30-A436-41B7-96D9-05CCC2F7ADDC}" srcOrd="0" destOrd="0" presId="urn:microsoft.com/office/officeart/2005/8/layout/process2"/>
+    <dgm:cxn modelId="{0F95B477-3571-3442-BE80-0888F825957B}" srcId="{47AA4630-B738-4650-913F-7378CC40D312}" destId="{E188BD28-8BF3-DF4E-89B0-D0D9BDDAD858}" srcOrd="0" destOrd="0" parTransId="{36E39B49-FFE1-4141-AC7D-DEC0690E85F8}" sibTransId="{7764EA43-B182-BC4F-BCDA-333200F918B8}"/>
+    <dgm:cxn modelId="{8747F884-7CA4-413D-AFAC-DD5CAE19DDA5}" srcId="{47AA4630-B738-4650-913F-7378CC40D312}" destId="{6CD60870-D228-4E7C-AB37-75604251742A}" srcOrd="2" destOrd="0" parTransId="{75E4D45F-C716-48A2-8E57-584BA67C4566}" sibTransId="{04BB66AA-DBE2-4BFD-A94E-A31165187E75}"/>
+    <dgm:cxn modelId="{F134FA8C-3E11-174B-930C-25BE1E162B21}" type="presOf" srcId="{CB49FD0C-9B39-4860-B781-669D9FC3FB40}" destId="{BD1FA95E-C45B-4671-BBAB-95DCE436E052}" srcOrd="1" destOrd="0" presId="urn:microsoft.com/office/officeart/2005/8/layout/process2"/>
+    <dgm:cxn modelId="{277817A0-FD66-6947-A053-2F263ED6D8B0}" type="presOf" srcId="{96BC0EEB-57F0-4267-86F0-4EA98B40D230}" destId="{C45FEE31-6BF1-4E83-9497-1224D8F07991}" srcOrd="0" destOrd="0" presId="urn:microsoft.com/office/officeart/2005/8/layout/process2"/>
+    <dgm:cxn modelId="{F91E15A7-C24F-4D74-8B1A-D7C0021B8888}" srcId="{47AA4630-B738-4650-913F-7378CC40D312}" destId="{97DB59AD-8506-4A74-BB78-BA533F4FB10F}" srcOrd="1" destOrd="0" parTransId="{E5F038C7-DBC4-490A-AAFB-6D151F9C0538}" sibTransId="{EFB1699C-C280-416C-B6B3-B9CB2E52EAA1}"/>
+    <dgm:cxn modelId="{C70C51C3-D987-1448-9289-918857039BFE}" type="presOf" srcId="{7764EA43-B182-BC4F-BCDA-333200F918B8}" destId="{5EB7E61C-215B-AD45-8738-514EF8F5F4E5}" srcOrd="1" destOrd="0" presId="urn:microsoft.com/office/officeart/2005/8/layout/process2"/>
+    <dgm:cxn modelId="{F37546EE-15AD-6840-A8A0-12F23749B15E}" type="presOf" srcId="{EFB1699C-C280-416C-B6B3-B9CB2E52EAA1}" destId="{B2BEE0C4-D8B2-432A-8CB1-C2162205DCA3}" srcOrd="1" destOrd="0" presId="urn:microsoft.com/office/officeart/2005/8/layout/process2"/>
+    <dgm:cxn modelId="{DE07A1F1-678D-8647-A24E-96BD2CFD47CF}" type="presOf" srcId="{04BB66AA-DBE2-4BFD-A94E-A31165187E75}" destId="{E202264D-36A3-408A-9050-7FBD30D2645C}" srcOrd="0" destOrd="0" presId="urn:microsoft.com/office/officeart/2005/8/layout/process2"/>
+    <dgm:cxn modelId="{54D38BF8-1FB5-B247-85A5-258CE2F5B784}" type="presOf" srcId="{04BB66AA-DBE2-4BFD-A94E-A31165187E75}" destId="{E3B3E849-56D6-49C5-932E-7B5B0F9F195C}" srcOrd="1" destOrd="0" presId="urn:microsoft.com/office/officeart/2005/8/layout/process2"/>
+    <dgm:cxn modelId="{1860D1C1-1ADB-1F47-9CC7-007C35383655}" type="presParOf" srcId="{7A234B30-A436-41B7-96D9-05CCC2F7ADDC}" destId="{8B185A30-22C7-6840-8D3E-58B36EE38549}" srcOrd="0" destOrd="0" presId="urn:microsoft.com/office/officeart/2005/8/layout/process2"/>
+    <dgm:cxn modelId="{35113D87-8350-D44E-97E7-6C77495D1050}" type="presParOf" srcId="{7A234B30-A436-41B7-96D9-05CCC2F7ADDC}" destId="{66533B70-8731-2345-9B98-5A7A7F80153B}" srcOrd="1" destOrd="0" presId="urn:microsoft.com/office/officeart/2005/8/layout/process2"/>
+    <dgm:cxn modelId="{40163969-0B66-1B4F-85F9-8C2D15EF9773}" type="presParOf" srcId="{66533B70-8731-2345-9B98-5A7A7F80153B}" destId="{5EB7E61C-215B-AD45-8738-514EF8F5F4E5}" srcOrd="0" destOrd="0" presId="urn:microsoft.com/office/officeart/2005/8/layout/process2"/>
+    <dgm:cxn modelId="{11548B34-07D3-F746-BA65-38C64F1C282B}" type="presParOf" srcId="{7A234B30-A436-41B7-96D9-05CCC2F7ADDC}" destId="{87C32DCB-D7CA-425A-A14D-DC1B34BAA990}" srcOrd="2" destOrd="0" presId="urn:microsoft.com/office/officeart/2005/8/layout/process2"/>
+    <dgm:cxn modelId="{F03B2783-4055-8542-B419-C5E6817234CF}" type="presParOf" srcId="{7A234B30-A436-41B7-96D9-05CCC2F7ADDC}" destId="{143F6140-E7F1-4CCF-A9B1-524762512517}" srcOrd="3" destOrd="0" presId="urn:microsoft.com/office/officeart/2005/8/layout/process2"/>
+    <dgm:cxn modelId="{359D67CC-12B7-B645-9CCE-E5FA3733531F}" type="presParOf" srcId="{143F6140-E7F1-4CCF-A9B1-524762512517}" destId="{B2BEE0C4-D8B2-432A-8CB1-C2162205DCA3}" srcOrd="0" destOrd="0" presId="urn:microsoft.com/office/officeart/2005/8/layout/process2"/>
+    <dgm:cxn modelId="{7E7A881D-C53D-004A-8B63-6CE557F974DA}" type="presParOf" srcId="{7A234B30-A436-41B7-96D9-05CCC2F7ADDC}" destId="{3FA6B472-D1F3-409B-BF18-F1310278CB78}" srcOrd="4" destOrd="0" presId="urn:microsoft.com/office/officeart/2005/8/layout/process2"/>
+    <dgm:cxn modelId="{C4D13EBE-DD43-EE4D-A2AD-1A000F145052}" type="presParOf" srcId="{7A234B30-A436-41B7-96D9-05CCC2F7ADDC}" destId="{E202264D-36A3-408A-9050-7FBD30D2645C}" srcOrd="5" destOrd="0" presId="urn:microsoft.com/office/officeart/2005/8/layout/process2"/>
+    <dgm:cxn modelId="{D502F20C-3F4D-894D-8AE1-803335792043}" type="presParOf" srcId="{E202264D-36A3-408A-9050-7FBD30D2645C}" destId="{E3B3E849-56D6-49C5-932E-7B5B0F9F195C}" srcOrd="0" destOrd="0" presId="urn:microsoft.com/office/officeart/2005/8/layout/process2"/>
+    <dgm:cxn modelId="{80F11729-27B3-D247-A558-2DD0EFDF29EF}" type="presParOf" srcId="{7A234B30-A436-41B7-96D9-05CCC2F7ADDC}" destId="{3725F2C1-AA1D-49A3-9D73-9D444D08CE71}" srcOrd="6" destOrd="0" presId="urn:microsoft.com/office/officeart/2005/8/layout/process2"/>
+    <dgm:cxn modelId="{7CB088D8-DECF-A243-A85D-B6DBF8FDDB28}" type="presParOf" srcId="{7A234B30-A436-41B7-96D9-05CCC2F7ADDC}" destId="{B4CC5E68-BD20-49EE-86FA-E08541A3FE12}" srcOrd="7" destOrd="0" presId="urn:microsoft.com/office/officeart/2005/8/layout/process2"/>
+    <dgm:cxn modelId="{7A6A62AF-D7EF-904C-82FB-4C47238FD90D}" type="presParOf" srcId="{B4CC5E68-BD20-49EE-86FA-E08541A3FE12}" destId="{BD1FA95E-C45B-4671-BBAB-95DCE436E052}" srcOrd="0" destOrd="0" presId="urn:microsoft.com/office/officeart/2005/8/layout/process2"/>
+    <dgm:cxn modelId="{27A2D9F2-1B83-3E43-A1EC-13362C594AFC}" type="presParOf" srcId="{7A234B30-A436-41B7-96D9-05CCC2F7ADDC}" destId="{C45FEE31-6BF1-4E83-9497-1224D8F07991}" srcOrd="8" destOrd="0" presId="urn:microsoft.com/office/officeart/2005/8/layout/process2"/>
+  </dgm:cxnLst>
+  <dgm:bg>
+    <a:noFill/>
+    <a:effectLst/>
+  </dgm:bg>
+  <dgm:whole/>
+  <dgm:extLst>
+    <a:ext uri="http://schemas.microsoft.com/office/drawing/2008/diagram">
+      <dsp:dataModelExt xmlns:dsp="http://schemas.microsoft.com/office/drawing/2008/diagram" relId="rId7" minVer="http://schemas.openxmlformats.org/drawingml/2006/diagram"/>
+    </a:ext>
+  </dgm:extLst>
+</dgm:dataModel>
+</file>
+
+<file path=ppt/diagrams/data2.xml><?xml version="1.0" encoding="utf-8"?>
 <dgm:dataModel xmlns:dgm="http://schemas.openxmlformats.org/drawingml/2006/diagram" xmlns:a="http://schemas.openxmlformats.org/drawingml/2006/main">
   <dgm:ptLst>
     <dgm:pt modelId="{47AA4630-B738-4650-913F-7378CC40D312}" type="doc">
@@ -1295,54 +2722,108 @@
         </a:solidFill>
         <a:ln w="38100" cmpd="sng">
           <a:solidFill>
-            <a:srgbClr val="BFBFBF"/>
+            <a:srgbClr val="0ECC00"/>
           </a:solidFill>
         </a:ln>
         <a:effectLst/>
+        <a:scene3d>
+          <a:camera prst="orthographicFront" fov="0">
+            <a:rot lat="0" lon="0" rev="0"/>
+          </a:camera>
+          <a:lightRig rig="balanced" dir="t">
+            <a:rot lat="0" lon="0" rev="0"/>
+          </a:lightRig>
+        </a:scene3d>
+        <a:sp3d prstMaterial="matte">
+          <a:bevelT w="0" h="0"/>
+          <a:contourClr>
+            <a:scrgbClr r="0" g="0" b="0">
+              <a:tint val="100000"/>
+              <a:shade val="100000"/>
+              <a:hueMod val="100000"/>
+              <a:satMod val="100000"/>
+            </a:scrgbClr>
+          </a:contourClr>
+        </a:sp3d>
       </dgm:spPr>
       <dgm:t>
-        <a:bodyPr/>
+        <a:bodyPr spcFirstLastPara="0" vert="horz" wrap="square" lIns="91440" tIns="91440" rIns="91440" bIns="91440" numCol="1" spcCol="1270" anchor="ctr" anchorCtr="0"/>
         <a:lstStyle/>
         <a:p>
+          <a:pPr marL="0" lvl="0" indent="0" algn="ctr" defTabSz="1066800">
+            <a:lnSpc>
+              <a:spcPct val="90000"/>
+            </a:lnSpc>
+            <a:spcBef>
+              <a:spcPct val="0"/>
+            </a:spcBef>
+            <a:spcAft>
+              <a:spcPct val="35000"/>
+            </a:spcAft>
+            <a:buNone/>
+          </a:pPr>
           <a:r>
-            <a:rPr lang="en-US" sz="2400" dirty="0">
+            <a:rPr lang="en-US" sz="2400" kern="1200" dirty="0">
               <a:solidFill>
-                <a:srgbClr val="D9D9D9"/>
+                <a:srgbClr val="000000"/>
               </a:solidFill>
+              <a:latin typeface="Gill Sans MT"/>
+              <a:ea typeface="+mn-ea"/>
+              <a:cs typeface="+mn-cs"/>
             </a:rPr>
             <a:t>Run tests and debug </a:t>
           </a:r>
           <a:br>
-            <a:rPr lang="en-US" sz="2400" dirty="0">
+            <a:rPr lang="en-US" sz="2400" kern="1200" dirty="0">
               <a:solidFill>
-                <a:srgbClr val="D9D9D9"/>
+                <a:srgbClr val="000000"/>
               </a:solidFill>
+              <a:latin typeface="Gill Sans MT"/>
+              <a:ea typeface="+mn-ea"/>
+              <a:cs typeface="+mn-cs"/>
             </a:rPr>
           </a:br>
           <a:r>
-            <a:rPr lang="en-US" sz="2000" dirty="0">
+            <a:rPr lang="en-US" sz="2000" kern="1200" dirty="0">
               <a:solidFill>
-                <a:srgbClr val="D9D9D9"/>
+                <a:srgbClr val="000000"/>
               </a:solidFill>
+              <a:latin typeface="Gill Sans MT"/>
+              <a:ea typeface="+mn-ea"/>
+              <a:cs typeface="+mn-cs"/>
             </a:rPr>
             <a:t>until </a:t>
           </a:r>
           <a:r>
-            <a:rPr lang="en-US" sz="2000" i="1" dirty="0">
+            <a:rPr lang="en-US" sz="2000" i="1" kern="1200" dirty="0">
               <a:solidFill>
-                <a:srgbClr val="D9D9D9"/>
+                <a:srgbClr val="000000"/>
               </a:solidFill>
+              <a:latin typeface="Gill Sans MT"/>
+              <a:ea typeface="+mn-ea"/>
+              <a:cs typeface="+mn-cs"/>
             </a:rPr>
             <a:t>all</a:t>
           </a:r>
           <a:r>
-            <a:rPr lang="en-US" sz="2000" dirty="0">
+            <a:rPr lang="en-US" sz="2000" kern="1200" dirty="0">
               <a:solidFill>
-                <a:srgbClr val="D9D9D9"/>
+                <a:srgbClr val="000000"/>
               </a:solidFill>
+              <a:latin typeface="Gill Sans MT"/>
+              <a:ea typeface="+mn-ea"/>
+              <a:cs typeface="+mn-cs"/>
             </a:rPr>
             <a:t> tests pass</a:t>
           </a:r>
+          <a:endParaRPr lang="en-US" sz="2400" kern="1200" dirty="0">
+            <a:solidFill>
+              <a:srgbClr val="000000"/>
+            </a:solidFill>
+            <a:latin typeface="Gill Sans MT"/>
+            <a:ea typeface="+mn-ea"/>
+            <a:cs typeface="+mn-cs"/>
+          </a:endParaRPr>
         </a:p>
       </dgm:t>
     </dgm:pt>
@@ -1565,7 +3046,17 @@
           <dgm:bulletEnabled val="1"/>
         </dgm:presLayoutVars>
       </dgm:prSet>
-      <dgm:spPr/>
+      <dgm:spPr>
+        <a:xfrm>
+          <a:off x="1697179" y="3076102"/>
+          <a:ext cx="3820879" cy="682929"/>
+        </a:xfrm>
+        <a:prstGeom prst="roundRect">
+          <a:avLst>
+            <a:gd name="adj" fmla="val 10000"/>
+          </a:avLst>
+        </a:prstGeom>
+      </dgm:spPr>
     </dgm:pt>
     <dgm:pt modelId="{B4CC5E68-BD20-49EE-86FA-E08541A3FE12}" type="pres">
       <dgm:prSet presAssocID="{CB49FD0C-9B39-4860-B781-669D9FC3FB40}" presName="sibTrans" presStyleLbl="sibTrans2D1" presStyleIdx="3" presStyleCnt="4"/>
@@ -1632,6 +3123,894 @@
 </file>
 
 <file path=ppt/diagrams/drawing1.xml><?xml version="1.0" encoding="utf-8"?>
+<dsp:drawing xmlns:dgm="http://schemas.openxmlformats.org/drawingml/2006/diagram" xmlns:dsp="http://schemas.microsoft.com/office/drawing/2008/diagram" xmlns:a="http://schemas.openxmlformats.org/drawingml/2006/main">
+  <dsp:spTree>
+    <dsp:nvGrpSpPr>
+      <dsp:cNvPr id="0" name=""/>
+      <dsp:cNvGrpSpPr/>
+    </dsp:nvGrpSpPr>
+    <dsp:grpSpPr/>
+    <dsp:sp modelId="{8B185A30-22C7-6840-8D3E-58B36EE38549}">
+      <dsp:nvSpPr>
+        <dsp:cNvPr id="0" name=""/>
+        <dsp:cNvSpPr/>
+      </dsp:nvSpPr>
+      <dsp:spPr>
+        <a:xfrm>
+          <a:off x="1716833" y="2920"/>
+          <a:ext cx="3781570" cy="682929"/>
+        </a:xfrm>
+        <a:prstGeom prst="roundRect">
+          <a:avLst>
+            <a:gd name="adj" fmla="val 10000"/>
+          </a:avLst>
+        </a:prstGeom>
+        <a:solidFill>
+          <a:schemeClr val="bg1"/>
+        </a:solidFill>
+        <a:ln w="38100" cmpd="sng">
+          <a:solidFill>
+            <a:srgbClr val="FF0000"/>
+          </a:solidFill>
+        </a:ln>
+        <a:effectLst/>
+        <a:scene3d>
+          <a:camera prst="orthographicFront" fov="0">
+            <a:rot lat="0" lon="0" rev="0"/>
+          </a:camera>
+          <a:lightRig rig="balanced" dir="t">
+            <a:rot lat="0" lon="0" rev="0"/>
+          </a:lightRig>
+        </a:scene3d>
+        <a:sp3d prstMaterial="matte">
+          <a:bevelT w="0" h="0"/>
+          <a:contourClr>
+            <a:scrgbClr r="0" g="0" b="0">
+              <a:tint val="100000"/>
+              <a:shade val="100000"/>
+              <a:hueMod val="100000"/>
+              <a:satMod val="100000"/>
+            </a:scrgbClr>
+          </a:contourClr>
+        </a:sp3d>
+      </dsp:spPr>
+      <dsp:style>
+        <a:lnRef idx="0">
+          <a:scrgbClr r="0" g="0" b="0"/>
+        </a:lnRef>
+        <a:fillRef idx="3">
+          <a:scrgbClr r="0" g="0" b="0"/>
+        </a:fillRef>
+        <a:effectRef idx="2">
+          <a:scrgbClr r="0" g="0" b="0"/>
+        </a:effectRef>
+        <a:fontRef idx="minor">
+          <a:schemeClr val="lt1"/>
+        </a:fontRef>
+      </dsp:style>
+      <dsp:txBody>
+        <a:bodyPr spcFirstLastPara="0" vert="horz" wrap="square" lIns="91440" tIns="91440" rIns="91440" bIns="91440" numCol="1" spcCol="1270" anchor="ctr" anchorCtr="0">
+          <a:noAutofit/>
+        </a:bodyPr>
+        <a:lstStyle/>
+        <a:p>
+          <a:pPr marL="0" lvl="0" indent="0" algn="ctr" defTabSz="1066800">
+            <a:lnSpc>
+              <a:spcPct val="90000"/>
+            </a:lnSpc>
+            <a:spcBef>
+              <a:spcPct val="0"/>
+            </a:spcBef>
+            <a:spcAft>
+              <a:spcPct val="35000"/>
+            </a:spcAft>
+            <a:buNone/>
+          </a:pPr>
+          <a:r>
+            <a:rPr lang="en-GB" sz="2400" kern="1200" dirty="0">
+              <a:solidFill>
+                <a:schemeClr val="tx1"/>
+              </a:solidFill>
+            </a:rPr>
+            <a:t>Pick your next feature</a:t>
+          </a:r>
+        </a:p>
+      </dsp:txBody>
+      <dsp:txXfrm>
+        <a:off x="1736835" y="22922"/>
+        <a:ext cx="3741566" cy="642925"/>
+      </dsp:txXfrm>
+    </dsp:sp>
+    <dsp:sp modelId="{66533B70-8731-2345-9B98-5A7A7F80153B}">
+      <dsp:nvSpPr>
+        <dsp:cNvPr id="0" name=""/>
+        <dsp:cNvSpPr/>
+      </dsp:nvSpPr>
+      <dsp:spPr>
+        <a:xfrm rot="5400000">
+          <a:off x="3479569" y="702923"/>
+          <a:ext cx="256098" cy="307318"/>
+        </a:xfrm>
+        <a:prstGeom prst="rightArrow">
+          <a:avLst>
+            <a:gd name="adj1" fmla="val 60000"/>
+            <a:gd name="adj2" fmla="val 50000"/>
+          </a:avLst>
+        </a:prstGeom>
+        <a:solidFill>
+          <a:srgbClr val="FFFFFF"/>
+        </a:solidFill>
+        <a:ln w="38100" cmpd="sng">
+          <a:solidFill>
+            <a:srgbClr val="FF0000"/>
+          </a:solidFill>
+        </a:ln>
+        <a:effectLst/>
+        <a:scene3d>
+          <a:camera prst="orthographicFront" fov="0">
+            <a:rot lat="0" lon="0" rev="0"/>
+          </a:camera>
+          <a:lightRig rig="balanced" dir="t">
+            <a:rot lat="0" lon="0" rev="0"/>
+          </a:lightRig>
+        </a:scene3d>
+        <a:sp3d prstMaterial="matte">
+          <a:bevelT w="0" h="0"/>
+          <a:contourClr>
+            <a:scrgbClr r="0" g="0" b="0">
+              <a:tint val="100000"/>
+              <a:shade val="100000"/>
+              <a:hueMod val="100000"/>
+              <a:satMod val="100000"/>
+            </a:scrgbClr>
+          </a:contourClr>
+        </a:sp3d>
+      </dsp:spPr>
+      <dsp:style>
+        <a:lnRef idx="0">
+          <a:scrgbClr r="0" g="0" b="0"/>
+        </a:lnRef>
+        <a:fillRef idx="3">
+          <a:scrgbClr r="0" g="0" b="0"/>
+        </a:fillRef>
+        <a:effectRef idx="2">
+          <a:scrgbClr r="0" g="0" b="0"/>
+        </a:effectRef>
+        <a:fontRef idx="minor">
+          <a:schemeClr val="lt1"/>
+        </a:fontRef>
+      </dsp:style>
+      <dsp:txBody>
+        <a:bodyPr spcFirstLastPara="0" vert="horz" wrap="square" lIns="0" tIns="0" rIns="0" bIns="0" numCol="1" spcCol="1270" anchor="ctr" anchorCtr="0">
+          <a:noAutofit/>
+        </a:bodyPr>
+        <a:lstStyle/>
+        <a:p>
+          <a:pPr marL="0" lvl="0" indent="0" algn="ctr" defTabSz="488950">
+            <a:lnSpc>
+              <a:spcPct val="90000"/>
+            </a:lnSpc>
+            <a:spcBef>
+              <a:spcPct val="0"/>
+            </a:spcBef>
+            <a:spcAft>
+              <a:spcPct val="35000"/>
+            </a:spcAft>
+            <a:buNone/>
+          </a:pPr>
+          <a:endParaRPr lang="en-US" sz="1100" kern="1200"/>
+        </a:p>
+      </dsp:txBody>
+      <dsp:txXfrm rot="-5400000">
+        <a:off x="3515424" y="728533"/>
+        <a:ext cx="184390" cy="179269"/>
+      </dsp:txXfrm>
+    </dsp:sp>
+    <dsp:sp modelId="{87C32DCB-D7CA-425A-A14D-DC1B34BAA990}">
+      <dsp:nvSpPr>
+        <dsp:cNvPr id="0" name=""/>
+        <dsp:cNvSpPr/>
+      </dsp:nvSpPr>
+      <dsp:spPr>
+        <a:xfrm>
+          <a:off x="1681977" y="1027314"/>
+          <a:ext cx="3851283" cy="682929"/>
+        </a:xfrm>
+        <a:prstGeom prst="roundRect">
+          <a:avLst>
+            <a:gd name="adj" fmla="val 10000"/>
+          </a:avLst>
+        </a:prstGeom>
+        <a:solidFill>
+          <a:srgbClr val="FFFFFF"/>
+        </a:solidFill>
+        <a:ln w="38100" cmpd="sng">
+          <a:solidFill>
+            <a:srgbClr val="0ECC00"/>
+          </a:solidFill>
+        </a:ln>
+        <a:effectLst/>
+        <a:scene3d>
+          <a:camera prst="orthographicFront" fov="0">
+            <a:rot lat="0" lon="0" rev="0"/>
+          </a:camera>
+          <a:lightRig rig="balanced" dir="t">
+            <a:rot lat="0" lon="0" rev="0"/>
+          </a:lightRig>
+        </a:scene3d>
+        <a:sp3d prstMaterial="matte">
+          <a:bevelT w="0" h="0"/>
+          <a:contourClr>
+            <a:scrgbClr r="0" g="0" b="0">
+              <a:tint val="100000"/>
+              <a:shade val="100000"/>
+              <a:hueMod val="100000"/>
+              <a:satMod val="100000"/>
+            </a:scrgbClr>
+          </a:contourClr>
+        </a:sp3d>
+      </dsp:spPr>
+      <dsp:style>
+        <a:lnRef idx="0">
+          <a:scrgbClr r="0" g="0" b="0"/>
+        </a:lnRef>
+        <a:fillRef idx="3">
+          <a:scrgbClr r="0" g="0" b="0"/>
+        </a:fillRef>
+        <a:effectRef idx="2">
+          <a:scrgbClr r="0" g="0" b="0"/>
+        </a:effectRef>
+        <a:fontRef idx="minor">
+          <a:schemeClr val="lt1"/>
+        </a:fontRef>
+      </dsp:style>
+      <dsp:txBody>
+        <a:bodyPr spcFirstLastPara="0" vert="horz" wrap="square" lIns="91440" tIns="91440" rIns="91440" bIns="91440" numCol="1" spcCol="1270" anchor="ctr" anchorCtr="0">
+          <a:noAutofit/>
+        </a:bodyPr>
+        <a:lstStyle/>
+        <a:p>
+          <a:pPr marL="0" lvl="0" indent="0" algn="ctr" defTabSz="1066800">
+            <a:lnSpc>
+              <a:spcPct val="90000"/>
+            </a:lnSpc>
+            <a:spcBef>
+              <a:spcPct val="0"/>
+            </a:spcBef>
+            <a:spcAft>
+              <a:spcPct val="35000"/>
+            </a:spcAft>
+            <a:buNone/>
+          </a:pPr>
+          <a:r>
+            <a:rPr lang="en-US" sz="2400" kern="1200" dirty="0">
+              <a:solidFill>
+                <a:srgbClr val="000000"/>
+              </a:solidFill>
+            </a:rPr>
+            <a:t>Write tests </a:t>
+          </a:r>
+          <a:br>
+            <a:rPr lang="en-US" sz="2400" kern="1200" dirty="0">
+              <a:solidFill>
+                <a:srgbClr val="000000"/>
+              </a:solidFill>
+            </a:rPr>
+          </a:br>
+          <a:r>
+            <a:rPr lang="en-US" sz="2000" kern="1200" dirty="0">
+              <a:solidFill>
+                <a:srgbClr val="000000"/>
+              </a:solidFill>
+            </a:rPr>
+            <a:t>to check that feature works </a:t>
+          </a:r>
+          <a:endParaRPr lang="en-GB" sz="2400" kern="1200" dirty="0">
+            <a:solidFill>
+              <a:srgbClr val="000000"/>
+            </a:solidFill>
+          </a:endParaRPr>
+        </a:p>
+      </dsp:txBody>
+      <dsp:txXfrm>
+        <a:off x="1701979" y="1047316"/>
+        <a:ext cx="3811279" cy="642925"/>
+      </dsp:txXfrm>
+    </dsp:sp>
+    <dsp:sp modelId="{143F6140-E7F1-4CCF-A9B1-524762512517}">
+      <dsp:nvSpPr>
+        <dsp:cNvPr id="0" name=""/>
+        <dsp:cNvSpPr/>
+      </dsp:nvSpPr>
+      <dsp:spPr>
+        <a:xfrm rot="5400000">
+          <a:off x="3479569" y="1727317"/>
+          <a:ext cx="256098" cy="307318"/>
+        </a:xfrm>
+        <a:prstGeom prst="rightArrow">
+          <a:avLst>
+            <a:gd name="adj1" fmla="val 60000"/>
+            <a:gd name="adj2" fmla="val 50000"/>
+          </a:avLst>
+        </a:prstGeom>
+        <a:solidFill>
+          <a:srgbClr val="FFFFFF"/>
+        </a:solidFill>
+        <a:ln w="38100" cmpd="sng">
+          <a:solidFill>
+            <a:srgbClr val="0ECC00"/>
+          </a:solidFill>
+        </a:ln>
+        <a:effectLst/>
+        <a:scene3d>
+          <a:camera prst="orthographicFront" fov="0">
+            <a:rot lat="0" lon="0" rev="0"/>
+          </a:camera>
+          <a:lightRig rig="balanced" dir="t">
+            <a:rot lat="0" lon="0" rev="0"/>
+          </a:lightRig>
+        </a:scene3d>
+        <a:sp3d prstMaterial="matte">
+          <a:bevelT w="0" h="0"/>
+          <a:contourClr>
+            <a:scrgbClr r="0" g="0" b="0">
+              <a:tint val="100000"/>
+              <a:shade val="100000"/>
+              <a:hueMod val="100000"/>
+              <a:satMod val="100000"/>
+            </a:scrgbClr>
+          </a:contourClr>
+        </a:sp3d>
+      </dsp:spPr>
+      <dsp:style>
+        <a:lnRef idx="0">
+          <a:scrgbClr r="0" g="0" b="0"/>
+        </a:lnRef>
+        <a:fillRef idx="3">
+          <a:scrgbClr r="0" g="0" b="0"/>
+        </a:fillRef>
+        <a:effectRef idx="2">
+          <a:scrgbClr r="0" g="0" b="0"/>
+        </a:effectRef>
+        <a:fontRef idx="minor">
+          <a:schemeClr val="lt1"/>
+        </a:fontRef>
+      </dsp:style>
+      <dsp:txBody>
+        <a:bodyPr spcFirstLastPara="0" vert="horz" wrap="square" lIns="0" tIns="0" rIns="0" bIns="0" numCol="1" spcCol="1270" anchor="ctr" anchorCtr="0">
+          <a:noAutofit/>
+        </a:bodyPr>
+        <a:lstStyle/>
+        <a:p>
+          <a:pPr marL="0" lvl="0" indent="0" algn="ctr" defTabSz="889000">
+            <a:lnSpc>
+              <a:spcPct val="90000"/>
+            </a:lnSpc>
+            <a:spcBef>
+              <a:spcPct val="0"/>
+            </a:spcBef>
+            <a:spcAft>
+              <a:spcPct val="35000"/>
+            </a:spcAft>
+            <a:buNone/>
+          </a:pPr>
+          <a:endParaRPr lang="en-GB" sz="2000" kern="1200"/>
+        </a:p>
+      </dsp:txBody>
+      <dsp:txXfrm rot="-5400000">
+        <a:off x="3515424" y="1752927"/>
+        <a:ext cx="184390" cy="179269"/>
+      </dsp:txXfrm>
+    </dsp:sp>
+    <dsp:sp modelId="{3FA6B472-D1F3-409B-BF18-F1310278CB78}">
+      <dsp:nvSpPr>
+        <dsp:cNvPr id="0" name=""/>
+        <dsp:cNvSpPr/>
+      </dsp:nvSpPr>
+      <dsp:spPr>
+        <a:xfrm>
+          <a:off x="1697179" y="2051708"/>
+          <a:ext cx="3820879" cy="682929"/>
+        </a:xfrm>
+        <a:prstGeom prst="roundRect">
+          <a:avLst>
+            <a:gd name="adj" fmla="val 10000"/>
+          </a:avLst>
+        </a:prstGeom>
+        <a:solidFill>
+          <a:srgbClr val="FFFFFF"/>
+        </a:solidFill>
+        <a:ln w="38100" cmpd="sng">
+          <a:solidFill>
+            <a:srgbClr val="0ECC00"/>
+          </a:solidFill>
+        </a:ln>
+        <a:effectLst/>
+        <a:scene3d>
+          <a:camera prst="orthographicFront" fov="0">
+            <a:rot lat="0" lon="0" rev="0"/>
+          </a:camera>
+          <a:lightRig rig="balanced" dir="t">
+            <a:rot lat="0" lon="0" rev="0"/>
+          </a:lightRig>
+        </a:scene3d>
+        <a:sp3d prstMaterial="matte">
+          <a:bevelT w="0" h="0"/>
+          <a:contourClr>
+            <a:scrgbClr r="0" g="0" b="0">
+              <a:tint val="100000"/>
+              <a:shade val="100000"/>
+              <a:hueMod val="100000"/>
+              <a:satMod val="100000"/>
+            </a:scrgbClr>
+          </a:contourClr>
+        </a:sp3d>
+      </dsp:spPr>
+      <dsp:style>
+        <a:lnRef idx="0">
+          <a:scrgbClr r="0" g="0" b="0"/>
+        </a:lnRef>
+        <a:fillRef idx="3">
+          <a:scrgbClr r="0" g="0" b="0"/>
+        </a:fillRef>
+        <a:effectRef idx="2">
+          <a:scrgbClr r="0" g="0" b="0"/>
+        </a:effectRef>
+        <a:fontRef idx="minor">
+          <a:schemeClr val="lt1"/>
+        </a:fontRef>
+      </dsp:style>
+      <dsp:txBody>
+        <a:bodyPr spcFirstLastPara="0" vert="horz" wrap="square" lIns="91440" tIns="91440" rIns="91440" bIns="91440" numCol="1" spcCol="1270" anchor="ctr" anchorCtr="0">
+          <a:noAutofit/>
+        </a:bodyPr>
+        <a:lstStyle/>
+        <a:p>
+          <a:pPr marL="0" lvl="0" indent="0" algn="ctr" defTabSz="1066800">
+            <a:lnSpc>
+              <a:spcPct val="90000"/>
+            </a:lnSpc>
+            <a:spcBef>
+              <a:spcPct val="0"/>
+            </a:spcBef>
+            <a:spcAft>
+              <a:spcPct val="35000"/>
+            </a:spcAft>
+            <a:buNone/>
+          </a:pPr>
+          <a:r>
+            <a:rPr lang="en-US" sz="2400" kern="1200" dirty="0">
+              <a:solidFill>
+                <a:srgbClr val="000000"/>
+              </a:solidFill>
+            </a:rPr>
+            <a:t>Write simplest code </a:t>
+          </a:r>
+          <a:br>
+            <a:rPr lang="en-US" sz="2400" kern="1200" dirty="0">
+              <a:solidFill>
+                <a:srgbClr val="000000"/>
+              </a:solidFill>
+            </a:rPr>
+          </a:br>
+          <a:r>
+            <a:rPr lang="en-US" sz="2000" kern="1200" dirty="0">
+              <a:solidFill>
+                <a:srgbClr val="000000"/>
+              </a:solidFill>
+            </a:rPr>
+            <a:t>that makes tests pass</a:t>
+          </a:r>
+        </a:p>
+      </dsp:txBody>
+      <dsp:txXfrm>
+        <a:off x="1717181" y="2071710"/>
+        <a:ext cx="3780875" cy="642925"/>
+      </dsp:txXfrm>
+    </dsp:sp>
+    <dsp:sp modelId="{E202264D-36A3-408A-9050-7FBD30D2645C}">
+      <dsp:nvSpPr>
+        <dsp:cNvPr id="0" name=""/>
+        <dsp:cNvSpPr/>
+      </dsp:nvSpPr>
+      <dsp:spPr>
+        <a:xfrm rot="5400000">
+          <a:off x="3479569" y="2751710"/>
+          <a:ext cx="256098" cy="307318"/>
+        </a:xfrm>
+        <a:prstGeom prst="rightArrow">
+          <a:avLst>
+            <a:gd name="adj1" fmla="val 60000"/>
+            <a:gd name="adj2" fmla="val 50000"/>
+          </a:avLst>
+        </a:prstGeom>
+        <a:solidFill>
+          <a:srgbClr val="FFFFFF"/>
+        </a:solidFill>
+        <a:ln w="38100" cmpd="sng">
+          <a:solidFill>
+            <a:srgbClr val="0ECC00"/>
+          </a:solidFill>
+        </a:ln>
+        <a:effectLst/>
+        <a:scene3d>
+          <a:camera prst="orthographicFront" fov="0">
+            <a:rot lat="0" lon="0" rev="0"/>
+          </a:camera>
+          <a:lightRig rig="balanced" dir="t">
+            <a:rot lat="0" lon="0" rev="0"/>
+          </a:lightRig>
+        </a:scene3d>
+        <a:sp3d prstMaterial="matte">
+          <a:bevelT w="0" h="0"/>
+          <a:contourClr>
+            <a:scrgbClr r="0" g="0" b="0">
+              <a:tint val="100000"/>
+              <a:shade val="100000"/>
+              <a:hueMod val="100000"/>
+              <a:satMod val="100000"/>
+            </a:scrgbClr>
+          </a:contourClr>
+        </a:sp3d>
+      </dsp:spPr>
+      <dsp:style>
+        <a:lnRef idx="0">
+          <a:scrgbClr r="0" g="0" b="0"/>
+        </a:lnRef>
+        <a:fillRef idx="3">
+          <a:scrgbClr r="0" g="0" b="0"/>
+        </a:fillRef>
+        <a:effectRef idx="2">
+          <a:scrgbClr r="0" g="0" b="0"/>
+        </a:effectRef>
+        <a:fontRef idx="minor">
+          <a:schemeClr val="lt1"/>
+        </a:fontRef>
+      </dsp:style>
+      <dsp:txBody>
+        <a:bodyPr spcFirstLastPara="0" vert="horz" wrap="square" lIns="0" tIns="0" rIns="0" bIns="0" numCol="1" spcCol="1270" anchor="ctr" anchorCtr="0">
+          <a:noAutofit/>
+        </a:bodyPr>
+        <a:lstStyle/>
+        <a:p>
+          <a:pPr marL="0" lvl="0" indent="0" algn="ctr" defTabSz="889000">
+            <a:lnSpc>
+              <a:spcPct val="90000"/>
+            </a:lnSpc>
+            <a:spcBef>
+              <a:spcPct val="0"/>
+            </a:spcBef>
+            <a:spcAft>
+              <a:spcPct val="35000"/>
+            </a:spcAft>
+            <a:buNone/>
+          </a:pPr>
+          <a:endParaRPr lang="en-GB" sz="2000" kern="1200"/>
+        </a:p>
+      </dsp:txBody>
+      <dsp:txXfrm rot="-5400000">
+        <a:off x="3515424" y="2777320"/>
+        <a:ext cx="184390" cy="179269"/>
+      </dsp:txXfrm>
+    </dsp:sp>
+    <dsp:sp modelId="{3725F2C1-AA1D-49A3-9D73-9D444D08CE71}">
+      <dsp:nvSpPr>
+        <dsp:cNvPr id="0" name=""/>
+        <dsp:cNvSpPr/>
+      </dsp:nvSpPr>
+      <dsp:spPr>
+        <a:xfrm>
+          <a:off x="1697179" y="3076102"/>
+          <a:ext cx="3820879" cy="682929"/>
+        </a:xfrm>
+        <a:prstGeom prst="roundRect">
+          <a:avLst>
+            <a:gd name="adj" fmla="val 10000"/>
+          </a:avLst>
+        </a:prstGeom>
+        <a:solidFill>
+          <a:srgbClr val="FFFFFF"/>
+        </a:solidFill>
+        <a:ln w="38100" cmpd="sng">
+          <a:solidFill>
+            <a:srgbClr val="0ECC00"/>
+          </a:solidFill>
+        </a:ln>
+        <a:effectLst/>
+        <a:scene3d>
+          <a:camera prst="orthographicFront" fov="0">
+            <a:rot lat="0" lon="0" rev="0"/>
+          </a:camera>
+          <a:lightRig rig="balanced" dir="t">
+            <a:rot lat="0" lon="0" rev="0"/>
+          </a:lightRig>
+        </a:scene3d>
+        <a:sp3d prstMaterial="matte">
+          <a:bevelT w="0" h="0"/>
+          <a:contourClr>
+            <a:scrgbClr r="0" g="0" b="0">
+              <a:tint val="100000"/>
+              <a:shade val="100000"/>
+              <a:hueMod val="100000"/>
+              <a:satMod val="100000"/>
+            </a:scrgbClr>
+          </a:contourClr>
+        </a:sp3d>
+      </dsp:spPr>
+      <dsp:style>
+        <a:lnRef idx="0">
+          <a:scrgbClr r="0" g="0" b="0"/>
+        </a:lnRef>
+        <a:fillRef idx="3">
+          <a:scrgbClr r="0" g="0" b="0"/>
+        </a:fillRef>
+        <a:effectRef idx="2">
+          <a:scrgbClr r="0" g="0" b="0"/>
+        </a:effectRef>
+        <a:fontRef idx="minor">
+          <a:schemeClr val="lt1"/>
+        </a:fontRef>
+      </dsp:style>
+      <dsp:txBody>
+        <a:bodyPr spcFirstLastPara="0" vert="horz" wrap="square" lIns="91440" tIns="91440" rIns="91440" bIns="91440" numCol="1" spcCol="1270" anchor="ctr" anchorCtr="0">
+          <a:noAutofit/>
+        </a:bodyPr>
+        <a:lstStyle/>
+        <a:p>
+          <a:pPr marL="0" lvl="0" indent="0" algn="ctr" defTabSz="1066800">
+            <a:lnSpc>
+              <a:spcPct val="90000"/>
+            </a:lnSpc>
+            <a:spcBef>
+              <a:spcPct val="0"/>
+            </a:spcBef>
+            <a:spcAft>
+              <a:spcPct val="35000"/>
+            </a:spcAft>
+            <a:buNone/>
+          </a:pPr>
+          <a:r>
+            <a:rPr lang="en-US" sz="2400" kern="1200" dirty="0">
+              <a:solidFill>
+                <a:srgbClr val="000000"/>
+              </a:solidFill>
+            </a:rPr>
+            <a:t>Run tests and debug </a:t>
+          </a:r>
+          <a:br>
+            <a:rPr lang="en-US" sz="2400" kern="1200" dirty="0">
+              <a:solidFill>
+                <a:srgbClr val="000000"/>
+              </a:solidFill>
+            </a:rPr>
+          </a:br>
+          <a:r>
+            <a:rPr lang="en-US" sz="2000" kern="1200" dirty="0">
+              <a:solidFill>
+                <a:srgbClr val="000000"/>
+              </a:solidFill>
+            </a:rPr>
+            <a:t>until </a:t>
+          </a:r>
+          <a:r>
+            <a:rPr lang="en-US" sz="2000" i="1" kern="1200" dirty="0">
+              <a:solidFill>
+                <a:srgbClr val="000000"/>
+              </a:solidFill>
+            </a:rPr>
+            <a:t>all</a:t>
+          </a:r>
+          <a:r>
+            <a:rPr lang="en-US" sz="2000" kern="1200" dirty="0">
+              <a:solidFill>
+                <a:srgbClr val="000000"/>
+              </a:solidFill>
+            </a:rPr>
+            <a:t> tests pass</a:t>
+          </a:r>
+        </a:p>
+      </dsp:txBody>
+      <dsp:txXfrm>
+        <a:off x="1717181" y="3096104"/>
+        <a:ext cx="3780875" cy="642925"/>
+      </dsp:txXfrm>
+    </dsp:sp>
+    <dsp:sp modelId="{B4CC5E68-BD20-49EE-86FA-E08541A3FE12}">
+      <dsp:nvSpPr>
+        <dsp:cNvPr id="0" name=""/>
+        <dsp:cNvSpPr/>
+      </dsp:nvSpPr>
+      <dsp:spPr>
+        <a:xfrm rot="5400000">
+          <a:off x="3479569" y="3776104"/>
+          <a:ext cx="256098" cy="307318"/>
+        </a:xfrm>
+        <a:prstGeom prst="rightArrow">
+          <a:avLst>
+            <a:gd name="adj1" fmla="val 60000"/>
+            <a:gd name="adj2" fmla="val 50000"/>
+          </a:avLst>
+        </a:prstGeom>
+        <a:solidFill>
+          <a:srgbClr val="FFFFFF"/>
+        </a:solidFill>
+        <a:ln w="38100" cmpd="sng">
+          <a:solidFill>
+            <a:srgbClr val="0ECC00"/>
+          </a:solidFill>
+        </a:ln>
+        <a:effectLst/>
+        <a:scene3d>
+          <a:camera prst="orthographicFront" fov="0">
+            <a:rot lat="0" lon="0" rev="0"/>
+          </a:camera>
+          <a:lightRig rig="balanced" dir="t">
+            <a:rot lat="0" lon="0" rev="0"/>
+          </a:lightRig>
+        </a:scene3d>
+        <a:sp3d prstMaterial="matte">
+          <a:bevelT w="0" h="0"/>
+          <a:contourClr>
+            <a:scrgbClr r="0" g="0" b="0">
+              <a:tint val="100000"/>
+              <a:shade val="100000"/>
+              <a:hueMod val="100000"/>
+              <a:satMod val="100000"/>
+            </a:scrgbClr>
+          </a:contourClr>
+        </a:sp3d>
+      </dsp:spPr>
+      <dsp:style>
+        <a:lnRef idx="0">
+          <a:scrgbClr r="0" g="0" b="0"/>
+        </a:lnRef>
+        <a:fillRef idx="3">
+          <a:scrgbClr r="0" g="0" b="0"/>
+        </a:fillRef>
+        <a:effectRef idx="2">
+          <a:scrgbClr r="0" g="0" b="0"/>
+        </a:effectRef>
+        <a:fontRef idx="minor">
+          <a:schemeClr val="lt1"/>
+        </a:fontRef>
+      </dsp:style>
+      <dsp:txBody>
+        <a:bodyPr spcFirstLastPara="0" vert="horz" wrap="square" lIns="0" tIns="0" rIns="0" bIns="0" numCol="1" spcCol="1270" anchor="ctr" anchorCtr="0">
+          <a:noAutofit/>
+        </a:bodyPr>
+        <a:lstStyle/>
+        <a:p>
+          <a:pPr marL="0" lvl="0" indent="0" algn="ctr" defTabSz="889000">
+            <a:lnSpc>
+              <a:spcPct val="90000"/>
+            </a:lnSpc>
+            <a:spcBef>
+              <a:spcPct val="0"/>
+            </a:spcBef>
+            <a:spcAft>
+              <a:spcPct val="35000"/>
+            </a:spcAft>
+            <a:buNone/>
+          </a:pPr>
+          <a:endParaRPr lang="en-GB" sz="2000" kern="1200"/>
+        </a:p>
+      </dsp:txBody>
+      <dsp:txXfrm rot="-5400000">
+        <a:off x="3515424" y="3801714"/>
+        <a:ext cx="184390" cy="179269"/>
+      </dsp:txXfrm>
+    </dsp:sp>
+    <dsp:sp modelId="{C45FEE31-6BF1-4E83-9497-1224D8F07991}">
+      <dsp:nvSpPr>
+        <dsp:cNvPr id="0" name=""/>
+        <dsp:cNvSpPr/>
+      </dsp:nvSpPr>
+      <dsp:spPr>
+        <a:xfrm>
+          <a:off x="1697179" y="4100496"/>
+          <a:ext cx="3820879" cy="682929"/>
+        </a:xfrm>
+        <a:prstGeom prst="roundRect">
+          <a:avLst>
+            <a:gd name="adj" fmla="val 10000"/>
+          </a:avLst>
+        </a:prstGeom>
+        <a:solidFill>
+          <a:srgbClr val="FFFFFF"/>
+        </a:solidFill>
+        <a:ln w="38100" cmpd="sng">
+          <a:solidFill>
+            <a:srgbClr val="0ECC00"/>
+          </a:solidFill>
+        </a:ln>
+        <a:effectLst/>
+        <a:scene3d>
+          <a:camera prst="orthographicFront" fov="0">
+            <a:rot lat="0" lon="0" rev="0"/>
+          </a:camera>
+          <a:lightRig rig="balanced" dir="t">
+            <a:rot lat="0" lon="0" rev="0"/>
+          </a:lightRig>
+        </a:scene3d>
+        <a:sp3d prstMaterial="matte">
+          <a:bevelT w="0" h="0"/>
+          <a:contourClr>
+            <a:scrgbClr r="0" g="0" b="0">
+              <a:tint val="100000"/>
+              <a:shade val="100000"/>
+              <a:hueMod val="100000"/>
+              <a:satMod val="100000"/>
+            </a:scrgbClr>
+          </a:contourClr>
+        </a:sp3d>
+      </dsp:spPr>
+      <dsp:style>
+        <a:lnRef idx="0">
+          <a:scrgbClr r="0" g="0" b="0"/>
+        </a:lnRef>
+        <a:fillRef idx="3">
+          <a:scrgbClr r="0" g="0" b="0"/>
+        </a:fillRef>
+        <a:effectRef idx="2">
+          <a:scrgbClr r="0" g="0" b="0"/>
+        </a:effectRef>
+        <a:fontRef idx="minor">
+          <a:schemeClr val="lt1"/>
+        </a:fontRef>
+      </dsp:style>
+      <dsp:txBody>
+        <a:bodyPr spcFirstLastPara="0" vert="horz" wrap="square" lIns="91440" tIns="91440" rIns="91440" bIns="91440" numCol="1" spcCol="1270" anchor="ctr" anchorCtr="0">
+          <a:noAutofit/>
+        </a:bodyPr>
+        <a:lstStyle/>
+        <a:p>
+          <a:pPr marL="0" lvl="0" indent="0" algn="ctr" defTabSz="1066800">
+            <a:lnSpc>
+              <a:spcPct val="90000"/>
+            </a:lnSpc>
+            <a:spcBef>
+              <a:spcPct val="0"/>
+            </a:spcBef>
+            <a:spcAft>
+              <a:spcPct val="35000"/>
+            </a:spcAft>
+            <a:buNone/>
+          </a:pPr>
+          <a:r>
+            <a:rPr lang="en-US" sz="2400" kern="1200" dirty="0">
+              <a:solidFill>
+                <a:srgbClr val="000000"/>
+              </a:solidFill>
+            </a:rPr>
+            <a:t>Refactor and optimize </a:t>
+          </a:r>
+          <a:br>
+            <a:rPr lang="en-US" sz="2400" kern="1200" dirty="0">
+              <a:solidFill>
+                <a:srgbClr val="000000"/>
+              </a:solidFill>
+            </a:rPr>
+          </a:br>
+          <a:r>
+            <a:rPr lang="en-US" sz="2000" kern="1200" dirty="0">
+              <a:solidFill>
+                <a:srgbClr val="000000"/>
+              </a:solidFill>
+            </a:rPr>
+            <a:t>only if necessary</a:t>
+          </a:r>
+        </a:p>
+      </dsp:txBody>
+      <dsp:txXfrm>
+        <a:off x="1717181" y="4120498"/>
+        <a:ext cx="3780875" cy="642925"/>
+      </dsp:txXfrm>
+    </dsp:sp>
+  </dsp:spTree>
+</dsp:drawing>
+</file>
+
+<file path=ppt/diagrams/drawing2.xml><?xml version="1.0" encoding="utf-8"?>
 <dsp:drawing xmlns:dgm="http://schemas.openxmlformats.org/drawingml/2006/diagram" xmlns:dsp="http://schemas.microsoft.com/office/drawing/2008/diagram" xmlns:a="http://schemas.openxmlformats.org/drawingml/2006/main">
   <dsp:spTree>
     <dsp:nvGrpSpPr>
@@ -2222,7 +4601,7 @@
         </a:solidFill>
         <a:ln w="38100" cmpd="sng">
           <a:solidFill>
-            <a:srgbClr val="BFBFBF"/>
+            <a:srgbClr val="0ECC00"/>
           </a:solidFill>
         </a:ln>
         <a:effectLst/>
@@ -2281,42 +4660,65 @@
           <a:r>
             <a:rPr lang="en-US" sz="2400" kern="1200" dirty="0">
               <a:solidFill>
-                <a:srgbClr val="D9D9D9"/>
+                <a:srgbClr val="000000"/>
               </a:solidFill>
+              <a:latin typeface="Gill Sans MT"/>
+              <a:ea typeface="+mn-ea"/>
+              <a:cs typeface="+mn-cs"/>
             </a:rPr>
             <a:t>Run tests and debug </a:t>
           </a:r>
           <a:br>
             <a:rPr lang="en-US" sz="2400" kern="1200" dirty="0">
               <a:solidFill>
-                <a:srgbClr val="D9D9D9"/>
+                <a:srgbClr val="000000"/>
               </a:solidFill>
+              <a:latin typeface="Gill Sans MT"/>
+              <a:ea typeface="+mn-ea"/>
+              <a:cs typeface="+mn-cs"/>
             </a:rPr>
           </a:br>
           <a:r>
             <a:rPr lang="en-US" sz="2000" kern="1200" dirty="0">
               <a:solidFill>
-                <a:srgbClr val="D9D9D9"/>
+                <a:srgbClr val="000000"/>
               </a:solidFill>
+              <a:latin typeface="Gill Sans MT"/>
+              <a:ea typeface="+mn-ea"/>
+              <a:cs typeface="+mn-cs"/>
             </a:rPr>
             <a:t>until </a:t>
           </a:r>
           <a:r>
             <a:rPr lang="en-US" sz="2000" i="1" kern="1200" dirty="0">
               <a:solidFill>
-                <a:srgbClr val="D9D9D9"/>
+                <a:srgbClr val="000000"/>
               </a:solidFill>
+              <a:latin typeface="Gill Sans MT"/>
+              <a:ea typeface="+mn-ea"/>
+              <a:cs typeface="+mn-cs"/>
             </a:rPr>
             <a:t>all</a:t>
           </a:r>
           <a:r>
             <a:rPr lang="en-US" sz="2000" kern="1200" dirty="0">
               <a:solidFill>
-                <a:srgbClr val="D9D9D9"/>
+                <a:srgbClr val="000000"/>
               </a:solidFill>
+              <a:latin typeface="Gill Sans MT"/>
+              <a:ea typeface="+mn-ea"/>
+              <a:cs typeface="+mn-cs"/>
             </a:rPr>
             <a:t> tests pass</a:t>
           </a:r>
+          <a:endParaRPr lang="en-US" sz="2400" kern="1200" dirty="0">
+            <a:solidFill>
+              <a:srgbClr val="000000"/>
+            </a:solidFill>
+            <a:latin typeface="Gill Sans MT"/>
+            <a:ea typeface="+mn-ea"/>
+            <a:cs typeface="+mn-cs"/>
+          </a:endParaRPr>
         </a:p>
       </dsp:txBody>
       <dsp:txXfrm>
@@ -2668,7 +5070,1190 @@
 </dgm:layoutDef>
 </file>
 
+<file path=ppt/diagrams/layout2.xml><?xml version="1.0" encoding="utf-8"?>
+<dgm:layoutDef xmlns:dgm="http://schemas.openxmlformats.org/drawingml/2006/diagram" xmlns:a="http://schemas.openxmlformats.org/drawingml/2006/main" uniqueId="urn:microsoft.com/office/officeart/2005/8/layout/process2">
+  <dgm:title val=""/>
+  <dgm:desc val=""/>
+  <dgm:catLst>
+    <dgm:cat type="process" pri="13000"/>
+  </dgm:catLst>
+  <dgm:sampData useDef="1">
+    <dgm:dataModel>
+      <dgm:ptLst/>
+      <dgm:bg/>
+      <dgm:whole/>
+    </dgm:dataModel>
+  </dgm:sampData>
+  <dgm:styleData>
+    <dgm:dataModel>
+      <dgm:ptLst>
+        <dgm:pt modelId="0" type="doc"/>
+        <dgm:pt modelId="1"/>
+        <dgm:pt modelId="2"/>
+      </dgm:ptLst>
+      <dgm:cxnLst>
+        <dgm:cxn modelId="3" srcId="0" destId="1" srcOrd="0" destOrd="0"/>
+        <dgm:cxn modelId="4" srcId="0" destId="2" srcOrd="1" destOrd="0"/>
+      </dgm:cxnLst>
+      <dgm:bg/>
+      <dgm:whole/>
+    </dgm:dataModel>
+  </dgm:styleData>
+  <dgm:clrData>
+    <dgm:dataModel>
+      <dgm:ptLst>
+        <dgm:pt modelId="0" type="doc"/>
+        <dgm:pt modelId="1"/>
+        <dgm:pt modelId="2"/>
+        <dgm:pt modelId="3"/>
+        <dgm:pt modelId="4"/>
+      </dgm:ptLst>
+      <dgm:cxnLst>
+        <dgm:cxn modelId="5" srcId="0" destId="1" srcOrd="0" destOrd="0"/>
+        <dgm:cxn modelId="6" srcId="0" destId="2" srcOrd="1" destOrd="0"/>
+        <dgm:cxn modelId="7" srcId="0" destId="3" srcOrd="2" destOrd="0"/>
+        <dgm:cxn modelId="8" srcId="0" destId="4" srcOrd="3" destOrd="0"/>
+      </dgm:cxnLst>
+      <dgm:bg/>
+      <dgm:whole/>
+    </dgm:dataModel>
+  </dgm:clrData>
+  <dgm:layoutNode name="linearFlow">
+    <dgm:varLst>
+      <dgm:resizeHandles val="exact"/>
+    </dgm:varLst>
+    <dgm:alg type="lin">
+      <dgm:param type="linDir" val="fromT"/>
+    </dgm:alg>
+    <dgm:shape xmlns:r="http://schemas.openxmlformats.org/officeDocument/2006/relationships" r:blip="">
+      <dgm:adjLst/>
+    </dgm:shape>
+    <dgm:presOf/>
+    <dgm:constrLst>
+      <dgm:constr type="h" for="ch" ptType="node" refType="h"/>
+      <dgm:constr type="h" for="ch" ptType="sibTrans" refType="h" refFor="ch" refPtType="node" fact="0.5"/>
+      <dgm:constr type="w" for="ch" ptType="node" op="equ"/>
+      <dgm:constr type="primFontSz" for="ch" ptType="node" op="equ" val="65"/>
+      <dgm:constr type="primFontSz" for="des" forName="connectorText" op="equ" val="55"/>
+      <dgm:constr type="primFontSz" for="des" forName="connectorText" refType="primFontSz" refFor="ch" refPtType="node" op="lte" fact="0.8"/>
+    </dgm:constrLst>
+    <dgm:ruleLst/>
+    <dgm:forEach name="nodesForEach" axis="ch" ptType="node">
+      <dgm:layoutNode name="node">
+        <dgm:varLst>
+          <dgm:bulletEnabled val="1"/>
+        </dgm:varLst>
+        <dgm:choose name="Name0">
+          <dgm:if name="Name1" axis="root des" ptType="all node" func="maxDepth" op="gt" val="1">
+            <dgm:alg type="tx">
+              <dgm:param type="parTxLTRAlign" val="l"/>
+              <dgm:param type="parTxRTLAlign" val="r"/>
+              <dgm:param type="txAnchorVertCh" val="mid"/>
+            </dgm:alg>
+          </dgm:if>
+          <dgm:else name="Name2">
+            <dgm:alg type="tx"/>
+          </dgm:else>
+        </dgm:choose>
+        <dgm:shape xmlns:r="http://schemas.openxmlformats.org/officeDocument/2006/relationships" type="roundRect" r:blip="">
+          <dgm:adjLst>
+            <dgm:adj idx="1" val="0.1"/>
+          </dgm:adjLst>
+        </dgm:shape>
+        <dgm:presOf axis="desOrSelf" ptType="node"/>
+        <dgm:constrLst>
+          <dgm:constr type="w" refType="h" fact="1.8"/>
+          <dgm:constr type="tMarg" refType="primFontSz" fact="0.3"/>
+          <dgm:constr type="bMarg" refType="primFontSz" fact="0.3"/>
+          <dgm:constr type="lMarg" refType="primFontSz" fact="0.3"/>
+          <dgm:constr type="rMarg" refType="primFontSz" fact="0.3"/>
+        </dgm:constrLst>
+        <dgm:ruleLst>
+          <dgm:rule type="primFontSz" val="18" fact="NaN" max="NaN"/>
+          <dgm:rule type="w" val="NaN" fact="4" max="NaN"/>
+          <dgm:rule type="primFontSz" val="5" fact="NaN" max="NaN"/>
+        </dgm:ruleLst>
+      </dgm:layoutNode>
+      <dgm:forEach name="sibTransForEach" axis="followSib" ptType="sibTrans" cnt="1">
+        <dgm:layoutNode name="sibTrans">
+          <dgm:alg type="conn">
+            <dgm:param type="begPts" val="auto"/>
+            <dgm:param type="endPts" val="auto"/>
+          </dgm:alg>
+          <dgm:shape xmlns:r="http://schemas.openxmlformats.org/officeDocument/2006/relationships" type="conn" r:blip="">
+            <dgm:adjLst/>
+          </dgm:shape>
+          <dgm:presOf axis="self"/>
+          <dgm:constrLst>
+            <dgm:constr type="w" refType="h" fact="0.9"/>
+            <dgm:constr type="connDist"/>
+            <dgm:constr type="wArH" refType="w" fact="0.5"/>
+            <dgm:constr type="hArH" refType="w"/>
+            <dgm:constr type="stemThick" refType="w" fact="0.6"/>
+            <dgm:constr type="begPad" refType="connDist" fact="0.125"/>
+            <dgm:constr type="endPad" refType="connDist" fact="0.125"/>
+          </dgm:constrLst>
+          <dgm:ruleLst/>
+          <dgm:layoutNode name="connectorText">
+            <dgm:alg type="tx">
+              <dgm:param type="autoTxRot" val="upr"/>
+            </dgm:alg>
+            <dgm:shape xmlns:r="http://schemas.openxmlformats.org/officeDocument/2006/relationships" type="conn" r:blip="" hideGeom="1">
+              <dgm:adjLst/>
+            </dgm:shape>
+            <dgm:presOf axis="self"/>
+            <dgm:constrLst>
+              <dgm:constr type="lMarg"/>
+              <dgm:constr type="rMarg"/>
+              <dgm:constr type="tMarg"/>
+              <dgm:constr type="bMarg"/>
+            </dgm:constrLst>
+            <dgm:ruleLst>
+              <dgm:rule type="primFontSz" val="5" fact="NaN" max="NaN"/>
+            </dgm:ruleLst>
+          </dgm:layoutNode>
+        </dgm:layoutNode>
+      </dgm:forEach>
+    </dgm:forEach>
+  </dgm:layoutNode>
+</dgm:layoutDef>
+</file>
+
 <file path=ppt/diagrams/quickStyle1.xml><?xml version="1.0" encoding="utf-8"?>
+<dgm:styleDef xmlns:dgm="http://schemas.openxmlformats.org/drawingml/2006/diagram" xmlns:a="http://schemas.openxmlformats.org/drawingml/2006/main" uniqueId="urn:microsoft.com/office/officeart/2005/8/quickstyle/simple4">
+  <dgm:title val=""/>
+  <dgm:desc val=""/>
+  <dgm:catLst>
+    <dgm:cat type="simple" pri="10400"/>
+  </dgm:catLst>
+  <dgm:scene3d>
+    <a:camera prst="orthographicFront"/>
+    <a:lightRig rig="threePt" dir="t"/>
+  </dgm:scene3d>
+  <dgm:styleLbl name="node0">
+    <dgm:scene3d>
+      <a:camera prst="orthographicFront"/>
+      <a:lightRig rig="threePt" dir="t"/>
+    </dgm:scene3d>
+    <dgm:sp3d/>
+    <dgm:txPr/>
+    <dgm:style>
+      <a:lnRef idx="0">
+        <a:scrgbClr r="0" g="0" b="0"/>
+      </a:lnRef>
+      <a:fillRef idx="3">
+        <a:scrgbClr r="0" g="0" b="0"/>
+      </a:fillRef>
+      <a:effectRef idx="2">
+        <a:scrgbClr r="0" g="0" b="0"/>
+      </a:effectRef>
+      <a:fontRef idx="minor">
+        <a:schemeClr val="lt1"/>
+      </a:fontRef>
+    </dgm:style>
+  </dgm:styleLbl>
+  <dgm:styleLbl name="lnNode1">
+    <dgm:scene3d>
+      <a:camera prst="orthographicFront"/>
+      <a:lightRig rig="threePt" dir="t"/>
+    </dgm:scene3d>
+    <dgm:sp3d/>
+    <dgm:txPr/>
+    <dgm:style>
+      <a:lnRef idx="1">
+        <a:scrgbClr r="0" g="0" b="0"/>
+      </a:lnRef>
+      <a:fillRef idx="3">
+        <a:scrgbClr r="0" g="0" b="0"/>
+      </a:fillRef>
+      <a:effectRef idx="2">
+        <a:scrgbClr r="0" g="0" b="0"/>
+      </a:effectRef>
+      <a:fontRef idx="minor">
+        <a:schemeClr val="lt1"/>
+      </a:fontRef>
+    </dgm:style>
+  </dgm:styleLbl>
+  <dgm:styleLbl name="vennNode1">
+    <dgm:scene3d>
+      <a:camera prst="orthographicFront"/>
+      <a:lightRig rig="threePt" dir="t"/>
+    </dgm:scene3d>
+    <dgm:sp3d/>
+    <dgm:txPr/>
+    <dgm:style>
+      <a:lnRef idx="0">
+        <a:scrgbClr r="0" g="0" b="0"/>
+      </a:lnRef>
+      <a:fillRef idx="3">
+        <a:scrgbClr r="0" g="0" b="0"/>
+      </a:fillRef>
+      <a:effectRef idx="0">
+        <a:scrgbClr r="0" g="0" b="0"/>
+      </a:effectRef>
+      <a:fontRef idx="minor">
+        <a:schemeClr val="tx1"/>
+      </a:fontRef>
+    </dgm:style>
+  </dgm:styleLbl>
+  <dgm:styleLbl name="alignNode1">
+    <dgm:scene3d>
+      <a:camera prst="orthographicFront"/>
+      <a:lightRig rig="threePt" dir="t"/>
+    </dgm:scene3d>
+    <dgm:sp3d/>
+    <dgm:txPr/>
+    <dgm:style>
+      <a:lnRef idx="1">
+        <a:scrgbClr r="0" g="0" b="0"/>
+      </a:lnRef>
+      <a:fillRef idx="3">
+        <a:scrgbClr r="0" g="0" b="0"/>
+      </a:fillRef>
+      <a:effectRef idx="2">
+        <a:scrgbClr r="0" g="0" b="0"/>
+      </a:effectRef>
+      <a:fontRef idx="minor">
+        <a:schemeClr val="lt1"/>
+      </a:fontRef>
+    </dgm:style>
+  </dgm:styleLbl>
+  <dgm:styleLbl name="node1">
+    <dgm:scene3d>
+      <a:camera prst="orthographicFront"/>
+      <a:lightRig rig="threePt" dir="t"/>
+    </dgm:scene3d>
+    <dgm:sp3d/>
+    <dgm:txPr/>
+    <dgm:style>
+      <a:lnRef idx="0">
+        <a:scrgbClr r="0" g="0" b="0"/>
+      </a:lnRef>
+      <a:fillRef idx="3">
+        <a:scrgbClr r="0" g="0" b="0"/>
+      </a:fillRef>
+      <a:effectRef idx="2">
+        <a:scrgbClr r="0" g="0" b="0"/>
+      </a:effectRef>
+      <a:fontRef idx="minor">
+        <a:schemeClr val="lt1"/>
+      </a:fontRef>
+    </dgm:style>
+  </dgm:styleLbl>
+  <dgm:styleLbl name="node2">
+    <dgm:scene3d>
+      <a:camera prst="orthographicFront"/>
+      <a:lightRig rig="threePt" dir="t"/>
+    </dgm:scene3d>
+    <dgm:sp3d/>
+    <dgm:txPr/>
+    <dgm:style>
+      <a:lnRef idx="0">
+        <a:scrgbClr r="0" g="0" b="0"/>
+      </a:lnRef>
+      <a:fillRef idx="3">
+        <a:scrgbClr r="0" g="0" b="0"/>
+      </a:fillRef>
+      <a:effectRef idx="2">
+        <a:scrgbClr r="0" g="0" b="0"/>
+      </a:effectRef>
+      <a:fontRef idx="minor">
+        <a:schemeClr val="lt1"/>
+      </a:fontRef>
+    </dgm:style>
+  </dgm:styleLbl>
+  <dgm:styleLbl name="node3">
+    <dgm:scene3d>
+      <a:camera prst="orthographicFront"/>
+      <a:lightRig rig="threePt" dir="t"/>
+    </dgm:scene3d>
+    <dgm:sp3d/>
+    <dgm:txPr/>
+    <dgm:style>
+      <a:lnRef idx="0">
+        <a:scrgbClr r="0" g="0" b="0"/>
+      </a:lnRef>
+      <a:fillRef idx="3">
+        <a:scrgbClr r="0" g="0" b="0"/>
+      </a:fillRef>
+      <a:effectRef idx="2">
+        <a:scrgbClr r="0" g="0" b="0"/>
+      </a:effectRef>
+      <a:fontRef idx="minor">
+        <a:schemeClr val="lt1"/>
+      </a:fontRef>
+    </dgm:style>
+  </dgm:styleLbl>
+  <dgm:styleLbl name="node4">
+    <dgm:scene3d>
+      <a:camera prst="orthographicFront"/>
+      <a:lightRig rig="threePt" dir="t"/>
+    </dgm:scene3d>
+    <dgm:sp3d/>
+    <dgm:txPr/>
+    <dgm:style>
+      <a:lnRef idx="0">
+        <a:scrgbClr r="0" g="0" b="0"/>
+      </a:lnRef>
+      <a:fillRef idx="3">
+        <a:scrgbClr r="0" g="0" b="0"/>
+      </a:fillRef>
+      <a:effectRef idx="2">
+        <a:scrgbClr r="0" g="0" b="0"/>
+      </a:effectRef>
+      <a:fontRef idx="minor">
+        <a:schemeClr val="lt1"/>
+      </a:fontRef>
+    </dgm:style>
+  </dgm:styleLbl>
+  <dgm:styleLbl name="fgImgPlace1">
+    <dgm:scene3d>
+      <a:camera prst="orthographicFront"/>
+      <a:lightRig rig="threePt" dir="t"/>
+    </dgm:scene3d>
+    <dgm:sp3d/>
+    <dgm:txPr/>
+    <dgm:style>
+      <a:lnRef idx="0">
+        <a:scrgbClr r="0" g="0" b="0"/>
+      </a:lnRef>
+      <a:fillRef idx="1">
+        <a:scrgbClr r="0" g="0" b="0"/>
+      </a:fillRef>
+      <a:effectRef idx="2">
+        <a:scrgbClr r="0" g="0" b="0"/>
+      </a:effectRef>
+      <a:fontRef idx="minor"/>
+    </dgm:style>
+  </dgm:styleLbl>
+  <dgm:styleLbl name="alignImgPlace1">
+    <dgm:scene3d>
+      <a:camera prst="orthographicFront"/>
+      <a:lightRig rig="threePt" dir="t"/>
+    </dgm:scene3d>
+    <dgm:sp3d/>
+    <dgm:txPr/>
+    <dgm:style>
+      <a:lnRef idx="0">
+        <a:scrgbClr r="0" g="0" b="0"/>
+      </a:lnRef>
+      <a:fillRef idx="1">
+        <a:scrgbClr r="0" g="0" b="0"/>
+      </a:fillRef>
+      <a:effectRef idx="2">
+        <a:scrgbClr r="0" g="0" b="0"/>
+      </a:effectRef>
+      <a:fontRef idx="minor"/>
+    </dgm:style>
+  </dgm:styleLbl>
+  <dgm:styleLbl name="bgImgPlace1">
+    <dgm:scene3d>
+      <a:camera prst="orthographicFront"/>
+      <a:lightRig rig="threePt" dir="t"/>
+    </dgm:scene3d>
+    <dgm:sp3d/>
+    <dgm:txPr/>
+    <dgm:style>
+      <a:lnRef idx="0">
+        <a:scrgbClr r="0" g="0" b="0"/>
+      </a:lnRef>
+      <a:fillRef idx="1">
+        <a:scrgbClr r="0" g="0" b="0"/>
+      </a:fillRef>
+      <a:effectRef idx="2">
+        <a:scrgbClr r="0" g="0" b="0"/>
+      </a:effectRef>
+      <a:fontRef idx="minor"/>
+    </dgm:style>
+  </dgm:styleLbl>
+  <dgm:styleLbl name="sibTrans2D1">
+    <dgm:scene3d>
+      <a:camera prst="orthographicFront"/>
+      <a:lightRig rig="threePt" dir="t"/>
+    </dgm:scene3d>
+    <dgm:sp3d/>
+    <dgm:txPr/>
+    <dgm:style>
+      <a:lnRef idx="0">
+        <a:scrgbClr r="0" g="0" b="0"/>
+      </a:lnRef>
+      <a:fillRef idx="3">
+        <a:scrgbClr r="0" g="0" b="0"/>
+      </a:fillRef>
+      <a:effectRef idx="2">
+        <a:scrgbClr r="0" g="0" b="0"/>
+      </a:effectRef>
+      <a:fontRef idx="minor">
+        <a:schemeClr val="lt1"/>
+      </a:fontRef>
+    </dgm:style>
+  </dgm:styleLbl>
+  <dgm:styleLbl name="fgSibTrans2D1">
+    <dgm:scene3d>
+      <a:camera prst="orthographicFront"/>
+      <a:lightRig rig="threePt" dir="t"/>
+    </dgm:scene3d>
+    <dgm:sp3d/>
+    <dgm:txPr/>
+    <dgm:style>
+      <a:lnRef idx="0">
+        <a:scrgbClr r="0" g="0" b="0"/>
+      </a:lnRef>
+      <a:fillRef idx="3">
+        <a:scrgbClr r="0" g="0" b="0"/>
+      </a:fillRef>
+      <a:effectRef idx="2">
+        <a:scrgbClr r="0" g="0" b="0"/>
+      </a:effectRef>
+      <a:fontRef idx="minor">
+        <a:schemeClr val="lt1"/>
+      </a:fontRef>
+    </dgm:style>
+  </dgm:styleLbl>
+  <dgm:styleLbl name="bgSibTrans2D1">
+    <dgm:scene3d>
+      <a:camera prst="orthographicFront"/>
+      <a:lightRig rig="threePt" dir="t"/>
+    </dgm:scene3d>
+    <dgm:sp3d/>
+    <dgm:txPr/>
+    <dgm:style>
+      <a:lnRef idx="0">
+        <a:scrgbClr r="0" g="0" b="0"/>
+      </a:lnRef>
+      <a:fillRef idx="3">
+        <a:scrgbClr r="0" g="0" b="0"/>
+      </a:fillRef>
+      <a:effectRef idx="2">
+        <a:scrgbClr r="0" g="0" b="0"/>
+      </a:effectRef>
+      <a:fontRef idx="minor">
+        <a:schemeClr val="lt1"/>
+      </a:fontRef>
+    </dgm:style>
+  </dgm:styleLbl>
+  <dgm:styleLbl name="sibTrans1D1">
+    <dgm:scene3d>
+      <a:camera prst="orthographicFront"/>
+      <a:lightRig rig="threePt" dir="t"/>
+    </dgm:scene3d>
+    <dgm:sp3d/>
+    <dgm:txPr/>
+    <dgm:style>
+      <a:lnRef idx="1">
+        <a:scrgbClr r="0" g="0" b="0"/>
+      </a:lnRef>
+      <a:fillRef idx="0">
+        <a:scrgbClr r="0" g="0" b="0"/>
+      </a:fillRef>
+      <a:effectRef idx="0">
+        <a:scrgbClr r="0" g="0" b="0"/>
+      </a:effectRef>
+      <a:fontRef idx="minor"/>
+    </dgm:style>
+  </dgm:styleLbl>
+  <dgm:styleLbl name="callout">
+    <dgm:scene3d>
+      <a:camera prst="orthographicFront"/>
+      <a:lightRig rig="threePt" dir="t"/>
+    </dgm:scene3d>
+    <dgm:sp3d/>
+    <dgm:txPr/>
+    <dgm:style>
+      <a:lnRef idx="2">
+        <a:scrgbClr r="0" g="0" b="0"/>
+      </a:lnRef>
+      <a:fillRef idx="1">
+        <a:scrgbClr r="0" g="0" b="0"/>
+      </a:fillRef>
+      <a:effectRef idx="1">
+        <a:scrgbClr r="0" g="0" b="0"/>
+      </a:effectRef>
+      <a:fontRef idx="minor"/>
+    </dgm:style>
+  </dgm:styleLbl>
+  <dgm:styleLbl name="asst0">
+    <dgm:scene3d>
+      <a:camera prst="orthographicFront"/>
+      <a:lightRig rig="threePt" dir="t"/>
+    </dgm:scene3d>
+    <dgm:sp3d/>
+    <dgm:txPr/>
+    <dgm:style>
+      <a:lnRef idx="0">
+        <a:scrgbClr r="0" g="0" b="0"/>
+      </a:lnRef>
+      <a:fillRef idx="3">
+        <a:scrgbClr r="0" g="0" b="0"/>
+      </a:fillRef>
+      <a:effectRef idx="2">
+        <a:scrgbClr r="0" g="0" b="0"/>
+      </a:effectRef>
+      <a:fontRef idx="minor">
+        <a:schemeClr val="lt1"/>
+      </a:fontRef>
+    </dgm:style>
+  </dgm:styleLbl>
+  <dgm:styleLbl name="asst1">
+    <dgm:scene3d>
+      <a:camera prst="orthographicFront"/>
+      <a:lightRig rig="threePt" dir="t"/>
+    </dgm:scene3d>
+    <dgm:sp3d/>
+    <dgm:txPr/>
+    <dgm:style>
+      <a:lnRef idx="0">
+        <a:scrgbClr r="0" g="0" b="0"/>
+      </a:lnRef>
+      <a:fillRef idx="3">
+        <a:scrgbClr r="0" g="0" b="0"/>
+      </a:fillRef>
+      <a:effectRef idx="2">
+        <a:scrgbClr r="0" g="0" b="0"/>
+      </a:effectRef>
+      <a:fontRef idx="minor">
+        <a:schemeClr val="lt1"/>
+      </a:fontRef>
+    </dgm:style>
+  </dgm:styleLbl>
+  <dgm:styleLbl name="asst2">
+    <dgm:scene3d>
+      <a:camera prst="orthographicFront"/>
+      <a:lightRig rig="threePt" dir="t"/>
+    </dgm:scene3d>
+    <dgm:sp3d/>
+    <dgm:txPr/>
+    <dgm:style>
+      <a:lnRef idx="0">
+        <a:scrgbClr r="0" g="0" b="0"/>
+      </a:lnRef>
+      <a:fillRef idx="3">
+        <a:scrgbClr r="0" g="0" b="0"/>
+      </a:fillRef>
+      <a:effectRef idx="2">
+        <a:scrgbClr r="0" g="0" b="0"/>
+      </a:effectRef>
+      <a:fontRef idx="minor">
+        <a:schemeClr val="lt1"/>
+      </a:fontRef>
+    </dgm:style>
+  </dgm:styleLbl>
+  <dgm:styleLbl name="asst3">
+    <dgm:scene3d>
+      <a:camera prst="orthographicFront"/>
+      <a:lightRig rig="threePt" dir="t"/>
+    </dgm:scene3d>
+    <dgm:sp3d/>
+    <dgm:txPr/>
+    <dgm:style>
+      <a:lnRef idx="0">
+        <a:scrgbClr r="0" g="0" b="0"/>
+      </a:lnRef>
+      <a:fillRef idx="3">
+        <a:scrgbClr r="0" g="0" b="0"/>
+      </a:fillRef>
+      <a:effectRef idx="2">
+        <a:scrgbClr r="0" g="0" b="0"/>
+      </a:effectRef>
+      <a:fontRef idx="minor">
+        <a:schemeClr val="lt1"/>
+      </a:fontRef>
+    </dgm:style>
+  </dgm:styleLbl>
+  <dgm:styleLbl name="asst4">
+    <dgm:scene3d>
+      <a:camera prst="orthographicFront"/>
+      <a:lightRig rig="threePt" dir="t"/>
+    </dgm:scene3d>
+    <dgm:sp3d/>
+    <dgm:txPr/>
+    <dgm:style>
+      <a:lnRef idx="0">
+        <a:scrgbClr r="0" g="0" b="0"/>
+      </a:lnRef>
+      <a:fillRef idx="3">
+        <a:scrgbClr r="0" g="0" b="0"/>
+      </a:fillRef>
+      <a:effectRef idx="2">
+        <a:scrgbClr r="0" g="0" b="0"/>
+      </a:effectRef>
+      <a:fontRef idx="minor">
+        <a:schemeClr val="lt1"/>
+      </a:fontRef>
+    </dgm:style>
+  </dgm:styleLbl>
+  <dgm:styleLbl name="parChTrans2D1">
+    <dgm:scene3d>
+      <a:camera prst="orthographicFront"/>
+      <a:lightRig rig="threePt" dir="t"/>
+    </dgm:scene3d>
+    <dgm:sp3d/>
+    <dgm:txPr/>
+    <dgm:style>
+      <a:lnRef idx="0">
+        <a:scrgbClr r="0" g="0" b="0"/>
+      </a:lnRef>
+      <a:fillRef idx="3">
+        <a:scrgbClr r="0" g="0" b="0"/>
+      </a:fillRef>
+      <a:effectRef idx="2">
+        <a:scrgbClr r="0" g="0" b="0"/>
+      </a:effectRef>
+      <a:fontRef idx="minor">
+        <a:schemeClr val="lt1"/>
+      </a:fontRef>
+    </dgm:style>
+  </dgm:styleLbl>
+  <dgm:styleLbl name="parChTrans2D2">
+    <dgm:scene3d>
+      <a:camera prst="orthographicFront"/>
+      <a:lightRig rig="threePt" dir="t"/>
+    </dgm:scene3d>
+    <dgm:sp3d/>
+    <dgm:txPr/>
+    <dgm:style>
+      <a:lnRef idx="0">
+        <a:scrgbClr r="0" g="0" b="0"/>
+      </a:lnRef>
+      <a:fillRef idx="3">
+        <a:scrgbClr r="0" g="0" b="0"/>
+      </a:fillRef>
+      <a:effectRef idx="2">
+        <a:scrgbClr r="0" g="0" b="0"/>
+      </a:effectRef>
+      <a:fontRef idx="minor">
+        <a:schemeClr val="lt1"/>
+      </a:fontRef>
+    </dgm:style>
+  </dgm:styleLbl>
+  <dgm:styleLbl name="parChTrans2D3">
+    <dgm:scene3d>
+      <a:camera prst="orthographicFront"/>
+      <a:lightRig rig="threePt" dir="t"/>
+    </dgm:scene3d>
+    <dgm:sp3d/>
+    <dgm:txPr/>
+    <dgm:style>
+      <a:lnRef idx="1">
+        <a:scrgbClr r="0" g="0" b="0"/>
+      </a:lnRef>
+      <a:fillRef idx="3">
+        <a:scrgbClr r="0" g="0" b="0"/>
+      </a:fillRef>
+      <a:effectRef idx="2">
+        <a:scrgbClr r="0" g="0" b="0"/>
+      </a:effectRef>
+      <a:fontRef idx="minor">
+        <a:schemeClr val="lt1"/>
+      </a:fontRef>
+    </dgm:style>
+  </dgm:styleLbl>
+  <dgm:styleLbl name="parChTrans2D4">
+    <dgm:scene3d>
+      <a:camera prst="orthographicFront"/>
+      <a:lightRig rig="threePt" dir="t"/>
+    </dgm:scene3d>
+    <dgm:sp3d/>
+    <dgm:txPr/>
+    <dgm:style>
+      <a:lnRef idx="1">
+        <a:scrgbClr r="0" g="0" b="0"/>
+      </a:lnRef>
+      <a:fillRef idx="3">
+        <a:scrgbClr r="0" g="0" b="0"/>
+      </a:fillRef>
+      <a:effectRef idx="2">
+        <a:scrgbClr r="0" g="0" b="0"/>
+      </a:effectRef>
+      <a:fontRef idx="minor">
+        <a:schemeClr val="lt1"/>
+      </a:fontRef>
+    </dgm:style>
+  </dgm:styleLbl>
+  <dgm:styleLbl name="parChTrans1D1">
+    <dgm:scene3d>
+      <a:camera prst="orthographicFront"/>
+      <a:lightRig rig="threePt" dir="t"/>
+    </dgm:scene3d>
+    <dgm:sp3d/>
+    <dgm:txPr/>
+    <dgm:style>
+      <a:lnRef idx="1">
+        <a:scrgbClr r="0" g="0" b="0"/>
+      </a:lnRef>
+      <a:fillRef idx="0">
+        <a:scrgbClr r="0" g="0" b="0"/>
+      </a:fillRef>
+      <a:effectRef idx="0">
+        <a:scrgbClr r="0" g="0" b="0"/>
+      </a:effectRef>
+      <a:fontRef idx="minor"/>
+    </dgm:style>
+  </dgm:styleLbl>
+  <dgm:styleLbl name="parChTrans1D2">
+    <dgm:scene3d>
+      <a:camera prst="orthographicFront"/>
+      <a:lightRig rig="threePt" dir="t"/>
+    </dgm:scene3d>
+    <dgm:sp3d/>
+    <dgm:txPr/>
+    <dgm:style>
+      <a:lnRef idx="1">
+        <a:scrgbClr r="0" g="0" b="0"/>
+      </a:lnRef>
+      <a:fillRef idx="0">
+        <a:scrgbClr r="0" g="0" b="0"/>
+      </a:fillRef>
+      <a:effectRef idx="0">
+        <a:scrgbClr r="0" g="0" b="0"/>
+      </a:effectRef>
+      <a:fontRef idx="minor"/>
+    </dgm:style>
+  </dgm:styleLbl>
+  <dgm:styleLbl name="parChTrans1D3">
+    <dgm:scene3d>
+      <a:camera prst="orthographicFront"/>
+      <a:lightRig rig="threePt" dir="t"/>
+    </dgm:scene3d>
+    <dgm:sp3d/>
+    <dgm:txPr/>
+    <dgm:style>
+      <a:lnRef idx="1">
+        <a:scrgbClr r="0" g="0" b="0"/>
+      </a:lnRef>
+      <a:fillRef idx="0">
+        <a:scrgbClr r="0" g="0" b="0"/>
+      </a:fillRef>
+      <a:effectRef idx="0">
+        <a:scrgbClr r="0" g="0" b="0"/>
+      </a:effectRef>
+      <a:fontRef idx="minor"/>
+    </dgm:style>
+  </dgm:styleLbl>
+  <dgm:styleLbl name="parChTrans1D4">
+    <dgm:scene3d>
+      <a:camera prst="orthographicFront"/>
+      <a:lightRig rig="threePt" dir="t"/>
+    </dgm:scene3d>
+    <dgm:sp3d/>
+    <dgm:txPr/>
+    <dgm:style>
+      <a:lnRef idx="1">
+        <a:scrgbClr r="0" g="0" b="0"/>
+      </a:lnRef>
+      <a:fillRef idx="0">
+        <a:scrgbClr r="0" g="0" b="0"/>
+      </a:fillRef>
+      <a:effectRef idx="0">
+        <a:scrgbClr r="0" g="0" b="0"/>
+      </a:effectRef>
+      <a:fontRef idx="minor"/>
+    </dgm:style>
+  </dgm:styleLbl>
+  <dgm:styleLbl name="fgAcc1">
+    <dgm:scene3d>
+      <a:camera prst="orthographicFront"/>
+      <a:lightRig rig="threePt" dir="t"/>
+    </dgm:scene3d>
+    <dgm:sp3d/>
+    <dgm:txPr/>
+    <dgm:style>
+      <a:lnRef idx="1">
+        <a:scrgbClr r="0" g="0" b="0"/>
+      </a:lnRef>
+      <a:fillRef idx="1">
+        <a:scrgbClr r="0" g="0" b="0"/>
+      </a:fillRef>
+      <a:effectRef idx="0">
+        <a:scrgbClr r="0" g="0" b="0"/>
+      </a:effectRef>
+      <a:fontRef idx="minor"/>
+    </dgm:style>
+  </dgm:styleLbl>
+  <dgm:styleLbl name="conFgAcc1">
+    <dgm:scene3d>
+      <a:camera prst="orthographicFront"/>
+      <a:lightRig rig="threePt" dir="t"/>
+    </dgm:scene3d>
+    <dgm:sp3d/>
+    <dgm:txPr/>
+    <dgm:style>
+      <a:lnRef idx="1">
+        <a:scrgbClr r="0" g="0" b="0"/>
+      </a:lnRef>
+      <a:fillRef idx="1">
+        <a:scrgbClr r="0" g="0" b="0"/>
+      </a:fillRef>
+      <a:effectRef idx="0">
+        <a:scrgbClr r="0" g="0" b="0"/>
+      </a:effectRef>
+      <a:fontRef idx="minor"/>
+    </dgm:style>
+  </dgm:styleLbl>
+  <dgm:styleLbl name="alignAcc1">
+    <dgm:scene3d>
+      <a:camera prst="orthographicFront"/>
+      <a:lightRig rig="threePt" dir="t"/>
+    </dgm:scene3d>
+    <dgm:sp3d/>
+    <dgm:txPr/>
+    <dgm:style>
+      <a:lnRef idx="1">
+        <a:scrgbClr r="0" g="0" b="0"/>
+      </a:lnRef>
+      <a:fillRef idx="1">
+        <a:scrgbClr r="0" g="0" b="0"/>
+      </a:fillRef>
+      <a:effectRef idx="0">
+        <a:scrgbClr r="0" g="0" b="0"/>
+      </a:effectRef>
+      <a:fontRef idx="minor"/>
+    </dgm:style>
+  </dgm:styleLbl>
+  <dgm:styleLbl name="trAlignAcc1">
+    <dgm:scene3d>
+      <a:camera prst="orthographicFront"/>
+      <a:lightRig rig="threePt" dir="t"/>
+    </dgm:scene3d>
+    <dgm:sp3d/>
+    <dgm:txPr/>
+    <dgm:style>
+      <a:lnRef idx="1">
+        <a:scrgbClr r="0" g="0" b="0"/>
+      </a:lnRef>
+      <a:fillRef idx="1">
+        <a:scrgbClr r="0" g="0" b="0"/>
+      </a:fillRef>
+      <a:effectRef idx="0">
+        <a:scrgbClr r="0" g="0" b="0"/>
+      </a:effectRef>
+      <a:fontRef idx="minor"/>
+    </dgm:style>
+  </dgm:styleLbl>
+  <dgm:styleLbl name="bgAcc1">
+    <dgm:scene3d>
+      <a:camera prst="orthographicFront"/>
+      <a:lightRig rig="threePt" dir="t"/>
+    </dgm:scene3d>
+    <dgm:sp3d/>
+    <dgm:txPr/>
+    <dgm:style>
+      <a:lnRef idx="1">
+        <a:scrgbClr r="0" g="0" b="0"/>
+      </a:lnRef>
+      <a:fillRef idx="1">
+        <a:scrgbClr r="0" g="0" b="0"/>
+      </a:fillRef>
+      <a:effectRef idx="0">
+        <a:scrgbClr r="0" g="0" b="0"/>
+      </a:effectRef>
+      <a:fontRef idx="minor"/>
+    </dgm:style>
+  </dgm:styleLbl>
+  <dgm:styleLbl name="solidFgAcc1">
+    <dgm:scene3d>
+      <a:camera prst="orthographicFront"/>
+      <a:lightRig rig="threePt" dir="t"/>
+    </dgm:scene3d>
+    <dgm:sp3d/>
+    <dgm:txPr/>
+    <dgm:style>
+      <a:lnRef idx="1">
+        <a:scrgbClr r="0" g="0" b="0"/>
+      </a:lnRef>
+      <a:fillRef idx="1">
+        <a:scrgbClr r="0" g="0" b="0"/>
+      </a:fillRef>
+      <a:effectRef idx="0">
+        <a:scrgbClr r="0" g="0" b="0"/>
+      </a:effectRef>
+      <a:fontRef idx="minor"/>
+    </dgm:style>
+  </dgm:styleLbl>
+  <dgm:styleLbl name="solidAlignAcc1">
+    <dgm:scene3d>
+      <a:camera prst="orthographicFront"/>
+      <a:lightRig rig="threePt" dir="t"/>
+    </dgm:scene3d>
+    <dgm:sp3d/>
+    <dgm:txPr/>
+    <dgm:style>
+      <a:lnRef idx="1">
+        <a:scrgbClr r="0" g="0" b="0"/>
+      </a:lnRef>
+      <a:fillRef idx="1">
+        <a:scrgbClr r="0" g="0" b="0"/>
+      </a:fillRef>
+      <a:effectRef idx="0">
+        <a:scrgbClr r="0" g="0" b="0"/>
+      </a:effectRef>
+      <a:fontRef idx="minor"/>
+    </dgm:style>
+  </dgm:styleLbl>
+  <dgm:styleLbl name="solidBgAcc1">
+    <dgm:scene3d>
+      <a:camera prst="orthographicFront"/>
+      <a:lightRig rig="threePt" dir="t"/>
+    </dgm:scene3d>
+    <dgm:sp3d/>
+    <dgm:txPr/>
+    <dgm:style>
+      <a:lnRef idx="1">
+        <a:scrgbClr r="0" g="0" b="0"/>
+      </a:lnRef>
+      <a:fillRef idx="1">
+        <a:scrgbClr r="0" g="0" b="0"/>
+      </a:fillRef>
+      <a:effectRef idx="0">
+        <a:scrgbClr r="0" g="0" b="0"/>
+      </a:effectRef>
+      <a:fontRef idx="minor"/>
+    </dgm:style>
+  </dgm:styleLbl>
+  <dgm:styleLbl name="fgAccFollowNode1">
+    <dgm:scene3d>
+      <a:camera prst="orthographicFront"/>
+      <a:lightRig rig="threePt" dir="t"/>
+    </dgm:scene3d>
+    <dgm:sp3d/>
+    <dgm:txPr/>
+    <dgm:style>
+      <a:lnRef idx="1">
+        <a:scrgbClr r="0" g="0" b="0"/>
+      </a:lnRef>
+      <a:fillRef idx="1">
+        <a:scrgbClr r="0" g="0" b="0"/>
+      </a:fillRef>
+      <a:effectRef idx="0">
+        <a:scrgbClr r="0" g="0" b="0"/>
+      </a:effectRef>
+      <a:fontRef idx="minor"/>
+    </dgm:style>
+  </dgm:styleLbl>
+  <dgm:styleLbl name="alignAccFollowNode1">
+    <dgm:scene3d>
+      <a:camera prst="orthographicFront"/>
+      <a:lightRig rig="threePt" dir="t"/>
+    </dgm:scene3d>
+    <dgm:sp3d/>
+    <dgm:txPr/>
+    <dgm:style>
+      <a:lnRef idx="1">
+        <a:scrgbClr r="0" g="0" b="0"/>
+      </a:lnRef>
+      <a:fillRef idx="1">
+        <a:scrgbClr r="0" g="0" b="0"/>
+      </a:fillRef>
+      <a:effectRef idx="0">
+        <a:scrgbClr r="0" g="0" b="0"/>
+      </a:effectRef>
+      <a:fontRef idx="minor"/>
+    </dgm:style>
+  </dgm:styleLbl>
+  <dgm:styleLbl name="bgAccFollowNode1">
+    <dgm:scene3d>
+      <a:camera prst="orthographicFront"/>
+      <a:lightRig rig="threePt" dir="t"/>
+    </dgm:scene3d>
+    <dgm:sp3d/>
+    <dgm:txPr/>
+    <dgm:style>
+      <a:lnRef idx="1">
+        <a:scrgbClr r="0" g="0" b="0"/>
+      </a:lnRef>
+      <a:fillRef idx="1">
+        <a:scrgbClr r="0" g="0" b="0"/>
+      </a:fillRef>
+      <a:effectRef idx="0">
+        <a:scrgbClr r="0" g="0" b="0"/>
+      </a:effectRef>
+      <a:fontRef idx="minor"/>
+    </dgm:style>
+  </dgm:styleLbl>
+  <dgm:styleLbl name="fgAcc0">
+    <dgm:scene3d>
+      <a:camera prst="orthographicFront"/>
+      <a:lightRig rig="threePt" dir="t"/>
+    </dgm:scene3d>
+    <dgm:sp3d/>
+    <dgm:txPr/>
+    <dgm:style>
+      <a:lnRef idx="1">
+        <a:scrgbClr r="0" g="0" b="0"/>
+      </a:lnRef>
+      <a:fillRef idx="1">
+        <a:scrgbClr r="0" g="0" b="0"/>
+      </a:fillRef>
+      <a:effectRef idx="0">
+        <a:scrgbClr r="0" g="0" b="0"/>
+      </a:effectRef>
+      <a:fontRef idx="minor"/>
+    </dgm:style>
+  </dgm:styleLbl>
+  <dgm:styleLbl name="fgAcc2">
+    <dgm:scene3d>
+      <a:camera prst="orthographicFront"/>
+      <a:lightRig rig="threePt" dir="t"/>
+    </dgm:scene3d>
+    <dgm:sp3d/>
+    <dgm:txPr/>
+    <dgm:style>
+      <a:lnRef idx="1">
+        <a:scrgbClr r="0" g="0" b="0"/>
+      </a:lnRef>
+      <a:fillRef idx="1">
+        <a:scrgbClr r="0" g="0" b="0"/>
+      </a:fillRef>
+      <a:effectRef idx="0">
+        <a:scrgbClr r="0" g="0" b="0"/>
+      </a:effectRef>
+      <a:fontRef idx="minor"/>
+    </dgm:style>
+  </dgm:styleLbl>
+  <dgm:styleLbl name="fgAcc3">
+    <dgm:scene3d>
+      <a:camera prst="orthographicFront"/>
+      <a:lightRig rig="threePt" dir="t"/>
+    </dgm:scene3d>
+    <dgm:sp3d/>
+    <dgm:txPr/>
+    <dgm:style>
+      <a:lnRef idx="1">
+        <a:scrgbClr r="0" g="0" b="0"/>
+      </a:lnRef>
+      <a:fillRef idx="1">
+        <a:scrgbClr r="0" g="0" b="0"/>
+      </a:fillRef>
+      <a:effectRef idx="0">
+        <a:scrgbClr r="0" g="0" b="0"/>
+      </a:effectRef>
+      <a:fontRef idx="minor"/>
+    </dgm:style>
+  </dgm:styleLbl>
+  <dgm:styleLbl name="fgAcc4">
+    <dgm:scene3d>
+      <a:camera prst="orthographicFront"/>
+      <a:lightRig rig="threePt" dir="t"/>
+    </dgm:scene3d>
+    <dgm:sp3d/>
+    <dgm:txPr/>
+    <dgm:style>
+      <a:lnRef idx="1">
+        <a:scrgbClr r="0" g="0" b="0"/>
+      </a:lnRef>
+      <a:fillRef idx="1">
+        <a:scrgbClr r="0" g="0" b="0"/>
+      </a:fillRef>
+      <a:effectRef idx="0">
+        <a:scrgbClr r="0" g="0" b="0"/>
+      </a:effectRef>
+      <a:fontRef idx="minor"/>
+    </dgm:style>
+  </dgm:styleLbl>
+  <dgm:styleLbl name="bgShp">
+    <dgm:scene3d>
+      <a:camera prst="orthographicFront"/>
+      <a:lightRig rig="threePt" dir="t"/>
+    </dgm:scene3d>
+    <dgm:sp3d/>
+    <dgm:txPr/>
+    <dgm:style>
+      <a:lnRef idx="0">
+        <a:scrgbClr r="0" g="0" b="0"/>
+      </a:lnRef>
+      <a:fillRef idx="1">
+        <a:scrgbClr r="0" g="0" b="0"/>
+      </a:fillRef>
+      <a:effectRef idx="2">
+        <a:scrgbClr r="0" g="0" b="0"/>
+      </a:effectRef>
+      <a:fontRef idx="minor"/>
+    </dgm:style>
+  </dgm:styleLbl>
+  <dgm:styleLbl name="dkBgShp">
+    <dgm:scene3d>
+      <a:camera prst="orthographicFront"/>
+      <a:lightRig rig="threePt" dir="t"/>
+    </dgm:scene3d>
+    <dgm:sp3d/>
+    <dgm:txPr/>
+    <dgm:style>
+      <a:lnRef idx="0">
+        <a:scrgbClr r="0" g="0" b="0"/>
+      </a:lnRef>
+      <a:fillRef idx="1">
+        <a:scrgbClr r="0" g="0" b="0"/>
+      </a:fillRef>
+      <a:effectRef idx="2">
+        <a:scrgbClr r="0" g="0" b="0"/>
+      </a:effectRef>
+      <a:fontRef idx="minor"/>
+    </dgm:style>
+  </dgm:styleLbl>
+  <dgm:styleLbl name="trBgShp">
+    <dgm:scene3d>
+      <a:camera prst="orthographicFront"/>
+      <a:lightRig rig="threePt" dir="t"/>
+    </dgm:scene3d>
+    <dgm:sp3d/>
+    <dgm:txPr/>
+    <dgm:style>
+      <a:lnRef idx="0">
+        <a:scrgbClr r="0" g="0" b="0"/>
+      </a:lnRef>
+      <a:fillRef idx="1">
+        <a:scrgbClr r="0" g="0" b="0"/>
+      </a:fillRef>
+      <a:effectRef idx="0">
+        <a:scrgbClr r="0" g="0" b="0"/>
+      </a:effectRef>
+      <a:fontRef idx="minor"/>
+    </dgm:style>
+  </dgm:styleLbl>
+  <dgm:styleLbl name="fgShp">
+    <dgm:scene3d>
+      <a:camera prst="orthographicFront"/>
+      <a:lightRig rig="threePt" dir="t"/>
+    </dgm:scene3d>
+    <dgm:sp3d/>
+    <dgm:txPr/>
+    <dgm:style>
+      <a:lnRef idx="0">
+        <a:scrgbClr r="0" g="0" b="0"/>
+      </a:lnRef>
+      <a:fillRef idx="3">
+        <a:scrgbClr r="0" g="0" b="0"/>
+      </a:fillRef>
+      <a:effectRef idx="2">
+        <a:scrgbClr r="0" g="0" b="0"/>
+      </a:effectRef>
+      <a:fontRef idx="minor"/>
+    </dgm:style>
+  </dgm:styleLbl>
+  <dgm:styleLbl name="revTx">
+    <dgm:scene3d>
+      <a:camera prst="orthographicFront"/>
+      <a:lightRig rig="threePt" dir="t"/>
+    </dgm:scene3d>
+    <dgm:sp3d/>
+    <dgm:txPr/>
+    <dgm:style>
+      <a:lnRef idx="0">
+        <a:scrgbClr r="0" g="0" b="0"/>
+      </a:lnRef>
+      <a:fillRef idx="0">
+        <a:scrgbClr r="0" g="0" b="0"/>
+      </a:fillRef>
+      <a:effectRef idx="0">
+        <a:scrgbClr r="0" g="0" b="0"/>
+      </a:effectRef>
+      <a:fontRef idx="minor"/>
+    </dgm:style>
+  </dgm:styleLbl>
+</dgm:styleDef>
+</file>
+
+<file path=ppt/diagrams/quickStyle2.xml><?xml version="1.0" encoding="utf-8"?>
 <dgm:styleDef xmlns:dgm="http://schemas.openxmlformats.org/drawingml/2006/diagram" xmlns:a="http://schemas.openxmlformats.org/drawingml/2006/main" uniqueId="urn:microsoft.com/office/officeart/2005/8/quickstyle/simple4">
   <dgm:title val=""/>
   <dgm:desc val=""/>
@@ -4384,6 +7969,91 @@
 </p:notes>
 </file>
 
+<file path=ppt/notesSlides/notesSlide10.xml><?xml version="1.0" encoding="utf-8"?>
+<p:notes xmlns:a="http://schemas.openxmlformats.org/drawingml/2006/main" xmlns:r="http://schemas.openxmlformats.org/officeDocument/2006/relationships" xmlns:p="http://schemas.openxmlformats.org/presentationml/2006/main">
+  <p:cSld>
+    <p:spTree>
+      <p:nvGrpSpPr>
+        <p:cNvPr id="1" name=""/>
+        <p:cNvGrpSpPr/>
+        <p:nvPr/>
+      </p:nvGrpSpPr>
+      <p:grpSpPr>
+        <a:xfrm>
+          <a:off x="0" y="0"/>
+          <a:ext cx="0" cy="0"/>
+          <a:chOff x="0" y="0"/>
+          <a:chExt cx="0" cy="0"/>
+        </a:xfrm>
+      </p:grpSpPr>
+      <p:sp>
+        <p:nvSpPr>
+          <p:cNvPr id="2" name="Slide Image Placeholder 1"/>
+          <p:cNvSpPr>
+            <a:spLocks noGrp="1" noRot="1" noChangeAspect="1"/>
+          </p:cNvSpPr>
+          <p:nvPr>
+            <p:ph type="sldImg"/>
+          </p:nvPr>
+        </p:nvSpPr>
+        <p:spPr/>
+      </p:sp>
+      <p:sp>
+        <p:nvSpPr>
+          <p:cNvPr id="3" name="Notes Placeholder 2"/>
+          <p:cNvSpPr>
+            <a:spLocks noGrp="1"/>
+          </p:cNvSpPr>
+          <p:nvPr>
+            <p:ph type="body" idx="1"/>
+          </p:nvPr>
+        </p:nvSpPr>
+        <p:spPr/>
+        <p:txBody>
+          <a:bodyPr/>
+          <a:lstStyle/>
+          <a:p>
+            <a:endParaRPr lang="en-US" dirty="0"/>
+          </a:p>
+        </p:txBody>
+      </p:sp>
+      <p:sp>
+        <p:nvSpPr>
+          <p:cNvPr id="4" name="Slide Number Placeholder 3"/>
+          <p:cNvSpPr>
+            <a:spLocks noGrp="1"/>
+          </p:cNvSpPr>
+          <p:nvPr>
+            <p:ph type="sldNum" sz="quarter" idx="10"/>
+          </p:nvPr>
+        </p:nvSpPr>
+        <p:spPr/>
+        <p:txBody>
+          <a:bodyPr/>
+          <a:lstStyle/>
+          <a:p>
+            <a:fld id="{99B30722-7DAA-4E93-8206-71F83E275281}" type="slidenum">
+              <a:rPr lang="en-US" smtClean="0"/>
+              <a:pPr/>
+              <a:t>19</a:t>
+            </a:fld>
+            <a:endParaRPr lang="en-US"/>
+          </a:p>
+        </p:txBody>
+      </p:sp>
+    </p:spTree>
+    <p:extLst>
+      <p:ext uri="{BB962C8B-B14F-4D97-AF65-F5344CB8AC3E}">
+        <p14:creationId xmlns:p14="http://schemas.microsoft.com/office/powerpoint/2010/main" val="2280115663"/>
+      </p:ext>
+    </p:extLst>
+  </p:cSld>
+  <p:clrMapOvr>
+    <a:masterClrMapping/>
+  </p:clrMapOvr>
+</p:notes>
+</file>
+
 <file path=ppt/notesSlides/notesSlide2.xml><?xml version="1.0" encoding="utf-8"?>
 <p:notes xmlns:a="http://schemas.openxmlformats.org/drawingml/2006/main" xmlns:r="http://schemas.openxmlformats.org/officeDocument/2006/relationships" xmlns:p="http://schemas.openxmlformats.org/presentationml/2006/main">
   <p:cSld>
@@ -4430,6 +8100,49 @@
           </a:bodyPr>
           <a:lstStyle/>
           <a:p>
+            <a:r>
+              <a:rPr lang="en-GB" dirty="0"/>
+              <a:t>As opposed</a:t>
+            </a:r>
+            <a:r>
+              <a:rPr lang="en-GB" baseline="0" dirty="0"/>
+              <a:t> to waterfall model</a:t>
+            </a:r>
+            <a:endParaRPr lang="en-GB" dirty="0"/>
+          </a:p>
+          <a:p>
+            <a:endParaRPr lang="en-GB" dirty="0"/>
+          </a:p>
+          <a:p>
+            <a:r>
+              <a:rPr lang="en-GB" dirty="0"/>
+              <a:t>Reminder</a:t>
+            </a:r>
+          </a:p>
+          <a:p>
+            <a:r>
+              <a:rPr lang="en-GB" dirty="0"/>
+              <a:t> 1) describe cycle</a:t>
+            </a:r>
+          </a:p>
+          <a:p>
+            <a:r>
+              <a:rPr lang="en-GB" dirty="0"/>
+              <a:t> 2) short development cycles: granularity of chosen feature is important</a:t>
+            </a:r>
+          </a:p>
+          <a:p>
+            <a:r>
+              <a:rPr lang="en-GB" dirty="0"/>
+              <a:t> 3) for</a:t>
+            </a:r>
+            <a:r>
+              <a:rPr lang="en-GB" baseline="0" dirty="0"/>
+              <a:t> all of these steps there are python tools to help you; there’s no tool yet for writing the code, unfortunately</a:t>
+            </a:r>
+            <a:endParaRPr lang="en-GB" dirty="0"/>
+          </a:p>
+          <a:p>
             <a:endParaRPr lang="en-GB" dirty="0"/>
           </a:p>
         </p:txBody>
@@ -4452,13 +8165,18 @@
             <a:fld id="{5F378627-E3FE-44FD-B5FA-4582AC800163}" type="slidenum">
               <a:rPr lang="en-GB" smtClean="0"/>
               <a:pPr/>
-              <a:t>3</a:t>
+              <a:t>2</a:t>
             </a:fld>
             <a:endParaRPr lang="en-GB"/>
           </a:p>
         </p:txBody>
       </p:sp>
     </p:spTree>
+    <p:extLst>
+      <p:ext uri="{BB962C8B-B14F-4D97-AF65-F5344CB8AC3E}">
+        <p14:creationId xmlns:p14="http://schemas.microsoft.com/office/powerpoint/2010/main" val="4198789181"/>
+      </p:ext>
+    </p:extLst>
   </p:cSld>
   <p:clrMapOvr>
     <a:masterClrMapping/>
@@ -4512,7 +8230,7 @@
           </a:bodyPr>
           <a:lstStyle/>
           <a:p>
-            <a:endParaRPr lang="en-US" baseline="0" dirty="0"/>
+            <a:endParaRPr lang="en-GB" dirty="0"/>
           </a:p>
         </p:txBody>
       </p:sp>
@@ -4531,12 +8249,12 @@
           <a:bodyPr/>
           <a:lstStyle/>
           <a:p>
-            <a:fld id="{2E53EA59-0E76-47F3-BAE3-1CF23EB8E420}" type="slidenum">
-              <a:rPr lang="en-US" smtClean="0"/>
+            <a:fld id="{5F378627-E3FE-44FD-B5FA-4582AC800163}" type="slidenum">
+              <a:rPr lang="en-GB" smtClean="0"/>
               <a:pPr/>
               <a:t>4</a:t>
             </a:fld>
-            <a:endParaRPr lang="en-US"/>
+            <a:endParaRPr lang="en-GB"/>
           </a:p>
         </p:txBody>
       </p:sp>
@@ -4594,7 +8312,7 @@
           </a:bodyPr>
           <a:lstStyle/>
           <a:p>
-            <a:endParaRPr lang="en-GB" dirty="0"/>
+            <a:endParaRPr lang="en-US" baseline="0" dirty="0"/>
           </a:p>
         </p:txBody>
       </p:sp>
@@ -4613,10 +8331,10 @@
           <a:bodyPr/>
           <a:lstStyle/>
           <a:p>
-            <a:fld id="{99B30722-7DAA-4E93-8206-71F83E275281}" type="slidenum">
+            <a:fld id="{2E53EA59-0E76-47F3-BAE3-1CF23EB8E420}" type="slidenum">
               <a:rPr lang="en-US" smtClean="0"/>
               <a:pPr/>
-              <a:t>7</a:t>
+              <a:t>5</a:t>
             </a:fld>
             <a:endParaRPr lang="en-US"/>
           </a:p>
@@ -4698,7 +8416,7 @@
             <a:fld id="{99B30722-7DAA-4E93-8206-71F83E275281}" type="slidenum">
               <a:rPr lang="en-US" smtClean="0"/>
               <a:pPr/>
-              <a:t>10</a:t>
+              <a:t>8</a:t>
             </a:fld>
             <a:endParaRPr lang="en-US"/>
           </a:p>
@@ -4758,23 +8476,7 @@
           </a:bodyPr>
           <a:lstStyle/>
           <a:p>
-            <a:pPr marL="228600" indent="-228600">
-              <a:buAutoNum type="arabicParenR"/>
-            </a:pPr>
-            <a:r>
-              <a:rPr lang="en-US" baseline="0" dirty="0"/>
-              <a:t>what it is</a:t>
-            </a:r>
-          </a:p>
-          <a:p>
-            <a:pPr marL="228600" indent="-228600">
-              <a:buAutoNum type="arabicParenR"/>
-            </a:pPr>
-            <a:r>
-              <a:rPr lang="en-US" baseline="0" dirty="0"/>
-              <a:t>first, you need to have the profiler collect information while your program is running</a:t>
-            </a:r>
-            <a:endParaRPr lang="en-US" dirty="0"/>
+            <a:endParaRPr lang="en-GB" dirty="0"/>
           </a:p>
         </p:txBody>
       </p:sp>
@@ -4949,64 +8651,56 @@
         </p:nvSpPr>
         <p:spPr/>
         <p:txBody>
+          <a:bodyPr>
+            <a:normAutofit/>
+          </a:bodyPr>
+          <a:lstStyle/>
+          <a:p>
+            <a:pPr marL="228600" indent="-228600">
+              <a:buAutoNum type="arabicParenR"/>
+            </a:pPr>
+            <a:r>
+              <a:rPr lang="en-US" baseline="0" dirty="0"/>
+              <a:t>what it is</a:t>
+            </a:r>
+          </a:p>
+          <a:p>
+            <a:pPr marL="228600" indent="-228600">
+              <a:buAutoNum type="arabicParenR"/>
+            </a:pPr>
+            <a:r>
+              <a:rPr lang="en-US" baseline="0" dirty="0"/>
+              <a:t>first, you need to have the profiler collect information while your program is running</a:t>
+            </a:r>
+            <a:endParaRPr lang="en-US" dirty="0"/>
+          </a:p>
+        </p:txBody>
+      </p:sp>
+      <p:sp>
+        <p:nvSpPr>
+          <p:cNvPr id="4" name="Slide Number Placeholder 3"/>
+          <p:cNvSpPr>
+            <a:spLocks noGrp="1"/>
+          </p:cNvSpPr>
+          <p:nvPr>
+            <p:ph type="sldNum" sz="quarter" idx="10"/>
+          </p:nvPr>
+        </p:nvSpPr>
+        <p:spPr/>
+        <p:txBody>
           <a:bodyPr/>
           <a:lstStyle/>
           <a:p>
-            <a:r>
-              <a:rPr lang="en-US"/>
-              <a:t>How to properly open qcachegrind</a:t>
-            </a:r>
-            <a:r>
-              <a:rPr lang="en-US" baseline="0"/>
-              <a:t> on my Mac: </a:t>
-            </a:r>
-            <a:r>
-              <a:rPr lang="en-US" sz="1200" kern="1200">
-                <a:solidFill>
-                  <a:schemeClr val="tx1"/>
-                </a:solidFill>
-                <a:latin typeface="Arial" charset="0"/>
-                <a:ea typeface="ＭＳ Ｐゴシック" pitchFamily="80" charset="-128"/>
-                <a:cs typeface="+mn-cs"/>
-              </a:rPr>
-              <a:t>open ~/Applications/qcachegrind.app</a:t>
-            </a:r>
-          </a:p>
-          <a:p>
-            <a:endParaRPr lang="en-US"/>
-          </a:p>
-        </p:txBody>
-      </p:sp>
-      <p:sp>
-        <p:nvSpPr>
-          <p:cNvPr id="4" name="Slide Number Placeholder 3"/>
-          <p:cNvSpPr>
-            <a:spLocks noGrp="1"/>
-          </p:cNvSpPr>
-          <p:nvPr>
-            <p:ph type="sldNum" sz="quarter" idx="10"/>
-          </p:nvPr>
-        </p:nvSpPr>
-        <p:spPr/>
-        <p:txBody>
-          <a:bodyPr/>
-          <a:lstStyle/>
-          <a:p>
             <a:fld id="{99B30722-7DAA-4E93-8206-71F83E275281}" type="slidenum">
-              <a:rPr lang="en-US"/>
+              <a:rPr lang="en-US" smtClean="0"/>
               <a:pPr/>
-              <a:t>14</a:t>
+              <a:t>13</a:t>
             </a:fld>
             <a:endParaRPr lang="en-US"/>
           </a:p>
         </p:txBody>
       </p:sp>
     </p:spTree>
-    <p:extLst>
-      <p:ext uri="{BB962C8B-B14F-4D97-AF65-F5344CB8AC3E}">
-        <p14:creationId xmlns:p14="http://schemas.microsoft.com/office/powerpoint/2010/main" val="2226665287"/>
-      </p:ext>
-    </p:extLst>
   </p:cSld>
   <p:clrMapOvr>
     <a:masterClrMapping/>
@@ -5058,7 +8752,28 @@
           <a:bodyPr/>
           <a:lstStyle/>
           <a:p>
-            <a:endParaRPr lang="en-US" dirty="0"/>
+            <a:r>
+              <a:rPr lang="en-US"/>
+              <a:t>How to properly open qcachegrind</a:t>
+            </a:r>
+            <a:r>
+              <a:rPr lang="en-US" baseline="0"/>
+              <a:t> on my Mac: </a:t>
+            </a:r>
+            <a:r>
+              <a:rPr lang="en-US" sz="1200" kern="1200">
+                <a:solidFill>
+                  <a:schemeClr val="tx1"/>
+                </a:solidFill>
+                <a:latin typeface="Arial" charset="0"/>
+                <a:ea typeface="ＭＳ Ｐゴシック" pitchFamily="80" charset="-128"/>
+                <a:cs typeface="+mn-cs"/>
+              </a:rPr>
+              <a:t>open ~/Applications/qcachegrind.app</a:t>
+            </a:r>
+          </a:p>
+          <a:p>
+            <a:endParaRPr lang="en-US"/>
           </a:p>
         </p:txBody>
       </p:sp>
@@ -5078,9 +8793,9 @@
           <a:lstStyle/>
           <a:p>
             <a:fld id="{99B30722-7DAA-4E93-8206-71F83E275281}" type="slidenum">
-              <a:rPr lang="en-US" smtClean="0"/>
+              <a:rPr lang="en-US"/>
               <a:pPr/>
-              <a:t>18</a:t>
+              <a:t>15</a:t>
             </a:fld>
             <a:endParaRPr lang="en-US"/>
           </a:p>
@@ -5089,7 +8804,7 @@
     </p:spTree>
     <p:extLst>
       <p:ext uri="{BB962C8B-B14F-4D97-AF65-F5344CB8AC3E}">
-        <p14:creationId xmlns:p14="http://schemas.microsoft.com/office/powerpoint/2010/main" val="2280115663"/>
+        <p14:creationId xmlns:p14="http://schemas.microsoft.com/office/powerpoint/2010/main" val="2226665287"/>
       </p:ext>
     </p:extLst>
   </p:cSld>
@@ -5413,31 +9128,32 @@
           <a:bodyPr/>
           <a:lstStyle/>
           <a:p>
+            <a:fld id="{385F5347-8FB3-ED4C-BA03-C57A0A4669E9}" type="datetime3">
+              <a:rPr lang="en-US" smtClean="0"/>
+              <a:t>24 August 2018</a:t>
+            </a:fld>
+            <a:endParaRPr lang="en-US"/>
+          </a:p>
+        </p:txBody>
+      </p:sp>
+      <p:sp>
+        <p:nvSpPr>
+          <p:cNvPr id="3" name="Footer Placeholder 2"/>
+          <p:cNvSpPr>
+            <a:spLocks noGrp="1"/>
+          </p:cNvSpPr>
+          <p:nvPr>
+            <p:ph type="ftr" sz="quarter" idx="11"/>
+          </p:nvPr>
+        </p:nvSpPr>
+        <p:spPr/>
+        <p:txBody>
+          <a:bodyPr/>
+          <a:lstStyle/>
+          <a:p>
             <a:r>
               <a:rPr lang="en-US"/>
-              <a:t>Pietro Berkes, Sept 2018</a:t>
-            </a:r>
-          </a:p>
-        </p:txBody>
-      </p:sp>
-      <p:sp>
-        <p:nvSpPr>
-          <p:cNvPr id="3" name="Footer Placeholder 2"/>
-          <p:cNvSpPr>
-            <a:spLocks noGrp="1"/>
-          </p:cNvSpPr>
-          <p:nvPr>
-            <p:ph type="ftr" sz="quarter" idx="11"/>
-          </p:nvPr>
-        </p:nvSpPr>
-        <p:spPr/>
-        <p:txBody>
-          <a:bodyPr/>
-          <a:lstStyle/>
-          <a:p>
-            <a:r>
-              <a:rPr lang="en-US"/>
-              <a:t>Testing scientific code</a:t>
+              <a:t>Optimizing and profiling</a:t>
             </a:r>
           </a:p>
         </p:txBody>
@@ -5580,31 +9296,32 @@
           <a:bodyPr/>
           <a:lstStyle/>
           <a:p>
+            <a:fld id="{9ACA05F4-8663-8641-938C-34A3D0CE2413}" type="datetime3">
+              <a:rPr lang="en-US" smtClean="0"/>
+              <a:t>24 August 2018</a:t>
+            </a:fld>
+            <a:endParaRPr lang="en-US"/>
+          </a:p>
+        </p:txBody>
+      </p:sp>
+      <p:sp>
+        <p:nvSpPr>
+          <p:cNvPr id="5" name="Footer Placeholder 4"/>
+          <p:cNvSpPr>
+            <a:spLocks noGrp="1"/>
+          </p:cNvSpPr>
+          <p:nvPr>
+            <p:ph type="ftr" sz="quarter" idx="11"/>
+          </p:nvPr>
+        </p:nvSpPr>
+        <p:spPr/>
+        <p:txBody>
+          <a:bodyPr/>
+          <a:lstStyle/>
+          <a:p>
             <a:r>
               <a:rPr lang="en-US"/>
-              <a:t>Pietro Berkes, Sept 2018</a:t>
-            </a:r>
-          </a:p>
-        </p:txBody>
-      </p:sp>
-      <p:sp>
-        <p:nvSpPr>
-          <p:cNvPr id="5" name="Footer Placeholder 4"/>
-          <p:cNvSpPr>
-            <a:spLocks noGrp="1"/>
-          </p:cNvSpPr>
-          <p:nvPr>
-            <p:ph type="ftr" sz="quarter" idx="11"/>
-          </p:nvPr>
-        </p:nvSpPr>
-        <p:spPr/>
-        <p:txBody>
-          <a:bodyPr/>
-          <a:lstStyle/>
-          <a:p>
-            <a:r>
-              <a:rPr lang="en-US"/>
-              <a:t>Testing scientific code</a:t>
+              <a:t>Optimizing and profiling</a:t>
             </a:r>
           </a:p>
         </p:txBody>
@@ -5879,31 +9596,32 @@
           <a:bodyPr/>
           <a:lstStyle/>
           <a:p>
+            <a:fld id="{27A094A4-5F84-2A42-877A-E2B1935FA535}" type="datetime3">
+              <a:rPr lang="en-US" smtClean="0"/>
+              <a:t>24 August 2018</a:t>
+            </a:fld>
+            <a:endParaRPr lang="en-US"/>
+          </a:p>
+        </p:txBody>
+      </p:sp>
+      <p:sp>
+        <p:nvSpPr>
+          <p:cNvPr id="11" name="Footer Placeholder 10"/>
+          <p:cNvSpPr>
+            <a:spLocks noGrp="1"/>
+          </p:cNvSpPr>
+          <p:nvPr>
+            <p:ph type="ftr" sz="quarter" idx="11"/>
+          </p:nvPr>
+        </p:nvSpPr>
+        <p:spPr/>
+        <p:txBody>
+          <a:bodyPr/>
+          <a:lstStyle/>
+          <a:p>
             <a:r>
               <a:rPr lang="en-US"/>
-              <a:t>Pietro Berkes, Sept 2018</a:t>
-            </a:r>
-          </a:p>
-        </p:txBody>
-      </p:sp>
-      <p:sp>
-        <p:nvSpPr>
-          <p:cNvPr id="11" name="Footer Placeholder 10"/>
-          <p:cNvSpPr>
-            <a:spLocks noGrp="1"/>
-          </p:cNvSpPr>
-          <p:nvPr>
-            <p:ph type="ftr" sz="quarter" idx="11"/>
-          </p:nvPr>
-        </p:nvSpPr>
-        <p:spPr/>
-        <p:txBody>
-          <a:bodyPr/>
-          <a:lstStyle/>
-          <a:p>
-            <a:r>
-              <a:rPr lang="en-US"/>
-              <a:t>Testing scientific code</a:t>
+              <a:t>Optimizing and profiling</a:t>
             </a:r>
           </a:p>
         </p:txBody>
@@ -6064,31 +9782,32 @@
           <a:bodyPr/>
           <a:lstStyle/>
           <a:p>
+            <a:fld id="{2AAE131B-DC84-3347-B643-2B8F7525AD9B}" type="datetime3">
+              <a:rPr lang="en-US" smtClean="0"/>
+              <a:t>24 August 2018</a:t>
+            </a:fld>
+            <a:endParaRPr lang="en-US"/>
+          </a:p>
+        </p:txBody>
+      </p:sp>
+      <p:sp>
+        <p:nvSpPr>
+          <p:cNvPr id="7" name="Footer Placeholder 6"/>
+          <p:cNvSpPr>
+            <a:spLocks noGrp="1"/>
+          </p:cNvSpPr>
+          <p:nvPr>
+            <p:ph type="ftr" sz="quarter" idx="11"/>
+          </p:nvPr>
+        </p:nvSpPr>
+        <p:spPr/>
+        <p:txBody>
+          <a:bodyPr/>
+          <a:lstStyle/>
+          <a:p>
             <a:r>
               <a:rPr lang="en-US"/>
-              <a:t>Pietro Berkes, Sept 2018</a:t>
-            </a:r>
-          </a:p>
-        </p:txBody>
-      </p:sp>
-      <p:sp>
-        <p:nvSpPr>
-          <p:cNvPr id="7" name="Footer Placeholder 6"/>
-          <p:cNvSpPr>
-            <a:spLocks noGrp="1"/>
-          </p:cNvSpPr>
-          <p:nvPr>
-            <p:ph type="ftr" sz="quarter" idx="11"/>
-          </p:nvPr>
-        </p:nvSpPr>
-        <p:spPr/>
-        <p:txBody>
-          <a:bodyPr/>
-          <a:lstStyle/>
-          <a:p>
-            <a:r>
-              <a:rPr lang="en-US"/>
-              <a:t>Testing scientific code</a:t>
+              <a:t>Optimizing and profiling</a:t>
             </a:r>
           </a:p>
         </p:txBody>
@@ -6365,31 +10084,32 @@
           <a:bodyPr/>
           <a:lstStyle/>
           <a:p>
+            <a:fld id="{FCC9F8EA-53CF-2145-A82F-DA50B25B5FEC}" type="datetime3">
+              <a:rPr lang="en-US" smtClean="0"/>
+              <a:t>24 August 2018</a:t>
+            </a:fld>
+            <a:endParaRPr lang="en-US"/>
+          </a:p>
+        </p:txBody>
+      </p:sp>
+      <p:sp>
+        <p:nvSpPr>
+          <p:cNvPr id="10" name="Footer Placeholder 9"/>
+          <p:cNvSpPr>
+            <a:spLocks noGrp="1"/>
+          </p:cNvSpPr>
+          <p:nvPr>
+            <p:ph type="ftr" sz="quarter" idx="11"/>
+          </p:nvPr>
+        </p:nvSpPr>
+        <p:spPr/>
+        <p:txBody>
+          <a:bodyPr/>
+          <a:lstStyle/>
+          <a:p>
             <a:r>
               <a:rPr lang="en-US"/>
-              <a:t>Pietro Berkes, Sept 2018</a:t>
-            </a:r>
-          </a:p>
-        </p:txBody>
-      </p:sp>
-      <p:sp>
-        <p:nvSpPr>
-          <p:cNvPr id="10" name="Footer Placeholder 9"/>
-          <p:cNvSpPr>
-            <a:spLocks noGrp="1"/>
-          </p:cNvSpPr>
-          <p:nvPr>
-            <p:ph type="ftr" sz="quarter" idx="11"/>
-          </p:nvPr>
-        </p:nvSpPr>
-        <p:spPr/>
-        <p:txBody>
-          <a:bodyPr/>
-          <a:lstStyle/>
-          <a:p>
-            <a:r>
-              <a:rPr lang="en-US"/>
-              <a:t>Testing scientific code</a:t>
+              <a:t>Optimizing and profiling</a:t>
             </a:r>
           </a:p>
         </p:txBody>
@@ -6599,31 +10319,32 @@
           <a:bodyPr/>
           <a:lstStyle/>
           <a:p>
+            <a:fld id="{2C8989AB-72DB-8546-9669-2CAAF6BC3DC3}" type="datetime3">
+              <a:rPr lang="en-US" smtClean="0"/>
+              <a:t>24 August 2018</a:t>
+            </a:fld>
+            <a:endParaRPr lang="en-US"/>
+          </a:p>
+        </p:txBody>
+      </p:sp>
+      <p:sp>
+        <p:nvSpPr>
+          <p:cNvPr id="4" name="Footer Placeholder 3"/>
+          <p:cNvSpPr>
+            <a:spLocks noGrp="1"/>
+          </p:cNvSpPr>
+          <p:nvPr>
+            <p:ph type="ftr" sz="quarter" idx="11"/>
+          </p:nvPr>
+        </p:nvSpPr>
+        <p:spPr/>
+        <p:txBody>
+          <a:bodyPr/>
+          <a:lstStyle/>
+          <a:p>
             <a:r>
               <a:rPr lang="en-US"/>
-              <a:t>Pietro Berkes, Sept 2018</a:t>
-            </a:r>
-          </a:p>
-        </p:txBody>
-      </p:sp>
-      <p:sp>
-        <p:nvSpPr>
-          <p:cNvPr id="4" name="Footer Placeholder 3"/>
-          <p:cNvSpPr>
-            <a:spLocks noGrp="1"/>
-          </p:cNvSpPr>
-          <p:nvPr>
-            <p:ph type="ftr" sz="quarter" idx="11"/>
-          </p:nvPr>
-        </p:nvSpPr>
-        <p:spPr/>
-        <p:txBody>
-          <a:bodyPr/>
-          <a:lstStyle/>
-          <a:p>
-            <a:r>
-              <a:rPr lang="en-US"/>
-              <a:t>Testing scientific code</a:t>
+              <a:t>Optimizing and profiling</a:t>
             </a:r>
           </a:p>
         </p:txBody>
@@ -6953,31 +10674,32 @@
           <a:bodyPr/>
           <a:lstStyle/>
           <a:p>
+            <a:fld id="{6E3FC465-804A-7E4B-993E-EC983464ADD1}" type="datetime3">
+              <a:rPr lang="en-US" smtClean="0"/>
+              <a:t>24 August 2018</a:t>
+            </a:fld>
+            <a:endParaRPr lang="en-US"/>
+          </a:p>
+        </p:txBody>
+      </p:sp>
+      <p:sp>
+        <p:nvSpPr>
+          <p:cNvPr id="6" name="Footer Placeholder 5"/>
+          <p:cNvSpPr>
+            <a:spLocks noGrp="1"/>
+          </p:cNvSpPr>
+          <p:nvPr>
+            <p:ph type="ftr" sz="quarter" idx="11"/>
+          </p:nvPr>
+        </p:nvSpPr>
+        <p:spPr/>
+        <p:txBody>
+          <a:bodyPr/>
+          <a:lstStyle/>
+          <a:p>
             <a:r>
               <a:rPr lang="en-US"/>
-              <a:t>Pietro Berkes, Sept 2018</a:t>
-            </a:r>
-          </a:p>
-        </p:txBody>
-      </p:sp>
-      <p:sp>
-        <p:nvSpPr>
-          <p:cNvPr id="6" name="Footer Placeholder 5"/>
-          <p:cNvSpPr>
-            <a:spLocks noGrp="1"/>
-          </p:cNvSpPr>
-          <p:nvPr>
-            <p:ph type="ftr" sz="quarter" idx="11"/>
-          </p:nvPr>
-        </p:nvSpPr>
-        <p:spPr/>
-        <p:txBody>
-          <a:bodyPr/>
-          <a:lstStyle/>
-          <a:p>
-            <a:r>
-              <a:rPr lang="en-US"/>
-              <a:t>Testing scientific code</a:t>
+              <a:t>Optimizing and profiling</a:t>
             </a:r>
           </a:p>
         </p:txBody>
@@ -7123,31 +10845,32 @@
           <a:bodyPr/>
           <a:lstStyle/>
           <a:p>
+            <a:fld id="{191AE78A-AD1A-8246-A934-F993DF5F3A88}" type="datetime3">
+              <a:rPr lang="en-US" smtClean="0"/>
+              <a:t>24 August 2018</a:t>
+            </a:fld>
+            <a:endParaRPr lang="en-US"/>
+          </a:p>
+        </p:txBody>
+      </p:sp>
+      <p:sp>
+        <p:nvSpPr>
+          <p:cNvPr id="8" name="Footer Placeholder 7"/>
+          <p:cNvSpPr>
+            <a:spLocks noGrp="1"/>
+          </p:cNvSpPr>
+          <p:nvPr>
+            <p:ph type="ftr" sz="quarter" idx="11"/>
+          </p:nvPr>
+        </p:nvSpPr>
+        <p:spPr/>
+        <p:txBody>
+          <a:bodyPr/>
+          <a:lstStyle/>
+          <a:p>
             <a:r>
               <a:rPr lang="en-US"/>
-              <a:t>Pietro Berkes, Sept 2018</a:t>
-            </a:r>
-          </a:p>
-        </p:txBody>
-      </p:sp>
-      <p:sp>
-        <p:nvSpPr>
-          <p:cNvPr id="8" name="Footer Placeholder 7"/>
-          <p:cNvSpPr>
-            <a:spLocks noGrp="1"/>
-          </p:cNvSpPr>
-          <p:nvPr>
-            <p:ph type="ftr" sz="quarter" idx="11"/>
-          </p:nvPr>
-        </p:nvSpPr>
-        <p:spPr/>
-        <p:txBody>
-          <a:bodyPr/>
-          <a:lstStyle/>
-          <a:p>
-            <a:r>
-              <a:rPr lang="en-US"/>
-              <a:t>Testing scientific code</a:t>
+              <a:t>Optimizing and profiling</a:t>
             </a:r>
           </a:p>
         </p:txBody>
@@ -7302,31 +11025,32 @@
           <a:bodyPr/>
           <a:lstStyle/>
           <a:p>
+            <a:fld id="{CC53E8C9-64C5-124A-8A36-AF4D7BE62FE7}" type="datetime3">
+              <a:rPr lang="en-US" smtClean="0"/>
+              <a:t>24 August 2018</a:t>
+            </a:fld>
+            <a:endParaRPr lang="en-US"/>
+          </a:p>
+        </p:txBody>
+      </p:sp>
+      <p:sp>
+        <p:nvSpPr>
+          <p:cNvPr id="8" name="Footer Placeholder 7"/>
+          <p:cNvSpPr>
+            <a:spLocks noGrp="1"/>
+          </p:cNvSpPr>
+          <p:nvPr>
+            <p:ph type="ftr" sz="quarter" idx="11"/>
+          </p:nvPr>
+        </p:nvSpPr>
+        <p:spPr/>
+        <p:txBody>
+          <a:bodyPr/>
+          <a:lstStyle/>
+          <a:p>
             <a:r>
               <a:rPr lang="en-US"/>
-              <a:t>Pietro Berkes, Sept 2018</a:t>
-            </a:r>
-          </a:p>
-        </p:txBody>
-      </p:sp>
-      <p:sp>
-        <p:nvSpPr>
-          <p:cNvPr id="8" name="Footer Placeholder 7"/>
-          <p:cNvSpPr>
-            <a:spLocks noGrp="1"/>
-          </p:cNvSpPr>
-          <p:nvPr>
-            <p:ph type="ftr" sz="quarter" idx="11"/>
-          </p:nvPr>
-        </p:nvSpPr>
-        <p:spPr/>
-        <p:txBody>
-          <a:bodyPr/>
-          <a:lstStyle/>
-          <a:p>
-            <a:r>
-              <a:rPr lang="en-US"/>
-              <a:t>Testing scientific code</a:t>
+              <a:t>Optimizing and profiling</a:t>
             </a:r>
           </a:p>
         </p:txBody>
@@ -7674,31 +11398,32 @@
           <a:bodyPr/>
           <a:lstStyle/>
           <a:p>
+            <a:fld id="{1FA56CEB-BBF8-2647-A17A-98CD0D34208C}" type="datetime3">
+              <a:rPr lang="en-US" smtClean="0"/>
+              <a:t>24 August 2018</a:t>
+            </a:fld>
+            <a:endParaRPr lang="en-US"/>
+          </a:p>
+        </p:txBody>
+      </p:sp>
+      <p:sp>
+        <p:nvSpPr>
+          <p:cNvPr id="11" name="Footer Placeholder 10"/>
+          <p:cNvSpPr>
+            <a:spLocks noGrp="1"/>
+          </p:cNvSpPr>
+          <p:nvPr>
+            <p:ph type="ftr" sz="quarter" idx="11"/>
+          </p:nvPr>
+        </p:nvSpPr>
+        <p:spPr/>
+        <p:txBody>
+          <a:bodyPr/>
+          <a:lstStyle/>
+          <a:p>
             <a:r>
               <a:rPr lang="en-US"/>
-              <a:t>Pietro Berkes, Sept 2018</a:t>
-            </a:r>
-          </a:p>
-        </p:txBody>
-      </p:sp>
-      <p:sp>
-        <p:nvSpPr>
-          <p:cNvPr id="11" name="Footer Placeholder 10"/>
-          <p:cNvSpPr>
-            <a:spLocks noGrp="1"/>
-          </p:cNvSpPr>
-          <p:nvPr>
-            <p:ph type="ftr" sz="quarter" idx="11"/>
-          </p:nvPr>
-        </p:nvSpPr>
-        <p:spPr/>
-        <p:txBody>
-          <a:bodyPr/>
-          <a:lstStyle/>
-          <a:p>
-            <a:r>
-              <a:rPr lang="en-US"/>
-              <a:t>Testing scientific code</a:t>
+              <a:t>Optimizing and profiling</a:t>
             </a:r>
           </a:p>
         </p:txBody>
@@ -7904,31 +11629,32 @@
           <a:bodyPr/>
           <a:lstStyle/>
           <a:p>
+            <a:fld id="{97AC98E6-9992-6041-A968-ED108F7A8284}" type="datetime3">
+              <a:rPr lang="en-US" smtClean="0"/>
+              <a:t>24 August 2018</a:t>
+            </a:fld>
+            <a:endParaRPr lang="en-US"/>
+          </a:p>
+        </p:txBody>
+      </p:sp>
+      <p:sp>
+        <p:nvSpPr>
+          <p:cNvPr id="6" name="Footer Placeholder 5"/>
+          <p:cNvSpPr>
+            <a:spLocks noGrp="1"/>
+          </p:cNvSpPr>
+          <p:nvPr>
+            <p:ph type="ftr" sz="quarter" idx="11"/>
+          </p:nvPr>
+        </p:nvSpPr>
+        <p:spPr/>
+        <p:txBody>
+          <a:bodyPr/>
+          <a:lstStyle/>
+          <a:p>
             <a:r>
               <a:rPr lang="en-US"/>
-              <a:t>Pietro Berkes, Sept 2018</a:t>
-            </a:r>
-          </a:p>
-        </p:txBody>
-      </p:sp>
-      <p:sp>
-        <p:nvSpPr>
-          <p:cNvPr id="6" name="Footer Placeholder 5"/>
-          <p:cNvSpPr>
-            <a:spLocks noGrp="1"/>
-          </p:cNvSpPr>
-          <p:nvPr>
-            <p:ph type="ftr" sz="quarter" idx="11"/>
-          </p:nvPr>
-        </p:nvSpPr>
-        <p:spPr/>
-        <p:txBody>
-          <a:bodyPr/>
-          <a:lstStyle/>
-          <a:p>
-            <a:r>
-              <a:rPr lang="en-US"/>
-              <a:t>Testing scientific code</a:t>
+              <a:t>Optimizing and profiling</a:t>
             </a:r>
           </a:p>
         </p:txBody>
@@ -8243,10 +11969,11 @@
             </a:lvl1pPr>
           </a:lstStyle>
           <a:p>
-            <a:r>
-              <a:rPr lang="en-US"/>
-              <a:t>Pietro Berkes, Sept 2018</a:t>
-            </a:r>
+            <a:fld id="{97728646-3DE4-A644-8A2C-3A2A5C60793B}" type="datetime3">
+              <a:rPr lang="en-US" smtClean="0"/>
+              <a:t>24 August 2018</a:t>
+            </a:fld>
+            <a:endParaRPr lang="en-US"/>
           </a:p>
         </p:txBody>
       </p:sp>
@@ -8283,7 +12010,7 @@
           <a:p>
             <a:r>
               <a:rPr lang="en-US"/>
-              <a:t>Testing scientific code</a:t>
+              <a:t>Optimizing and profiling</a:t>
             </a:r>
           </a:p>
         </p:txBody>
@@ -8466,7 +12193,7 @@
     <p:sldLayoutId id="2147483670" r:id="rId10"/>
     <p:sldLayoutId id="2147483671" r:id="rId11"/>
   </p:sldLayoutIdLst>
-  <p:hf sldNum="0" hdr="0"/>
+  <p:hf hdr="0"/>
   <p:txStyles>
     <p:titleStyle>
       <a:lvl1pPr algn="l" rtl="0" eaLnBrk="1" latinLnBrk="0" hangingPunct="1">
@@ -8904,187 +12631,97 @@
       </p:grpSpPr>
       <p:sp>
         <p:nvSpPr>
-          <p:cNvPr id="2" name="Title 1"/>
-          <p:cNvSpPr>
-            <a:spLocks noGrp="1"/>
-          </p:cNvSpPr>
-          <p:nvPr>
-            <p:ph type="title"/>
-          </p:nvPr>
-        </p:nvSpPr>
-        <p:spPr/>
-        <p:txBody>
-          <a:bodyPr/>
-          <a:lstStyle/>
-          <a:p>
-            <a:r>
-              <a:rPr lang="en-GB" dirty="0" err="1">
-                <a:cs typeface="Courier New" pitchFamily="49" charset="0"/>
-              </a:rPr>
-              <a:t>Measuring time: </a:t>
-            </a:r>
-            <a:r>
-              <a:rPr lang="en-GB" dirty="0" err="1">
-                <a:latin typeface="Courier New" pitchFamily="49" charset="0"/>
-                <a:cs typeface="Courier New" pitchFamily="49" charset="0"/>
-              </a:rPr>
-              <a:t>time</a:t>
-            </a:r>
-            <a:endParaRPr lang="en-GB" dirty="0"/>
-          </a:p>
-        </p:txBody>
-      </p:sp>
-      <p:sp>
-        <p:nvSpPr>
-          <p:cNvPr id="3" name="Content Placeholder 2"/>
-          <p:cNvSpPr>
-            <a:spLocks noGrp="1"/>
-          </p:cNvSpPr>
-          <p:nvPr>
-            <p:ph sz="quarter" idx="1"/>
-          </p:nvPr>
-        </p:nvSpPr>
-        <p:spPr/>
-        <p:txBody>
-          <a:bodyPr>
-            <a:noAutofit/>
-          </a:bodyPr>
-          <a:lstStyle/>
-          <a:p>
-            <a:r>
-              <a:rPr lang="en-GB" dirty="0"/>
-              <a:t>On *nix systems, the command </a:t>
-            </a:r>
-            <a:r>
-              <a:rPr lang="en-GB" dirty="0">
-                <a:latin typeface="Courier New"/>
-                <a:cs typeface="Courier New"/>
-              </a:rPr>
-              <a:t>time</a:t>
-            </a:r>
-            <a:r>
-              <a:rPr lang="en-GB" dirty="0"/>
-              <a:t> gives a quick way of measuring time:</a:t>
-            </a:r>
-          </a:p>
-          <a:p>
-            <a:endParaRPr lang="en-GB" dirty="0"/>
-          </a:p>
-          <a:p>
-            <a:endParaRPr lang="en-GB" dirty="0"/>
-          </a:p>
-          <a:p>
-            <a:endParaRPr lang="en-GB" dirty="0"/>
-          </a:p>
-          <a:p>
-            <a:endParaRPr lang="en-GB" dirty="0"/>
-          </a:p>
-          <a:p>
-            <a:r>
-              <a:rPr lang="en-GB" dirty="0"/>
-              <a:t>“real” is wall clock time</a:t>
-            </a:r>
-          </a:p>
-          <a:p>
-            <a:r>
-              <a:rPr lang="en-GB" dirty="0"/>
-              <a:t>“user” is CPU time executing the script</a:t>
-            </a:r>
-          </a:p>
-          <a:p>
-            <a:r>
-              <a:rPr lang="en-GB" dirty="0"/>
-              <a:t>“sys” is CPU time spent in system calls</a:t>
-            </a:r>
-          </a:p>
-        </p:txBody>
-      </p:sp>
-      <p:sp>
-        <p:nvSpPr>
-          <p:cNvPr id="4" name="TextBox 3"/>
-          <p:cNvSpPr txBox="1"/>
+          <p:cNvPr id="2" name="Curved Up Ribbon 1"/>
+          <p:cNvSpPr/>
           <p:nvPr/>
         </p:nvSpPr>
         <p:spPr>
           <a:xfrm>
-            <a:off x="755576" y="2348880"/>
-            <a:ext cx="8001056" cy="1569660"/>
+            <a:off x="2000232" y="1285860"/>
+            <a:ext cx="5143536" cy="1928826"/>
+          </a:xfrm>
+          <a:prstGeom prst="ellipseRibbon2">
+            <a:avLst>
+              <a:gd name="adj1" fmla="val 37115"/>
+              <a:gd name="adj2" fmla="val 68903"/>
+              <a:gd name="adj3" fmla="val 12500"/>
+            </a:avLst>
+          </a:prstGeom>
+          <a:solidFill>
+            <a:schemeClr val="accent1"/>
+          </a:solidFill>
+        </p:spPr>
+        <p:style>
+          <a:lnRef idx="1">
+            <a:schemeClr val="accent2"/>
+          </a:lnRef>
+          <a:fillRef idx="3">
+            <a:schemeClr val="accent2"/>
+          </a:fillRef>
+          <a:effectRef idx="2">
+            <a:schemeClr val="accent2"/>
+          </a:effectRef>
+          <a:fontRef idx="minor">
+            <a:schemeClr val="lt1"/>
+          </a:fontRef>
+        </p:style>
+        <p:txBody>
+          <a:bodyPr rtlCol="0" anchor="ctr"/>
+          <a:lstStyle/>
+          <a:p>
+            <a:pPr algn="ctr"/>
+            <a:r>
+              <a:rPr lang="en-GB" sz="4400" b="1" dirty="0"/>
+              <a:t>factorial</a:t>
+            </a:r>
+          </a:p>
+        </p:txBody>
+      </p:sp>
+      <p:sp>
+        <p:nvSpPr>
+          <p:cNvPr id="3" name="Rectangle 2"/>
+          <p:cNvSpPr/>
+          <p:nvPr/>
+        </p:nvSpPr>
+        <p:spPr>
+          <a:xfrm>
+            <a:off x="1475656" y="4005064"/>
+            <a:ext cx="6606480" cy="830997"/>
           </a:xfrm>
           <a:prstGeom prst="rect">
             <a:avLst/>
           </a:prstGeom>
-          <a:noFill/>
         </p:spPr>
         <p:txBody>
-          <a:bodyPr wrap="square" rtlCol="0">
+          <a:bodyPr wrap="square">
             <a:spAutoFit/>
           </a:bodyPr>
           <a:lstStyle/>
           <a:p>
             <a:r>
-              <a:rPr lang="en-GB" sz="1600" dirty="0" err="1">
-                <a:solidFill>
-                  <a:srgbClr val="000000"/>
-                </a:solidFill>
-                <a:latin typeface="Courier New" pitchFamily="49" charset="0"/>
+              <a:rPr lang="en-US">
+                <a:latin typeface="+mn-lt"/>
               </a:rPr>
-              <a:t>$ time python your_script.py</a:t>
-            </a:r>
-          </a:p>
-          <a:p>
-            <a:endParaRPr lang="en-GB" sz="1600" dirty="0" err="1">
-              <a:solidFill>
-                <a:srgbClr val="000000"/>
-              </a:solidFill>
-              <a:latin typeface="Courier New" pitchFamily="49" charset="0"/>
-            </a:endParaRPr>
-          </a:p>
-          <a:p>
-            <a:r>
-              <a:rPr lang="en-GB" sz="1600" dirty="0">
-                <a:solidFill>
-                  <a:srgbClr val="000000"/>
-                </a:solidFill>
-                <a:latin typeface="Courier New" pitchFamily="49" charset="0"/>
+              <a:t>Follow with me while we profile the file</a:t>
+            </a:r>
+            <a:br>
+              <a:rPr lang="en-US">
+                <a:latin typeface="+mn-lt"/>
               </a:rPr>
-              <a:t>real	0m0.135s</a:t>
-            </a:r>
-          </a:p>
-          <a:p>
-            <a:r>
-              <a:rPr lang="en-GB" sz="1600" dirty="0">
-                <a:solidFill>
-                  <a:srgbClr val="000000"/>
-                </a:solidFill>
-                <a:latin typeface="Courier New" pitchFamily="49" charset="0"/>
+            </a:br>
+            <a:r>
+              <a:rPr lang="en-US">
+                <a:latin typeface="Courier New"/>
+                <a:cs typeface="Courier New"/>
               </a:rPr>
-              <a:t>user	0m0.125s</a:t>
-            </a:r>
-          </a:p>
-          <a:p>
-            <a:r>
-              <a:rPr lang="en-GB" sz="1600" dirty="0">
-                <a:solidFill>
-                  <a:srgbClr val="000000"/>
-                </a:solidFill>
-                <a:latin typeface="Courier New" pitchFamily="49" charset="0"/>
-              </a:rPr>
-              <a:t>sys	0m0.009s</a:t>
-            </a:r>
-          </a:p>
-          <a:p>
-            <a:endParaRPr lang="en-GB" sz="1600" dirty="0">
-              <a:solidFill>
-                <a:srgbClr val="000000"/>
-              </a:solidFill>
-              <a:latin typeface="Courier New" pitchFamily="49" charset="0"/>
-            </a:endParaRPr>
-          </a:p>
-        </p:txBody>
-      </p:sp>
-      <p:sp>
-        <p:nvSpPr>
-          <p:cNvPr id="5" name="Date Placeholder 4"/>
+              <a:t>hands_on/factorial/factorial.py</a:t>
+            </a:r>
+          </a:p>
+        </p:txBody>
+      </p:sp>
+      <p:sp>
+        <p:nvSpPr>
+          <p:cNvPr id="4" name="Date Placeholder 3"/>
           <p:cNvSpPr>
             <a:spLocks noGrp="1"/>
           </p:cNvSpPr>
@@ -9097,21 +12734,50 @@
           <a:bodyPr/>
           <a:lstStyle/>
           <a:p>
+            <a:fld id="{AE87D922-CF79-D342-9411-7DD0DDB579BB}" type="datetime3">
+              <a:rPr lang="en-US" smtClean="0"/>
+              <a:t>24 August 2018</a:t>
+            </a:fld>
+            <a:endParaRPr lang="en-US"/>
+          </a:p>
+        </p:txBody>
+      </p:sp>
+      <p:sp>
+        <p:nvSpPr>
+          <p:cNvPr id="5" name="Footer Placeholder 4"/>
+          <p:cNvSpPr>
+            <a:spLocks noGrp="1"/>
+          </p:cNvSpPr>
+          <p:nvPr>
+            <p:ph type="ftr" sz="quarter" idx="11"/>
+          </p:nvPr>
+        </p:nvSpPr>
+        <p:spPr/>
+        <p:txBody>
+          <a:bodyPr/>
+          <a:lstStyle/>
+          <a:p>
             <a:r>
               <a:rPr lang="en-US"/>
-              <a:t>Pietro Berkes, Sept 2018</a:t>
-            </a:r>
-          </a:p>
-        </p:txBody>
-      </p:sp>
-      <p:sp>
-        <p:nvSpPr>
-          <p:cNvPr id="6" name="Footer Placeholder 5"/>
+              <a:t>Optimizing and profiling</a:t>
+            </a:r>
+          </a:p>
+        </p:txBody>
+      </p:sp>
+      <p:sp>
+        <p:nvSpPr>
+          <p:cNvPr id="6" name="Slide Number Placeholder 5">
+            <a:extLst>
+              <a:ext uri="{FF2B5EF4-FFF2-40B4-BE49-F238E27FC236}">
+                <a16:creationId xmlns:a16="http://schemas.microsoft.com/office/drawing/2014/main" id="{81D7A8B8-A9B0-9E46-887C-B190826C31E4}"/>
+              </a:ext>
+            </a:extLst>
+          </p:cNvPr>
           <p:cNvSpPr>
             <a:spLocks noGrp="1"/>
           </p:cNvSpPr>
           <p:nvPr>
-            <p:ph type="ftr" sz="quarter" idx="11"/>
+            <p:ph type="sldNum" sz="quarter" idx="12"/>
           </p:nvPr>
         </p:nvSpPr>
         <p:spPr/>
@@ -9119,23 +12785,32 @@
           <a:bodyPr/>
           <a:lstStyle/>
           <a:p>
-            <a:r>
-              <a:rPr lang="en-US"/>
-              <a:t>Testing scientific code</a:t>
-            </a:r>
+            <a:fld id="{EF79ADEA-B933-47CC-A4E9-04E6298B917C}" type="slidenum">
+              <a:rPr lang="en-US" smtClean="0"/>
+              <a:pPr/>
+              <a:t>10</a:t>
+            </a:fld>
+            <a:endParaRPr lang="en-US"/>
           </a:p>
         </p:txBody>
       </p:sp>
     </p:spTree>
     <p:extLst>
       <p:ext uri="{BB962C8B-B14F-4D97-AF65-F5344CB8AC3E}">
-        <p14:creationId xmlns:p14="http://schemas.microsoft.com/office/powerpoint/2010/main" val="2661697105"/>
+        <p14:creationId xmlns:p14="http://schemas.microsoft.com/office/powerpoint/2010/main" val="1345544293"/>
       </p:ext>
     </p:extLst>
   </p:cSld>
   <p:clrMapOvr>
     <a:masterClrMapping/>
   </p:clrMapOvr>
+  <p:transition>
+    <p:sndAc>
+      <p:stSnd>
+        <p:snd r:embed="rId2" name="drumroll.wav"/>
+      </p:stSnd>
+    </p:sndAc>
+  </p:transition>
 </p:sld>
 </file>
 
@@ -9173,10 +12848,16 @@
           <a:p>
             <a:r>
               <a:rPr lang="en-GB" dirty="0" err="1">
+                <a:cs typeface="Courier New" pitchFamily="49" charset="0"/>
+              </a:rPr>
+              <a:t>Measuring time: </a:t>
+            </a:r>
+            <a:r>
+              <a:rPr lang="en-GB" dirty="0" err="1">
                 <a:latin typeface="Courier New" pitchFamily="49" charset="0"/>
                 <a:cs typeface="Courier New" pitchFamily="49" charset="0"/>
               </a:rPr>
-              <a:t>cProfile</a:t>
+              <a:t>time</a:t>
             </a:r>
             <a:endParaRPr lang="en-GB" dirty="0"/>
           </a:p>
@@ -9191,72 +12872,72 @@
           <p:nvPr>
             <p:ph sz="quarter" idx="1"/>
           </p:nvPr>
+        </p:nvSpPr>
+        <p:spPr/>
+        <p:txBody>
+          <a:bodyPr>
+            <a:noAutofit/>
+          </a:bodyPr>
+          <a:lstStyle/>
+          <a:p>
+            <a:r>
+              <a:rPr lang="en-GB" dirty="0"/>
+              <a:t>On *nix systems, the command </a:t>
+            </a:r>
+            <a:r>
+              <a:rPr lang="en-GB" dirty="0">
+                <a:latin typeface="Courier New"/>
+                <a:cs typeface="Courier New"/>
+              </a:rPr>
+              <a:t>time</a:t>
+            </a:r>
+            <a:r>
+              <a:rPr lang="en-GB" dirty="0"/>
+              <a:t> gives a quick way of measuring time:</a:t>
+            </a:r>
+          </a:p>
+          <a:p>
+            <a:endParaRPr lang="en-GB" dirty="0"/>
+          </a:p>
+          <a:p>
+            <a:endParaRPr lang="en-GB" dirty="0"/>
+          </a:p>
+          <a:p>
+            <a:endParaRPr lang="en-GB" dirty="0"/>
+          </a:p>
+          <a:p>
+            <a:endParaRPr lang="en-GB" dirty="0"/>
+          </a:p>
+          <a:p>
+            <a:r>
+              <a:rPr lang="en-GB" dirty="0"/>
+              <a:t>“real” is wall clock time</a:t>
+            </a:r>
+          </a:p>
+          <a:p>
+            <a:r>
+              <a:rPr lang="en-GB" dirty="0"/>
+              <a:t>“user” is CPU time executing the script</a:t>
+            </a:r>
+          </a:p>
+          <a:p>
+            <a:r>
+              <a:rPr lang="en-GB" dirty="0"/>
+              <a:t>“sys” is CPU time spent in system calls</a:t>
+            </a:r>
+          </a:p>
+        </p:txBody>
+      </p:sp>
+      <p:sp>
+        <p:nvSpPr>
+          <p:cNvPr id="4" name="TextBox 3"/>
+          <p:cNvSpPr txBox="1"/>
+          <p:nvPr/>
         </p:nvSpPr>
         <p:spPr>
           <a:xfrm>
-            <a:off x="357158" y="1219200"/>
-            <a:ext cx="8572560" cy="4937760"/>
-          </a:xfrm>
-        </p:spPr>
-        <p:txBody>
-          <a:bodyPr/>
-          <a:lstStyle/>
-          <a:p>
-            <a:r>
-              <a:rPr lang="en-GB" dirty="0"/>
-              <a:t>standard Python module to profile an entire application</a:t>
-            </a:r>
-            <a:br>
-              <a:rPr lang="en-GB" dirty="0"/>
-            </a:br>
-            <a:r>
-              <a:rPr lang="en-GB" dirty="0"/>
-              <a:t>(</a:t>
-            </a:r>
-            <a:r>
-              <a:rPr lang="en-GB" sz="2400" dirty="0">
-                <a:latin typeface="Courier New" pitchFamily="49" charset="0"/>
-                <a:cs typeface="Courier New" pitchFamily="49" charset="0"/>
-              </a:rPr>
-              <a:t>profile </a:t>
-            </a:r>
-            <a:r>
-              <a:rPr lang="en-GB" dirty="0"/>
-              <a:t>is an old, slow profiling module)</a:t>
-            </a:r>
-          </a:p>
-          <a:p>
-            <a:r>
-              <a:rPr lang="en-GB" dirty="0"/>
-              <a:t>Running the profiler from command line:</a:t>
-            </a:r>
-            <a:br>
-              <a:rPr lang="en-GB" dirty="0"/>
-            </a:br>
-            <a:br>
-              <a:rPr lang="en-GB" dirty="0"/>
-            </a:br>
-            <a:endParaRPr lang="en-GB" dirty="0"/>
-          </a:p>
-          <a:p>
-            <a:r>
-              <a:rPr lang="en-GB" dirty="0"/>
-              <a:t>Sorting options:</a:t>
-            </a:r>
-            <a:endParaRPr lang="en-US" dirty="0"/>
-          </a:p>
-        </p:txBody>
-      </p:sp>
-      <p:sp>
-        <p:nvSpPr>
-          <p:cNvPr id="7" name="TextBox 6"/>
-          <p:cNvSpPr txBox="1"/>
-          <p:nvPr/>
-        </p:nvSpPr>
-        <p:spPr>
-          <a:xfrm>
-            <a:off x="755576" y="2564904"/>
-            <a:ext cx="8107834" cy="400110"/>
+            <a:off x="755576" y="2348880"/>
+            <a:ext cx="8001056" cy="1569660"/>
           </a:xfrm>
           <a:prstGeom prst="rect">
             <a:avLst/>
@@ -9270,104 +12951,69 @@
           <a:lstStyle/>
           <a:p>
             <a:r>
-              <a:rPr lang="en-GB" sz="2000" dirty="0">
+              <a:rPr lang="en-GB" sz="1600" dirty="0" err="1">
+                <a:solidFill>
+                  <a:srgbClr val="000000"/>
+                </a:solidFill>
                 <a:latin typeface="Courier New" pitchFamily="49" charset="0"/>
-                <a:cs typeface="Courier New" pitchFamily="49" charset="0"/>
               </a:rPr>
-              <a:t>python -m </a:t>
-            </a:r>
-            <a:r>
-              <a:rPr lang="en-GB" sz="2000" dirty="0" err="1">
+              <a:t>$ time python your_script.py</a:t>
+            </a:r>
+          </a:p>
+          <a:p>
+            <a:endParaRPr lang="en-GB" sz="1600" dirty="0" err="1">
+              <a:solidFill>
+                <a:srgbClr val="000000"/>
+              </a:solidFill>
+              <a:latin typeface="Courier New" pitchFamily="49" charset="0"/>
+            </a:endParaRPr>
+          </a:p>
+          <a:p>
+            <a:r>
+              <a:rPr lang="en-GB" sz="1600" dirty="0">
+                <a:solidFill>
+                  <a:srgbClr val="000000"/>
+                </a:solidFill>
                 <a:latin typeface="Courier New" pitchFamily="49" charset="0"/>
-                <a:cs typeface="Courier New" pitchFamily="49" charset="0"/>
               </a:rPr>
-              <a:t>cProfile</a:t>
-            </a:r>
-            <a:r>
-              <a:rPr lang="en-GB" sz="2000" dirty="0">
+              <a:t>real	0m0.135s</a:t>
+            </a:r>
+          </a:p>
+          <a:p>
+            <a:r>
+              <a:rPr lang="en-GB" sz="1600" dirty="0">
+                <a:solidFill>
+                  <a:srgbClr val="000000"/>
+                </a:solidFill>
                 <a:latin typeface="Courier New" pitchFamily="49" charset="0"/>
-                <a:cs typeface="Courier New" pitchFamily="49" charset="0"/>
               </a:rPr>
-              <a:t> –s cumulative myscript.py</a:t>
-            </a:r>
-            <a:endParaRPr lang="en-GB" sz="2000" dirty="0"/>
-          </a:p>
-        </p:txBody>
-      </p:sp>
-      <p:sp>
-        <p:nvSpPr>
-          <p:cNvPr id="8" name="TextBox 7"/>
-          <p:cNvSpPr txBox="1"/>
-          <p:nvPr/>
-        </p:nvSpPr>
-        <p:spPr>
-          <a:xfrm>
-            <a:off x="683568" y="3789040"/>
-            <a:ext cx="8280920" cy="1015663"/>
-          </a:xfrm>
-          <a:prstGeom prst="rect">
-            <a:avLst/>
-          </a:prstGeom>
-          <a:noFill/>
-        </p:spPr>
-        <p:txBody>
-          <a:bodyPr wrap="square" rtlCol="0">
-            <a:spAutoFit/>
-          </a:bodyPr>
-          <a:lstStyle/>
-          <a:p>
-            <a:r>
-              <a:rPr lang="en-GB" sz="2000" dirty="0">
+              <a:t>user	0m0.125s</a:t>
+            </a:r>
+          </a:p>
+          <a:p>
+            <a:r>
+              <a:rPr lang="en-GB" sz="1600" dirty="0">
+                <a:solidFill>
+                  <a:srgbClr val="000000"/>
+                </a:solidFill>
                 <a:latin typeface="Courier New" pitchFamily="49" charset="0"/>
-                <a:cs typeface="Courier New" pitchFamily="49" charset="0"/>
               </a:rPr>
-              <a:t>tottime : </a:t>
-            </a:r>
-            <a:r>
-              <a:rPr lang="en-GB" sz="2000" dirty="0">
-                <a:latin typeface="+mn-lt"/>
-                <a:cs typeface="Courier New" pitchFamily="49" charset="0"/>
-              </a:rPr>
-              <a:t>time spent in function only</a:t>
-            </a:r>
-          </a:p>
-          <a:p>
-            <a:r>
-              <a:rPr lang="en-GB" sz="2000" dirty="0">
-                <a:latin typeface="Courier New" pitchFamily="49" charset="0"/>
-                <a:cs typeface="Courier New" pitchFamily="49" charset="0"/>
-              </a:rPr>
-              <a:t>cumtime : </a:t>
-            </a:r>
-            <a:r>
-              <a:rPr lang="en-GB" sz="2000" dirty="0">
-                <a:latin typeface="+mn-lt"/>
-                <a:cs typeface="Courier New" pitchFamily="49" charset="0"/>
-              </a:rPr>
-              <a:t>time spent in function and sub-calls</a:t>
-            </a:r>
-          </a:p>
-          <a:p>
-            <a:r>
-              <a:rPr lang="en-GB" sz="2000" dirty="0">
-                <a:latin typeface="Courier New" pitchFamily="49" charset="0"/>
-                <a:cs typeface="Courier New" pitchFamily="49" charset="0"/>
-              </a:rPr>
-              <a:t>calls   : </a:t>
-            </a:r>
-            <a:r>
-              <a:rPr lang="en-GB" sz="2000" dirty="0">
-                <a:latin typeface="+mn-lt"/>
-                <a:cs typeface="Courier New" pitchFamily="49" charset="0"/>
-              </a:rPr>
-              <a:t>number of calls</a:t>
-            </a:r>
-          </a:p>
-        </p:txBody>
-      </p:sp>
-      <p:sp>
-        <p:nvSpPr>
-          <p:cNvPr id="4" name="Date Placeholder 3"/>
+              <a:t>sys	0m0.009s</a:t>
+            </a:r>
+          </a:p>
+          <a:p>
+            <a:endParaRPr lang="en-GB" sz="1600" dirty="0">
+              <a:solidFill>
+                <a:srgbClr val="000000"/>
+              </a:solidFill>
+              <a:latin typeface="Courier New" pitchFamily="49" charset="0"/>
+            </a:endParaRPr>
+          </a:p>
+        </p:txBody>
+      </p:sp>
+      <p:sp>
+        <p:nvSpPr>
+          <p:cNvPr id="5" name="Date Placeholder 4"/>
           <p:cNvSpPr>
             <a:spLocks noGrp="1"/>
           </p:cNvSpPr>
@@ -9380,21 +13026,50 @@
           <a:bodyPr/>
           <a:lstStyle/>
           <a:p>
+            <a:fld id="{43055288-B156-C549-95B1-3889E02A2E4E}" type="datetime3">
+              <a:rPr lang="en-US" smtClean="0"/>
+              <a:t>24 August 2018</a:t>
+            </a:fld>
+            <a:endParaRPr lang="en-US"/>
+          </a:p>
+        </p:txBody>
+      </p:sp>
+      <p:sp>
+        <p:nvSpPr>
+          <p:cNvPr id="6" name="Footer Placeholder 5"/>
+          <p:cNvSpPr>
+            <a:spLocks noGrp="1"/>
+          </p:cNvSpPr>
+          <p:nvPr>
+            <p:ph type="ftr" sz="quarter" idx="11"/>
+          </p:nvPr>
+        </p:nvSpPr>
+        <p:spPr/>
+        <p:txBody>
+          <a:bodyPr/>
+          <a:lstStyle/>
+          <a:p>
             <a:r>
               <a:rPr lang="en-US"/>
-              <a:t>Pietro Berkes, Sept 2018</a:t>
-            </a:r>
-          </a:p>
-        </p:txBody>
-      </p:sp>
-      <p:sp>
-        <p:nvSpPr>
-          <p:cNvPr id="5" name="Footer Placeholder 4"/>
+              <a:t>Optimizing and profiling</a:t>
+            </a:r>
+          </a:p>
+        </p:txBody>
+      </p:sp>
+      <p:sp>
+        <p:nvSpPr>
+          <p:cNvPr id="7" name="Slide Number Placeholder 6">
+            <a:extLst>
+              <a:ext uri="{FF2B5EF4-FFF2-40B4-BE49-F238E27FC236}">
+                <a16:creationId xmlns:a16="http://schemas.microsoft.com/office/drawing/2014/main" id="{5B449B3A-8799-C94B-9FA4-0E078A5F9E52}"/>
+              </a:ext>
+            </a:extLst>
+          </p:cNvPr>
           <p:cNvSpPr>
             <a:spLocks noGrp="1"/>
           </p:cNvSpPr>
           <p:nvPr>
-            <p:ph type="ftr" sz="quarter" idx="11"/>
+            <p:ph type="sldNum" sz="quarter" idx="12"/>
           </p:nvPr>
         </p:nvSpPr>
         <p:spPr/>
@@ -9402,14 +13077,21 @@
           <a:bodyPr/>
           <a:lstStyle/>
           <a:p>
-            <a:r>
-              <a:rPr lang="en-US"/>
-              <a:t>Testing scientific code</a:t>
-            </a:r>
+            <a:fld id="{EF79ADEA-B933-47CC-A4E9-04E6298B917C}" type="slidenum">
+              <a:rPr lang="en-US" smtClean="0"/>
+              <a:pPr/>
+              <a:t>11</a:t>
+            </a:fld>
+            <a:endParaRPr lang="en-US"/>
           </a:p>
         </p:txBody>
       </p:sp>
     </p:spTree>
+    <p:extLst>
+      <p:ext uri="{BB962C8B-B14F-4D97-AF65-F5344CB8AC3E}">
+        <p14:creationId xmlns:p14="http://schemas.microsoft.com/office/powerpoint/2010/main" val="2661697105"/>
+      </p:ext>
+    </p:extLst>
   </p:cSld>
   <p:clrMapOvr>
     <a:masterClrMapping/>
@@ -9482,7 +13164,31 @@
           <a:p>
             <a:r>
               <a:rPr lang="en-GB" dirty="0"/>
-              <a:t>Or save results to disk for later inspection:</a:t>
+              <a:t>standard Python module to profile an entire application</a:t>
+            </a:r>
+            <a:br>
+              <a:rPr lang="en-GB" dirty="0"/>
+            </a:br>
+            <a:r>
+              <a:rPr lang="en-GB" dirty="0"/>
+              <a:t>(</a:t>
+            </a:r>
+            <a:r>
+              <a:rPr lang="en-GB" sz="2400" dirty="0">
+                <a:latin typeface="Courier New" pitchFamily="49" charset="0"/>
+                <a:cs typeface="Courier New" pitchFamily="49" charset="0"/>
+              </a:rPr>
+              <a:t>profile </a:t>
+            </a:r>
+            <a:r>
+              <a:rPr lang="en-GB" dirty="0"/>
+              <a:t>is an old, slow profiling module)</a:t>
+            </a:r>
+          </a:p>
+          <a:p>
+            <a:r>
+              <a:rPr lang="en-GB" dirty="0"/>
+              <a:t>Running the profiler from command line:</a:t>
             </a:r>
             <a:br>
               <a:rPr lang="en-GB" dirty="0"/>
@@ -9495,7 +13201,7 @@
           <a:p>
             <a:r>
               <a:rPr lang="en-GB" dirty="0"/>
-              <a:t>Explore with</a:t>
+              <a:t>Sorting options:</a:t>
             </a:r>
             <a:endParaRPr lang="en-US" dirty="0"/>
           </a:p>
@@ -9509,7 +13215,7 @@
         </p:nvSpPr>
         <p:spPr>
           <a:xfrm>
-            <a:off x="755576" y="1700808"/>
+            <a:off x="755576" y="2564904"/>
             <a:ext cx="8107834" cy="400110"/>
           </a:xfrm>
           <a:prstGeom prst="rect">
@@ -9535,14 +13241,14 @@
                 <a:latin typeface="Courier New" pitchFamily="49" charset="0"/>
                 <a:cs typeface="Courier New" pitchFamily="49" charset="0"/>
               </a:rPr>
-              <a:t>cProfile </a:t>
+              <a:t>cProfile</a:t>
             </a:r>
             <a:r>
               <a:rPr lang="en-GB" sz="2000" dirty="0">
                 <a:latin typeface="Courier New" pitchFamily="49" charset="0"/>
                 <a:cs typeface="Courier New" pitchFamily="49" charset="0"/>
               </a:rPr>
-              <a:t>–o filename.prof myscript.py</a:t>
+              <a:t> –s cumulative myscript.py</a:t>
             </a:r>
             <a:endParaRPr lang="en-GB" sz="2000" dirty="0"/>
           </a:p>
@@ -9556,8 +13262,8 @@
         </p:nvSpPr>
         <p:spPr>
           <a:xfrm>
-            <a:off x="755576" y="2996952"/>
-            <a:ext cx="8136904" cy="1938992"/>
+            <a:off x="683568" y="3789040"/>
+            <a:ext cx="8280920" cy="1015663"/>
           </a:xfrm>
           <a:prstGeom prst="rect">
             <a:avLst/>
@@ -9575,28 +13281,31 @@
                 <a:latin typeface="Courier New" pitchFamily="49" charset="0"/>
                 <a:cs typeface="Courier New" pitchFamily="49" charset="0"/>
               </a:rPr>
-              <a:t>python –m </a:t>
-            </a:r>
-            <a:r>
-              <a:rPr lang="en-GB" sz="2000" dirty="0" err="1">
-                <a:latin typeface="Courier New" pitchFamily="49" charset="0"/>
+              <a:t>tottime : </a:t>
+            </a:r>
+            <a:r>
+              <a:rPr lang="en-GB" sz="2000" dirty="0">
+                <a:latin typeface="+mn-lt"/>
                 <a:cs typeface="Courier New" pitchFamily="49" charset="0"/>
               </a:rPr>
-              <a:t>pstats </a:t>
-            </a:r>
+              <a:t>time spent in function only</a:t>
+            </a:r>
+          </a:p>
+          <a:p>
             <a:r>
               <a:rPr lang="en-GB" sz="2000" dirty="0">
                 <a:latin typeface="Courier New" pitchFamily="49" charset="0"/>
                 <a:cs typeface="Courier New" pitchFamily="49" charset="0"/>
               </a:rPr>
-              <a:t>filename.prof</a:t>
-            </a:r>
-          </a:p>
-          <a:p>
-            <a:endParaRPr lang="en-GB" sz="2000" dirty="0">
-              <a:latin typeface="Courier New" pitchFamily="49" charset="0"/>
-              <a:cs typeface="Courier New" pitchFamily="49" charset="0"/>
-            </a:endParaRPr>
+              <a:t>cumtime : </a:t>
+            </a:r>
+            <a:r>
+              <a:rPr lang="en-GB" sz="2000" dirty="0">
+                <a:latin typeface="+mn-lt"/>
+                <a:cs typeface="Courier New" pitchFamily="49" charset="0"/>
+              </a:rPr>
+              <a:t>time spent in function and sub-calls</a:t>
+            </a:r>
           </a:p>
           <a:p>
             <a:r>
@@ -9604,66 +13313,14 @@
                 <a:latin typeface="Courier New" pitchFamily="49" charset="0"/>
                 <a:cs typeface="Courier New" pitchFamily="49" charset="0"/>
               </a:rPr>
-              <a:t>stats [n | regexp]: </a:t>
+              <a:t>calls   : </a:t>
             </a:r>
             <a:r>
               <a:rPr lang="en-GB" sz="2000" dirty="0">
                 <a:latin typeface="+mn-lt"/>
                 <a:cs typeface="Courier New" pitchFamily="49" charset="0"/>
               </a:rPr>
-              <a:t>print statistics</a:t>
-            </a:r>
-          </a:p>
-          <a:p>
-            <a:r>
-              <a:rPr lang="en-GB" sz="2000" dirty="0">
-                <a:latin typeface="Courier New" pitchFamily="49" charset="0"/>
-                <a:cs typeface="Courier New" pitchFamily="49" charset="0"/>
-              </a:rPr>
-              <a:t>sort [cumulative, time, ...] : </a:t>
-            </a:r>
-            <a:r>
-              <a:rPr lang="en-GB" sz="2000" dirty="0">
-                <a:latin typeface="+mn-lt"/>
-                <a:cs typeface="Courier New" pitchFamily="49" charset="0"/>
-              </a:rPr>
-              <a:t>change sort order</a:t>
-            </a:r>
-            <a:br>
-              <a:rPr lang="en-GB" sz="2000" dirty="0">
-                <a:latin typeface="Courier New" pitchFamily="49" charset="0"/>
-                <a:cs typeface="Courier New" pitchFamily="49" charset="0"/>
-              </a:rPr>
-            </a:br>
-            <a:r>
-              <a:rPr lang="en-GB" sz="2000" dirty="0">
-                <a:latin typeface="Courier New" pitchFamily="49" charset="0"/>
-                <a:cs typeface="Courier New" pitchFamily="49" charset="0"/>
-              </a:rPr>
-              <a:t>callers [n | regexp]: </a:t>
-            </a:r>
-            <a:r>
-              <a:rPr lang="en-GB" sz="2000" dirty="0">
-                <a:latin typeface="+mn-lt"/>
-                <a:cs typeface="Courier New" pitchFamily="49" charset="0"/>
-              </a:rPr>
-              <a:t>show callers of functions</a:t>
-            </a:r>
-          </a:p>
-          <a:p>
-            <a:r>
-              <a:rPr lang="en-GB" sz="2000" dirty="0">
-                <a:latin typeface="Courier New" pitchFamily="49" charset="0"/>
-                <a:cs typeface="Courier New" pitchFamily="49" charset="0"/>
-              </a:rPr>
-              <a:t>callees [n | regexp]: </a:t>
-            </a:r>
-            <a:r>
-              <a:rPr lang="en-GB" sz="2000" dirty="0">
-                <a:latin typeface="+mn-lt"/>
-                <a:cs typeface="Courier New" pitchFamily="49" charset="0"/>
-              </a:rPr>
-              <a:t>show callees of functions</a:t>
+              <a:t>number of calls</a:t>
             </a:r>
           </a:p>
         </p:txBody>
@@ -9683,21 +13340,50 @@
           <a:bodyPr/>
           <a:lstStyle/>
           <a:p>
+            <a:fld id="{5EBAB421-1AE0-544D-973E-BEDE8EBA75AE}" type="datetime3">
+              <a:rPr lang="en-US" smtClean="0"/>
+              <a:t>24 August 2018</a:t>
+            </a:fld>
+            <a:endParaRPr lang="en-US"/>
+          </a:p>
+        </p:txBody>
+      </p:sp>
+      <p:sp>
+        <p:nvSpPr>
+          <p:cNvPr id="5" name="Footer Placeholder 4"/>
+          <p:cNvSpPr>
+            <a:spLocks noGrp="1"/>
+          </p:cNvSpPr>
+          <p:nvPr>
+            <p:ph type="ftr" sz="quarter" idx="11"/>
+          </p:nvPr>
+        </p:nvSpPr>
+        <p:spPr/>
+        <p:txBody>
+          <a:bodyPr/>
+          <a:lstStyle/>
+          <a:p>
             <a:r>
               <a:rPr lang="en-US"/>
-              <a:t>Pietro Berkes, Sept 2018</a:t>
-            </a:r>
-          </a:p>
-        </p:txBody>
-      </p:sp>
-      <p:sp>
-        <p:nvSpPr>
-          <p:cNvPr id="5" name="Footer Placeholder 4"/>
+              <a:t>Optimizing and profiling</a:t>
+            </a:r>
+          </a:p>
+        </p:txBody>
+      </p:sp>
+      <p:sp>
+        <p:nvSpPr>
+          <p:cNvPr id="6" name="Slide Number Placeholder 5">
+            <a:extLst>
+              <a:ext uri="{FF2B5EF4-FFF2-40B4-BE49-F238E27FC236}">
+                <a16:creationId xmlns:a16="http://schemas.microsoft.com/office/drawing/2014/main" id="{E6BDA46C-8537-C843-B5AA-8E86424FAE00}"/>
+              </a:ext>
+            </a:extLst>
+          </p:cNvPr>
           <p:cNvSpPr>
             <a:spLocks noGrp="1"/>
           </p:cNvSpPr>
           <p:nvPr>
-            <p:ph type="ftr" sz="quarter" idx="11"/>
+            <p:ph type="sldNum" sz="quarter" idx="12"/>
           </p:nvPr>
         </p:nvSpPr>
         <p:spPr/>
@@ -9705,19 +13391,16 @@
           <a:bodyPr/>
           <a:lstStyle/>
           <a:p>
-            <a:r>
-              <a:rPr lang="en-US"/>
-              <a:t>Testing scientific code</a:t>
-            </a:r>
+            <a:fld id="{EF79ADEA-B933-47CC-A4E9-04E6298B917C}" type="slidenum">
+              <a:rPr lang="en-US" smtClean="0"/>
+              <a:pPr/>
+              <a:t>12</a:t>
+            </a:fld>
+            <a:endParaRPr lang="en-US"/>
           </a:p>
         </p:txBody>
       </p:sp>
     </p:spTree>
-    <p:extLst>
-      <p:ext uri="{BB962C8B-B14F-4D97-AF65-F5344CB8AC3E}">
-        <p14:creationId xmlns:p14="http://schemas.microsoft.com/office/powerpoint/2010/main" val="4063644365"/>
-      </p:ext>
-    </p:extLst>
   </p:cSld>
   <p:clrMapOvr>
     <a:masterClrMapping/>
@@ -9758,45 +13441,227 @@
           <a:lstStyle/>
           <a:p>
             <a:r>
-              <a:rPr lang="en-US"/>
-              <a:t>Callgrind</a:t>
-            </a:r>
-          </a:p>
-        </p:txBody>
-      </p:sp>
-      <p:pic>
-        <p:nvPicPr>
-          <p:cNvPr id="6" name="Picture 5" descr="Screen Shot 2015-08-30 at 12.14.29.png"/>
-          <p:cNvPicPr>
-            <a:picLocks noChangeAspect="1"/>
-          </p:cNvPicPr>
-          <p:nvPr/>
-        </p:nvPicPr>
-        <p:blipFill>
-          <a:blip r:embed="rId2">
-            <a:extLst>
-              <a:ext uri="{28A0092B-C50C-407E-A947-70E740481C1C}">
-                <a14:useLocalDpi xmlns:a14="http://schemas.microsoft.com/office/drawing/2010/main" val="0"/>
-              </a:ext>
-            </a:extLst>
-          </a:blip>
-          <a:stretch>
-            <a:fillRect/>
-          </a:stretch>
-        </p:blipFill>
+              <a:rPr lang="en-GB" dirty="0" err="1">
+                <a:latin typeface="Courier New" pitchFamily="49" charset="0"/>
+                <a:cs typeface="Courier New" pitchFamily="49" charset="0"/>
+              </a:rPr>
+              <a:t>cProfile</a:t>
+            </a:r>
+            <a:endParaRPr lang="en-GB" dirty="0"/>
+          </a:p>
+        </p:txBody>
+      </p:sp>
+      <p:sp>
+        <p:nvSpPr>
+          <p:cNvPr id="3" name="Content Placeholder 2"/>
+          <p:cNvSpPr>
+            <a:spLocks noGrp="1"/>
+          </p:cNvSpPr>
+          <p:nvPr>
+            <p:ph sz="quarter" idx="1"/>
+          </p:nvPr>
+        </p:nvSpPr>
         <p:spPr>
           <a:xfrm>
-            <a:off x="948710" y="1268760"/>
-            <a:ext cx="7295698" cy="4723871"/>
+            <a:off x="357158" y="1219200"/>
+            <a:ext cx="8572560" cy="4937760"/>
+          </a:xfrm>
+        </p:spPr>
+        <p:txBody>
+          <a:bodyPr/>
+          <a:lstStyle/>
+          <a:p>
+            <a:r>
+              <a:rPr lang="en-GB" dirty="0"/>
+              <a:t>Or save results to disk for later inspection:</a:t>
+            </a:r>
+            <a:br>
+              <a:rPr lang="en-GB" dirty="0"/>
+            </a:br>
+            <a:br>
+              <a:rPr lang="en-GB" dirty="0"/>
+            </a:br>
+            <a:endParaRPr lang="en-GB" dirty="0"/>
+          </a:p>
+          <a:p>
+            <a:r>
+              <a:rPr lang="en-GB" dirty="0"/>
+              <a:t>Explore with</a:t>
+            </a:r>
+            <a:endParaRPr lang="en-US" dirty="0"/>
+          </a:p>
+        </p:txBody>
+      </p:sp>
+      <p:sp>
+        <p:nvSpPr>
+          <p:cNvPr id="7" name="TextBox 6"/>
+          <p:cNvSpPr txBox="1"/>
+          <p:nvPr/>
+        </p:nvSpPr>
+        <p:spPr>
+          <a:xfrm>
+            <a:off x="755576" y="1700808"/>
+            <a:ext cx="8107834" cy="400110"/>
           </a:xfrm>
           <a:prstGeom prst="rect">
             <a:avLst/>
           </a:prstGeom>
+          <a:noFill/>
         </p:spPr>
-      </p:pic>
-      <p:sp>
-        <p:nvSpPr>
-          <p:cNvPr id="3" name="Date Placeholder 2"/>
+        <p:txBody>
+          <a:bodyPr wrap="square" rtlCol="0">
+            <a:spAutoFit/>
+          </a:bodyPr>
+          <a:lstStyle/>
+          <a:p>
+            <a:r>
+              <a:rPr lang="en-GB" sz="2000" dirty="0">
+                <a:latin typeface="Courier New" pitchFamily="49" charset="0"/>
+                <a:cs typeface="Courier New" pitchFamily="49" charset="0"/>
+              </a:rPr>
+              <a:t>python -m </a:t>
+            </a:r>
+            <a:r>
+              <a:rPr lang="en-GB" sz="2000" dirty="0" err="1">
+                <a:latin typeface="Courier New" pitchFamily="49" charset="0"/>
+                <a:cs typeface="Courier New" pitchFamily="49" charset="0"/>
+              </a:rPr>
+              <a:t>cProfile </a:t>
+            </a:r>
+            <a:r>
+              <a:rPr lang="en-GB" sz="2000" dirty="0">
+                <a:latin typeface="Courier New" pitchFamily="49" charset="0"/>
+                <a:cs typeface="Courier New" pitchFamily="49" charset="0"/>
+              </a:rPr>
+              <a:t>–o filename.prof myscript.py</a:t>
+            </a:r>
+            <a:endParaRPr lang="en-GB" sz="2000" dirty="0"/>
+          </a:p>
+        </p:txBody>
+      </p:sp>
+      <p:sp>
+        <p:nvSpPr>
+          <p:cNvPr id="8" name="TextBox 7"/>
+          <p:cNvSpPr txBox="1"/>
+          <p:nvPr/>
+        </p:nvSpPr>
+        <p:spPr>
+          <a:xfrm>
+            <a:off x="755576" y="2996952"/>
+            <a:ext cx="8136904" cy="1938992"/>
+          </a:xfrm>
+          <a:prstGeom prst="rect">
+            <a:avLst/>
+          </a:prstGeom>
+          <a:noFill/>
+        </p:spPr>
+        <p:txBody>
+          <a:bodyPr wrap="square" rtlCol="0">
+            <a:spAutoFit/>
+          </a:bodyPr>
+          <a:lstStyle/>
+          <a:p>
+            <a:r>
+              <a:rPr lang="en-GB" sz="2000" dirty="0">
+                <a:latin typeface="Courier New" pitchFamily="49" charset="0"/>
+                <a:cs typeface="Courier New" pitchFamily="49" charset="0"/>
+              </a:rPr>
+              <a:t>python –m </a:t>
+            </a:r>
+            <a:r>
+              <a:rPr lang="en-GB" sz="2000" dirty="0" err="1">
+                <a:latin typeface="Courier New" pitchFamily="49" charset="0"/>
+                <a:cs typeface="Courier New" pitchFamily="49" charset="0"/>
+              </a:rPr>
+              <a:t>pstats </a:t>
+            </a:r>
+            <a:r>
+              <a:rPr lang="en-GB" sz="2000" dirty="0">
+                <a:latin typeface="Courier New" pitchFamily="49" charset="0"/>
+                <a:cs typeface="Courier New" pitchFamily="49" charset="0"/>
+              </a:rPr>
+              <a:t>filename.prof</a:t>
+            </a:r>
+          </a:p>
+          <a:p>
+            <a:endParaRPr lang="en-GB" sz="2000" dirty="0">
+              <a:latin typeface="Courier New" pitchFamily="49" charset="0"/>
+              <a:cs typeface="Courier New" pitchFamily="49" charset="0"/>
+            </a:endParaRPr>
+          </a:p>
+          <a:p>
+            <a:r>
+              <a:rPr lang="en-GB" sz="2000" dirty="0">
+                <a:latin typeface="Courier New" pitchFamily="49" charset="0"/>
+                <a:cs typeface="Courier New" pitchFamily="49" charset="0"/>
+              </a:rPr>
+              <a:t>stats [n | regexp]: </a:t>
+            </a:r>
+            <a:r>
+              <a:rPr lang="en-GB" sz="2000" dirty="0">
+                <a:latin typeface="+mn-lt"/>
+                <a:cs typeface="Courier New" pitchFamily="49" charset="0"/>
+              </a:rPr>
+              <a:t>print statistics</a:t>
+            </a:r>
+          </a:p>
+          <a:p>
+            <a:r>
+              <a:rPr lang="en-GB" sz="2000" dirty="0">
+                <a:latin typeface="Courier New" pitchFamily="49" charset="0"/>
+                <a:cs typeface="Courier New" pitchFamily="49" charset="0"/>
+              </a:rPr>
+              <a:t>sort [cumulative, time, ...] : </a:t>
+            </a:r>
+            <a:r>
+              <a:rPr lang="en-GB" sz="2000" dirty="0">
+                <a:latin typeface="+mn-lt"/>
+                <a:cs typeface="Courier New" pitchFamily="49" charset="0"/>
+              </a:rPr>
+              <a:t>change sort order</a:t>
+            </a:r>
+            <a:br>
+              <a:rPr lang="en-GB" sz="2000" dirty="0">
+                <a:latin typeface="Courier New" pitchFamily="49" charset="0"/>
+                <a:cs typeface="Courier New" pitchFamily="49" charset="0"/>
+              </a:rPr>
+            </a:br>
+            <a:r>
+              <a:rPr lang="en-GB" sz="2000" dirty="0">
+                <a:latin typeface="Courier New" pitchFamily="49" charset="0"/>
+                <a:cs typeface="Courier New" pitchFamily="49" charset="0"/>
+              </a:rPr>
+              <a:t>callers [n | regexp]: </a:t>
+            </a:r>
+            <a:r>
+              <a:rPr lang="en-GB" sz="2000" dirty="0">
+                <a:latin typeface="+mn-lt"/>
+                <a:cs typeface="Courier New" pitchFamily="49" charset="0"/>
+              </a:rPr>
+              <a:t>show callers of functions</a:t>
+            </a:r>
+          </a:p>
+          <a:p>
+            <a:r>
+              <a:rPr lang="en-GB" sz="2000" dirty="0">
+                <a:latin typeface="Courier New" pitchFamily="49" charset="0"/>
+                <a:cs typeface="Courier New" pitchFamily="49" charset="0"/>
+              </a:rPr>
+              <a:t>callees [n | regexp]: </a:t>
+            </a:r>
+            <a:r>
+              <a:rPr lang="en-GB" sz="2000" dirty="0">
+                <a:latin typeface="+mn-lt"/>
+                <a:cs typeface="Courier New" pitchFamily="49" charset="0"/>
+              </a:rPr>
+              <a:t>show callees of functions</a:t>
+            </a:r>
+          </a:p>
+        </p:txBody>
+      </p:sp>
+      <p:sp>
+        <p:nvSpPr>
+          <p:cNvPr id="4" name="Date Placeholder 3"/>
           <p:cNvSpPr>
             <a:spLocks noGrp="1"/>
           </p:cNvSpPr>
@@ -9809,21 +13674,50 @@
           <a:bodyPr/>
           <a:lstStyle/>
           <a:p>
+            <a:fld id="{9477087B-A5FB-574D-92A0-69DF296797FA}" type="datetime3">
+              <a:rPr lang="en-US" smtClean="0"/>
+              <a:t>24 August 2018</a:t>
+            </a:fld>
+            <a:endParaRPr lang="en-US"/>
+          </a:p>
+        </p:txBody>
+      </p:sp>
+      <p:sp>
+        <p:nvSpPr>
+          <p:cNvPr id="5" name="Footer Placeholder 4"/>
+          <p:cNvSpPr>
+            <a:spLocks noGrp="1"/>
+          </p:cNvSpPr>
+          <p:nvPr>
+            <p:ph type="ftr" sz="quarter" idx="11"/>
+          </p:nvPr>
+        </p:nvSpPr>
+        <p:spPr/>
+        <p:txBody>
+          <a:bodyPr/>
+          <a:lstStyle/>
+          <a:p>
             <a:r>
               <a:rPr lang="en-US"/>
-              <a:t>Pietro Berkes, Sept 2018</a:t>
-            </a:r>
-          </a:p>
-        </p:txBody>
-      </p:sp>
-      <p:sp>
-        <p:nvSpPr>
-          <p:cNvPr id="7" name="Footer Placeholder 6"/>
+              <a:t>Optimizing and profiling</a:t>
+            </a:r>
+          </a:p>
+        </p:txBody>
+      </p:sp>
+      <p:sp>
+        <p:nvSpPr>
+          <p:cNvPr id="6" name="Slide Number Placeholder 5">
+            <a:extLst>
+              <a:ext uri="{FF2B5EF4-FFF2-40B4-BE49-F238E27FC236}">
+                <a16:creationId xmlns:a16="http://schemas.microsoft.com/office/drawing/2014/main" id="{5DF67309-D494-8444-9311-D977F298CBC9}"/>
+              </a:ext>
+            </a:extLst>
+          </p:cNvPr>
           <p:cNvSpPr>
             <a:spLocks noGrp="1"/>
           </p:cNvSpPr>
           <p:nvPr>
-            <p:ph type="ftr" sz="quarter" idx="11"/>
+            <p:ph type="sldNum" sz="quarter" idx="12"/>
           </p:nvPr>
         </p:nvSpPr>
         <p:spPr/>
@@ -9831,17 +13725,19 @@
           <a:bodyPr/>
           <a:lstStyle/>
           <a:p>
-            <a:r>
-              <a:rPr lang="en-US"/>
-              <a:t>Testing scientific code</a:t>
-            </a:r>
+            <a:fld id="{EF79ADEA-B933-47CC-A4E9-04E6298B917C}" type="slidenum">
+              <a:rPr lang="en-US" smtClean="0"/>
+              <a:pPr/>
+              <a:t>13</a:t>
+            </a:fld>
+            <a:endParaRPr lang="en-US"/>
           </a:p>
         </p:txBody>
       </p:sp>
     </p:spTree>
     <p:extLst>
       <p:ext uri="{BB962C8B-B14F-4D97-AF65-F5344CB8AC3E}">
-        <p14:creationId xmlns:p14="http://schemas.microsoft.com/office/powerpoint/2010/main" val="2633883575"/>
+        <p14:creationId xmlns:p14="http://schemas.microsoft.com/office/powerpoint/2010/main" val="4063644365"/>
       </p:ext>
     </p:extLst>
   </p:cSld>
@@ -9884,177 +13780,122 @@
           <a:lstStyle/>
           <a:p>
             <a:r>
+              <a:rPr lang="en-US" dirty="0" err="1"/>
+              <a:t>RunSnakeRun</a:t>
+            </a:r>
+            <a:endParaRPr lang="en-US" dirty="0"/>
+          </a:p>
+        </p:txBody>
+      </p:sp>
+      <p:sp>
+        <p:nvSpPr>
+          <p:cNvPr id="3" name="Date Placeholder 2"/>
+          <p:cNvSpPr>
+            <a:spLocks noGrp="1"/>
+          </p:cNvSpPr>
+          <p:nvPr>
+            <p:ph type="dt" sz="half" idx="10"/>
+          </p:nvPr>
+        </p:nvSpPr>
+        <p:spPr/>
+        <p:txBody>
+          <a:bodyPr/>
+          <a:lstStyle/>
+          <a:p>
+            <a:fld id="{8FD39C5B-896C-7D43-8016-FF23C4AD11F3}" type="datetime3">
+              <a:rPr lang="en-US" smtClean="0"/>
+              <a:t>24 August 2018</a:t>
+            </a:fld>
+            <a:endParaRPr lang="en-US"/>
+          </a:p>
+        </p:txBody>
+      </p:sp>
+      <p:sp>
+        <p:nvSpPr>
+          <p:cNvPr id="7" name="Footer Placeholder 6"/>
+          <p:cNvSpPr>
+            <a:spLocks noGrp="1"/>
+          </p:cNvSpPr>
+          <p:nvPr>
+            <p:ph type="ftr" sz="quarter" idx="11"/>
+          </p:nvPr>
+        </p:nvSpPr>
+        <p:spPr/>
+        <p:txBody>
+          <a:bodyPr/>
+          <a:lstStyle/>
+          <a:p>
+            <a:r>
               <a:rPr lang="en-US"/>
-              <a:t>Using callgrind</a:t>
-            </a:r>
-          </a:p>
-        </p:txBody>
-      </p:sp>
-      <p:sp>
-        <p:nvSpPr>
-          <p:cNvPr id="3" name="Content Placeholder 2"/>
-          <p:cNvSpPr>
-            <a:spLocks noGrp="1"/>
-          </p:cNvSpPr>
-          <p:nvPr>
-            <p:ph sz="quarter" idx="1"/>
-          </p:nvPr>
-        </p:nvSpPr>
+              <a:t>Optimizing and profiling</a:t>
+            </a:r>
+          </a:p>
+        </p:txBody>
+      </p:sp>
+      <p:pic>
+        <p:nvPicPr>
+          <p:cNvPr id="4" name="Picture 3">
+            <a:extLst>
+              <a:ext uri="{FF2B5EF4-FFF2-40B4-BE49-F238E27FC236}">
+                <a16:creationId xmlns:a16="http://schemas.microsoft.com/office/drawing/2014/main" id="{8783AD42-0C56-2D47-A354-01D54524D24B}"/>
+              </a:ext>
+            </a:extLst>
+          </p:cNvPr>
+          <p:cNvPicPr>
+            <a:picLocks noChangeAspect="1"/>
+          </p:cNvPicPr>
+          <p:nvPr/>
+        </p:nvPicPr>
+        <p:blipFill>
+          <a:blip r:embed="rId2"/>
+          <a:stretch>
+            <a:fillRect/>
+          </a:stretch>
+        </p:blipFill>
         <p:spPr>
           <a:xfrm>
-            <a:off x="323528" y="1219200"/>
-            <a:ext cx="8496944" cy="4937760"/>
+            <a:off x="683568" y="1412776"/>
+            <a:ext cx="7776864" cy="4415638"/>
           </a:xfrm>
+          <a:prstGeom prst="rect">
+            <a:avLst/>
+          </a:prstGeom>
         </p:spPr>
-        <p:txBody>
-          <a:bodyPr>
-            <a:normAutofit/>
-          </a:bodyPr>
-          <a:lstStyle/>
-          <a:p>
-            <a:pPr marL="0" indent="0">
-              <a:buNone/>
-            </a:pPr>
-            <a:r>
-              <a:rPr lang="en-US"/>
-              <a:t>Callgrind gives graphical representation of profiling results:</a:t>
-            </a:r>
-          </a:p>
-          <a:p>
-            <a:r>
-              <a:rPr lang="en-US"/>
-              <a:t>Run profiler:</a:t>
-            </a:r>
-            <a:br>
-              <a:rPr lang="en-US"/>
-            </a:br>
-            <a:r>
-              <a:rPr lang="en-US" sz="2000">
-                <a:latin typeface="Courier New"/>
-                <a:cs typeface="Courier New"/>
-              </a:rPr>
-              <a:t>python -m cProfile -o factorial.prof factorial.py </a:t>
-            </a:r>
-          </a:p>
-          <a:p>
-            <a:r>
-              <a:rPr lang="en-US"/>
-              <a:t>Transform results in callgrind format:</a:t>
-            </a:r>
-            <a:br>
-              <a:rPr lang="en-US"/>
-            </a:br>
-            <a:r>
-              <a:rPr lang="en-US" sz="2000">
-                <a:latin typeface="Courier New"/>
-                <a:cs typeface="Courier New"/>
-              </a:rPr>
-              <a:t>pyprof2calltree -i factorial.prof -o callgrind.out.1</a:t>
-            </a:r>
-          </a:p>
-          <a:p>
-            <a:r>
-              <a:rPr lang="en-US"/>
-              <a:t>Run callgrind:</a:t>
-            </a:r>
-            <a:br>
-              <a:rPr lang="en-US"/>
-            </a:br>
-            <a:r>
-              <a:rPr lang="en-US" sz="2000">
-                <a:latin typeface="Courier New"/>
-                <a:cs typeface="Courier New"/>
-              </a:rPr>
-              <a:t>qcallgrind callgrind.out.1</a:t>
-            </a:r>
-            <a:br>
-              <a:rPr lang="en-US" sz="2000">
-                <a:latin typeface="Courier New"/>
-                <a:cs typeface="Courier New"/>
-              </a:rPr>
-            </a:br>
-            <a:r>
-              <a:rPr lang="en-US" sz="2000">
-                <a:cs typeface="Courier New"/>
-              </a:rPr>
-              <a:t>or</a:t>
-            </a:r>
-            <a:br>
-              <a:rPr lang="en-US" sz="2000">
-                <a:latin typeface="Courier New"/>
-                <a:cs typeface="Courier New"/>
-              </a:rPr>
-            </a:br>
-            <a:r>
-              <a:rPr lang="en-US" sz="2000">
-                <a:latin typeface="Courier New"/>
-                <a:cs typeface="Courier New"/>
-              </a:rPr>
-              <a:t>kcachegrind callgrind.out.1</a:t>
-            </a:r>
-          </a:p>
-          <a:p>
-            <a:endParaRPr lang="en-US" sz="2000">
-              <a:latin typeface="Courier New"/>
-              <a:cs typeface="Courier New"/>
-            </a:endParaRPr>
-          </a:p>
-          <a:p>
-            <a:pPr marL="0" indent="0">
-              <a:buNone/>
-            </a:pPr>
+      </p:pic>
+      <p:sp>
+        <p:nvSpPr>
+          <p:cNvPr id="5" name="Slide Number Placeholder 4">
+            <a:extLst>
+              <a:ext uri="{FF2B5EF4-FFF2-40B4-BE49-F238E27FC236}">
+                <a16:creationId xmlns:a16="http://schemas.microsoft.com/office/drawing/2014/main" id="{58963129-3CAD-124F-97F8-10E8233C8981}"/>
+              </a:ext>
+            </a:extLst>
+          </p:cNvPr>
+          <p:cNvSpPr>
+            <a:spLocks noGrp="1"/>
+          </p:cNvSpPr>
+          <p:nvPr>
+            <p:ph type="sldNum" sz="quarter" idx="12"/>
+          </p:nvPr>
+        </p:nvSpPr>
+        <p:spPr/>
+        <p:txBody>
+          <a:bodyPr/>
+          <a:lstStyle/>
+          <a:p>
+            <a:fld id="{EF79ADEA-B933-47CC-A4E9-04E6298B917C}" type="slidenum">
+              <a:rPr lang="en-US" smtClean="0"/>
+              <a:pPr/>
+              <a:t>14</a:t>
+            </a:fld>
             <a:endParaRPr lang="en-US"/>
-          </a:p>
-        </p:txBody>
-      </p:sp>
-      <p:sp>
-        <p:nvSpPr>
-          <p:cNvPr id="6" name="Date Placeholder 5"/>
-          <p:cNvSpPr>
-            <a:spLocks noGrp="1"/>
-          </p:cNvSpPr>
-          <p:nvPr>
-            <p:ph type="dt" sz="half" idx="10"/>
-          </p:nvPr>
-        </p:nvSpPr>
-        <p:spPr/>
-        <p:txBody>
-          <a:bodyPr/>
-          <a:lstStyle/>
-          <a:p>
-            <a:r>
-              <a:rPr lang="en-US"/>
-              <a:t>Pietro Berkes, Sept 2018</a:t>
-            </a:r>
-          </a:p>
-        </p:txBody>
-      </p:sp>
-      <p:sp>
-        <p:nvSpPr>
-          <p:cNvPr id="7" name="Footer Placeholder 6"/>
-          <p:cNvSpPr>
-            <a:spLocks noGrp="1"/>
-          </p:cNvSpPr>
-          <p:nvPr>
-            <p:ph type="ftr" sz="quarter" idx="11"/>
-          </p:nvPr>
-        </p:nvSpPr>
-        <p:spPr/>
-        <p:txBody>
-          <a:bodyPr/>
-          <a:lstStyle/>
-          <a:p>
-            <a:r>
-              <a:rPr lang="en-US"/>
-              <a:t>Testing scientific code</a:t>
-            </a:r>
           </a:p>
         </p:txBody>
       </p:sp>
     </p:spTree>
     <p:extLst>
       <p:ext uri="{BB962C8B-B14F-4D97-AF65-F5344CB8AC3E}">
-        <p14:creationId xmlns:p14="http://schemas.microsoft.com/office/powerpoint/2010/main" val="1942706288"/>
+        <p14:creationId xmlns:p14="http://schemas.microsoft.com/office/powerpoint/2010/main" val="2633883575"/>
       </p:ext>
     </p:extLst>
   </p:cSld>
@@ -10097,9 +13938,14 @@
           <a:lstStyle/>
           <a:p>
             <a:r>
-              <a:rPr lang="en-US"/>
-              <a:t>Hands-on</a:t>
-            </a:r>
+              <a:rPr lang="en-US" dirty="0"/>
+              <a:t>Using </a:t>
+            </a:r>
+            <a:r>
+              <a:rPr lang="en-US" dirty="0" err="1"/>
+              <a:t>RunSnakeRun</a:t>
+            </a:r>
+            <a:endParaRPr lang="en-US" dirty="0"/>
           </a:p>
         </p:txBody>
       </p:sp>
@@ -10113,70 +13959,195 @@
             <p:ph sz="quarter" idx="1"/>
           </p:nvPr>
         </p:nvSpPr>
-        <p:spPr/>
-        <p:txBody>
-          <a:bodyPr/>
-          <a:lstStyle/>
-          <a:p>
-            <a:r>
-              <a:rPr lang="en-US"/>
-              <a:t>Make sure you can profile and run cachegrind</a:t>
-            </a:r>
-          </a:p>
-          <a:p>
-            <a:r>
-              <a:rPr lang="en-US"/>
-              <a:t>Optimize the </a:t>
-            </a:r>
-            <a:r>
-              <a:rPr lang="en-US">
+        <p:spPr>
+          <a:xfrm>
+            <a:off x="323528" y="1219200"/>
+            <a:ext cx="8496944" cy="4937760"/>
+          </a:xfrm>
+        </p:spPr>
+        <p:txBody>
+          <a:bodyPr>
+            <a:normAutofit/>
+          </a:bodyPr>
+          <a:lstStyle/>
+          <a:p>
+            <a:pPr marL="0" indent="0">
+              <a:buNone/>
+            </a:pPr>
+            <a:r>
+              <a:rPr lang="en-US" dirty="0" err="1"/>
+              <a:t>RunSnakeRun</a:t>
+            </a:r>
+            <a:r>
+              <a:rPr lang="en-US" dirty="0"/>
+              <a:t> gives a graphical representation of profiling results:</a:t>
+            </a:r>
+          </a:p>
+          <a:p>
+            <a:r>
+              <a:rPr lang="en-US" dirty="0"/>
+              <a:t>Run profiler:</a:t>
+            </a:r>
+            <a:br>
+              <a:rPr lang="en-US" dirty="0"/>
+            </a:br>
+            <a:r>
+              <a:rPr lang="en-US" sz="2000" dirty="0">
+                <a:latin typeface="Courier New"/>
+                <a:cs typeface="Courier New"/>
+              </a:rPr>
+              <a:t>python -m </a:t>
+            </a:r>
+            <a:r>
+              <a:rPr lang="en-US" sz="2000" dirty="0" err="1">
+                <a:latin typeface="Courier New"/>
+                <a:cs typeface="Courier New"/>
+              </a:rPr>
+              <a:t>cProfile</a:t>
+            </a:r>
+            <a:r>
+              <a:rPr lang="en-US" sz="2000" dirty="0">
+                <a:latin typeface="Courier New"/>
+                <a:cs typeface="Courier New"/>
+              </a:rPr>
+              <a:t> -o </a:t>
+            </a:r>
+            <a:r>
+              <a:rPr lang="en-US" sz="2000" dirty="0" err="1">
+                <a:latin typeface="Courier New"/>
+                <a:cs typeface="Courier New"/>
+              </a:rPr>
+              <a:t>factorial.prof</a:t>
+            </a:r>
+            <a:r>
+              <a:rPr lang="en-US" sz="2000" dirty="0">
+                <a:latin typeface="Courier New"/>
+                <a:cs typeface="Courier New"/>
+              </a:rPr>
+              <a:t> </a:t>
+            </a:r>
+            <a:r>
+              <a:rPr lang="en-US" sz="2000" dirty="0" err="1">
+                <a:latin typeface="Courier New"/>
+                <a:cs typeface="Courier New"/>
+              </a:rPr>
+              <a:t>factorial.py</a:t>
+            </a:r>
+            <a:r>
+              <a:rPr lang="en-US" sz="2000" dirty="0">
+                <a:latin typeface="Courier New"/>
+                <a:cs typeface="Courier New"/>
+              </a:rPr>
+              <a:t> </a:t>
+            </a:r>
+          </a:p>
+          <a:p>
+            <a:r>
+              <a:rPr lang="en-US" dirty="0"/>
+              <a:t>Run </a:t>
+            </a:r>
+            <a:r>
+              <a:rPr lang="en-US" dirty="0" err="1"/>
+              <a:t>RunSnakeRun</a:t>
+            </a:r>
+            <a:r>
+              <a:rPr lang="en-US" dirty="0"/>
+              <a:t>: </a:t>
+            </a:r>
+            <a:r>
+              <a:rPr lang="en-US" sz="2000" dirty="0">
+                <a:latin typeface="Courier New"/>
+                <a:cs typeface="Courier New"/>
+              </a:rPr>
+              <a:t>.</a:t>
+            </a:r>
+            <a:br>
+              <a:rPr lang="en-US" sz="2000" dirty="0">
+                <a:latin typeface="Courier New"/>
+                <a:cs typeface="Courier New"/>
+              </a:rPr>
+            </a:br>
+            <a:r>
+              <a:rPr lang="en-US" sz="2000" dirty="0" err="1">
+                <a:latin typeface="Courier New" panose="02070309020205020404" pitchFamily="49" charset="0"/>
+                <a:cs typeface="Courier New" panose="02070309020205020404" pitchFamily="49" charset="0"/>
+              </a:rPr>
+              <a:t>runsnake</a:t>
+            </a:r>
+            <a:r>
+              <a:rPr lang="en-US" sz="2000" dirty="0">
+                <a:latin typeface="Courier New" panose="02070309020205020404" pitchFamily="49" charset="0"/>
+                <a:cs typeface="Courier New" panose="02070309020205020404" pitchFamily="49" charset="0"/>
+              </a:rPr>
+              <a:t> </a:t>
+            </a:r>
+            <a:r>
+              <a:rPr lang="en-US" sz="2000" dirty="0" err="1">
                 <a:latin typeface="Courier New"/>
                 <a:cs typeface="Courier New"/>
               </a:rPr>
               <a:t>factorial</a:t>
             </a:r>
             <a:r>
-              <a:rPr lang="en-US"/>
-              <a:t> funciton</a:t>
-            </a:r>
-          </a:p>
-          <a:p>
-            <a:pPr lvl="1"/>
-            <a:r>
-              <a:rPr lang="en-US"/>
-              <a:t>Modify the code</a:t>
-            </a:r>
-          </a:p>
-          <a:p>
-            <a:pPr lvl="1"/>
-            <a:r>
-              <a:rPr lang="en-US"/>
-              <a:t>Run tests to make sure it still works</a:t>
-            </a:r>
-          </a:p>
-          <a:p>
-            <a:pPr lvl="1"/>
-            <a:r>
-              <a:rPr lang="en-US"/>
-              <a:t>Profile and measure progress</a:t>
-            </a:r>
-          </a:p>
-          <a:p>
-            <a:pPr marL="274320" lvl="1" indent="0">
+              <a:rPr lang="en-US" sz="2000" dirty="0" err="1">
+                <a:latin typeface="Courier New" panose="02070309020205020404" pitchFamily="49" charset="0"/>
+                <a:cs typeface="Courier New" panose="02070309020205020404" pitchFamily="49" charset="0"/>
+              </a:rPr>
+              <a:t>.prof</a:t>
+            </a:r>
+            <a:endParaRPr lang="en-US" sz="2000" dirty="0">
+              <a:latin typeface="Courier New" panose="02070309020205020404" pitchFamily="49" charset="0"/>
+              <a:cs typeface="Courier New" panose="02070309020205020404" pitchFamily="49" charset="0"/>
+            </a:endParaRPr>
+          </a:p>
+          <a:p>
+            <a:pPr marL="0" indent="0">
               <a:buNone/>
             </a:pPr>
+            <a:endParaRPr lang="en-US" sz="2000" dirty="0">
+              <a:latin typeface="Courier New"/>
+              <a:cs typeface="Courier New"/>
+            </a:endParaRPr>
+          </a:p>
+          <a:p>
+            <a:pPr marL="0" indent="0">
+              <a:buNone/>
+            </a:pPr>
+            <a:endParaRPr lang="en-US" dirty="0"/>
+          </a:p>
+        </p:txBody>
+      </p:sp>
+      <p:sp>
+        <p:nvSpPr>
+          <p:cNvPr id="6" name="Date Placeholder 5"/>
+          <p:cNvSpPr>
+            <a:spLocks noGrp="1"/>
+          </p:cNvSpPr>
+          <p:nvPr>
+            <p:ph type="dt" sz="half" idx="10"/>
+          </p:nvPr>
+        </p:nvSpPr>
+        <p:spPr/>
+        <p:txBody>
+          <a:bodyPr/>
+          <a:lstStyle/>
+          <a:p>
+            <a:fld id="{42341848-F6EB-C74F-A8D6-CBBD13848CF2}" type="datetime3">
+              <a:rPr lang="en-US" smtClean="0"/>
+              <a:t>24 August 2018</a:t>
+            </a:fld>
             <a:endParaRPr lang="en-US"/>
           </a:p>
         </p:txBody>
       </p:sp>
       <p:sp>
         <p:nvSpPr>
-          <p:cNvPr id="6" name="Date Placeholder 5"/>
+          <p:cNvPr id="7" name="Footer Placeholder 6"/>
           <p:cNvSpPr>
             <a:spLocks noGrp="1"/>
           </p:cNvSpPr>
           <p:nvPr>
-            <p:ph type="dt" sz="half" idx="10"/>
+            <p:ph type="ftr" sz="quarter" idx="11"/>
           </p:nvPr>
         </p:nvSpPr>
         <p:spPr/>
@@ -10186,19 +14157,25 @@
           <a:p>
             <a:r>
               <a:rPr lang="en-US"/>
-              <a:t>Pietro Berkes, Sept 2018</a:t>
-            </a:r>
-          </a:p>
-        </p:txBody>
-      </p:sp>
-      <p:sp>
-        <p:nvSpPr>
-          <p:cNvPr id="7" name="Footer Placeholder 6"/>
+              <a:t>Optimizing and profiling</a:t>
+            </a:r>
+          </a:p>
+        </p:txBody>
+      </p:sp>
+      <p:sp>
+        <p:nvSpPr>
+          <p:cNvPr id="4" name="Slide Number Placeholder 3">
+            <a:extLst>
+              <a:ext uri="{FF2B5EF4-FFF2-40B4-BE49-F238E27FC236}">
+                <a16:creationId xmlns:a16="http://schemas.microsoft.com/office/drawing/2014/main" id="{12B000B2-3599-9C48-8132-29B95F534822}"/>
+              </a:ext>
+            </a:extLst>
+          </p:cNvPr>
           <p:cNvSpPr>
             <a:spLocks noGrp="1"/>
           </p:cNvSpPr>
           <p:nvPr>
-            <p:ph type="ftr" sz="quarter" idx="11"/>
+            <p:ph type="sldNum" sz="quarter" idx="12"/>
           </p:nvPr>
         </p:nvSpPr>
         <p:spPr/>
@@ -10206,17 +14183,19 @@
           <a:bodyPr/>
           <a:lstStyle/>
           <a:p>
-            <a:r>
-              <a:rPr lang="en-US"/>
-              <a:t>Testing scientific code</a:t>
-            </a:r>
+            <a:fld id="{EF79ADEA-B933-47CC-A4E9-04E6298B917C}" type="slidenum">
+              <a:rPr lang="en-US" smtClean="0"/>
+              <a:pPr/>
+              <a:t>15</a:t>
+            </a:fld>
+            <a:endParaRPr lang="en-US"/>
           </a:p>
         </p:txBody>
       </p:sp>
     </p:spTree>
     <p:extLst>
       <p:ext uri="{BB962C8B-B14F-4D97-AF65-F5344CB8AC3E}">
-        <p14:creationId xmlns:p14="http://schemas.microsoft.com/office/powerpoint/2010/main" val="2502568403"/>
+        <p14:creationId xmlns:p14="http://schemas.microsoft.com/office/powerpoint/2010/main" val="1942706288"/>
       </p:ext>
     </p:extLst>
   </p:cSld>
@@ -10260,7 +14239,7 @@
           <a:p>
             <a:r>
               <a:rPr lang="en-US"/>
-              <a:t>Fine-grained profiling: kernprof</a:t>
+              <a:t>Hands-on</a:t>
             </a:r>
           </a:p>
         </p:txBody>
@@ -10281,53 +14260,134 @@
           <a:lstStyle/>
           <a:p>
             <a:r>
-              <a:rPr lang="en-US"/>
-              <a:t>You can profile a subset of all functions by decorating them with </a:t>
-            </a:r>
-            <a:r>
-              <a:rPr lang="en-US">
+              <a:rPr lang="en-US" dirty="0"/>
+              <a:t>Make sure you can profile </a:t>
+            </a:r>
+            <a:r>
+              <a:rPr lang="en-US" dirty="0">
                 <a:latin typeface="Courier New"/>
                 <a:cs typeface="Courier New"/>
               </a:rPr>
-              <a:t>@profile</a:t>
-            </a:r>
-            <a:br>
-              <a:rPr lang="en-US"/>
-            </a:br>
-            <a:r>
-              <a:rPr lang="en-US">
+              <a:t>factorial </a:t>
+            </a:r>
+            <a:r>
+              <a:rPr lang="en-US" dirty="0"/>
+              <a:t>and run </a:t>
+            </a:r>
+            <a:r>
+              <a:rPr lang="en-US" dirty="0" err="1"/>
+              <a:t>RunSnakeRun</a:t>
+            </a:r>
+            <a:r>
+              <a:rPr lang="en-US" dirty="0"/>
+              <a:t> on the result</a:t>
+            </a:r>
+          </a:p>
+          <a:p>
+            <a:r>
+              <a:rPr lang="en-US" dirty="0"/>
+              <a:t>Optimize the </a:t>
+            </a:r>
+            <a:r>
+              <a:rPr lang="en-US" dirty="0">
                 <a:latin typeface="Courier New"/>
                 <a:cs typeface="Courier New"/>
               </a:rPr>
-              <a:t>kernprof –b -v factorial.py</a:t>
-            </a:r>
-          </a:p>
+              <a:t>factorial</a:t>
+            </a:r>
+            <a:r>
+              <a:rPr lang="en-US" dirty="0"/>
+              <a:t> function</a:t>
+            </a:r>
+          </a:p>
+          <a:p>
+            <a:pPr lvl="1"/>
+            <a:r>
+              <a:rPr lang="en-US" dirty="0"/>
+              <a:t>Modify the code</a:t>
+            </a:r>
+          </a:p>
+          <a:p>
+            <a:pPr lvl="1"/>
+            <a:r>
+              <a:rPr lang="en-US" dirty="0"/>
+              <a:t>Run tests to make sure it still works</a:t>
+            </a:r>
+          </a:p>
+          <a:p>
+            <a:pPr lvl="1"/>
+            <a:r>
+              <a:rPr lang="en-US" dirty="0"/>
+              <a:t>Profile and measure progress</a:t>
+            </a:r>
+          </a:p>
+          <a:p>
+            <a:pPr marL="274320" lvl="1" indent="0">
+              <a:buNone/>
+            </a:pPr>
+            <a:endParaRPr lang="en-US" dirty="0"/>
+          </a:p>
+        </p:txBody>
+      </p:sp>
+      <p:sp>
+        <p:nvSpPr>
+          <p:cNvPr id="6" name="Date Placeholder 5"/>
+          <p:cNvSpPr>
+            <a:spLocks noGrp="1"/>
+          </p:cNvSpPr>
+          <p:nvPr>
+            <p:ph type="dt" sz="half" idx="10"/>
+          </p:nvPr>
+        </p:nvSpPr>
+        <p:spPr/>
+        <p:txBody>
+          <a:bodyPr/>
+          <a:lstStyle/>
+          <a:p>
+            <a:fld id="{A4F010E1-36E3-FB44-B652-7EC8E0792939}" type="datetime3">
+              <a:rPr lang="en-US" smtClean="0"/>
+              <a:t>24 August 2018</a:t>
+            </a:fld>
+            <a:endParaRPr lang="en-US"/>
+          </a:p>
+        </p:txBody>
+      </p:sp>
+      <p:sp>
+        <p:nvSpPr>
+          <p:cNvPr id="7" name="Footer Placeholder 6"/>
+          <p:cNvSpPr>
+            <a:spLocks noGrp="1"/>
+          </p:cNvSpPr>
+          <p:nvPr>
+            <p:ph type="ftr" sz="quarter" idx="11"/>
+          </p:nvPr>
+        </p:nvSpPr>
+        <p:spPr/>
+        <p:txBody>
+          <a:bodyPr/>
+          <a:lstStyle/>
           <a:p>
             <a:r>
               <a:rPr lang="en-US"/>
-              <a:t>Line-by-line profiling</a:t>
-            </a:r>
-            <a:br>
-              <a:rPr lang="en-US"/>
-            </a:br>
-            <a:r>
-              <a:rPr lang="en-US">
-                <a:latin typeface="Courier New"/>
-                <a:cs typeface="Courier New"/>
-              </a:rPr>
-              <a:t>kernprof -b -l -v factorial.py</a:t>
-            </a:r>
-          </a:p>
-        </p:txBody>
-      </p:sp>
-      <p:sp>
-        <p:nvSpPr>
-          <p:cNvPr id="6" name="Date Placeholder 5"/>
+              <a:t>Optimizing and profiling</a:t>
+            </a:r>
+          </a:p>
+        </p:txBody>
+      </p:sp>
+      <p:sp>
+        <p:nvSpPr>
+          <p:cNvPr id="4" name="Slide Number Placeholder 3">
+            <a:extLst>
+              <a:ext uri="{FF2B5EF4-FFF2-40B4-BE49-F238E27FC236}">
+                <a16:creationId xmlns:a16="http://schemas.microsoft.com/office/drawing/2014/main" id="{3ED85BE2-F930-CA4C-9197-B2FE31C4630C}"/>
+              </a:ext>
+            </a:extLst>
+          </p:cNvPr>
           <p:cNvSpPr>
             <a:spLocks noGrp="1"/>
           </p:cNvSpPr>
           <p:nvPr>
-            <p:ph type="dt" sz="half" idx="10"/>
+            <p:ph type="sldNum" sz="quarter" idx="12"/>
           </p:nvPr>
         </p:nvSpPr>
         <p:spPr/>
@@ -10335,39 +14395,19 @@
           <a:bodyPr/>
           <a:lstStyle/>
           <a:p>
-            <a:r>
-              <a:rPr lang="en-US"/>
-              <a:t>Pietro Berkes, Sept 2018</a:t>
-            </a:r>
-          </a:p>
-        </p:txBody>
-      </p:sp>
-      <p:sp>
-        <p:nvSpPr>
-          <p:cNvPr id="7" name="Footer Placeholder 6"/>
-          <p:cNvSpPr>
-            <a:spLocks noGrp="1"/>
-          </p:cNvSpPr>
-          <p:nvPr>
-            <p:ph type="ftr" sz="quarter" idx="11"/>
-          </p:nvPr>
-        </p:nvSpPr>
-        <p:spPr/>
-        <p:txBody>
-          <a:bodyPr/>
-          <a:lstStyle/>
-          <a:p>
-            <a:r>
-              <a:rPr lang="en-US"/>
-              <a:t>Testing scientific code</a:t>
-            </a:r>
+            <a:fld id="{EF79ADEA-B933-47CC-A4E9-04E6298B917C}" type="slidenum">
+              <a:rPr lang="en-US" smtClean="0"/>
+              <a:pPr/>
+              <a:t>16</a:t>
+            </a:fld>
+            <a:endParaRPr lang="en-US"/>
           </a:p>
         </p:txBody>
       </p:sp>
     </p:spTree>
     <p:extLst>
       <p:ext uri="{BB962C8B-B14F-4D97-AF65-F5344CB8AC3E}">
-        <p14:creationId xmlns:p14="http://schemas.microsoft.com/office/powerpoint/2010/main" val="2331284151"/>
+        <p14:creationId xmlns:p14="http://schemas.microsoft.com/office/powerpoint/2010/main" val="2502568403"/>
       </p:ext>
     </p:extLst>
   </p:cSld>
@@ -10411,7 +14451,7 @@
           <a:p>
             <a:r>
               <a:rPr lang="en-US"/>
-              <a:t>No safety net!</a:t>
+              <a:t>Fine-grained profiling: kernprof</a:t>
             </a:r>
           </a:p>
         </p:txBody>
@@ -10432,20 +14472,140 @@
           <a:lstStyle/>
           <a:p>
             <a:r>
+              <a:rPr lang="en-US" dirty="0"/>
+              <a:t>You can profile a subset of all functions by decorating them with </a:t>
+            </a:r>
+            <a:r>
+              <a:rPr lang="en-US" dirty="0">
+                <a:latin typeface="Courier New"/>
+                <a:cs typeface="Courier New"/>
+              </a:rPr>
+              <a:t>@profile</a:t>
+            </a:r>
+            <a:br>
+              <a:rPr lang="en-US" dirty="0"/>
+            </a:br>
+            <a:r>
+              <a:rPr lang="en-US" dirty="0" err="1">
+                <a:latin typeface="Courier New"/>
+                <a:cs typeface="Courier New"/>
+              </a:rPr>
+              <a:t>kernprof</a:t>
+            </a:r>
+            <a:r>
+              <a:rPr lang="en-US" dirty="0">
+                <a:latin typeface="Courier New"/>
+                <a:cs typeface="Courier New"/>
+              </a:rPr>
+              <a:t> –b -v </a:t>
+            </a:r>
+            <a:r>
+              <a:rPr lang="en-US" dirty="0" err="1">
+                <a:latin typeface="Courier New"/>
+                <a:cs typeface="Courier New"/>
+              </a:rPr>
+              <a:t>factorial.py</a:t>
+            </a:r>
+            <a:endParaRPr lang="en-US" dirty="0">
+              <a:latin typeface="Courier New"/>
+              <a:cs typeface="Courier New"/>
+            </a:endParaRPr>
+          </a:p>
+          <a:p>
+            <a:r>
+              <a:rPr lang="en-US" dirty="0"/>
+              <a:t>Line-by-line profiling</a:t>
+            </a:r>
+            <a:br>
+              <a:rPr lang="en-US" dirty="0"/>
+            </a:br>
+            <a:r>
+              <a:rPr lang="en-US" dirty="0" err="1">
+                <a:latin typeface="Courier New"/>
+                <a:cs typeface="Courier New"/>
+              </a:rPr>
+              <a:t>kernprof</a:t>
+            </a:r>
+            <a:r>
+              <a:rPr lang="en-US" dirty="0">
+                <a:latin typeface="Courier New"/>
+                <a:cs typeface="Courier New"/>
+              </a:rPr>
+              <a:t> -b -l -v </a:t>
+            </a:r>
+            <a:r>
+              <a:rPr lang="en-US" dirty="0" err="1">
+                <a:latin typeface="Courier New"/>
+                <a:cs typeface="Courier New"/>
+              </a:rPr>
+              <a:t>factorial.py</a:t>
+            </a:r>
+            <a:endParaRPr lang="en-US" dirty="0">
+              <a:latin typeface="Courier New"/>
+              <a:cs typeface="Courier New"/>
+            </a:endParaRPr>
+          </a:p>
+        </p:txBody>
+      </p:sp>
+      <p:sp>
+        <p:nvSpPr>
+          <p:cNvPr id="6" name="Date Placeholder 5"/>
+          <p:cNvSpPr>
+            <a:spLocks noGrp="1"/>
+          </p:cNvSpPr>
+          <p:nvPr>
+            <p:ph type="dt" sz="half" idx="10"/>
+          </p:nvPr>
+        </p:nvSpPr>
+        <p:spPr/>
+        <p:txBody>
+          <a:bodyPr/>
+          <a:lstStyle/>
+          <a:p>
+            <a:fld id="{7A1860F8-1B81-684F-B51C-602552DFF6EC}" type="datetime3">
+              <a:rPr lang="en-US" smtClean="0"/>
+              <a:t>24 August 2018</a:t>
+            </a:fld>
+            <a:endParaRPr lang="en-US"/>
+          </a:p>
+        </p:txBody>
+      </p:sp>
+      <p:sp>
+        <p:nvSpPr>
+          <p:cNvPr id="7" name="Footer Placeholder 6"/>
+          <p:cNvSpPr>
+            <a:spLocks noGrp="1"/>
+          </p:cNvSpPr>
+          <p:nvPr>
+            <p:ph type="ftr" sz="quarter" idx="11"/>
+          </p:nvPr>
+        </p:nvSpPr>
+        <p:spPr/>
+        <p:txBody>
+          <a:bodyPr/>
+          <a:lstStyle/>
+          <a:p>
+            <a:r>
               <a:rPr lang="en-US"/>
-              <a:t>Optimization of contributed code (or residuals)</a:t>
-            </a:r>
-          </a:p>
-        </p:txBody>
-      </p:sp>
-      <p:sp>
-        <p:nvSpPr>
-          <p:cNvPr id="6" name="Date Placeholder 5"/>
+              <a:t>Optimizing and profiling</a:t>
+            </a:r>
+          </a:p>
+        </p:txBody>
+      </p:sp>
+      <p:sp>
+        <p:nvSpPr>
+          <p:cNvPr id="4" name="Slide Number Placeholder 3">
+            <a:extLst>
+              <a:ext uri="{FF2B5EF4-FFF2-40B4-BE49-F238E27FC236}">
+                <a16:creationId xmlns:a16="http://schemas.microsoft.com/office/drawing/2014/main" id="{0E7A6894-60A7-FF49-A18E-115E6D99D219}"/>
+              </a:ext>
+            </a:extLst>
+          </p:cNvPr>
           <p:cNvSpPr>
             <a:spLocks noGrp="1"/>
           </p:cNvSpPr>
           <p:nvPr>
-            <p:ph type="dt" sz="half" idx="10"/>
+            <p:ph type="sldNum" sz="quarter" idx="12"/>
           </p:nvPr>
         </p:nvSpPr>
         <p:spPr/>
@@ -10453,39 +14613,19 @@
           <a:bodyPr/>
           <a:lstStyle/>
           <a:p>
-            <a:r>
-              <a:rPr lang="en-US"/>
-              <a:t>Pietro Berkes, Sept 2018</a:t>
-            </a:r>
-          </a:p>
-        </p:txBody>
-      </p:sp>
-      <p:sp>
-        <p:nvSpPr>
-          <p:cNvPr id="7" name="Footer Placeholder 6"/>
-          <p:cNvSpPr>
-            <a:spLocks noGrp="1"/>
-          </p:cNvSpPr>
-          <p:nvPr>
-            <p:ph type="ftr" sz="quarter" idx="11"/>
-          </p:nvPr>
-        </p:nvSpPr>
-        <p:spPr/>
-        <p:txBody>
-          <a:bodyPr/>
-          <a:lstStyle/>
-          <a:p>
-            <a:r>
-              <a:rPr lang="en-US"/>
-              <a:t>Testing scientific code</a:t>
-            </a:r>
+            <a:fld id="{EF79ADEA-B933-47CC-A4E9-04E6298B917C}" type="slidenum">
+              <a:rPr lang="en-US" smtClean="0"/>
+              <a:pPr/>
+              <a:t>17</a:t>
+            </a:fld>
+            <a:endParaRPr lang="en-US"/>
           </a:p>
         </p:txBody>
       </p:sp>
     </p:spTree>
     <p:extLst>
       <p:ext uri="{BB962C8B-B14F-4D97-AF65-F5344CB8AC3E}">
-        <p14:creationId xmlns:p14="http://schemas.microsoft.com/office/powerpoint/2010/main" val="4068521431"/>
+        <p14:creationId xmlns:p14="http://schemas.microsoft.com/office/powerpoint/2010/main" val="2331284151"/>
       </p:ext>
     </p:extLst>
   </p:cSld>
@@ -10528,8 +14668,8 @@
           <a:lstStyle/>
           <a:p>
             <a:r>
-              <a:rPr lang="en-GB" dirty="0"/>
-              <a:t>Final thoughts</a:t>
+              <a:rPr lang="en-US" dirty="0"/>
+              <a:t>Hands-on: </a:t>
             </a:r>
           </a:p>
         </p:txBody>
@@ -10546,33 +14686,55 @@
         </p:nvSpPr>
         <p:spPr/>
         <p:txBody>
-          <a:bodyPr>
-            <a:normAutofit/>
-          </a:bodyPr>
-          <a:lstStyle/>
-          <a:p>
-            <a:r>
-              <a:rPr lang="en-GB" dirty="0"/>
-              <a:t>Good programming practices, with testing in the front line, will help you becoming confident about your results, and efficient at navigating your research project</a:t>
-            </a:r>
-          </a:p>
-          <a:p>
-            <a:endParaRPr lang="en-GB" dirty="0"/>
-          </a:p>
+          <a:bodyPr/>
+          <a:lstStyle/>
           <a:p>
             <a:r>
               <a:rPr lang="en-US" dirty="0"/>
-              <a:t>For maximum efficiency, check out how these tools can be integrated with your editor / IDE</a:t>
-            </a:r>
-          </a:p>
-          <a:p>
-            <a:endParaRPr lang="en-GB" dirty="0"/>
-          </a:p>
-        </p:txBody>
-      </p:sp>
-      <p:sp>
-        <p:nvSpPr>
-          <p:cNvPr id="5" name="Date Placeholder 4"/>
+              <a:t>Optimize an object counter for microscopic images</a:t>
+            </a:r>
+            <a:br>
+              <a:rPr lang="en-US" dirty="0"/>
+            </a:br>
+            <a:r>
+              <a:rPr lang="en-US" sz="2000" dirty="0" err="1">
+                <a:latin typeface="Courier New" panose="02070309020205020404" pitchFamily="49" charset="0"/>
+                <a:cs typeface="Courier New" panose="02070309020205020404" pitchFamily="49" charset="0"/>
+              </a:rPr>
+              <a:t>hands_on</a:t>
+            </a:r>
+            <a:r>
+              <a:rPr lang="en-US" sz="2000" dirty="0">
+                <a:latin typeface="Courier New" panose="02070309020205020404" pitchFamily="49" charset="0"/>
+                <a:cs typeface="Courier New" panose="02070309020205020404" pitchFamily="49" charset="0"/>
+              </a:rPr>
+              <a:t>/micro</a:t>
+            </a:r>
+            <a:endParaRPr lang="en-US" dirty="0">
+              <a:latin typeface="Courier New" panose="02070309020205020404" pitchFamily="49" charset="0"/>
+              <a:cs typeface="Courier New" panose="02070309020205020404" pitchFamily="49" charset="0"/>
+            </a:endParaRPr>
+          </a:p>
+          <a:p>
+            <a:endParaRPr lang="en-US" dirty="0">
+              <a:latin typeface="Courier New" panose="02070309020205020404" pitchFamily="49" charset="0"/>
+              <a:cs typeface="Courier New" panose="02070309020205020404" pitchFamily="49" charset="0"/>
+            </a:endParaRPr>
+          </a:p>
+          <a:p>
+            <a:pPr marL="0" indent="0">
+              <a:buNone/>
+            </a:pPr>
+            <a:endParaRPr lang="en-US" dirty="0">
+              <a:latin typeface="Courier New" panose="02070309020205020404" pitchFamily="49" charset="0"/>
+              <a:cs typeface="Courier New" panose="02070309020205020404" pitchFamily="49" charset="0"/>
+            </a:endParaRPr>
+          </a:p>
+        </p:txBody>
+      </p:sp>
+      <p:sp>
+        <p:nvSpPr>
+          <p:cNvPr id="6" name="Date Placeholder 5"/>
           <p:cNvSpPr>
             <a:spLocks noGrp="1"/>
           </p:cNvSpPr>
@@ -10585,21 +14747,50 @@
           <a:bodyPr/>
           <a:lstStyle/>
           <a:p>
+            <a:fld id="{01915FF6-898C-CD45-B47B-A398848BBBF4}" type="datetime3">
+              <a:rPr lang="en-US" smtClean="0"/>
+              <a:t>24 August 2018</a:t>
+            </a:fld>
+            <a:endParaRPr lang="en-US"/>
+          </a:p>
+        </p:txBody>
+      </p:sp>
+      <p:sp>
+        <p:nvSpPr>
+          <p:cNvPr id="7" name="Footer Placeholder 6"/>
+          <p:cNvSpPr>
+            <a:spLocks noGrp="1"/>
+          </p:cNvSpPr>
+          <p:nvPr>
+            <p:ph type="ftr" sz="quarter" idx="11"/>
+          </p:nvPr>
+        </p:nvSpPr>
+        <p:spPr/>
+        <p:txBody>
+          <a:bodyPr/>
+          <a:lstStyle/>
+          <a:p>
             <a:r>
               <a:rPr lang="en-US"/>
-              <a:t>Pietro Berkes, Sept 2018</a:t>
-            </a:r>
-          </a:p>
-        </p:txBody>
-      </p:sp>
-      <p:sp>
-        <p:nvSpPr>
-          <p:cNvPr id="6" name="Footer Placeholder 5"/>
+              <a:t>Optimizing and profiling</a:t>
+            </a:r>
+          </a:p>
+        </p:txBody>
+      </p:sp>
+      <p:sp>
+        <p:nvSpPr>
+          <p:cNvPr id="4" name="Slide Number Placeholder 3">
+            <a:extLst>
+              <a:ext uri="{FF2B5EF4-FFF2-40B4-BE49-F238E27FC236}">
+                <a16:creationId xmlns:a16="http://schemas.microsoft.com/office/drawing/2014/main" id="{7939C601-C43A-9E42-BEC7-ABD84C1F727D}"/>
+              </a:ext>
+            </a:extLst>
+          </p:cNvPr>
           <p:cNvSpPr>
             <a:spLocks noGrp="1"/>
           </p:cNvSpPr>
           <p:nvPr>
-            <p:ph type="ftr" sz="quarter" idx="11"/>
+            <p:ph type="sldNum" sz="quarter" idx="12"/>
           </p:nvPr>
         </p:nvSpPr>
         <p:spPr/>
@@ -10607,17 +14798,19 @@
           <a:bodyPr/>
           <a:lstStyle/>
           <a:p>
-            <a:r>
-              <a:rPr lang="en-US"/>
-              <a:t>Testing scientific code</a:t>
-            </a:r>
+            <a:fld id="{EF79ADEA-B933-47CC-A4E9-04E6298B917C}" type="slidenum">
+              <a:rPr lang="en-US" smtClean="0"/>
+              <a:pPr/>
+              <a:t>18</a:t>
+            </a:fld>
+            <a:endParaRPr lang="en-US"/>
           </a:p>
         </p:txBody>
       </p:sp>
     </p:spTree>
     <p:extLst>
       <p:ext uri="{BB962C8B-B14F-4D97-AF65-F5344CB8AC3E}">
-        <p14:creationId xmlns:p14="http://schemas.microsoft.com/office/powerpoint/2010/main" val="1969738961"/>
+        <p14:creationId xmlns:p14="http://schemas.microsoft.com/office/powerpoint/2010/main" val="4068521431"/>
       </p:ext>
     </p:extLst>
   </p:cSld>
@@ -10661,14 +14854,14 @@
           <a:p>
             <a:r>
               <a:rPr lang="en-GB" dirty="0"/>
-              <a:t>The End</a:t>
-            </a:r>
-          </a:p>
-        </p:txBody>
-      </p:sp>
-      <p:sp>
-        <p:nvSpPr>
-          <p:cNvPr id="5" name="Content Placeholder 4"/>
+              <a:t>Recap</a:t>
+            </a:r>
+          </a:p>
+        </p:txBody>
+      </p:sp>
+      <p:sp>
+        <p:nvSpPr>
+          <p:cNvPr id="3" name="Content Placeholder 2"/>
           <p:cNvSpPr>
             <a:spLocks noGrp="1"/>
           </p:cNvSpPr>
@@ -10678,24 +14871,89 @@
         </p:nvSpPr>
         <p:spPr/>
         <p:txBody>
+          <a:bodyPr>
+            <a:normAutofit/>
+          </a:bodyPr>
+          <a:lstStyle/>
+          <a:p>
+            <a:r>
+              <a:rPr lang="en-GB" dirty="0"/>
+              <a:t>Keep your options open by optimizing only as needed!</a:t>
+            </a:r>
+          </a:p>
+          <a:p>
+            <a:r>
+              <a:rPr lang="en-GB" dirty="0"/>
+              <a:t>Optimizing without tests is irresponsible and punishable in some countries</a:t>
+            </a:r>
+          </a:p>
+          <a:p>
+            <a:pPr marL="0" indent="0">
+              <a:buNone/>
+            </a:pPr>
+            <a:endParaRPr lang="en-GB" dirty="0"/>
+          </a:p>
+        </p:txBody>
+      </p:sp>
+      <p:sp>
+        <p:nvSpPr>
+          <p:cNvPr id="5" name="Date Placeholder 4"/>
+          <p:cNvSpPr>
+            <a:spLocks noGrp="1"/>
+          </p:cNvSpPr>
+          <p:nvPr>
+            <p:ph type="dt" sz="half" idx="10"/>
+          </p:nvPr>
+        </p:nvSpPr>
+        <p:spPr/>
+        <p:txBody>
           <a:bodyPr/>
           <a:lstStyle/>
           <a:p>
+            <a:fld id="{B26AE651-5F45-F144-8A5B-11988996C0FE}" type="datetime3">
+              <a:rPr lang="en-US" smtClean="0"/>
+              <a:t>24 August 2018</a:t>
+            </a:fld>
+            <a:endParaRPr lang="en-US"/>
+          </a:p>
+        </p:txBody>
+      </p:sp>
+      <p:sp>
+        <p:nvSpPr>
+          <p:cNvPr id="6" name="Footer Placeholder 5"/>
+          <p:cNvSpPr>
+            <a:spLocks noGrp="1"/>
+          </p:cNvSpPr>
+          <p:nvPr>
+            <p:ph type="ftr" sz="quarter" idx="11"/>
+          </p:nvPr>
+        </p:nvSpPr>
+        <p:spPr/>
+        <p:txBody>
+          <a:bodyPr/>
+          <a:lstStyle/>
+          <a:p>
             <a:r>
               <a:rPr lang="en-US"/>
-              <a:t>Thank you!</a:t>
-            </a:r>
-          </a:p>
-        </p:txBody>
-      </p:sp>
-      <p:sp>
-        <p:nvSpPr>
-          <p:cNvPr id="3" name="Date Placeholder 2"/>
+              <a:t>Optimizing and profiling</a:t>
+            </a:r>
+          </a:p>
+        </p:txBody>
+      </p:sp>
+      <p:sp>
+        <p:nvSpPr>
+          <p:cNvPr id="4" name="Slide Number Placeholder 3">
+            <a:extLst>
+              <a:ext uri="{FF2B5EF4-FFF2-40B4-BE49-F238E27FC236}">
+                <a16:creationId xmlns:a16="http://schemas.microsoft.com/office/drawing/2014/main" id="{905F58C2-627B-BE41-9B69-1740FC646DA2}"/>
+              </a:ext>
+            </a:extLst>
+          </p:cNvPr>
           <p:cNvSpPr>
             <a:spLocks noGrp="1"/>
           </p:cNvSpPr>
           <p:nvPr>
-            <p:ph type="dt" sz="half" idx="10"/>
+            <p:ph type="sldNum" sz="quarter" idx="12"/>
           </p:nvPr>
         </p:nvSpPr>
         <p:spPr/>
@@ -10703,36 +14961,21 @@
           <a:bodyPr/>
           <a:lstStyle/>
           <a:p>
-            <a:r>
-              <a:rPr lang="en-US"/>
-              <a:t>Pietro Berkes, Sept 2018</a:t>
-            </a:r>
-          </a:p>
-        </p:txBody>
-      </p:sp>
-      <p:sp>
-        <p:nvSpPr>
-          <p:cNvPr id="4" name="Footer Placeholder 3"/>
-          <p:cNvSpPr>
-            <a:spLocks noGrp="1"/>
-          </p:cNvSpPr>
-          <p:nvPr>
-            <p:ph type="ftr" sz="quarter" idx="11"/>
-          </p:nvPr>
-        </p:nvSpPr>
-        <p:spPr/>
-        <p:txBody>
-          <a:bodyPr/>
-          <a:lstStyle/>
-          <a:p>
-            <a:r>
-              <a:rPr lang="en-US"/>
-              <a:t>Testing scientific code</a:t>
-            </a:r>
+            <a:fld id="{EF79ADEA-B933-47CC-A4E9-04E6298B917C}" type="slidenum">
+              <a:rPr lang="en-US" smtClean="0"/>
+              <a:pPr/>
+              <a:t>19</a:t>
+            </a:fld>
+            <a:endParaRPr lang="en-US"/>
           </a:p>
         </p:txBody>
       </p:sp>
     </p:spTree>
+    <p:extLst>
+      <p:ext uri="{BB962C8B-B14F-4D97-AF65-F5344CB8AC3E}">
+        <p14:creationId xmlns:p14="http://schemas.microsoft.com/office/powerpoint/2010/main" val="1969738961"/>
+      </p:ext>
+    </p:extLst>
   </p:cSld>
   <p:clrMapOvr>
     <a:masterClrMapping/>
@@ -10759,66 +15002,179 @@
       </p:grpSpPr>
       <p:sp>
         <p:nvSpPr>
-          <p:cNvPr id="5" name="Title 4"/>
-          <p:cNvSpPr>
-            <a:spLocks noGrp="1"/>
+          <p:cNvPr id="21506" name="Rectangle 2"/>
+          <p:cNvSpPr>
+            <a:spLocks noGrp="1" noChangeArrowheads="1"/>
           </p:cNvSpPr>
           <p:nvPr>
             <p:ph type="title"/>
           </p:nvPr>
         </p:nvSpPr>
-        <p:spPr/>
+        <p:spPr>
+          <a:noFill/>
+        </p:spPr>
         <p:txBody>
           <a:bodyPr/>
           <a:lstStyle/>
           <a:p>
             <a:r>
-              <a:rPr lang="is-IS" dirty="0"/>
-              <a:t>Testing makes you efficient, too! </a:t>
-            </a:r>
-            <a:endParaRPr lang="en-US" dirty="0"/>
-          </a:p>
-        </p:txBody>
-      </p:sp>
-      <p:sp>
-        <p:nvSpPr>
-          <p:cNvPr id="6" name="Content Placeholder 5"/>
-          <p:cNvSpPr>
-            <a:spLocks noGrp="1"/>
-          </p:cNvSpPr>
-          <p:nvPr>
-            <p:ph sz="quarter" idx="1"/>
-          </p:nvPr>
-        </p:nvSpPr>
-        <p:spPr/>
-        <p:txBody>
-          <a:bodyPr>
-            <a:normAutofit/>
-          </a:bodyPr>
-          <a:lstStyle/>
-          <a:p>
-            <a:r>
               <a:rPr lang="en-US" dirty="0"/>
-              <a:t>An additional big bonus of testing is that your code is ready for improvements</a:t>
-            </a:r>
-          </a:p>
-          <a:p>
-            <a:r>
-              <a:rPr lang="en-US" dirty="0"/>
-              <a:t>Code can change, and correctness is assured by tests</a:t>
-            </a:r>
-          </a:p>
-          <a:p>
-            <a:r>
-              <a:rPr lang="en-US" b="1" dirty="0"/>
-              <a:t>Happily scale your code up!</a:t>
-            </a:r>
-          </a:p>
-        </p:txBody>
-      </p:sp>
-      <p:sp>
-        <p:nvSpPr>
-          <p:cNvPr id="4" name="Date Placeholder 3"/>
+              <a:t>The agile development cycle</a:t>
+            </a:r>
+          </a:p>
+        </p:txBody>
+      </p:sp>
+      <p:grpSp>
+        <p:nvGrpSpPr>
+          <p:cNvPr id="16" name="Group 6"/>
+          <p:cNvGrpSpPr/>
+          <p:nvPr/>
+        </p:nvGrpSpPr>
+        <p:grpSpPr>
+          <a:xfrm>
+            <a:off x="-457200" y="1295400"/>
+            <a:ext cx="7215238" cy="4786346"/>
+            <a:chOff x="-457200" y="1295400"/>
+            <a:chExt cx="7215238" cy="4786346"/>
+          </a:xfrm>
+          <a:effectLst/>
+        </p:grpSpPr>
+        <p:graphicFrame>
+          <p:nvGraphicFramePr>
+            <p:cNvPr id="17" name="Diagram 16"/>
+            <p:cNvGraphicFramePr/>
+            <p:nvPr>
+              <p:extLst/>
+            </p:nvPr>
+          </p:nvGraphicFramePr>
+          <p:xfrm>
+            <a:off x="-457200" y="1295400"/>
+            <a:ext cx="7215238" cy="4786346"/>
+          </p:xfrm>
+          <a:graphic>
+            <a:graphicData uri="http://schemas.openxmlformats.org/drawingml/2006/diagram">
+              <dgm:relIds xmlns:dgm="http://schemas.openxmlformats.org/drawingml/2006/diagram" xmlns:r="http://schemas.openxmlformats.org/officeDocument/2006/relationships" r:dm="rId3" r:lo="rId4" r:qs="rId5" r:cs="rId6"/>
+            </a:graphicData>
+          </a:graphic>
+        </p:graphicFrame>
+        <p:sp>
+          <p:nvSpPr>
+            <p:cNvPr id="18" name="U-Turn Arrow 17"/>
+            <p:cNvSpPr/>
+            <p:nvPr/>
+          </p:nvSpPr>
+          <p:spPr>
+            <a:xfrm rot="16200000">
+              <a:off x="-1404665" y="3212976"/>
+              <a:ext cx="4392488" cy="792088"/>
+            </a:xfrm>
+            <a:prstGeom prst="uturnArrow">
+              <a:avLst>
+                <a:gd name="adj1" fmla="val 25000"/>
+                <a:gd name="adj2" fmla="val 24258"/>
+                <a:gd name="adj3" fmla="val 25000"/>
+                <a:gd name="adj4" fmla="val 43750"/>
+                <a:gd name="adj5" fmla="val 100000"/>
+              </a:avLst>
+            </a:prstGeom>
+            <a:solidFill>
+              <a:schemeClr val="bg1"/>
+            </a:solidFill>
+            <a:ln w="38100" cmpd="sng">
+              <a:solidFill>
+                <a:srgbClr val="FF0000"/>
+              </a:solidFill>
+            </a:ln>
+            <a:effectLst/>
+          </p:spPr>
+          <p:style>
+            <a:lnRef idx="1">
+              <a:schemeClr val="accent5"/>
+            </a:lnRef>
+            <a:fillRef idx="3">
+              <a:schemeClr val="accent5"/>
+            </a:fillRef>
+            <a:effectRef idx="2">
+              <a:schemeClr val="accent5"/>
+            </a:effectRef>
+            <a:fontRef idx="minor">
+              <a:schemeClr val="lt1"/>
+            </a:fontRef>
+          </p:style>
+          <p:txBody>
+            <a:bodyPr rtlCol="0" anchor="ctr"/>
+            <a:lstStyle/>
+            <a:p>
+              <a:pPr algn="ctr"/>
+              <a:endParaRPr lang="en-GB" sz="2800">
+                <a:solidFill>
+                  <a:schemeClr val="tx1"/>
+                </a:solidFill>
+              </a:endParaRPr>
+            </a:p>
+          </p:txBody>
+        </p:sp>
+      </p:grpSp>
+      <p:sp>
+        <p:nvSpPr>
+          <p:cNvPr id="19" name="U-Turn Arrow 18"/>
+          <p:cNvSpPr/>
+          <p:nvPr/>
+        </p:nvSpPr>
+        <p:spPr>
+          <a:xfrm rot="16200000" flipV="1">
+            <a:off x="4788024" y="4869160"/>
+            <a:ext cx="1296144" cy="576064"/>
+          </a:xfrm>
+          <a:prstGeom prst="uturnArrow">
+            <a:avLst>
+              <a:gd name="adj1" fmla="val 30443"/>
+              <a:gd name="adj2" fmla="val 25000"/>
+              <a:gd name="adj3" fmla="val 30183"/>
+              <a:gd name="adj4" fmla="val 60079"/>
+              <a:gd name="adj5" fmla="val 100000"/>
+            </a:avLst>
+          </a:prstGeom>
+          <a:solidFill>
+            <a:srgbClr val="FFFFFF"/>
+          </a:solidFill>
+          <a:ln w="38100" cmpd="sng">
+            <a:solidFill>
+              <a:srgbClr val="0ECC00"/>
+            </a:solidFill>
+          </a:ln>
+          <a:effectLst/>
+        </p:spPr>
+        <p:style>
+          <a:lnRef idx="1">
+            <a:schemeClr val="accent5"/>
+          </a:lnRef>
+          <a:fillRef idx="3">
+            <a:schemeClr val="accent5"/>
+          </a:fillRef>
+          <a:effectRef idx="2">
+            <a:schemeClr val="accent5"/>
+          </a:effectRef>
+          <a:fontRef idx="minor">
+            <a:schemeClr val="lt1"/>
+          </a:fontRef>
+        </p:style>
+        <p:txBody>
+          <a:bodyPr rtlCol="0" anchor="ctr"/>
+          <a:lstStyle/>
+          <a:p>
+            <a:pPr algn="ctr"/>
+            <a:endParaRPr lang="en-GB" sz="2800">
+              <a:solidFill>
+                <a:schemeClr val="tx1"/>
+              </a:solidFill>
+            </a:endParaRPr>
+          </a:p>
+        </p:txBody>
+      </p:sp>
+      <p:sp>
+        <p:nvSpPr>
+          <p:cNvPr id="2" name="Date Placeholder 1"/>
           <p:cNvSpPr>
             <a:spLocks noGrp="1"/>
           </p:cNvSpPr>
@@ -10840,7 +15196,7 @@
       </p:sp>
       <p:sp>
         <p:nvSpPr>
-          <p:cNvPr id="7" name="Footer Placeholder 6"/>
+          <p:cNvPr id="3" name="Footer Placeholder 2"/>
           <p:cNvSpPr>
             <a:spLocks noGrp="1"/>
           </p:cNvSpPr>
@@ -10863,7 +15219,7 @@
     </p:spTree>
     <p:extLst>
       <p:ext uri="{BB962C8B-B14F-4D97-AF65-F5344CB8AC3E}">
-        <p14:creationId xmlns:p14="http://schemas.microsoft.com/office/powerpoint/2010/main" val="2901320411"/>
+        <p14:creationId xmlns:p14="http://schemas.microsoft.com/office/powerpoint/2010/main" val="4120572155"/>
       </p:ext>
     </p:extLst>
   </p:cSld>
@@ -10892,6 +15248,150 @@
       </p:grpSpPr>
       <p:sp>
         <p:nvSpPr>
+          <p:cNvPr id="2" name="Title 1"/>
+          <p:cNvSpPr>
+            <a:spLocks noGrp="1"/>
+          </p:cNvSpPr>
+          <p:nvPr>
+            <p:ph type="title"/>
+          </p:nvPr>
+        </p:nvSpPr>
+        <p:spPr/>
+        <p:txBody>
+          <a:bodyPr/>
+          <a:lstStyle/>
+          <a:p>
+            <a:r>
+              <a:rPr lang="en-GB" dirty="0"/>
+              <a:t>The End</a:t>
+            </a:r>
+          </a:p>
+        </p:txBody>
+      </p:sp>
+      <p:sp>
+        <p:nvSpPr>
+          <p:cNvPr id="5" name="Content Placeholder 4"/>
+          <p:cNvSpPr>
+            <a:spLocks noGrp="1"/>
+          </p:cNvSpPr>
+          <p:nvPr>
+            <p:ph sz="quarter" idx="1"/>
+          </p:nvPr>
+        </p:nvSpPr>
+        <p:spPr/>
+        <p:txBody>
+          <a:bodyPr/>
+          <a:lstStyle/>
+          <a:p>
+            <a:r>
+              <a:rPr lang="en-US"/>
+              <a:t>Thank you!</a:t>
+            </a:r>
+          </a:p>
+        </p:txBody>
+      </p:sp>
+      <p:sp>
+        <p:nvSpPr>
+          <p:cNvPr id="3" name="Date Placeholder 2"/>
+          <p:cNvSpPr>
+            <a:spLocks noGrp="1"/>
+          </p:cNvSpPr>
+          <p:nvPr>
+            <p:ph type="dt" sz="half" idx="10"/>
+          </p:nvPr>
+        </p:nvSpPr>
+        <p:spPr/>
+        <p:txBody>
+          <a:bodyPr/>
+          <a:lstStyle/>
+          <a:p>
+            <a:fld id="{E361EB80-78D4-6A4A-976F-5A0B4182BF93}" type="datetime3">
+              <a:rPr lang="en-US" smtClean="0"/>
+              <a:t>24 August 2018</a:t>
+            </a:fld>
+            <a:endParaRPr lang="en-US"/>
+          </a:p>
+        </p:txBody>
+      </p:sp>
+      <p:sp>
+        <p:nvSpPr>
+          <p:cNvPr id="4" name="Footer Placeholder 3"/>
+          <p:cNvSpPr>
+            <a:spLocks noGrp="1"/>
+          </p:cNvSpPr>
+          <p:nvPr>
+            <p:ph type="ftr" sz="quarter" idx="11"/>
+          </p:nvPr>
+        </p:nvSpPr>
+        <p:spPr/>
+        <p:txBody>
+          <a:bodyPr/>
+          <a:lstStyle/>
+          <a:p>
+            <a:r>
+              <a:rPr lang="en-US"/>
+              <a:t>Optimizing and profiling</a:t>
+            </a:r>
+          </a:p>
+        </p:txBody>
+      </p:sp>
+      <p:sp>
+        <p:nvSpPr>
+          <p:cNvPr id="6" name="Slide Number Placeholder 5">
+            <a:extLst>
+              <a:ext uri="{FF2B5EF4-FFF2-40B4-BE49-F238E27FC236}">
+                <a16:creationId xmlns:a16="http://schemas.microsoft.com/office/drawing/2014/main" id="{51A77899-F7D6-AF4E-B542-FB852AB3AF86}"/>
+              </a:ext>
+            </a:extLst>
+          </p:cNvPr>
+          <p:cNvSpPr>
+            <a:spLocks noGrp="1"/>
+          </p:cNvSpPr>
+          <p:nvPr>
+            <p:ph type="sldNum" sz="quarter" idx="12"/>
+          </p:nvPr>
+        </p:nvSpPr>
+        <p:spPr/>
+        <p:txBody>
+          <a:bodyPr/>
+          <a:lstStyle/>
+          <a:p>
+            <a:fld id="{EF79ADEA-B933-47CC-A4E9-04E6298B917C}" type="slidenum">
+              <a:rPr lang="en-US" smtClean="0"/>
+              <a:pPr/>
+              <a:t>20</a:t>
+            </a:fld>
+            <a:endParaRPr lang="en-US"/>
+          </a:p>
+        </p:txBody>
+      </p:sp>
+    </p:spTree>
+  </p:cSld>
+  <p:clrMapOvr>
+    <a:masterClrMapping/>
+  </p:clrMapOvr>
+</p:sld>
+</file>
+
+<file path=ppt/slides/slide21.xml><?xml version="1.0" encoding="utf-8"?>
+<p:sld xmlns:a="http://schemas.openxmlformats.org/drawingml/2006/main" xmlns:r="http://schemas.openxmlformats.org/officeDocument/2006/relationships" xmlns:p="http://schemas.openxmlformats.org/presentationml/2006/main">
+  <p:cSld>
+    <p:spTree>
+      <p:nvGrpSpPr>
+        <p:cNvPr id="1" name=""/>
+        <p:cNvGrpSpPr/>
+        <p:nvPr/>
+      </p:nvGrpSpPr>
+      <p:grpSpPr>
+        <a:xfrm>
+          <a:off x="0" y="0"/>
+          <a:ext cx="0" cy="0"/>
+          <a:chOff x="0" y="0"/>
+          <a:chExt cx="0" cy="0"/>
+        </a:xfrm>
+      </p:grpSpPr>
+      <p:sp>
+        <p:nvSpPr>
           <p:cNvPr id="2" name="Date Placeholder 1"/>
           <p:cNvSpPr>
             <a:spLocks noGrp="1"/>
@@ -10905,21 +15405,50 @@
           <a:bodyPr/>
           <a:lstStyle/>
           <a:p>
+            <a:fld id="{93D8C46C-6265-B94E-8F2B-475E306DFEAD}" type="datetime3">
+              <a:rPr lang="en-US" smtClean="0"/>
+              <a:t>24 August 2018</a:t>
+            </a:fld>
+            <a:endParaRPr lang="en-US"/>
+          </a:p>
+        </p:txBody>
+      </p:sp>
+      <p:sp>
+        <p:nvSpPr>
+          <p:cNvPr id="3" name="Footer Placeholder 2"/>
+          <p:cNvSpPr>
+            <a:spLocks noGrp="1"/>
+          </p:cNvSpPr>
+          <p:nvPr>
+            <p:ph type="ftr" sz="quarter" idx="11"/>
+          </p:nvPr>
+        </p:nvSpPr>
+        <p:spPr/>
+        <p:txBody>
+          <a:bodyPr/>
+          <a:lstStyle/>
+          <a:p>
             <a:r>
               <a:rPr lang="en-US"/>
-              <a:t>Pietro Berkes, Sept 2018</a:t>
-            </a:r>
-          </a:p>
-        </p:txBody>
-      </p:sp>
-      <p:sp>
-        <p:nvSpPr>
-          <p:cNvPr id="3" name="Footer Placeholder 2"/>
+              <a:t>Optimizing and profiling</a:t>
+            </a:r>
+          </a:p>
+        </p:txBody>
+      </p:sp>
+      <p:sp>
+        <p:nvSpPr>
+          <p:cNvPr id="4" name="Slide Number Placeholder 3">
+            <a:extLst>
+              <a:ext uri="{FF2B5EF4-FFF2-40B4-BE49-F238E27FC236}">
+                <a16:creationId xmlns:a16="http://schemas.microsoft.com/office/drawing/2014/main" id="{C35E3FB3-CB4C-3345-AF1F-7A4599786E77}"/>
+              </a:ext>
+            </a:extLst>
+          </p:cNvPr>
           <p:cNvSpPr>
             <a:spLocks noGrp="1"/>
           </p:cNvSpPr>
           <p:nvPr>
-            <p:ph type="ftr" sz="quarter" idx="11"/>
+            <p:ph type="sldNum" sz="quarter" idx="12"/>
           </p:nvPr>
         </p:nvSpPr>
         <p:spPr/>
@@ -10927,10 +15456,12 @@
           <a:bodyPr/>
           <a:lstStyle/>
           <a:p>
-            <a:r>
-              <a:rPr lang="en-US"/>
-              <a:t>Testing scientific code</a:t>
-            </a:r>
+            <a:fld id="{EF79ADEA-B933-47CC-A4E9-04E6298B917C}" type="slidenum">
+              <a:rPr lang="en-US" smtClean="0"/>
+              <a:pPr/>
+              <a:t>21</a:t>
+            </a:fld>
+            <a:endParaRPr lang="en-US"/>
           </a:p>
         </p:txBody>
       </p:sp>
@@ -10961,6 +15492,170 @@
       </p:grpSpPr>
       <p:sp>
         <p:nvSpPr>
+          <p:cNvPr id="5" name="Title 4"/>
+          <p:cNvSpPr>
+            <a:spLocks noGrp="1"/>
+          </p:cNvSpPr>
+          <p:nvPr>
+            <p:ph type="title"/>
+          </p:nvPr>
+        </p:nvSpPr>
+        <p:spPr/>
+        <p:txBody>
+          <a:bodyPr/>
+          <a:lstStyle/>
+          <a:p>
+            <a:r>
+              <a:rPr lang="is-IS" dirty="0"/>
+              <a:t>Testing makes you efficient, too! </a:t>
+            </a:r>
+            <a:endParaRPr lang="en-US" dirty="0"/>
+          </a:p>
+        </p:txBody>
+      </p:sp>
+      <p:sp>
+        <p:nvSpPr>
+          <p:cNvPr id="6" name="Content Placeholder 5"/>
+          <p:cNvSpPr>
+            <a:spLocks noGrp="1"/>
+          </p:cNvSpPr>
+          <p:nvPr>
+            <p:ph sz="quarter" idx="1"/>
+          </p:nvPr>
+        </p:nvSpPr>
+        <p:spPr/>
+        <p:txBody>
+          <a:bodyPr>
+            <a:normAutofit/>
+          </a:bodyPr>
+          <a:lstStyle/>
+          <a:p>
+            <a:r>
+              <a:rPr lang="en-US" dirty="0"/>
+              <a:t>An additional big bonus of testing is that your code is ready for improvements</a:t>
+            </a:r>
+          </a:p>
+          <a:p>
+            <a:r>
+              <a:rPr lang="en-US" dirty="0"/>
+              <a:t>Code can change, and correctness is assured by tests</a:t>
+            </a:r>
+          </a:p>
+          <a:p>
+            <a:r>
+              <a:rPr lang="en-US" b="1" dirty="0"/>
+              <a:t>Happily scale your code up!</a:t>
+            </a:r>
+          </a:p>
+        </p:txBody>
+      </p:sp>
+      <p:sp>
+        <p:nvSpPr>
+          <p:cNvPr id="4" name="Date Placeholder 3"/>
+          <p:cNvSpPr>
+            <a:spLocks noGrp="1"/>
+          </p:cNvSpPr>
+          <p:nvPr>
+            <p:ph type="dt" sz="half" idx="10"/>
+          </p:nvPr>
+        </p:nvSpPr>
+        <p:spPr/>
+        <p:txBody>
+          <a:bodyPr/>
+          <a:lstStyle/>
+          <a:p>
+            <a:fld id="{F24966B7-8108-C447-AA6D-A03462851C3F}" type="datetime3">
+              <a:rPr lang="en-US" smtClean="0"/>
+              <a:t>24 August 2018</a:t>
+            </a:fld>
+            <a:endParaRPr lang="en-US"/>
+          </a:p>
+        </p:txBody>
+      </p:sp>
+      <p:sp>
+        <p:nvSpPr>
+          <p:cNvPr id="7" name="Footer Placeholder 6"/>
+          <p:cNvSpPr>
+            <a:spLocks noGrp="1"/>
+          </p:cNvSpPr>
+          <p:nvPr>
+            <p:ph type="ftr" sz="quarter" idx="11"/>
+          </p:nvPr>
+        </p:nvSpPr>
+        <p:spPr/>
+        <p:txBody>
+          <a:bodyPr/>
+          <a:lstStyle/>
+          <a:p>
+            <a:r>
+              <a:rPr lang="en-US"/>
+              <a:t>Optimizing and profiling</a:t>
+            </a:r>
+          </a:p>
+        </p:txBody>
+      </p:sp>
+      <p:sp>
+        <p:nvSpPr>
+          <p:cNvPr id="2" name="Slide Number Placeholder 1">
+            <a:extLst>
+              <a:ext uri="{FF2B5EF4-FFF2-40B4-BE49-F238E27FC236}">
+                <a16:creationId xmlns:a16="http://schemas.microsoft.com/office/drawing/2014/main" id="{7A39BE15-A395-5145-A73E-16022436943A}"/>
+              </a:ext>
+            </a:extLst>
+          </p:cNvPr>
+          <p:cNvSpPr>
+            <a:spLocks noGrp="1"/>
+          </p:cNvSpPr>
+          <p:nvPr>
+            <p:ph type="sldNum" sz="quarter" idx="12"/>
+          </p:nvPr>
+        </p:nvSpPr>
+        <p:spPr/>
+        <p:txBody>
+          <a:bodyPr/>
+          <a:lstStyle/>
+          <a:p>
+            <a:fld id="{EF79ADEA-B933-47CC-A4E9-04E6298B917C}" type="slidenum">
+              <a:rPr lang="en-US" smtClean="0"/>
+              <a:pPr/>
+              <a:t>3</a:t>
+            </a:fld>
+            <a:endParaRPr lang="en-US"/>
+          </a:p>
+        </p:txBody>
+      </p:sp>
+    </p:spTree>
+    <p:extLst>
+      <p:ext uri="{BB962C8B-B14F-4D97-AF65-F5344CB8AC3E}">
+        <p14:creationId xmlns:p14="http://schemas.microsoft.com/office/powerpoint/2010/main" val="2901320411"/>
+      </p:ext>
+    </p:extLst>
+  </p:cSld>
+  <p:clrMapOvr>
+    <a:masterClrMapping/>
+  </p:clrMapOvr>
+</p:sld>
+</file>
+
+<file path=ppt/slides/slide4.xml><?xml version="1.0" encoding="utf-8"?>
+<p:sld xmlns:a="http://schemas.openxmlformats.org/drawingml/2006/main" xmlns:r="http://schemas.openxmlformats.org/officeDocument/2006/relationships" xmlns:p="http://schemas.openxmlformats.org/presentationml/2006/main">
+  <p:cSld>
+    <p:spTree>
+      <p:nvGrpSpPr>
+        <p:cNvPr id="1" name=""/>
+        <p:cNvGrpSpPr/>
+        <p:nvPr/>
+      </p:nvGrpSpPr>
+      <p:grpSpPr>
+        <a:xfrm>
+          <a:off x="0" y="0"/>
+          <a:ext cx="0" cy="0"/>
+          <a:chOff x="0" y="0"/>
+          <a:chExt cx="0" cy="0"/>
+        </a:xfrm>
+      </p:grpSpPr>
+      <p:sp>
+        <p:nvSpPr>
           <p:cNvPr id="21506" name="Rectangle 2"/>
           <p:cNvSpPr>
             <a:spLocks noGrp="1" noChangeArrowheads="1"/>
@@ -10980,90 +15675,6 @@
               <a:rPr lang="en-US" dirty="0"/>
               <a:t>The agile development cycle</a:t>
             </a:r>
-          </a:p>
-        </p:txBody>
-      </p:sp>
-      <p:sp>
-        <p:nvSpPr>
-          <p:cNvPr id="11" name="TextBox 10"/>
-          <p:cNvSpPr txBox="1"/>
-          <p:nvPr/>
-        </p:nvSpPr>
-        <p:spPr>
-          <a:xfrm>
-            <a:off x="6012160" y="2420888"/>
-            <a:ext cx="1869976" cy="415498"/>
-          </a:xfrm>
-          <a:prstGeom prst="rect">
-            <a:avLst/>
-          </a:prstGeom>
-          <a:noFill/>
-        </p:spPr>
-        <p:txBody>
-          <a:bodyPr wrap="square" rtlCol="0">
-            <a:spAutoFit/>
-          </a:bodyPr>
-          <a:lstStyle/>
-          <a:p>
-            <a:r>
-              <a:rPr lang="en-US" sz="2100" dirty="0" err="1">
-                <a:solidFill>
-                  <a:srgbClr val="D9D9D9"/>
-                </a:solidFill>
-                <a:latin typeface="Courier New" pitchFamily="49" charset="0"/>
-                <a:cs typeface="Courier New" pitchFamily="49" charset="0"/>
-              </a:rPr>
-              <a:t>unittest</a:t>
-            </a:r>
-            <a:endParaRPr lang="en-US" sz="2100" dirty="0">
-              <a:solidFill>
-                <a:srgbClr val="D9D9D9"/>
-              </a:solidFill>
-              <a:latin typeface="Courier New" pitchFamily="49" charset="0"/>
-              <a:cs typeface="Courier New" pitchFamily="49" charset="0"/>
-            </a:endParaRPr>
-          </a:p>
-        </p:txBody>
-      </p:sp>
-      <p:sp>
-        <p:nvSpPr>
-          <p:cNvPr id="12" name="TextBox 11"/>
-          <p:cNvSpPr txBox="1"/>
-          <p:nvPr/>
-        </p:nvSpPr>
-        <p:spPr>
-          <a:xfrm>
-            <a:off x="6012160" y="4509120"/>
-            <a:ext cx="2239144" cy="415498"/>
-          </a:xfrm>
-          <a:prstGeom prst="rect">
-            <a:avLst/>
-          </a:prstGeom>
-          <a:noFill/>
-        </p:spPr>
-        <p:txBody>
-          <a:bodyPr wrap="square" rtlCol="0">
-            <a:spAutoFit/>
-          </a:bodyPr>
-          <a:lstStyle/>
-          <a:p>
-            <a:r>
-              <a:rPr lang="en-US" sz="2100" dirty="0" err="1">
-                <a:solidFill>
-                  <a:srgbClr val="D9D9D9"/>
-                </a:solidFill>
-                <a:latin typeface="Courier New" pitchFamily="49" charset="0"/>
-                <a:cs typeface="Courier New" pitchFamily="49" charset="0"/>
-              </a:rPr>
-              <a:t>pdb</a:t>
-            </a:r>
-            <a:endParaRPr lang="en-US" sz="2100" dirty="0">
-              <a:solidFill>
-                <a:srgbClr val="D9D9D9"/>
-              </a:solidFill>
-              <a:latin typeface="Courier New" pitchFamily="49" charset="0"/>
-              <a:cs typeface="Courier New" pitchFamily="49" charset="0"/>
-            </a:endParaRPr>
           </a:p>
         </p:txBody>
       </p:sp>
@@ -11147,7 +15758,7 @@
             <p:nvPr>
               <p:extLst>
                 <p:ext uri="{D42A27DB-BD31-4B8C-83A1-F6EECF244321}">
-                  <p14:modId xmlns:p14="http://schemas.microsoft.com/office/powerpoint/2010/main" val="2391176588"/>
+                  <p14:modId xmlns:p14="http://schemas.microsoft.com/office/powerpoint/2010/main" val="2163948767"/>
                 </p:ext>
               </p:extLst>
             </p:nvPr>
@@ -11292,21 +15903,50 @@
           <a:bodyPr/>
           <a:lstStyle/>
           <a:p>
+            <a:fld id="{D58449BB-632F-5A44-9D7B-214A298F2A8B}" type="datetime3">
+              <a:rPr lang="en-US" smtClean="0"/>
+              <a:t>24 August 2018</a:t>
+            </a:fld>
+            <a:endParaRPr lang="en-US"/>
+          </a:p>
+        </p:txBody>
+      </p:sp>
+      <p:sp>
+        <p:nvSpPr>
+          <p:cNvPr id="3" name="Footer Placeholder 2"/>
+          <p:cNvSpPr>
+            <a:spLocks noGrp="1"/>
+          </p:cNvSpPr>
+          <p:nvPr>
+            <p:ph type="ftr" sz="quarter" idx="11"/>
+          </p:nvPr>
+        </p:nvSpPr>
+        <p:spPr/>
+        <p:txBody>
+          <a:bodyPr/>
+          <a:lstStyle/>
+          <a:p>
             <a:r>
               <a:rPr lang="en-US"/>
-              <a:t>Pietro Berkes, Sept 2018</a:t>
-            </a:r>
-          </a:p>
-        </p:txBody>
-      </p:sp>
-      <p:sp>
-        <p:nvSpPr>
-          <p:cNvPr id="3" name="Footer Placeholder 2"/>
+              <a:t>Optimizing and profiling</a:t>
+            </a:r>
+          </a:p>
+        </p:txBody>
+      </p:sp>
+      <p:sp>
+        <p:nvSpPr>
+          <p:cNvPr id="4" name="Slide Number Placeholder 3">
+            <a:extLst>
+              <a:ext uri="{FF2B5EF4-FFF2-40B4-BE49-F238E27FC236}">
+                <a16:creationId xmlns:a16="http://schemas.microsoft.com/office/drawing/2014/main" id="{284A6C64-6D5B-5943-8ACF-A82C6D260105}"/>
+              </a:ext>
+            </a:extLst>
+          </p:cNvPr>
           <p:cNvSpPr>
             <a:spLocks noGrp="1"/>
           </p:cNvSpPr>
           <p:nvPr>
-            <p:ph type="ftr" sz="quarter" idx="11"/>
+            <p:ph type="sldNum" sz="quarter" idx="12"/>
           </p:nvPr>
         </p:nvSpPr>
         <p:spPr/>
@@ -11314,10 +15954,12 @@
           <a:bodyPr/>
           <a:lstStyle/>
           <a:p>
-            <a:r>
-              <a:rPr lang="en-US"/>
-              <a:t>Testing scientific code</a:t>
-            </a:r>
+            <a:fld id="{EF79ADEA-B933-47CC-A4E9-04E6298B917C}" type="slidenum">
+              <a:rPr lang="en-US" smtClean="0"/>
+              <a:pPr/>
+              <a:t>4</a:t>
+            </a:fld>
+            <a:endParaRPr lang="en-US"/>
           </a:p>
         </p:txBody>
       </p:sp>
@@ -11343,6 +15985,9 @@
                     <p:cTn id="3" fill="hold">
                       <p:stCondLst>
                         <p:cond delay="indefinite"/>
+                        <p:cond evt="onBegin" delay="0">
+                          <p:tn val="2"/>
+                        </p:cond>
                       </p:stCondLst>
                       <p:childTnLst>
                         <p:par>
@@ -11352,7 +15997,7 @@
                             </p:stCondLst>
                             <p:childTnLst>
                               <p:par>
-                                <p:cTn id="5" presetID="1" presetClass="entr" presetSubtype="0" fill="hold" grpId="0" nodeType="clickEffect">
+                                <p:cTn id="5" presetID="1" presetClass="entr" presetSubtype="0" fill="hold" grpId="0" nodeType="withEffect">
                                   <p:stCondLst>
                                     <p:cond delay="0"/>
                                   </p:stCondLst>
@@ -11360,60 +16005,6 @@
                                     <p:set>
                                       <p:cBhvr>
                                         <p:cTn id="6" dur="1" fill="hold">
-                                          <p:stCondLst>
-                                            <p:cond delay="0"/>
-                                          </p:stCondLst>
-                                        </p:cTn>
-                                        <p:tgtEl>
-                                          <p:spTgt spid="11"/>
-                                        </p:tgtEl>
-                                        <p:attrNameLst>
-                                          <p:attrName>style.visibility</p:attrName>
-                                        </p:attrNameLst>
-                                      </p:cBhvr>
-                                      <p:to>
-                                        <p:strVal val="visible"/>
-                                      </p:to>
-                                    </p:set>
-                                  </p:childTnLst>
-                                </p:cTn>
-                              </p:par>
-                              <p:par>
-                                <p:cTn id="7" presetID="1" presetClass="entr" presetSubtype="0" fill="hold" grpId="0" nodeType="withEffect">
-                                  <p:stCondLst>
-                                    <p:cond delay="0"/>
-                                  </p:stCondLst>
-                                  <p:childTnLst>
-                                    <p:set>
-                                      <p:cBhvr>
-                                        <p:cTn id="8" dur="1" fill="hold">
-                                          <p:stCondLst>
-                                            <p:cond delay="0"/>
-                                          </p:stCondLst>
-                                        </p:cTn>
-                                        <p:tgtEl>
-                                          <p:spTgt spid="12"/>
-                                        </p:tgtEl>
-                                        <p:attrNameLst>
-                                          <p:attrName>style.visibility</p:attrName>
-                                        </p:attrNameLst>
-                                      </p:cBhvr>
-                                      <p:to>
-                                        <p:strVal val="visible"/>
-                                      </p:to>
-                                    </p:set>
-                                  </p:childTnLst>
-                                </p:cTn>
-                              </p:par>
-                              <p:par>
-                                <p:cTn id="9" presetID="1" presetClass="entr" presetSubtype="0" fill="hold" grpId="0" nodeType="withEffect">
-                                  <p:stCondLst>
-                                    <p:cond delay="0"/>
-                                  </p:stCondLst>
-                                  <p:childTnLst>
-                                    <p:set>
-                                      <p:cBhvr>
-                                        <p:cTn id="10" dur="1" fill="hold">
                                           <p:stCondLst>
                                             <p:cond delay="0"/>
                                           </p:stCondLst>
@@ -11460,15 +16051,13 @@
       </p:par>
     </p:tnLst>
     <p:bldLst>
-      <p:bldP spid="11" grpId="0"/>
-      <p:bldP spid="12" grpId="0"/>
       <p:bldP spid="13" grpId="0"/>
     </p:bldLst>
   </p:timing>
 </p:sld>
 </file>
 
-<file path=ppt/slides/slide4.xml><?xml version="1.0" encoding="utf-8"?>
+<file path=ppt/slides/slide5.xml><?xml version="1.0" encoding="utf-8"?>
 <p:sld xmlns:a="http://schemas.openxmlformats.org/drawingml/2006/main" xmlns:r="http://schemas.openxmlformats.org/officeDocument/2006/relationships" xmlns:p="http://schemas.openxmlformats.org/presentationml/2006/main">
   <p:cSld>
     <p:spTree>
@@ -11632,21 +16221,50 @@
           <a:bodyPr/>
           <a:lstStyle/>
           <a:p>
+            <a:fld id="{EB7A7E46-A1D9-514F-9216-F785A3B03EE6}" type="datetime3">
+              <a:rPr lang="en-US" smtClean="0"/>
+              <a:t>24 August 2018</a:t>
+            </a:fld>
+            <a:endParaRPr lang="en-US"/>
+          </a:p>
+        </p:txBody>
+      </p:sp>
+      <p:sp>
+        <p:nvSpPr>
+          <p:cNvPr id="7" name="Footer Placeholder 6"/>
+          <p:cNvSpPr>
+            <a:spLocks noGrp="1"/>
+          </p:cNvSpPr>
+          <p:nvPr>
+            <p:ph type="ftr" sz="quarter" idx="11"/>
+          </p:nvPr>
+        </p:nvSpPr>
+        <p:spPr/>
+        <p:txBody>
+          <a:bodyPr/>
+          <a:lstStyle/>
+          <a:p>
             <a:r>
               <a:rPr lang="en-US"/>
-              <a:t>Pietro Berkes, Sept 2018</a:t>
-            </a:r>
-          </a:p>
-        </p:txBody>
-      </p:sp>
-      <p:sp>
-        <p:nvSpPr>
-          <p:cNvPr id="7" name="Footer Placeholder 6"/>
+              <a:t>Optimizing and profiling</a:t>
+            </a:r>
+          </a:p>
+        </p:txBody>
+      </p:sp>
+      <p:sp>
+        <p:nvSpPr>
+          <p:cNvPr id="4" name="Slide Number Placeholder 3">
+            <a:extLst>
+              <a:ext uri="{FF2B5EF4-FFF2-40B4-BE49-F238E27FC236}">
+                <a16:creationId xmlns:a16="http://schemas.microsoft.com/office/drawing/2014/main" id="{AD27CFC9-2217-7140-99D3-D5B90B80A469}"/>
+              </a:ext>
+            </a:extLst>
+          </p:cNvPr>
           <p:cNvSpPr>
             <a:spLocks noGrp="1"/>
           </p:cNvSpPr>
           <p:nvPr>
-            <p:ph type="ftr" sz="quarter" idx="11"/>
+            <p:ph type="sldNum" sz="quarter" idx="12"/>
           </p:nvPr>
         </p:nvSpPr>
         <p:spPr/>
@@ -11654,10 +16272,12 @@
           <a:bodyPr/>
           <a:lstStyle/>
           <a:p>
-            <a:r>
-              <a:rPr lang="en-US"/>
-              <a:t>Testing scientific code</a:t>
-            </a:r>
+            <a:fld id="{EF79ADEA-B933-47CC-A4E9-04E6298B917C}" type="slidenum">
+              <a:rPr lang="en-US" smtClean="0"/>
+              <a:pPr/>
+              <a:t>5</a:t>
+            </a:fld>
+            <a:endParaRPr lang="en-US"/>
           </a:p>
         </p:txBody>
       </p:sp>
@@ -11818,208 +16438,6 @@
 </p:sld>
 </file>
 
-<file path=ppt/slides/slide5.xml><?xml version="1.0" encoding="utf-8"?>
-<p:sld xmlns:a="http://schemas.openxmlformats.org/drawingml/2006/main" xmlns:r="http://schemas.openxmlformats.org/officeDocument/2006/relationships" xmlns:p="http://schemas.openxmlformats.org/presentationml/2006/main">
-  <p:cSld>
-    <p:spTree>
-      <p:nvGrpSpPr>
-        <p:cNvPr id="1" name=""/>
-        <p:cNvGrpSpPr/>
-        <p:nvPr/>
-      </p:nvGrpSpPr>
-      <p:grpSpPr>
-        <a:xfrm>
-          <a:off x="0" y="0"/>
-          <a:ext cx="0" cy="0"/>
-          <a:chOff x="0" y="0"/>
-          <a:chExt cx="0" cy="0"/>
-        </a:xfrm>
-      </p:grpSpPr>
-      <p:sp>
-        <p:nvSpPr>
-          <p:cNvPr id="2" name="Title 1"/>
-          <p:cNvSpPr>
-            <a:spLocks noGrp="1"/>
-          </p:cNvSpPr>
-          <p:nvPr>
-            <p:ph type="title"/>
-          </p:nvPr>
-        </p:nvSpPr>
-        <p:spPr/>
-        <p:txBody>
-          <a:bodyPr>
-            <a:normAutofit/>
-          </a:bodyPr>
-          <a:lstStyle/>
-          <a:p>
-            <a:r>
-              <a:rPr lang="en-US" dirty="0"/>
-              <a:t>Optimization methods hierarchy</a:t>
-            </a:r>
-          </a:p>
-        </p:txBody>
-      </p:sp>
-      <p:sp>
-        <p:nvSpPr>
-          <p:cNvPr id="3" name="Content Placeholder 2"/>
-          <p:cNvSpPr>
-            <a:spLocks noGrp="1"/>
-          </p:cNvSpPr>
-          <p:nvPr>
-            <p:ph idx="1"/>
-          </p:nvPr>
-        </p:nvSpPr>
-        <p:spPr/>
-        <p:txBody>
-          <a:bodyPr>
-            <a:normAutofit/>
-          </a:bodyPr>
-          <a:lstStyle/>
-          <a:p>
-            <a:r>
-              <a:rPr lang="en-US" dirty="0"/>
-              <a:t>(This is mildly controversial)</a:t>
-            </a:r>
-          </a:p>
-          <a:p>
-            <a:r>
-              <a:rPr lang="en-US" dirty="0"/>
-              <a:t>In order of preference:</a:t>
-            </a:r>
-          </a:p>
-          <a:p>
-            <a:pPr lvl="1"/>
-            <a:r>
-              <a:rPr lang="en-US" dirty="0" err="1"/>
-              <a:t>Don’t do anything</a:t>
-            </a:r>
-          </a:p>
-          <a:p>
-            <a:pPr lvl="1"/>
-            <a:r>
-              <a:rPr lang="en-US" dirty="0" err="1"/>
-              <a:t>Vectorize</a:t>
-            </a:r>
-            <a:r>
-              <a:rPr lang="en-US" dirty="0"/>
-              <a:t> your code using </a:t>
-            </a:r>
-            <a:r>
-              <a:rPr lang="en-US" dirty="0" err="1"/>
-              <a:t>numpy</a:t>
-            </a:r>
-            <a:endParaRPr lang="en-US" dirty="0"/>
-          </a:p>
-          <a:p>
-            <a:pPr lvl="1"/>
-            <a:r>
-              <a:rPr lang="en-US" dirty="0"/>
-              <a:t>Spend some money on better hardware (faster machine, SSD), optimized libraries (e.g., Intel’s MKL)</a:t>
-            </a:r>
-          </a:p>
-          <a:p>
-            <a:pPr lvl="1"/>
-            <a:r>
-              <a:rPr lang="en-US" dirty="0"/>
-              <a:t>Use a “magic optimization” tool, like </a:t>
-            </a:r>
-            <a:r>
-              <a:rPr lang="en-US" dirty="0" err="1"/>
-              <a:t>numexpr, or numba; </a:t>
-            </a:r>
-            <a:br>
-              <a:rPr lang="en-US" dirty="0" err="1"/>
-            </a:br>
-            <a:r>
-              <a:rPr lang="en-US" dirty="0" err="1"/>
-              <a:t>or a “magic parallelization” tool, like joblib or dask</a:t>
-            </a:r>
-          </a:p>
-          <a:p>
-            <a:pPr lvl="1"/>
-            <a:r>
-              <a:rPr lang="en-US" dirty="0"/>
-              <a:t>Use GPU acceleration</a:t>
-            </a:r>
-          </a:p>
-          <a:p>
-            <a:pPr lvl="1"/>
-            <a:r>
-              <a:rPr lang="en-US" dirty="0"/>
-              <a:t>Use </a:t>
-            </a:r>
-            <a:r>
-              <a:rPr lang="en-US" dirty="0" err="1"/>
-              <a:t>Cython</a:t>
-            </a:r>
-            <a:endParaRPr lang="en-US" dirty="0"/>
-          </a:p>
-          <a:p>
-            <a:pPr lvl="1"/>
-            <a:r>
-              <a:rPr lang="en-US" dirty="0"/>
-              <a:t>Parallelize your code</a:t>
-            </a:r>
-          </a:p>
-        </p:txBody>
-      </p:sp>
-      <p:sp>
-        <p:nvSpPr>
-          <p:cNvPr id="6" name="Date Placeholder 5"/>
-          <p:cNvSpPr>
-            <a:spLocks noGrp="1"/>
-          </p:cNvSpPr>
-          <p:nvPr>
-            <p:ph type="dt" sz="half" idx="10"/>
-          </p:nvPr>
-        </p:nvSpPr>
-        <p:spPr/>
-        <p:txBody>
-          <a:bodyPr/>
-          <a:lstStyle/>
-          <a:p>
-            <a:r>
-              <a:rPr lang="en-US"/>
-              <a:t>Pietro Berkes, Sept 2018</a:t>
-            </a:r>
-          </a:p>
-        </p:txBody>
-      </p:sp>
-      <p:sp>
-        <p:nvSpPr>
-          <p:cNvPr id="9" name="Footer Placeholder 8"/>
-          <p:cNvSpPr>
-            <a:spLocks noGrp="1"/>
-          </p:cNvSpPr>
-          <p:nvPr>
-            <p:ph type="ftr" sz="quarter" idx="11"/>
-          </p:nvPr>
-        </p:nvSpPr>
-        <p:spPr/>
-        <p:txBody>
-          <a:bodyPr/>
-          <a:lstStyle/>
-          <a:p>
-            <a:r>
-              <a:rPr lang="en-US"/>
-              <a:t>Testing scientific code</a:t>
-            </a:r>
-          </a:p>
-        </p:txBody>
-      </p:sp>
-    </p:spTree>
-    <p:extLst>
-      <p:ext uri="{BB962C8B-B14F-4D97-AF65-F5344CB8AC3E}">
-        <p14:creationId xmlns:p14="http://schemas.microsoft.com/office/powerpoint/2010/main" val="1239101084"/>
-      </p:ext>
-    </p:extLst>
-  </p:cSld>
-  <p:clrMapOvr>
-    <a:masterClrMapping/>
-  </p:clrMapOvr>
-</p:sld>
-</file>
-
 <file path=ppt/slides/slide6.xml><?xml version="1.0" encoding="utf-8"?>
 <p:sld xmlns:a="http://schemas.openxmlformats.org/drawingml/2006/main" xmlns:r="http://schemas.openxmlformats.org/officeDocument/2006/relationships" xmlns:p="http://schemas.openxmlformats.org/presentationml/2006/main">
   <p:cSld>
@@ -12049,28 +16467,6 @@
         </p:nvSpPr>
         <p:spPr/>
         <p:txBody>
-          <a:bodyPr/>
-          <a:lstStyle/>
-          <a:p>
-            <a:r>
-              <a:rPr lang="en-US" dirty="0"/>
-              <a:t>How to optimize</a:t>
-            </a:r>
-          </a:p>
-        </p:txBody>
-      </p:sp>
-      <p:sp>
-        <p:nvSpPr>
-          <p:cNvPr id="3" name="Content Placeholder 2"/>
-          <p:cNvSpPr>
-            <a:spLocks noGrp="1"/>
-          </p:cNvSpPr>
-          <p:nvPr>
-            <p:ph idx="1"/>
-          </p:nvPr>
-        </p:nvSpPr>
-        <p:spPr/>
-        <p:txBody>
           <a:bodyPr>
             <a:normAutofit/>
           </a:bodyPr>
@@ -12078,96 +16474,118 @@
           <a:p>
             <a:r>
               <a:rPr lang="en-US" dirty="0"/>
-              <a:t>Usually, a small percentage of your code takes up most of the time</a:t>
-            </a:r>
-          </a:p>
-          <a:p>
-            <a:pPr marL="514350" indent="-514350">
-              <a:buFont typeface="+mj-lt"/>
-              <a:buAutoNum type="arabicPeriod"/>
-            </a:pPr>
+              <a:t>Optimization methods hierarchy</a:t>
+            </a:r>
+          </a:p>
+        </p:txBody>
+      </p:sp>
+      <p:sp>
+        <p:nvSpPr>
+          <p:cNvPr id="3" name="Content Placeholder 2"/>
+          <p:cNvSpPr>
+            <a:spLocks noGrp="1"/>
+          </p:cNvSpPr>
+          <p:nvPr>
+            <p:ph idx="1"/>
+          </p:nvPr>
+        </p:nvSpPr>
+        <p:spPr/>
+        <p:txBody>
+          <a:bodyPr>
+            <a:normAutofit/>
+          </a:bodyPr>
+          <a:lstStyle/>
+          <a:p>
             <a:r>
               <a:rPr lang="en-US" dirty="0"/>
-              <a:t>Identify time-consuming parts of the code</a:t>
+              <a:t>(This is mildly controversial)</a:t>
+            </a:r>
+          </a:p>
+          <a:p>
+            <a:r>
+              <a:rPr lang="en-US" dirty="0"/>
+              <a:t>In order of preference:</a:t>
+            </a:r>
+          </a:p>
+          <a:p>
+            <a:pPr lvl="1"/>
+            <a:r>
+              <a:rPr lang="en-US" dirty="0" err="1"/>
+              <a:t>Don’t do anything</a:t>
+            </a:r>
+          </a:p>
+          <a:p>
+            <a:pPr lvl="1"/>
+            <a:r>
+              <a:rPr lang="en-US" dirty="0" err="1"/>
+              <a:t>Vectorize</a:t>
+            </a:r>
+            <a:r>
+              <a:rPr lang="en-US" dirty="0"/>
+              <a:t> your code using </a:t>
+            </a:r>
+            <a:r>
+              <a:rPr lang="en-US" dirty="0" err="1"/>
+              <a:t>numpy</a:t>
+            </a:r>
+            <a:endParaRPr lang="en-US" dirty="0"/>
+          </a:p>
+          <a:p>
+            <a:pPr lvl="1"/>
+            <a:r>
+              <a:rPr lang="en-US" dirty="0"/>
+              <a:t>Spend some money on better hardware (faster machine, SSD), optimized libraries (e.g., Intel’s MKL)</a:t>
+            </a:r>
+          </a:p>
+          <a:p>
+            <a:pPr lvl="1"/>
+            <a:r>
+              <a:rPr lang="en-US" dirty="0"/>
+              <a:t>Use a “magic optimization” tool, like </a:t>
+            </a:r>
+            <a:r>
+              <a:rPr lang="en-US" dirty="0" err="1"/>
+              <a:t>numexpr, or numba; </a:t>
             </a:r>
             <a:br>
+              <a:rPr lang="en-US" dirty="0" err="1"/>
+            </a:br>
+            <a:r>
+              <a:rPr lang="en-US" dirty="0" err="1"/>
+              <a:t>or a “magic parallelization” tool, like joblib or dask</a:t>
+            </a:r>
+          </a:p>
+          <a:p>
+            <a:pPr lvl="1"/>
+            <a:r>
               <a:rPr lang="en-US" dirty="0"/>
-            </a:br>
+              <a:t>Use GPU acceleration</a:t>
+            </a:r>
+          </a:p>
+          <a:p>
+            <a:pPr lvl="1"/>
             <a:r>
               <a:rPr lang="en-US" dirty="0"/>
-              <a:t>Where’s the bottleneck? Computations? Disk I/O? </a:t>
-            </a:r>
-            <a:br>
+              <a:t>Use </a:t>
+            </a:r>
+            <a:r>
+              <a:rPr lang="en-US" dirty="0" err="1"/>
+              <a:t>Cython</a:t>
+            </a:r>
+            <a:endParaRPr lang="en-US" dirty="0"/>
+          </a:p>
+          <a:p>
+            <a:pPr lvl="1"/>
+            <a:r>
               <a:rPr lang="en-US" dirty="0"/>
-            </a:br>
-            <a:r>
-              <a:rPr lang="en-US" dirty="0"/>
-              <a:t>Memory I/O? (see also </a:t>
-            </a:r>
-            <a:r>
-              <a:rPr lang="en-US" dirty="0" err="1"/>
-              <a:t>Tiziano’s</a:t>
-            </a:r>
-            <a:r>
-              <a:rPr lang="en-US" dirty="0"/>
-              <a:t> class)</a:t>
-            </a:r>
-            <a:br>
-              <a:rPr lang="en-US" dirty="0"/>
-            </a:br>
-            <a:r>
-              <a:rPr lang="en-US" dirty="0"/>
-              <a:t>Use a profiler!</a:t>
-            </a:r>
-          </a:p>
-          <a:p>
-            <a:pPr marL="514350" indent="-514350">
-              <a:buFont typeface="+mj-lt"/>
-              <a:buAutoNum type="arabicPeriod"/>
-            </a:pPr>
-            <a:r>
-              <a:rPr lang="en-US" dirty="0"/>
-              <a:t>Only optimize those parts of the code</a:t>
-            </a:r>
-          </a:p>
-          <a:p>
-            <a:pPr marL="514350" indent="-514350">
-              <a:buFont typeface="+mj-lt"/>
-              <a:buAutoNum type="arabicPeriod"/>
-            </a:pPr>
-            <a:r>
-              <a:rPr lang="en-US" dirty="0"/>
-              <a:t>Keep running the tests to make sure that code is not broken</a:t>
-            </a:r>
-          </a:p>
-          <a:p>
-            <a:pPr marL="0" indent="0">
-              <a:buNone/>
-            </a:pPr>
-            <a:endParaRPr lang="en-US" dirty="0"/>
-          </a:p>
-          <a:p>
-            <a:r>
-              <a:rPr lang="en-US" dirty="0"/>
-              <a:t>Stop optimizing as soon as possible</a:t>
-            </a:r>
-            <a:br>
-              <a:rPr lang="en-US" dirty="0"/>
-            </a:br>
-            <a:endParaRPr lang="en-US" dirty="0"/>
-          </a:p>
-          <a:p>
-            <a:pPr marL="514350" indent="-514350">
-              <a:buFont typeface="+mj-lt"/>
-              <a:buAutoNum type="arabicPeriod"/>
-            </a:pPr>
-            <a:endParaRPr lang="en-US" dirty="0"/>
-          </a:p>
-        </p:txBody>
-      </p:sp>
-      <p:sp>
-        <p:nvSpPr>
-          <p:cNvPr id="5" name="Date Placeholder 4"/>
+              <a:t>Parallelize your code</a:t>
+            </a:r>
+          </a:p>
+        </p:txBody>
+      </p:sp>
+      <p:sp>
+        <p:nvSpPr>
+          <p:cNvPr id="6" name="Date Placeholder 5"/>
           <p:cNvSpPr>
             <a:spLocks noGrp="1"/>
           </p:cNvSpPr>
@@ -12180,21 +16598,50 @@
           <a:bodyPr/>
           <a:lstStyle/>
           <a:p>
+            <a:fld id="{6D750DC8-0C38-884B-B5DB-821F2B388C5C}" type="datetime3">
+              <a:rPr lang="en-US" smtClean="0"/>
+              <a:t>24 August 2018</a:t>
+            </a:fld>
+            <a:endParaRPr lang="en-US"/>
+          </a:p>
+        </p:txBody>
+      </p:sp>
+      <p:sp>
+        <p:nvSpPr>
+          <p:cNvPr id="9" name="Footer Placeholder 8"/>
+          <p:cNvSpPr>
+            <a:spLocks noGrp="1"/>
+          </p:cNvSpPr>
+          <p:nvPr>
+            <p:ph type="ftr" sz="quarter" idx="11"/>
+          </p:nvPr>
+        </p:nvSpPr>
+        <p:spPr/>
+        <p:txBody>
+          <a:bodyPr/>
+          <a:lstStyle/>
+          <a:p>
             <a:r>
               <a:rPr lang="en-US"/>
-              <a:t>Pietro Berkes, Sept 2018</a:t>
-            </a:r>
-          </a:p>
-        </p:txBody>
-      </p:sp>
-      <p:sp>
-        <p:nvSpPr>
-          <p:cNvPr id="6" name="Footer Placeholder 5"/>
+              <a:t>Optimizing and profiling</a:t>
+            </a:r>
+          </a:p>
+        </p:txBody>
+      </p:sp>
+      <p:sp>
+        <p:nvSpPr>
+          <p:cNvPr id="4" name="Slide Number Placeholder 3">
+            <a:extLst>
+              <a:ext uri="{FF2B5EF4-FFF2-40B4-BE49-F238E27FC236}">
+                <a16:creationId xmlns:a16="http://schemas.microsoft.com/office/drawing/2014/main" id="{22A1D6FA-56D4-0D4D-82AF-032EA97125C6}"/>
+              </a:ext>
+            </a:extLst>
+          </p:cNvPr>
           <p:cNvSpPr>
             <a:spLocks noGrp="1"/>
           </p:cNvSpPr>
           <p:nvPr>
-            <p:ph type="ftr" sz="quarter" idx="11"/>
+            <p:ph type="sldNum" sz="quarter" idx="12"/>
           </p:nvPr>
         </p:nvSpPr>
         <p:spPr/>
@@ -12202,17 +16649,19 @@
           <a:bodyPr/>
           <a:lstStyle/>
           <a:p>
-            <a:r>
-              <a:rPr lang="en-US"/>
-              <a:t>Testing scientific code</a:t>
-            </a:r>
+            <a:fld id="{EF79ADEA-B933-47CC-A4E9-04E6298B917C}" type="slidenum">
+              <a:rPr lang="en-US" smtClean="0"/>
+              <a:pPr/>
+              <a:t>6</a:t>
+            </a:fld>
+            <a:endParaRPr lang="en-US"/>
           </a:p>
         </p:txBody>
       </p:sp>
     </p:spTree>
     <p:extLst>
       <p:ext uri="{BB962C8B-B14F-4D97-AF65-F5344CB8AC3E}">
-        <p14:creationId xmlns:p14="http://schemas.microsoft.com/office/powerpoint/2010/main" val="849293537"/>
+        <p14:creationId xmlns:p14="http://schemas.microsoft.com/office/powerpoint/2010/main" val="1239101084"/>
       </p:ext>
     </p:extLst>
   </p:cSld>
@@ -12255,19 +16704,9 @@
           <a:lstStyle/>
           <a:p>
             <a:r>
-              <a:rPr lang="en-GB" dirty="0" err="1">
-                <a:cs typeface="Courier New" pitchFamily="49" charset="0"/>
-              </a:rPr>
-              <a:t>Measuring time: </a:t>
-            </a:r>
-            <a:r>
-              <a:rPr lang="en-GB" dirty="0" err="1">
-                <a:latin typeface="Courier New" pitchFamily="49" charset="0"/>
-                <a:cs typeface="Courier New" pitchFamily="49" charset="0"/>
-              </a:rPr>
-              <a:t>timeit</a:t>
-            </a:r>
-            <a:endParaRPr lang="en-GB" dirty="0"/>
+              <a:rPr lang="en-US" dirty="0"/>
+              <a:t>How to optimize</a:t>
+            </a:r>
           </a:p>
         </p:txBody>
       </p:sp>
@@ -12278,79 +16717,108 @@
             <a:spLocks noGrp="1"/>
           </p:cNvSpPr>
           <p:nvPr>
-            <p:ph sz="quarter" idx="1"/>
+            <p:ph idx="1"/>
           </p:nvPr>
         </p:nvSpPr>
         <p:spPr/>
         <p:txBody>
           <a:bodyPr>
-            <a:noAutofit/>
+            <a:normAutofit/>
           </a:bodyPr>
           <a:lstStyle/>
           <a:p>
             <a:r>
-              <a:rPr lang="en-GB" dirty="0"/>
-              <a:t>IPython magic command: </a:t>
-            </a:r>
-            <a:r>
-              <a:rPr lang="en-GB" dirty="0">
-                <a:latin typeface="Courier New" pitchFamily="49" charset="0"/>
-                <a:cs typeface="Courier New" pitchFamily="49" charset="0"/>
-              </a:rPr>
-              <a:t>%</a:t>
-            </a:r>
-            <a:r>
-              <a:rPr lang="en-GB" dirty="0" err="1">
-                <a:latin typeface="Courier New" pitchFamily="49" charset="0"/>
-                <a:cs typeface="Courier New" pitchFamily="49" charset="0"/>
-              </a:rPr>
-              <a:t>timeit</a:t>
-            </a:r>
-            <a:endParaRPr lang="en-GB" dirty="0"/>
-          </a:p>
-          <a:p>
-            <a:r>
-              <a:rPr lang="en-GB" dirty="0"/>
-              <a:t>Precise timing of a function/expression</a:t>
-            </a:r>
-          </a:p>
-          <a:p>
-            <a:r>
-              <a:rPr lang="en-GB" dirty="0"/>
-              <a:t>Test different versions of a small amount of code, often used in interactive Python shell</a:t>
+              <a:rPr lang="en-US" dirty="0"/>
+              <a:t>Usually, a small percentage of your code takes up most of the time</a:t>
+            </a:r>
+          </a:p>
+          <a:p>
+            <a:pPr marL="514350" indent="-514350">
+              <a:buFont typeface="+mj-lt"/>
+              <a:buAutoNum type="arabicPeriod"/>
+            </a:pPr>
+            <a:r>
+              <a:rPr lang="en-US" dirty="0"/>
+              <a:t>Identify time-consuming parts of the code</a:t>
             </a:r>
             <a:br>
-              <a:rPr lang="en-GB" dirty="0"/>
+              <a:rPr lang="en-US" dirty="0"/>
             </a:br>
+            <a:r>
+              <a:rPr lang="en-US" dirty="0"/>
+              <a:t>Where’s the bottleneck? Computations? Disk I/O? </a:t>
+            </a:r>
             <a:br>
-              <a:rPr lang="en-GB" dirty="0"/>
+              <a:rPr lang="en-US" dirty="0"/>
             </a:br>
             <a:r>
-              <a:rPr lang="en-GB" sz="2000" dirty="0">
-                <a:latin typeface="Courier New"/>
-                <a:cs typeface="Courier New"/>
-              </a:rPr>
-              <a:t>In [6]: %timeit cube(123)</a:t>
+              <a:rPr lang="en-US" dirty="0"/>
+              <a:t>Memory I/O? (see also </a:t>
+            </a:r>
+            <a:r>
+              <a:rPr lang="en-US" dirty="0" err="1"/>
+              <a:t>Tiziano’s</a:t>
+            </a:r>
+            <a:r>
+              <a:rPr lang="en-US" dirty="0"/>
+              <a:t> class)</a:t>
             </a:r>
             <a:br>
-              <a:rPr lang="en-GB" sz="2000" dirty="0">
-                <a:latin typeface="Courier New"/>
-                <a:cs typeface="Courier New"/>
-              </a:rPr>
+              <a:rPr lang="en-US" dirty="0"/>
             </a:br>
             <a:r>
-              <a:rPr lang="en-GB" sz="2000" dirty="0">
-                <a:latin typeface="Courier New"/>
-                <a:cs typeface="Courier New"/>
-              </a:rPr>
-              <a:t>10000000 loops, best of 3: 185 ns per loop</a:t>
-            </a:r>
-          </a:p>
-        </p:txBody>
-      </p:sp>
-      <p:sp>
-        <p:nvSpPr>
-          <p:cNvPr id="4" name="Date Placeholder 3"/>
+              <a:rPr lang="en-US" dirty="0"/>
+              <a:t>Use a profiler!</a:t>
+            </a:r>
+          </a:p>
+          <a:p>
+            <a:pPr marL="514350" indent="-514350">
+              <a:buFont typeface="+mj-lt"/>
+              <a:buAutoNum type="arabicPeriod"/>
+            </a:pPr>
+            <a:r>
+              <a:rPr lang="en-US" dirty="0"/>
+              <a:t>Only optimize those parts of the code</a:t>
+            </a:r>
+          </a:p>
+          <a:p>
+            <a:pPr marL="514350" indent="-514350">
+              <a:buFont typeface="+mj-lt"/>
+              <a:buAutoNum type="arabicPeriod"/>
+            </a:pPr>
+            <a:r>
+              <a:rPr lang="en-US" dirty="0"/>
+              <a:t>Keep running the tests to make sure that code is not broken</a:t>
+            </a:r>
+          </a:p>
+          <a:p>
+            <a:pPr marL="0" indent="0">
+              <a:buNone/>
+            </a:pPr>
+            <a:endParaRPr lang="en-US" dirty="0"/>
+          </a:p>
+          <a:p>
+            <a:r>
+              <a:rPr lang="en-US" dirty="0"/>
+              <a:t>Stop optimizing as soon as possible</a:t>
+            </a:r>
+            <a:br>
+              <a:rPr lang="en-US" dirty="0"/>
+            </a:br>
+            <a:endParaRPr lang="en-US" dirty="0"/>
+          </a:p>
+          <a:p>
+            <a:pPr marL="514350" indent="-514350">
+              <a:buFont typeface="+mj-lt"/>
+              <a:buAutoNum type="arabicPeriod"/>
+            </a:pPr>
+            <a:endParaRPr lang="en-US" dirty="0"/>
+          </a:p>
+        </p:txBody>
+      </p:sp>
+      <p:sp>
+        <p:nvSpPr>
+          <p:cNvPr id="5" name="Date Placeholder 4"/>
           <p:cNvSpPr>
             <a:spLocks noGrp="1"/>
           </p:cNvSpPr>
@@ -12363,21 +16831,50 @@
           <a:bodyPr/>
           <a:lstStyle/>
           <a:p>
+            <a:fld id="{16D42553-8134-694E-B259-1E40507E9FDE}" type="datetime3">
+              <a:rPr lang="en-US" smtClean="0"/>
+              <a:t>24 August 2018</a:t>
+            </a:fld>
+            <a:endParaRPr lang="en-US"/>
+          </a:p>
+        </p:txBody>
+      </p:sp>
+      <p:sp>
+        <p:nvSpPr>
+          <p:cNvPr id="6" name="Footer Placeholder 5"/>
+          <p:cNvSpPr>
+            <a:spLocks noGrp="1"/>
+          </p:cNvSpPr>
+          <p:nvPr>
+            <p:ph type="ftr" sz="quarter" idx="11"/>
+          </p:nvPr>
+        </p:nvSpPr>
+        <p:spPr/>
+        <p:txBody>
+          <a:bodyPr/>
+          <a:lstStyle/>
+          <a:p>
             <a:r>
               <a:rPr lang="en-US"/>
-              <a:t>Pietro Berkes, Sept 2018</a:t>
-            </a:r>
-          </a:p>
-        </p:txBody>
-      </p:sp>
-      <p:sp>
-        <p:nvSpPr>
-          <p:cNvPr id="5" name="Footer Placeholder 4"/>
+              <a:t>Optimizing and profiling</a:t>
+            </a:r>
+          </a:p>
+        </p:txBody>
+      </p:sp>
+      <p:sp>
+        <p:nvSpPr>
+          <p:cNvPr id="4" name="Slide Number Placeholder 3">
+            <a:extLst>
+              <a:ext uri="{FF2B5EF4-FFF2-40B4-BE49-F238E27FC236}">
+                <a16:creationId xmlns:a16="http://schemas.microsoft.com/office/drawing/2014/main" id="{F358F0E5-2A12-0A43-951A-C102C10BCB93}"/>
+              </a:ext>
+            </a:extLst>
+          </p:cNvPr>
           <p:cNvSpPr>
             <a:spLocks noGrp="1"/>
           </p:cNvSpPr>
           <p:nvPr>
-            <p:ph type="ftr" sz="quarter" idx="11"/>
+            <p:ph type="sldNum" sz="quarter" idx="12"/>
           </p:nvPr>
         </p:nvSpPr>
         <p:spPr/>
@@ -12385,14 +16882,21 @@
           <a:bodyPr/>
           <a:lstStyle/>
           <a:p>
-            <a:r>
-              <a:rPr lang="en-US"/>
-              <a:t>Testing scientific code</a:t>
-            </a:r>
+            <a:fld id="{EF79ADEA-B933-47CC-A4E9-04E6298B917C}" type="slidenum">
+              <a:rPr lang="en-US" smtClean="0"/>
+              <a:pPr/>
+              <a:t>7</a:t>
+            </a:fld>
+            <a:endParaRPr lang="en-US"/>
           </a:p>
         </p:txBody>
       </p:sp>
     </p:spTree>
+    <p:extLst>
+      <p:ext uri="{BB962C8B-B14F-4D97-AF65-F5344CB8AC3E}">
+        <p14:creationId xmlns:p14="http://schemas.microsoft.com/office/powerpoint/2010/main" val="849293537"/>
+      </p:ext>
+    </p:extLst>
   </p:cSld>
   <p:clrMapOvr>
     <a:masterClrMapping/>
@@ -12433,9 +16937,19 @@
           <a:lstStyle/>
           <a:p>
             <a:r>
-              <a:rPr lang="en-US"/>
-              <a:t>Hands-on!</a:t>
-            </a:r>
+              <a:rPr lang="en-GB" dirty="0" err="1">
+                <a:cs typeface="Courier New" pitchFamily="49" charset="0"/>
+              </a:rPr>
+              <a:t>Measuring time: </a:t>
+            </a:r>
+            <a:r>
+              <a:rPr lang="en-GB" dirty="0" err="1">
+                <a:latin typeface="Courier New" pitchFamily="49" charset="0"/>
+                <a:cs typeface="Courier New" pitchFamily="49" charset="0"/>
+              </a:rPr>
+              <a:t>timeit</a:t>
+            </a:r>
+            <a:endParaRPr lang="en-GB" dirty="0"/>
           </a:p>
         </p:txBody>
       </p:sp>
@@ -12451,115 +16965,147 @@
         </p:nvSpPr>
         <p:spPr/>
         <p:txBody>
-          <a:bodyPr/>
-          <a:lstStyle/>
-          <a:p>
-            <a:r>
-              <a:rPr lang="en-US"/>
-              <a:t>Write a dot product function in pure Python and time it in IPython using </a:t>
-            </a:r>
-            <a:r>
-              <a:rPr lang="en-US">
+          <a:bodyPr>
+            <a:noAutofit/>
+          </a:bodyPr>
+          <a:lstStyle/>
+          <a:p>
+            <a:r>
+              <a:rPr lang="en-GB" dirty="0"/>
+              <a:t>IPython magic command: </a:t>
+            </a:r>
+            <a:r>
+              <a:rPr lang="en-GB" dirty="0">
+                <a:latin typeface="Courier New" pitchFamily="49" charset="0"/>
+                <a:cs typeface="Courier New" pitchFamily="49" charset="0"/>
+              </a:rPr>
+              <a:t>%</a:t>
+            </a:r>
+            <a:r>
+              <a:rPr lang="en-GB" dirty="0" err="1">
+                <a:latin typeface="Courier New" pitchFamily="49" charset="0"/>
+                <a:cs typeface="Courier New" pitchFamily="49" charset="0"/>
+              </a:rPr>
+              <a:t>timeit</a:t>
+            </a:r>
+            <a:endParaRPr lang="en-GB" dirty="0"/>
+          </a:p>
+          <a:p>
+            <a:r>
+              <a:rPr lang="en-GB" dirty="0"/>
+              <a:t>Precise timing of a function/expression</a:t>
+            </a:r>
+          </a:p>
+          <a:p>
+            <a:r>
+              <a:rPr lang="en-GB" dirty="0"/>
+              <a:t>Test different versions of a small amount of code, often used in interactive Python shell</a:t>
+            </a:r>
+            <a:br>
+              <a:rPr lang="en-GB" dirty="0"/>
+            </a:br>
+            <a:br>
+              <a:rPr lang="en-GB" dirty="0"/>
+            </a:br>
+            <a:r>
+              <a:rPr lang="en-GB" sz="2000" dirty="0">
                 <a:latin typeface="Courier New"/>
                 <a:cs typeface="Courier New"/>
               </a:rPr>
-              <a:t>%timeit</a:t>
-            </a:r>
+              <a:t>In [6]: %timeit cube(123)</a:t>
+            </a:r>
+            <a:br>
+              <a:rPr lang="en-GB" sz="2000" dirty="0">
+                <a:latin typeface="Courier New"/>
+                <a:cs typeface="Courier New"/>
+              </a:rPr>
+            </a:br>
+            <a:r>
+              <a:rPr lang="en-GB" sz="2000" dirty="0">
+                <a:latin typeface="Courier New"/>
+                <a:cs typeface="Courier New"/>
+              </a:rPr>
+              <a:t>10000000 loops, best of 3: 185 ns per loop</a:t>
+            </a:r>
+          </a:p>
+        </p:txBody>
+      </p:sp>
+      <p:sp>
+        <p:nvSpPr>
+          <p:cNvPr id="4" name="Date Placeholder 3"/>
+          <p:cNvSpPr>
+            <a:spLocks noGrp="1"/>
+          </p:cNvSpPr>
+          <p:nvPr>
+            <p:ph type="dt" sz="half" idx="10"/>
+          </p:nvPr>
+        </p:nvSpPr>
+        <p:spPr/>
+        <p:txBody>
+          <a:bodyPr/>
+          <a:lstStyle/>
+          <a:p>
+            <a:fld id="{5A81B0F4-7747-9145-A4AB-73B1BCE3355D}" type="datetime3">
+              <a:rPr lang="en-US" smtClean="0"/>
+              <a:t>24 August 2018</a:t>
+            </a:fld>
+            <a:endParaRPr lang="en-US"/>
+          </a:p>
+        </p:txBody>
+      </p:sp>
+      <p:sp>
+        <p:nvSpPr>
+          <p:cNvPr id="5" name="Footer Placeholder 4"/>
+          <p:cNvSpPr>
+            <a:spLocks noGrp="1"/>
+          </p:cNvSpPr>
+          <p:nvPr>
+            <p:ph type="ftr" sz="quarter" idx="11"/>
+          </p:nvPr>
+        </p:nvSpPr>
+        <p:spPr/>
+        <p:txBody>
+          <a:bodyPr/>
+          <a:lstStyle/>
+          <a:p>
             <a:r>
               <a:rPr lang="en-US"/>
-              <a:t>:</a:t>
-            </a:r>
-            <a:br>
-              <a:rPr lang="en-US"/>
-            </a:br>
-            <a:br>
-              <a:rPr lang="en-US"/>
-            </a:br>
-            <a:r>
-              <a:rPr lang="en-US"/>
-              <a:t>dot_product(x, y) is </a:t>
-            </a:r>
-            <a:br>
-              <a:rPr lang="en-US"/>
-            </a:br>
-            <a:r>
-              <a:rPr lang="en-US"/>
-              <a:t>x[1] * y[1] + x[2] * y[2] + … + x[N] * y[N]</a:t>
-            </a:r>
-          </a:p>
-          <a:p>
+              <a:t>Optimizing and profiling</a:t>
+            </a:r>
+          </a:p>
+        </p:txBody>
+      </p:sp>
+      <p:sp>
+        <p:nvSpPr>
+          <p:cNvPr id="6" name="Slide Number Placeholder 5">
+            <a:extLst>
+              <a:ext uri="{FF2B5EF4-FFF2-40B4-BE49-F238E27FC236}">
+                <a16:creationId xmlns:a16="http://schemas.microsoft.com/office/drawing/2014/main" id="{746ED00E-AD10-814F-A7D1-775919BF2CD3}"/>
+              </a:ext>
+            </a:extLst>
+          </p:cNvPr>
+          <p:cNvSpPr>
+            <a:spLocks noGrp="1"/>
+          </p:cNvSpPr>
+          <p:nvPr>
+            <p:ph type="sldNum" sz="quarter" idx="12"/>
+          </p:nvPr>
+        </p:nvSpPr>
+        <p:spPr/>
+        <p:txBody>
+          <a:bodyPr/>
+          <a:lstStyle/>
+          <a:p>
+            <a:fld id="{EF79ADEA-B933-47CC-A4E9-04E6298B917C}" type="slidenum">
+              <a:rPr lang="en-US" smtClean="0"/>
+              <a:pPr/>
+              <a:t>8</a:t>
+            </a:fld>
             <a:endParaRPr lang="en-US"/>
           </a:p>
-          <a:p>
-            <a:r>
-              <a:rPr lang="en-US"/>
-              <a:t>Write a version using numpy (vectorized), time it again</a:t>
-            </a:r>
-          </a:p>
-          <a:p>
-            <a:r>
-              <a:rPr lang="en-US"/>
-              <a:t>Time numpy.dot</a:t>
-            </a:r>
-          </a:p>
-          <a:p>
-            <a:r>
-              <a:rPr lang="en-US"/>
-              <a:t>Try with large (1000 elements) and small vectors (5 elements)</a:t>
-            </a:r>
-          </a:p>
-        </p:txBody>
-      </p:sp>
-      <p:sp>
-        <p:nvSpPr>
-          <p:cNvPr id="6" name="Date Placeholder 5"/>
-          <p:cNvSpPr>
-            <a:spLocks noGrp="1"/>
-          </p:cNvSpPr>
-          <p:nvPr>
-            <p:ph type="dt" sz="half" idx="10"/>
-          </p:nvPr>
-        </p:nvSpPr>
-        <p:spPr/>
-        <p:txBody>
-          <a:bodyPr/>
-          <a:lstStyle/>
-          <a:p>
-            <a:r>
-              <a:rPr lang="en-US"/>
-              <a:t>Pietro Berkes, Sept 2018</a:t>
-            </a:r>
-          </a:p>
-        </p:txBody>
-      </p:sp>
-      <p:sp>
-        <p:nvSpPr>
-          <p:cNvPr id="7" name="Footer Placeholder 6"/>
-          <p:cNvSpPr>
-            <a:spLocks noGrp="1"/>
-          </p:cNvSpPr>
-          <p:nvPr>
-            <p:ph type="ftr" sz="quarter" idx="11"/>
-          </p:nvPr>
-        </p:nvSpPr>
-        <p:spPr/>
-        <p:txBody>
-          <a:bodyPr/>
-          <a:lstStyle/>
-          <a:p>
-            <a:r>
-              <a:rPr lang="en-US"/>
-              <a:t>Testing scientific code</a:t>
-            </a:r>
-          </a:p>
         </p:txBody>
       </p:sp>
     </p:spTree>
-    <p:extLst>
-      <p:ext uri="{BB962C8B-B14F-4D97-AF65-F5344CB8AC3E}">
-        <p14:creationId xmlns:p14="http://schemas.microsoft.com/office/powerpoint/2010/main" val="884339064"/>
-      </p:ext>
-    </p:extLst>
   </p:cSld>
   <p:clrMapOvr>
     <a:masterClrMapping/>
@@ -12586,97 +17132,132 @@
       </p:grpSpPr>
       <p:sp>
         <p:nvSpPr>
-          <p:cNvPr id="2" name="Curved Up Ribbon 1"/>
-          <p:cNvSpPr/>
-          <p:nvPr/>
-        </p:nvSpPr>
-        <p:spPr>
-          <a:xfrm>
-            <a:off x="2000232" y="1285860"/>
-            <a:ext cx="5143536" cy="1928826"/>
-          </a:xfrm>
-          <a:prstGeom prst="ellipseRibbon2">
-            <a:avLst>
-              <a:gd name="adj1" fmla="val 37115"/>
-              <a:gd name="adj2" fmla="val 68903"/>
-              <a:gd name="adj3" fmla="val 12500"/>
-            </a:avLst>
-          </a:prstGeom>
-          <a:solidFill>
-            <a:schemeClr val="accent1"/>
-          </a:solidFill>
-        </p:spPr>
-        <p:style>
-          <a:lnRef idx="1">
-            <a:schemeClr val="accent2"/>
-          </a:lnRef>
-          <a:fillRef idx="3">
-            <a:schemeClr val="accent2"/>
-          </a:fillRef>
-          <a:effectRef idx="2">
-            <a:schemeClr val="accent2"/>
-          </a:effectRef>
-          <a:fontRef idx="minor">
-            <a:schemeClr val="lt1"/>
-          </a:fontRef>
-        </p:style>
-        <p:txBody>
-          <a:bodyPr rtlCol="0" anchor="ctr"/>
-          <a:lstStyle/>
-          <a:p>
-            <a:pPr algn="ctr"/>
-            <a:r>
-              <a:rPr lang="en-GB" sz="4400" b="1" dirty="0"/>
-              <a:t>factorial</a:t>
-            </a:r>
-          </a:p>
-        </p:txBody>
-      </p:sp>
-      <p:sp>
-        <p:nvSpPr>
-          <p:cNvPr id="3" name="Rectangle 2"/>
-          <p:cNvSpPr/>
-          <p:nvPr/>
-        </p:nvSpPr>
-        <p:spPr>
-          <a:xfrm>
-            <a:off x="1475656" y="4005064"/>
-            <a:ext cx="6606480" cy="830997"/>
-          </a:xfrm>
-          <a:prstGeom prst="rect">
-            <a:avLst/>
-          </a:prstGeom>
-        </p:spPr>
-        <p:txBody>
-          <a:bodyPr wrap="square">
-            <a:spAutoFit/>
-          </a:bodyPr>
-          <a:lstStyle/>
-          <a:p>
-            <a:r>
-              <a:rPr lang="en-US">
-                <a:latin typeface="+mn-lt"/>
-              </a:rPr>
-              <a:t>Follow with me while we profile the file</a:t>
-            </a:r>
-            <a:br>
-              <a:rPr lang="en-US">
-                <a:latin typeface="+mn-lt"/>
-              </a:rPr>
-            </a:br>
-            <a:r>
-              <a:rPr lang="en-US">
+          <p:cNvPr id="2" name="Title 1"/>
+          <p:cNvSpPr>
+            <a:spLocks noGrp="1"/>
+          </p:cNvSpPr>
+          <p:nvPr>
+            <p:ph type="title"/>
+          </p:nvPr>
+        </p:nvSpPr>
+        <p:spPr/>
+        <p:txBody>
+          <a:bodyPr/>
+          <a:lstStyle/>
+          <a:p>
+            <a:r>
+              <a:rPr lang="en-US"/>
+              <a:t>Hands-on!</a:t>
+            </a:r>
+          </a:p>
+        </p:txBody>
+      </p:sp>
+      <p:sp>
+        <p:nvSpPr>
+          <p:cNvPr id="3" name="Content Placeholder 2"/>
+          <p:cNvSpPr>
+            <a:spLocks noGrp="1"/>
+          </p:cNvSpPr>
+          <p:nvPr>
+            <p:ph sz="quarter" idx="1"/>
+          </p:nvPr>
+        </p:nvSpPr>
+        <p:spPr/>
+        <p:txBody>
+          <a:bodyPr/>
+          <a:lstStyle/>
+          <a:p>
+            <a:r>
+              <a:rPr lang="en-US" dirty="0"/>
+              <a:t>Write a dot product function in pure Python (i.e., with a for loop) and time it in </a:t>
+            </a:r>
+            <a:r>
+              <a:rPr lang="en-US" dirty="0" err="1"/>
+              <a:t>IPython</a:t>
+            </a:r>
+            <a:r>
+              <a:rPr lang="en-US" dirty="0"/>
+              <a:t> using </a:t>
+            </a:r>
+            <a:r>
+              <a:rPr lang="en-US" dirty="0">
                 <a:latin typeface="Courier New"/>
                 <a:cs typeface="Courier New"/>
               </a:rPr>
-              <a:t>hands_on/factorial/factorial.py</a:t>
-            </a:r>
-          </a:p>
-        </p:txBody>
-      </p:sp>
-      <p:sp>
-        <p:nvSpPr>
-          <p:cNvPr id="4" name="Date Placeholder 3"/>
+              <a:t>%</a:t>
+            </a:r>
+            <a:r>
+              <a:rPr lang="en-US" dirty="0" err="1">
+                <a:latin typeface="Courier New"/>
+                <a:cs typeface="Courier New"/>
+              </a:rPr>
+              <a:t>timeit</a:t>
+            </a:r>
+            <a:r>
+              <a:rPr lang="en-US" dirty="0"/>
+              <a:t>:</a:t>
+            </a:r>
+            <a:br>
+              <a:rPr lang="en-US" dirty="0"/>
+            </a:br>
+            <a:br>
+              <a:rPr lang="en-US" dirty="0"/>
+            </a:br>
+            <a:r>
+              <a:rPr lang="en-US" dirty="0" err="1"/>
+              <a:t>dot_product</a:t>
+            </a:r>
+            <a:r>
+              <a:rPr lang="en-US" dirty="0"/>
+              <a:t>(x, y) is </a:t>
+            </a:r>
+            <a:br>
+              <a:rPr lang="en-US" dirty="0"/>
+            </a:br>
+            <a:r>
+              <a:rPr lang="en-US" dirty="0"/>
+              <a:t>x[1] * y[1] + x[2] * y[2] + … + x[N] * y[N]</a:t>
+            </a:r>
+          </a:p>
+          <a:p>
+            <a:endParaRPr lang="en-US" dirty="0"/>
+          </a:p>
+          <a:p>
+            <a:r>
+              <a:rPr lang="en-US" dirty="0"/>
+              <a:t>Write a version using </a:t>
+            </a:r>
+            <a:r>
+              <a:rPr lang="en-US" dirty="0" err="1"/>
+              <a:t>numpy</a:t>
+            </a:r>
+            <a:r>
+              <a:rPr lang="en-US" dirty="0"/>
+              <a:t> (vectorized), time it again</a:t>
+            </a:r>
+          </a:p>
+          <a:p>
+            <a:r>
+              <a:rPr lang="en-US" dirty="0"/>
+              <a:t>Time </a:t>
+            </a:r>
+            <a:r>
+              <a:rPr lang="en-US" dirty="0" err="1"/>
+              <a:t>numpy.dot</a:t>
+            </a:r>
+            <a:endParaRPr lang="en-US" dirty="0"/>
+          </a:p>
+          <a:p>
+            <a:r>
+              <a:rPr lang="en-US" dirty="0"/>
+              <a:t>Try with large (1000 elements) and small vectors (5 elements)</a:t>
+            </a:r>
+          </a:p>
+        </p:txBody>
+      </p:sp>
+      <p:sp>
+        <p:nvSpPr>
+          <p:cNvPr id="6" name="Date Placeholder 5"/>
           <p:cNvSpPr>
             <a:spLocks noGrp="1"/>
           </p:cNvSpPr>
@@ -12689,21 +17270,50 @@
           <a:bodyPr/>
           <a:lstStyle/>
           <a:p>
+            <a:fld id="{8335CCD4-CF8D-1A48-B302-35A911DB186F}" type="datetime3">
+              <a:rPr lang="en-US" smtClean="0"/>
+              <a:t>24 August 2018</a:t>
+            </a:fld>
+            <a:endParaRPr lang="en-US"/>
+          </a:p>
+        </p:txBody>
+      </p:sp>
+      <p:sp>
+        <p:nvSpPr>
+          <p:cNvPr id="7" name="Footer Placeholder 6"/>
+          <p:cNvSpPr>
+            <a:spLocks noGrp="1"/>
+          </p:cNvSpPr>
+          <p:nvPr>
+            <p:ph type="ftr" sz="quarter" idx="11"/>
+          </p:nvPr>
+        </p:nvSpPr>
+        <p:spPr/>
+        <p:txBody>
+          <a:bodyPr/>
+          <a:lstStyle/>
+          <a:p>
             <a:r>
               <a:rPr lang="en-US"/>
-              <a:t>Pietro Berkes, Sept 2018</a:t>
-            </a:r>
-          </a:p>
-        </p:txBody>
-      </p:sp>
-      <p:sp>
-        <p:nvSpPr>
-          <p:cNvPr id="5" name="Footer Placeholder 4"/>
+              <a:t>Optimizing and profiling</a:t>
+            </a:r>
+          </a:p>
+        </p:txBody>
+      </p:sp>
+      <p:sp>
+        <p:nvSpPr>
+          <p:cNvPr id="4" name="Slide Number Placeholder 3">
+            <a:extLst>
+              <a:ext uri="{FF2B5EF4-FFF2-40B4-BE49-F238E27FC236}">
+                <a16:creationId xmlns:a16="http://schemas.microsoft.com/office/drawing/2014/main" id="{706D0F0D-1F96-5E45-B805-6C9499ACAF94}"/>
+              </a:ext>
+            </a:extLst>
+          </p:cNvPr>
           <p:cNvSpPr>
             <a:spLocks noGrp="1"/>
           </p:cNvSpPr>
           <p:nvPr>
-            <p:ph type="ftr" sz="quarter" idx="11"/>
+            <p:ph type="sldNum" sz="quarter" idx="12"/>
           </p:nvPr>
         </p:nvSpPr>
         <p:spPr/>
@@ -12711,30 +17321,25 @@
           <a:bodyPr/>
           <a:lstStyle/>
           <a:p>
-            <a:r>
-              <a:rPr lang="en-US"/>
-              <a:t>Testing scientific code</a:t>
-            </a:r>
+            <a:fld id="{EF79ADEA-B933-47CC-A4E9-04E6298B917C}" type="slidenum">
+              <a:rPr lang="en-US" smtClean="0"/>
+              <a:pPr/>
+              <a:t>9</a:t>
+            </a:fld>
+            <a:endParaRPr lang="en-US"/>
           </a:p>
         </p:txBody>
       </p:sp>
     </p:spTree>
     <p:extLst>
       <p:ext uri="{BB962C8B-B14F-4D97-AF65-F5344CB8AC3E}">
-        <p14:creationId xmlns:p14="http://schemas.microsoft.com/office/powerpoint/2010/main" val="1345544293"/>
+        <p14:creationId xmlns:p14="http://schemas.microsoft.com/office/powerpoint/2010/main" val="884339064"/>
       </p:ext>
     </p:extLst>
   </p:cSld>
   <p:clrMapOvr>
     <a:masterClrMapping/>
   </p:clrMapOvr>
-  <p:transition>
-    <p:sndAc>
-      <p:stSnd>
-        <p:snd r:embed="rId2" name="drumroll.wav"/>
-      </p:stSnd>
-    </p:sndAc>
-  </p:transition>
 </p:sld>
 </file>
 

--- a/profiling.pptx
+++ b/profiling.pptx
@@ -7370,7 +7370,7 @@
             <a:fld id="{80AC11AF-147E-0A48-A5B0-8DA858D84551}" type="datetimeFigureOut">
               <a:rPr lang="en-US" smtClean="0"/>
               <a:pPr/>
-              <a:t>8/24/18</a:t>
+              <a:t>9/1/18</a:t>
             </a:fld>
             <a:endParaRPr lang="en-US"/>
           </a:p>
@@ -9130,7 +9130,7 @@
           <a:p>
             <a:fld id="{385F5347-8FB3-ED4C-BA03-C57A0A4669E9}" type="datetime3">
               <a:rPr lang="en-US" smtClean="0"/>
-              <a:t>24 August 2018</a:t>
+              <a:t>1 September 2018</a:t>
             </a:fld>
             <a:endParaRPr lang="en-US"/>
           </a:p>
@@ -9298,7 +9298,7 @@
           <a:p>
             <a:fld id="{9ACA05F4-8663-8641-938C-34A3D0CE2413}" type="datetime3">
               <a:rPr lang="en-US" smtClean="0"/>
-              <a:t>24 August 2018</a:t>
+              <a:t>1 September 2018</a:t>
             </a:fld>
             <a:endParaRPr lang="en-US"/>
           </a:p>
@@ -9598,7 +9598,7 @@
           <a:p>
             <a:fld id="{27A094A4-5F84-2A42-877A-E2B1935FA535}" type="datetime3">
               <a:rPr lang="en-US" smtClean="0"/>
-              <a:t>24 August 2018</a:t>
+              <a:t>1 September 2018</a:t>
             </a:fld>
             <a:endParaRPr lang="en-US"/>
           </a:p>
@@ -9784,7 +9784,7 @@
           <a:p>
             <a:fld id="{2AAE131B-DC84-3347-B643-2B8F7525AD9B}" type="datetime3">
               <a:rPr lang="en-US" smtClean="0"/>
-              <a:t>24 August 2018</a:t>
+              <a:t>1 September 2018</a:t>
             </a:fld>
             <a:endParaRPr lang="en-US"/>
           </a:p>
@@ -10086,7 +10086,7 @@
           <a:p>
             <a:fld id="{FCC9F8EA-53CF-2145-A82F-DA50B25B5FEC}" type="datetime3">
               <a:rPr lang="en-US" smtClean="0"/>
-              <a:t>24 August 2018</a:t>
+              <a:t>1 September 2018</a:t>
             </a:fld>
             <a:endParaRPr lang="en-US"/>
           </a:p>
@@ -10321,7 +10321,7 @@
           <a:p>
             <a:fld id="{2C8989AB-72DB-8546-9669-2CAAF6BC3DC3}" type="datetime3">
               <a:rPr lang="en-US" smtClean="0"/>
-              <a:t>24 August 2018</a:t>
+              <a:t>1 September 2018</a:t>
             </a:fld>
             <a:endParaRPr lang="en-US"/>
           </a:p>
@@ -10676,7 +10676,7 @@
           <a:p>
             <a:fld id="{6E3FC465-804A-7E4B-993E-EC983464ADD1}" type="datetime3">
               <a:rPr lang="en-US" smtClean="0"/>
-              <a:t>24 August 2018</a:t>
+              <a:t>1 September 2018</a:t>
             </a:fld>
             <a:endParaRPr lang="en-US"/>
           </a:p>
@@ -10847,7 +10847,7 @@
           <a:p>
             <a:fld id="{191AE78A-AD1A-8246-A934-F993DF5F3A88}" type="datetime3">
               <a:rPr lang="en-US" smtClean="0"/>
-              <a:t>24 August 2018</a:t>
+              <a:t>1 September 2018</a:t>
             </a:fld>
             <a:endParaRPr lang="en-US"/>
           </a:p>
@@ -11027,7 +11027,7 @@
           <a:p>
             <a:fld id="{CC53E8C9-64C5-124A-8A36-AF4D7BE62FE7}" type="datetime3">
               <a:rPr lang="en-US" smtClean="0"/>
-              <a:t>24 August 2018</a:t>
+              <a:t>1 September 2018</a:t>
             </a:fld>
             <a:endParaRPr lang="en-US"/>
           </a:p>
@@ -11400,7 +11400,7 @@
           <a:p>
             <a:fld id="{1FA56CEB-BBF8-2647-A17A-98CD0D34208C}" type="datetime3">
               <a:rPr lang="en-US" smtClean="0"/>
-              <a:t>24 August 2018</a:t>
+              <a:t>1 September 2018</a:t>
             </a:fld>
             <a:endParaRPr lang="en-US"/>
           </a:p>
@@ -11631,7 +11631,7 @@
           <a:p>
             <a:fld id="{97AC98E6-9992-6041-A968-ED108F7A8284}" type="datetime3">
               <a:rPr lang="en-US" smtClean="0"/>
-              <a:t>24 August 2018</a:t>
+              <a:t>1 September 2018</a:t>
             </a:fld>
             <a:endParaRPr lang="en-US"/>
           </a:p>
@@ -11971,7 +11971,7 @@
           <a:p>
             <a:fld id="{97728646-3DE4-A644-8A2C-3A2A5C60793B}" type="datetime3">
               <a:rPr lang="en-US" smtClean="0"/>
-              <a:t>24 August 2018</a:t>
+              <a:t>1 September 2018</a:t>
             </a:fld>
             <a:endParaRPr lang="en-US"/>
           </a:p>
@@ -12531,15 +12531,25 @@
           <a:p>
             <a:r>
               <a:rPr lang="en-US" dirty="0"/>
-              <a:t>Optimization and profiling</a:t>
+              <a:t>Need for Speed</a:t>
             </a:r>
             <a:br>
               <a:rPr lang="en-US" dirty="0"/>
             </a:br>
+            <a:r>
+              <a:rPr lang="en-US" sz="2800" dirty="0">
+                <a:solidFill>
+                  <a:schemeClr val="bg1">
+                    <a:lumMod val="65000"/>
+                  </a:schemeClr>
+                </a:solidFill>
+              </a:rPr>
+              <a:t>Optimization and profiling</a:t>
+            </a:r>
             <a:endParaRPr lang="en-GB" dirty="0">
               <a:solidFill>
                 <a:schemeClr val="bg1">
-                  <a:lumMod val="50000"/>
+                  <a:lumMod val="65000"/>
                 </a:schemeClr>
               </a:solidFill>
             </a:endParaRPr>
@@ -12736,7 +12746,7 @@
           <a:p>
             <a:fld id="{AE87D922-CF79-D342-9411-7DD0DDB579BB}" type="datetime3">
               <a:rPr lang="en-US" smtClean="0"/>
-              <a:t>24 August 2018</a:t>
+              <a:t>1 September 2018</a:t>
             </a:fld>
             <a:endParaRPr lang="en-US"/>
           </a:p>
@@ -13028,7 +13038,7 @@
           <a:p>
             <a:fld id="{43055288-B156-C549-95B1-3889E02A2E4E}" type="datetime3">
               <a:rPr lang="en-US" smtClean="0"/>
-              <a:t>24 August 2018</a:t>
+              <a:t>1 September 2018</a:t>
             </a:fld>
             <a:endParaRPr lang="en-US"/>
           </a:p>
@@ -13248,7 +13258,21 @@
                 <a:latin typeface="Courier New" pitchFamily="49" charset="0"/>
                 <a:cs typeface="Courier New" pitchFamily="49" charset="0"/>
               </a:rPr>
-              <a:t> –s cumulative myscript.py</a:t>
+              <a:t> –s </a:t>
+            </a:r>
+            <a:r>
+              <a:rPr lang="en-GB" sz="2000" dirty="0" err="1">
+                <a:latin typeface="Courier New" pitchFamily="49" charset="0"/>
+                <a:cs typeface="Courier New" pitchFamily="49" charset="0"/>
+              </a:rPr>
+              <a:t>cumtime</a:t>
+            </a:r>
+            <a:r>
+              <a:rPr lang="en-GB" sz="2000" dirty="0">
+                <a:latin typeface="Courier New" pitchFamily="49" charset="0"/>
+                <a:cs typeface="Courier New" pitchFamily="49" charset="0"/>
+              </a:rPr>
+              <a:t> myscript.py</a:t>
             </a:r>
             <a:endParaRPr lang="en-GB" sz="2000" dirty="0"/>
           </a:p>
@@ -13342,7 +13366,7 @@
           <a:p>
             <a:fld id="{5EBAB421-1AE0-544D-973E-BEDE8EBA75AE}" type="datetime3">
               <a:rPr lang="en-US" smtClean="0"/>
-              <a:t>24 August 2018</a:t>
+              <a:t>1 September 2018</a:t>
             </a:fld>
             <a:endParaRPr lang="en-US"/>
           </a:p>
@@ -13676,7 +13700,7 @@
           <a:p>
             <a:fld id="{9477087B-A5FB-574D-92A0-69DF296797FA}" type="datetime3">
               <a:rPr lang="en-US" smtClean="0"/>
-              <a:t>24 August 2018</a:t>
+              <a:t>1 September 2018</a:t>
             </a:fld>
             <a:endParaRPr lang="en-US"/>
           </a:p>
@@ -13804,7 +13828,7 @@
           <a:p>
             <a:fld id="{8FD39C5B-896C-7D43-8016-FF23C4AD11F3}" type="datetime3">
               <a:rPr lang="en-US" smtClean="0"/>
-              <a:t>24 August 2018</a:t>
+              <a:t>1 September 2018</a:t>
             </a:fld>
             <a:endParaRPr lang="en-US"/>
           </a:p>
@@ -14010,14 +14034,14 @@
                 <a:latin typeface="Courier New"/>
                 <a:cs typeface="Courier New"/>
               </a:rPr>
-              <a:t> -o </a:t>
+              <a:t> -o factorial.prof3 </a:t>
             </a:r>
             <a:r>
               <a:rPr lang="en-US" sz="2000" dirty="0" err="1">
                 <a:latin typeface="Courier New"/>
                 <a:cs typeface="Courier New"/>
               </a:rPr>
-              <a:t>factorial.prof</a:t>
+              <a:t>factorial.py</a:t>
             </a:r>
             <a:r>
               <a:rPr lang="en-US" sz="2000" dirty="0">
@@ -14026,20 +14050,23 @@
               </a:rPr>
               <a:t> </a:t>
             </a:r>
-            <a:r>
-              <a:rPr lang="en-US" sz="2000" dirty="0" err="1">
-                <a:latin typeface="Courier New"/>
-                <a:cs typeface="Courier New"/>
+          </a:p>
+          <a:p>
+            <a:r>
+              <a:rPr lang="en-US" dirty="0"/>
+              <a:t>Convert Python3 profile format to Python2:</a:t>
+            </a:r>
+            <a:br>
+              <a:rPr lang="en-US" dirty="0"/>
+            </a:br>
+            <a:r>
+              <a:rPr lang="en-US" sz="2000" dirty="0">
+                <a:latin typeface="Courier New" panose="02070309020205020404" pitchFamily="49" charset="0"/>
+                <a:cs typeface="Courier New" panose="02070309020205020404" pitchFamily="49" charset="0"/>
               </a:rPr>
-              <a:t>factorial.py</a:t>
-            </a:r>
-            <a:r>
-              <a:rPr lang="en-US" sz="2000" dirty="0">
-                <a:latin typeface="Courier New"/>
-                <a:cs typeface="Courier New"/>
-              </a:rPr>
-              <a:t> </a:t>
-            </a:r>
+              <a:t>prof3to2 factorial.prof3 factorial.prof2</a:t>
+            </a:r>
+            <a:endParaRPr lang="en-US" sz="2000" dirty="0"/>
           </a:p>
           <a:p>
             <a:r>
@@ -14082,23 +14109,19 @@
               <a:t> </a:t>
             </a:r>
             <a:r>
-              <a:rPr lang="en-US" sz="2000" dirty="0" err="1">
+              <a:rPr lang="en-US" sz="2000" dirty="0">
                 <a:latin typeface="Courier New"/>
                 <a:cs typeface="Courier New"/>
               </a:rPr>
               <a:t>factorial</a:t>
             </a:r>
             <a:r>
-              <a:rPr lang="en-US" sz="2000" dirty="0" err="1">
+              <a:rPr lang="en-US" sz="2000" dirty="0">
                 <a:latin typeface="Courier New" panose="02070309020205020404" pitchFamily="49" charset="0"/>
                 <a:cs typeface="Courier New" panose="02070309020205020404" pitchFamily="49" charset="0"/>
               </a:rPr>
-              <a:t>.prof</a:t>
-            </a:r>
-            <a:endParaRPr lang="en-US" sz="2000" dirty="0">
-              <a:latin typeface="Courier New" panose="02070309020205020404" pitchFamily="49" charset="0"/>
-              <a:cs typeface="Courier New" panose="02070309020205020404" pitchFamily="49" charset="0"/>
-            </a:endParaRPr>
+              <a:t>.prof2</a:t>
+            </a:r>
           </a:p>
           <a:p>
             <a:pPr marL="0" indent="0">
@@ -14134,7 +14157,7 @@
           <a:p>
             <a:fld id="{42341848-F6EB-C74F-A8D6-CBBD13848CF2}" type="datetime3">
               <a:rPr lang="en-US" smtClean="0"/>
-              <a:t>24 August 2018</a:t>
+              <a:t>1 September 2018</a:t>
             </a:fld>
             <a:endParaRPr lang="en-US"/>
           </a:p>
@@ -14346,7 +14369,7 @@
           <a:p>
             <a:fld id="{A4F010E1-36E3-FB44-B652-7EC8E0792939}" type="datetime3">
               <a:rPr lang="en-US" smtClean="0"/>
-              <a:t>24 August 2018</a:t>
+              <a:t>1 September 2018</a:t>
             </a:fld>
             <a:endParaRPr lang="en-US"/>
           </a:p>
@@ -14564,7 +14587,7 @@
           <a:p>
             <a:fld id="{7A1860F8-1B81-684F-B51C-602552DFF6EC}" type="datetime3">
               <a:rPr lang="en-US" smtClean="0"/>
-              <a:t>24 August 2018</a:t>
+              <a:t>1 September 2018</a:t>
             </a:fld>
             <a:endParaRPr lang="en-US"/>
           </a:p>
@@ -14749,7 +14772,7 @@
           <a:p>
             <a:fld id="{01915FF6-898C-CD45-B47B-A398848BBBF4}" type="datetime3">
               <a:rPr lang="en-US" smtClean="0"/>
-              <a:t>24 August 2018</a:t>
+              <a:t>1 September 2018</a:t>
             </a:fld>
             <a:endParaRPr lang="en-US"/>
           </a:p>
@@ -14884,7 +14907,7 @@
           <a:p>
             <a:r>
               <a:rPr lang="en-GB" dirty="0"/>
-              <a:t>Optimizing without tests is irresponsible and punishable in some countries</a:t>
+              <a:t>Optimizing without tests is irresponsible and punishable in some labs</a:t>
             </a:r>
           </a:p>
           <a:p>
@@ -14912,7 +14935,7 @@
           <a:p>
             <a:fld id="{B26AE651-5F45-F144-8A5B-11988996C0FE}" type="datetime3">
               <a:rPr lang="en-US" smtClean="0"/>
-              <a:t>24 August 2018</a:t>
+              <a:t>1 September 2018</a:t>
             </a:fld>
             <a:endParaRPr lang="en-US"/>
           </a:p>
@@ -15307,7 +15330,7 @@
           <a:p>
             <a:fld id="{E361EB80-78D4-6A4A-976F-5A0B4182BF93}" type="datetime3">
               <a:rPr lang="en-US" smtClean="0"/>
-              <a:t>24 August 2018</a:t>
+              <a:t>1 September 2018</a:t>
             </a:fld>
             <a:endParaRPr lang="en-US"/>
           </a:p>
@@ -15407,7 +15430,7 @@
           <a:p>
             <a:fld id="{93D8C46C-6265-B94E-8F2B-475E306DFEAD}" type="datetime3">
               <a:rPr lang="en-US" smtClean="0"/>
-              <a:t>24 August 2018</a:t>
+              <a:t>1 September 2018</a:t>
             </a:fld>
             <a:endParaRPr lang="en-US"/>
           </a:p>
@@ -15566,7 +15589,7 @@
           <a:p>
             <a:fld id="{F24966B7-8108-C447-AA6D-A03462851C3F}" type="datetime3">
               <a:rPr lang="en-US" smtClean="0"/>
-              <a:t>24 August 2018</a:t>
+              <a:t>1 September 2018</a:t>
             </a:fld>
             <a:endParaRPr lang="en-US"/>
           </a:p>
@@ -15905,7 +15928,7 @@
           <a:p>
             <a:fld id="{D58449BB-632F-5A44-9D7B-214A298F2A8B}" type="datetime3">
               <a:rPr lang="en-US" smtClean="0"/>
-              <a:t>24 August 2018</a:t>
+              <a:t>1 September 2018</a:t>
             </a:fld>
             <a:endParaRPr lang="en-US"/>
           </a:p>
@@ -16151,7 +16174,7 @@
           <a:p>
             <a:r>
               <a:rPr lang="en-US" dirty="0"/>
-              <a:t>In many cases, scientist time, not computer time is the bottleneck</a:t>
+              <a:t>In many cases, researcher time, not computer time is the bottleneck</a:t>
             </a:r>
           </a:p>
           <a:p>
@@ -16223,7 +16246,7 @@
           <a:p>
             <a:fld id="{EB7A7E46-A1D9-514F-9216-F785A3B03EE6}" type="datetime3">
               <a:rPr lang="en-US" smtClean="0"/>
-              <a:t>24 August 2018</a:t>
+              <a:t>1 September 2018</a:t>
             </a:fld>
             <a:endParaRPr lang="en-US"/>
           </a:p>
@@ -16600,7 +16623,7 @@
           <a:p>
             <a:fld id="{6D750DC8-0C38-884B-B5DB-821F2B388C5C}" type="datetime3">
               <a:rPr lang="en-US" smtClean="0"/>
-              <a:t>24 August 2018</a:t>
+              <a:t>1 September 2018</a:t>
             </a:fld>
             <a:endParaRPr lang="en-US"/>
           </a:p>
@@ -16833,7 +16856,7 @@
           <a:p>
             <a:fld id="{16D42553-8134-694E-B259-1E40507E9FDE}" type="datetime3">
               <a:rPr lang="en-US" smtClean="0"/>
-              <a:t>24 August 2018</a:t>
+              <a:t>1 September 2018</a:t>
             </a:fld>
             <a:endParaRPr lang="en-US"/>
           </a:p>
@@ -16971,8 +16994,20 @@
           <a:lstStyle/>
           <a:p>
             <a:r>
+              <a:rPr lang="en-GB" dirty="0" err="1"/>
+              <a:t>Jupyter</a:t>
+            </a:r>
+            <a:r>
               <a:rPr lang="en-GB" dirty="0"/>
-              <a:t>IPython magic command: </a:t>
+              <a:t>/</a:t>
+            </a:r>
+            <a:r>
+              <a:rPr lang="en-GB" dirty="0" err="1"/>
+              <a:t>IPython</a:t>
+            </a:r>
+            <a:r>
+              <a:rPr lang="en-GB" dirty="0"/>
+              <a:t> magic command: </a:t>
             </a:r>
             <a:r>
               <a:rPr lang="en-GB" dirty="0">
@@ -17047,7 +17082,7 @@
           <a:p>
             <a:fld id="{5A81B0F4-7747-9145-A4AB-73B1BCE3355D}" type="datetime3">
               <a:rPr lang="en-US" smtClean="0"/>
-              <a:t>24 August 2018</a:t>
+              <a:t>1 September 2018</a:t>
             </a:fld>
             <a:endParaRPr lang="en-US"/>
           </a:p>
@@ -17239,13 +17274,16 @@
           <a:p>
             <a:r>
               <a:rPr lang="en-US" dirty="0"/>
-              <a:t>Time </a:t>
+              <a:t>Write a version using </a:t>
             </a:r>
             <a:r>
               <a:rPr lang="en-US" dirty="0" err="1"/>
               <a:t>numpy.dot</a:t>
             </a:r>
-            <a:endParaRPr lang="en-US" dirty="0"/>
+            <a:r>
+              <a:rPr lang="en-US" dirty="0"/>
+              <a:t>, time it again</a:t>
+            </a:r>
           </a:p>
           <a:p>
             <a:r>
@@ -17272,7 +17310,7 @@
           <a:p>
             <a:fld id="{8335CCD4-CF8D-1A48-B302-35A911DB186F}" type="datetime3">
               <a:rPr lang="en-US" smtClean="0"/>
-              <a:t>24 August 2018</a:t>
+              <a:t>1 September 2018</a:t>
             </a:fld>
             <a:endParaRPr lang="en-US"/>
           </a:p>
